--- a/spring13/slides13/prob-intro-tree-model.pptx
+++ b/spring13/slides13/prob-intro-tree-model.pptx
@@ -5,10 +5,10 @@
     <p:sldMasterId id="2147483650" r:id="rId1"/>
   </p:sldMasterIdLst>
   <p:notesMasterIdLst>
-    <p:notesMasterId r:id="rId22"/>
+    <p:notesMasterId r:id="rId21"/>
   </p:notesMasterIdLst>
   <p:handoutMasterIdLst>
-    <p:handoutMasterId r:id="rId23"/>
+    <p:handoutMasterId r:id="rId22"/>
   </p:handoutMasterIdLst>
   <p:sldIdLst>
     <p:sldId id="256" r:id="rId2"/>
@@ -30,12 +30,11 @@
     <p:sldId id="272" r:id="rId18"/>
     <p:sldId id="273" r:id="rId19"/>
     <p:sldId id="275" r:id="rId20"/>
-    <p:sldId id="289" r:id="rId21"/>
   </p:sldIdLst>
   <p:sldSz cx="9144000" cy="6858000" type="screen4x3"/>
   <p:notesSz cx="9601200" cy="7315200"/>
   <p:custDataLst>
-    <p:tags r:id="rId25"/>
+    <p:tags r:id="rId24"/>
   </p:custDataLst>
   <p:defaultTextStyle>
     <a:defPPr>
@@ -2261,123 +2260,6 @@
 </p:notes>
 </file>
 
-<file path=ppt/notesSlides/notesSlide20.xml><?xml version="1.0" encoding="utf-8"?>
-<p:notes xmlns:a="http://schemas.openxmlformats.org/drawingml/2006/main" xmlns:r="http://schemas.openxmlformats.org/officeDocument/2006/relationships" xmlns:p="http://schemas.openxmlformats.org/presentationml/2006/main">
-  <p:cSld>
-    <p:spTree>
-      <p:nvGrpSpPr>
-        <p:cNvPr id="1" name=""/>
-        <p:cNvGrpSpPr/>
-        <p:nvPr/>
-      </p:nvGrpSpPr>
-      <p:grpSpPr>
-        <a:xfrm>
-          <a:off x="0" y="0"/>
-          <a:ext cx="0" cy="0"/>
-          <a:chOff x="0" y="0"/>
-          <a:chExt cx="0" cy="0"/>
-        </a:xfrm>
-      </p:grpSpPr>
-      <p:sp>
-        <p:nvSpPr>
-          <p:cNvPr id="52226" name="Slide Image Placeholder 1"/>
-          <p:cNvSpPr>
-            <a:spLocks noGrp="1" noRot="1" noChangeAspect="1" noTextEdit="1"/>
-          </p:cNvSpPr>
-          <p:nvPr>
-            <p:ph type="sldImg"/>
-          </p:nvPr>
-        </p:nvSpPr>
-        <p:spPr>
-          <a:ln/>
-        </p:spPr>
-      </p:sp>
-      <p:sp>
-        <p:nvSpPr>
-          <p:cNvPr id="52227" name="Notes Placeholder 2"/>
-          <p:cNvSpPr>
-            <a:spLocks noGrp="1"/>
-          </p:cNvSpPr>
-          <p:nvPr>
-            <p:ph type="body" idx="1"/>
-          </p:nvPr>
-        </p:nvSpPr>
-        <p:spPr>
-          <a:noFill/>
-          <a:ln/>
-        </p:spPr>
-        <p:txBody>
-          <a:bodyPr/>
-          <a:lstStyle/>
-          <a:p>
-            <a:pPr eaLnBrk="1" hangingPunct="1"/>
-            <a:endParaRPr lang="en-US" smtClean="0">
-              <a:latin typeface="Times New Roman" pitchFamily="-128" charset="0"/>
-            </a:endParaRPr>
-          </a:p>
-        </p:txBody>
-      </p:sp>
-      <p:sp>
-        <p:nvSpPr>
-          <p:cNvPr id="52228" name="Slide Number Placeholder 3"/>
-          <p:cNvSpPr>
-            <a:spLocks noGrp="1"/>
-          </p:cNvSpPr>
-          <p:nvPr>
-            <p:ph type="sldNum" sz="quarter" idx="5"/>
-          </p:nvPr>
-        </p:nvSpPr>
-        <p:spPr>
-          <a:noFill/>
-        </p:spPr>
-        <p:txBody>
-          <a:bodyPr/>
-          <a:lstStyle/>
-          <a:p>
-            <a:fld id="{4894881A-023E-4A32-AC3B-63CDE95BB983}" type="slidenum">
-              <a:rPr lang="en-US" smtClean="0">
-                <a:latin typeface="Times New Roman" pitchFamily="-128" charset="0"/>
-              </a:rPr>
-              <a:pPr/>
-              <a:t>20</a:t>
-            </a:fld>
-            <a:endParaRPr lang="en-US" smtClean="0">
-              <a:latin typeface="Times New Roman" pitchFamily="-128" charset="0"/>
-            </a:endParaRPr>
-          </a:p>
-        </p:txBody>
-      </p:sp>
-      <p:sp>
-        <p:nvSpPr>
-          <p:cNvPr id="52229" name="Footer Placeholder 4"/>
-          <p:cNvSpPr>
-            <a:spLocks noGrp="1"/>
-          </p:cNvSpPr>
-          <p:nvPr>
-            <p:ph type="ftr" sz="quarter" idx="4"/>
-          </p:nvPr>
-        </p:nvSpPr>
-        <p:spPr>
-          <a:noFill/>
-        </p:spPr>
-        <p:txBody>
-          <a:bodyPr/>
-          <a:lstStyle/>
-          <a:p>
-            <a:endParaRPr lang="en-US" smtClean="0">
-              <a:latin typeface="Times New Roman" pitchFamily="-128" charset="0"/>
-            </a:endParaRPr>
-          </a:p>
-        </p:txBody>
-      </p:sp>
-    </p:spTree>
-  </p:cSld>
-  <p:clrMapOvr>
-    <a:masterClrMapping/>
-  </p:clrMapOvr>
-</p:notes>
-</file>
-
 <file path=ppt/notesSlides/notesSlide3.xml><?xml version="1.0" encoding="utf-8"?>
 <p:notes xmlns:a="http://schemas.openxmlformats.org/drawingml/2006/main" xmlns:r="http://schemas.openxmlformats.org/officeDocument/2006/relationships" xmlns:p="http://schemas.openxmlformats.org/presentationml/2006/main">
   <p:cSld>
@@ -3933,116 +3815,6 @@
 
 <file path=ppt/slideLayouts/slideLayout15.xml><?xml version="1.0" encoding="utf-8"?>
 <p:sldLayout xmlns:a="http://schemas.openxmlformats.org/drawingml/2006/main" xmlns:r="http://schemas.openxmlformats.org/officeDocument/2006/relationships" xmlns:p="http://schemas.openxmlformats.org/presentationml/2006/main" userDrawn="1">
-  <p:cSld name="8_Title and Content">
-    <p:spTree>
-      <p:nvGrpSpPr>
-        <p:cNvPr id="1" name=""/>
-        <p:cNvGrpSpPr/>
-        <p:nvPr/>
-      </p:nvGrpSpPr>
-      <p:grpSpPr>
-        <a:xfrm>
-          <a:off x="0" y="0"/>
-          <a:ext cx="0" cy="0"/>
-          <a:chOff x="0" y="0"/>
-          <a:chExt cx="0" cy="0"/>
-        </a:xfrm>
-      </p:grpSpPr>
-      <p:sp>
-        <p:nvSpPr>
-          <p:cNvPr id="5" name="Title 4"/>
-          <p:cNvSpPr>
-            <a:spLocks noGrp="1"/>
-          </p:cNvSpPr>
-          <p:nvPr>
-            <p:ph type="title"/>
-          </p:nvPr>
-        </p:nvSpPr>
-        <p:spPr/>
-        <p:txBody>
-          <a:bodyPr/>
-          <a:lstStyle/>
-          <a:p>
-            <a:r>
-              <a:rPr lang="en-US" smtClean="0"/>
-              <a:t>Click to edit Master title style</a:t>
-            </a:r>
-            <a:endParaRPr lang="en-US"/>
-          </a:p>
-        </p:txBody>
-      </p:sp>
-      <p:sp>
-        <p:nvSpPr>
-          <p:cNvPr id="3" name="Rectangle 11"/>
-          <p:cNvSpPr>
-            <a:spLocks noGrp="1" noChangeArrowheads="1"/>
-          </p:cNvSpPr>
-          <p:nvPr>
-            <p:ph type="sldNum" sz="quarter" idx="4"/>
-          </p:nvPr>
-        </p:nvSpPr>
-        <p:spPr bwMode="auto">
-          <a:xfrm>
-            <a:off x="6400800" y="6613525"/>
-            <a:ext cx="2667000" cy="244475"/>
-          </a:xfrm>
-          <a:prstGeom prst="rect">
-            <a:avLst/>
-          </a:prstGeom>
-          <a:noFill/>
-          <a:ln w="9525">
-            <a:noFill/>
-            <a:miter lim="800000"/>
-            <a:headEnd/>
-            <a:tailEnd/>
-          </a:ln>
-          <a:effectLst/>
-        </p:spPr>
-        <p:txBody>
-          <a:bodyPr vert="horz" wrap="square" lIns="91440" tIns="45720" rIns="91440" bIns="45720" numCol="1" anchor="t" anchorCtr="0" compatLnSpc="1">
-            <a:prstTxWarp prst="textNoShape">
-              <a:avLst/>
-            </a:prstTxWarp>
-            <a:spAutoFit/>
-          </a:bodyPr>
-          <a:lstStyle>
-            <a:lvl1pPr algn="r">
-              <a:defRPr sz="1000"/>
-            </a:lvl1pPr>
-          </a:lstStyle>
-          <a:p>
-            <a:pPr>
-              <a:defRPr/>
-            </a:pPr>
-            <a:r>
-              <a:rPr lang="en-US" dirty="0" err="1" smtClean="0"/>
-              <a:t>lec</a:t>
-            </a:r>
-            <a:r>
-              <a:rPr lang="en-US" dirty="0" smtClean="0"/>
-              <a:t> 13W.</a:t>
-            </a:r>
-            <a:fld id="{17233D2A-0857-4415-88C1-423492E69A26}" type="slidenum">
-              <a:rPr lang="en-US" smtClean="0"/>
-              <a:pPr>
-                <a:defRPr/>
-              </a:pPr>
-              <a:t>‹#›</a:t>
-            </a:fld>
-            <a:endParaRPr lang="en-US" dirty="0"/>
-          </a:p>
-        </p:txBody>
-      </p:sp>
-    </p:spTree>
-  </p:cSld>
-  <p:clrMapOvr>
-    <a:masterClrMapping/>
-  </p:clrMapOvr>
-</p:sldLayout>
-</file>
-
-<file path=ppt/slideLayouts/slideLayout16.xml><?xml version="1.0" encoding="utf-8"?>
-<p:sldLayout xmlns:a="http://schemas.openxmlformats.org/drawingml/2006/main" xmlns:r="http://schemas.openxmlformats.org/officeDocument/2006/relationships" xmlns:p="http://schemas.openxmlformats.org/presentationml/2006/main" userDrawn="1">
   <p:cSld name="9_Title and Content">
     <p:spTree>
       <p:nvGrpSpPr>
@@ -4089,7 +3861,7 @@
 </p:sldLayout>
 </file>
 
-<file path=ppt/slideLayouts/slideLayout17.xml><?xml version="1.0" encoding="utf-8"?>
+<file path=ppt/slideLayouts/slideLayout16.xml><?xml version="1.0" encoding="utf-8"?>
 <p:sldLayout xmlns:a="http://schemas.openxmlformats.org/drawingml/2006/main" xmlns:r="http://schemas.openxmlformats.org/officeDocument/2006/relationships" xmlns:p="http://schemas.openxmlformats.org/presentationml/2006/main" userDrawn="1">
   <p:cSld name="13_Title and Content">
     <p:spTree>
@@ -5583,7 +5355,7 @@
           <p:nvPr userDrawn="1"/>
         </p:nvPicPr>
         <p:blipFill>
-          <a:blip r:embed="rId19"/>
+          <a:blip r:embed="rId18"/>
           <a:srcRect/>
           <a:stretch>
             <a:fillRect/>
@@ -5683,7 +5455,7 @@
           <p:nvPr userDrawn="1"/>
         </p:nvPicPr>
         <p:blipFill>
-          <a:blip r:embed="rId20"/>
+          <a:blip r:embed="rId19"/>
           <a:stretch>
             <a:fillRect/>
           </a:stretch>
@@ -5716,9 +5488,8 @@
     <p:sldLayoutId id="2147483669" r:id="rId12"/>
     <p:sldLayoutId id="2147483670" r:id="rId13"/>
     <p:sldLayoutId id="2147483671" r:id="rId14"/>
-    <p:sldLayoutId id="2147483672" r:id="rId15"/>
-    <p:sldLayoutId id="2147483673" r:id="rId16"/>
-    <p:sldLayoutId id="2147483677" r:id="rId17"/>
+    <p:sldLayoutId id="2147483673" r:id="rId15"/>
+    <p:sldLayoutId id="2147483677" r:id="rId16"/>
   </p:sldLayoutIdLst>
   <p:hf hdr="0" ftr="0" dt="0"/>
   <p:txStyles>
@@ -12697,13 +12468,7 @@
               <a:rPr lang="en-US" sz="4500" dirty="0" smtClean="0">
                 <a:latin typeface="Comic Sans MS" pitchFamily="-128" charset="0"/>
               </a:rPr>
-              <a:t> the prize (by symmetry), </a:t>
-            </a:r>
-            <a:r>
-              <a:rPr lang="en-US" sz="4500" dirty="0" smtClean="0">
-                <a:latin typeface="Comic Sans MS" pitchFamily="-128" charset="0"/>
-              </a:rPr>
-              <a:t>so</a:t>
+              <a:t> the prize (by symmetry), so</a:t>
             </a:r>
           </a:p>
           <a:p>
@@ -12724,19 +12489,7 @@
               <a:rPr lang="en-US" sz="4500" dirty="0" smtClean="0">
                 <a:latin typeface="Comic Sans MS" pitchFamily="-128" charset="0"/>
               </a:rPr>
-              <a:t>both </a:t>
-            </a:r>
-            <a:r>
-              <a:rPr lang="en-US" sz="4500" dirty="0" smtClean="0">
-                <a:latin typeface="Comic Sans MS" pitchFamily="-128" charset="0"/>
-              </a:rPr>
-              <a:t>strategies win </a:t>
-            </a:r>
-            <a:r>
-              <a:rPr lang="en-US" sz="4500" dirty="0" smtClean="0">
-                <a:latin typeface="Comic Sans MS" pitchFamily="-128" charset="0"/>
-              </a:rPr>
-              <a:t>with</a:t>
+              <a:t>both strategies win with</a:t>
             </a:r>
           </a:p>
           <a:p>
@@ -12757,13 +12510,7 @@
               <a:rPr lang="en-US" sz="4500" dirty="0" smtClean="0">
                 <a:latin typeface="Comic Sans MS" pitchFamily="-128" charset="0"/>
               </a:rPr>
-              <a:t>probability</a:t>
-            </a:r>
-            <a:r>
-              <a:rPr lang="en-US" sz="4500" dirty="0" smtClean="0">
-                <a:latin typeface="Comic Sans MS" pitchFamily="-128" charset="0"/>
-              </a:rPr>
-              <a:t>: </a:t>
+              <a:t>probability: </a:t>
             </a:r>
             <a:r>
               <a:rPr lang="en-US" sz="4500" dirty="0" smtClean="0">
@@ -18732,13 +18479,13 @@
   <p:clrMapOvr>
     <a:masterClrMapping/>
   </p:clrMapOvr>
-  <mc:AlternateContent xmlns:mc="http://schemas.openxmlformats.org/markup-compatibility/2006">
-    <mc:Choice xmlns:p14="http://schemas.microsoft.com/office/powerpoint/2010/main" Requires="p14">
+  <mc:AlternateContent xmlns:mc="http://schemas.openxmlformats.org/markup-compatibility/2006" xmlns:p14="http://schemas.microsoft.com/office/powerpoint/2010/main">
+    <mc:Choice Requires="p14">
       <p:transition spd="med" p14:dur="700" advClick="0">
         <p:fade thruBlk="1"/>
       </p:transition>
     </mc:Choice>
-    <mc:Fallback>
+    <mc:Fallback xmlns="">
       <p:transition xmlns:p14="http://schemas.microsoft.com/office/powerpoint/2010/main" spd="med" advClick="0">
         <p:fade thruBlk="1"/>
       </p:transition>
@@ -20919,7 +20666,7 @@
   <p:clrMapOvr>
     <a:masterClrMapping/>
   </p:clrMapOvr>
-  <p:transition xmlns:p14="http://schemas.microsoft.com/office/powerpoint/2010/main" spd="slow">
+  <p:transition xmlns:p14="http://schemas.microsoft.com/office/powerpoint/2010/main" spd="slow" advClick="0">
     <p:fade thruBlk="1"/>
   </p:transition>
   <p:timing>
@@ -21556,1334 +21303,6 @@
 </p:sld>
 </file>
 
-<file path=ppt/slides/slide20.xml><?xml version="1.0" encoding="utf-8"?>
-<p:sld xmlns:a="http://schemas.openxmlformats.org/drawingml/2006/main" xmlns:r="http://schemas.openxmlformats.org/officeDocument/2006/relationships" xmlns:p="http://schemas.openxmlformats.org/presentationml/2006/main">
-  <p:cSld>
-    <p:spTree>
-      <p:nvGrpSpPr>
-        <p:cNvPr id="1" name=""/>
-        <p:cNvGrpSpPr/>
-        <p:nvPr/>
-      </p:nvGrpSpPr>
-      <p:grpSpPr>
-        <a:xfrm>
-          <a:off x="0" y="0"/>
-          <a:ext cx="0" cy="0"/>
-          <a:chOff x="0" y="0"/>
-          <a:chExt cx="0" cy="0"/>
-        </a:xfrm>
-      </p:grpSpPr>
-      <p:sp>
-        <p:nvSpPr>
-          <p:cNvPr id="44065" name="Text Box 33"/>
-          <p:cNvSpPr txBox="1">
-            <a:spLocks noChangeArrowheads="1"/>
-          </p:cNvSpPr>
-          <p:nvPr/>
-        </p:nvSpPr>
-        <p:spPr bwMode="auto">
-          <a:xfrm>
-            <a:off x="533400" y="1371600"/>
-            <a:ext cx="8077200" cy="1569660"/>
-          </a:xfrm>
-          <a:prstGeom prst="rect">
-            <a:avLst/>
-          </a:prstGeom>
-          <a:noFill/>
-          <a:ln w="9525">
-            <a:noFill/>
-            <a:miter lim="800000"/>
-            <a:headEnd/>
-            <a:tailEnd/>
-          </a:ln>
-        </p:spPr>
-        <p:txBody>
-          <a:bodyPr wrap="square">
-            <a:spAutoFit/>
-          </a:bodyPr>
-          <a:lstStyle/>
-          <a:p>
-            <a:r>
-              <a:rPr lang="en-US" sz="4800" dirty="0" smtClean="0">
-                <a:solidFill>
-                  <a:srgbClr val="7030A0"/>
-                </a:solidFill>
-                <a:latin typeface="Comic Sans MS" pitchFamily="-128" charset="0"/>
-              </a:rPr>
-              <a:t>SWITCH</a:t>
-            </a:r>
-            <a:r>
-              <a:rPr lang="en-US" sz="4800" dirty="0" smtClean="0">
-                <a:latin typeface="Comic Sans MS" pitchFamily="-128" charset="0"/>
-              </a:rPr>
-              <a:t> </a:t>
-            </a:r>
-            <a:r>
-              <a:rPr lang="en-US" sz="4800" dirty="0">
-                <a:latin typeface="Comic Sans MS" pitchFamily="-128" charset="0"/>
-              </a:rPr>
-              <a:t>strategy wins </a:t>
-            </a:r>
-            <a:r>
-              <a:rPr lang="en-US" sz="4800" u="sng" dirty="0" err="1">
-                <a:latin typeface="Comic Sans MS" pitchFamily="-128" charset="0"/>
-              </a:rPr>
-              <a:t>iff</a:t>
-            </a:r>
-            <a:endParaRPr lang="en-US" sz="4800" dirty="0">
-              <a:latin typeface="Comic Sans MS" pitchFamily="-128" charset="0"/>
-            </a:endParaRPr>
-          </a:p>
-          <a:p>
-            <a:r>
-              <a:rPr lang="en-US" sz="4800" dirty="0" smtClean="0">
-                <a:latin typeface="Comic Sans MS" pitchFamily="-128" charset="0"/>
-              </a:rPr>
-              <a:t>prize door </a:t>
-            </a:r>
-            <a:r>
-              <a:rPr lang="en-US" sz="4800" dirty="0" smtClean="0">
-                <a:solidFill>
-                  <a:srgbClr val="CC00CC"/>
-                </a:solidFill>
-                <a:latin typeface="Comic Sans MS" pitchFamily="-128" charset="0"/>
-              </a:rPr>
-              <a:t>not</a:t>
-            </a:r>
-            <a:r>
-              <a:rPr lang="en-US" sz="4800" dirty="0" smtClean="0">
-                <a:latin typeface="Comic Sans MS" pitchFamily="-128" charset="0"/>
-              </a:rPr>
-              <a:t> picked:</a:t>
-            </a:r>
-            <a:endParaRPr lang="en-US" sz="4800" dirty="0">
-              <a:latin typeface="Comic Sans MS" pitchFamily="-128" charset="0"/>
-            </a:endParaRPr>
-          </a:p>
-        </p:txBody>
-      </p:sp>
-      <p:sp>
-        <p:nvSpPr>
-          <p:cNvPr id="20483" name="Text Box 34"/>
-          <p:cNvSpPr txBox="1">
-            <a:spLocks noChangeArrowheads="1"/>
-          </p:cNvSpPr>
-          <p:nvPr/>
-        </p:nvSpPr>
-        <p:spPr bwMode="auto">
-          <a:xfrm>
-            <a:off x="1447800" y="457200"/>
-            <a:ext cx="5541902" cy="723275"/>
-          </a:xfrm>
-          <a:prstGeom prst="rect">
-            <a:avLst/>
-          </a:prstGeom>
-          <a:noFill/>
-          <a:ln w="9525">
-            <a:noFill/>
-            <a:miter lim="800000"/>
-            <a:headEnd/>
-            <a:tailEnd/>
-          </a:ln>
-        </p:spPr>
-        <p:txBody>
-          <a:bodyPr wrap="none">
-            <a:spAutoFit/>
-          </a:bodyPr>
-          <a:lstStyle/>
-          <a:p>
-            <a:r>
-              <a:rPr lang="en-US" sz="4100" b="1" dirty="0" smtClean="0">
-                <a:latin typeface="Comic Sans MS" pitchFamily="-128" charset="0"/>
-              </a:rPr>
-              <a:t>really simple analysis</a:t>
-            </a:r>
-            <a:endParaRPr lang="en-US" sz="4100" b="1" dirty="0"/>
-          </a:p>
-        </p:txBody>
-      </p:sp>
-      <p:grpSp>
-        <p:nvGrpSpPr>
-          <p:cNvPr id="2" name="Group 23"/>
-          <p:cNvGrpSpPr/>
-          <p:nvPr/>
-        </p:nvGrpSpPr>
-        <p:grpSpPr>
-          <a:xfrm>
-            <a:off x="685800" y="3200400"/>
-            <a:ext cx="4009431" cy="3146286"/>
-            <a:chOff x="685800" y="3200400"/>
-            <a:chExt cx="4009431" cy="3146286"/>
-          </a:xfrm>
-        </p:grpSpPr>
-        <p:sp>
-          <p:nvSpPr>
-            <p:cNvPr id="4" name="Oval 3"/>
-            <p:cNvSpPr/>
-            <p:nvPr/>
-          </p:nvSpPr>
-          <p:spPr>
-            <a:xfrm>
-              <a:off x="1447800" y="4267200"/>
-              <a:ext cx="152400" cy="152400"/>
-            </a:xfrm>
-            <a:prstGeom prst="ellipse">
-              <a:avLst/>
-            </a:prstGeom>
-            <a:solidFill>
-              <a:schemeClr val="tx1"/>
-            </a:solidFill>
-            <a:ln w="34925">
-              <a:noFill/>
-            </a:ln>
-          </p:spPr>
-          <p:style>
-            <a:lnRef idx="2">
-              <a:schemeClr val="accent1">
-                <a:shade val="50000"/>
-              </a:schemeClr>
-            </a:lnRef>
-            <a:fillRef idx="1">
-              <a:schemeClr val="accent1"/>
-            </a:fillRef>
-            <a:effectRef idx="0">
-              <a:schemeClr val="accent1"/>
-            </a:effectRef>
-            <a:fontRef idx="minor">
-              <a:schemeClr val="lt1"/>
-            </a:fontRef>
-          </p:style>
-          <p:txBody>
-            <a:bodyPr rtlCol="0" anchor="ctr"/>
-            <a:lstStyle/>
-            <a:p>
-              <a:pPr algn="ctr"/>
-              <a:endParaRPr lang="en-US"/>
-            </a:p>
-          </p:txBody>
-        </p:sp>
-        <p:sp>
-          <p:nvSpPr>
-            <p:cNvPr id="5" name="Oval 4"/>
-            <p:cNvSpPr/>
-            <p:nvPr/>
-          </p:nvSpPr>
-          <p:spPr>
-            <a:xfrm>
-              <a:off x="3200400" y="5410200"/>
-              <a:ext cx="152400" cy="152400"/>
-            </a:xfrm>
-            <a:prstGeom prst="ellipse">
-              <a:avLst/>
-            </a:prstGeom>
-            <a:solidFill>
-              <a:schemeClr val="tx1"/>
-            </a:solidFill>
-            <a:ln w="34925">
-              <a:noFill/>
-            </a:ln>
-          </p:spPr>
-          <p:style>
-            <a:lnRef idx="2">
-              <a:schemeClr val="accent1">
-                <a:shade val="50000"/>
-              </a:schemeClr>
-            </a:lnRef>
-            <a:fillRef idx="1">
-              <a:schemeClr val="accent1"/>
-            </a:fillRef>
-            <a:effectRef idx="0">
-              <a:schemeClr val="accent1"/>
-            </a:effectRef>
-            <a:fontRef idx="minor">
-              <a:schemeClr val="lt1"/>
-            </a:fontRef>
-          </p:style>
-          <p:txBody>
-            <a:bodyPr rtlCol="0" anchor="ctr"/>
-            <a:lstStyle/>
-            <a:p>
-              <a:pPr algn="ctr"/>
-              <a:endParaRPr lang="en-US"/>
-            </a:p>
-          </p:txBody>
-        </p:sp>
-        <p:sp>
-          <p:nvSpPr>
-            <p:cNvPr id="6" name="Oval 5"/>
-            <p:cNvSpPr/>
-            <p:nvPr/>
-          </p:nvSpPr>
-          <p:spPr>
-            <a:xfrm>
-              <a:off x="3276600" y="3200400"/>
-              <a:ext cx="152400" cy="152400"/>
-            </a:xfrm>
-            <a:prstGeom prst="ellipse">
-              <a:avLst/>
-            </a:prstGeom>
-            <a:solidFill>
-              <a:schemeClr val="tx1"/>
-            </a:solidFill>
-            <a:ln w="34925">
-              <a:noFill/>
-            </a:ln>
-          </p:spPr>
-          <p:style>
-            <a:lnRef idx="2">
-              <a:schemeClr val="accent1">
-                <a:shade val="50000"/>
-              </a:schemeClr>
-            </a:lnRef>
-            <a:fillRef idx="1">
-              <a:schemeClr val="accent1"/>
-            </a:fillRef>
-            <a:effectRef idx="0">
-              <a:schemeClr val="accent1"/>
-            </a:effectRef>
-            <a:fontRef idx="minor">
-              <a:schemeClr val="lt1"/>
-            </a:fontRef>
-          </p:style>
-          <p:txBody>
-            <a:bodyPr rtlCol="0" anchor="ctr"/>
-            <a:lstStyle/>
-            <a:p>
-              <a:pPr algn="ctr"/>
-              <a:endParaRPr lang="en-US"/>
-            </a:p>
-          </p:txBody>
-        </p:sp>
-        <p:grpSp>
-          <p:nvGrpSpPr>
-            <p:cNvPr id="3" name="Group 17"/>
-            <p:cNvGrpSpPr/>
-            <p:nvPr/>
-          </p:nvGrpSpPr>
-          <p:grpSpPr>
-            <a:xfrm>
-              <a:off x="685800" y="3330482"/>
-              <a:ext cx="4009431" cy="3016204"/>
-              <a:chOff x="2184167" y="3330482"/>
-              <a:chExt cx="4009431" cy="3016204"/>
-            </a:xfrm>
-          </p:grpSpPr>
-          <p:cxnSp>
-            <p:nvCxnSpPr>
-              <p:cNvPr id="8" name="Straight Connector 7"/>
-              <p:cNvCxnSpPr>
-                <a:stCxn id="4" idx="6"/>
-                <a:endCxn id="6" idx="3"/>
-              </p:cNvCxnSpPr>
-              <p:nvPr/>
-            </p:nvCxnSpPr>
-            <p:spPr>
-              <a:xfrm flipV="1">
-                <a:off x="3098567" y="3330482"/>
-                <a:ext cx="1698718" cy="1012918"/>
-              </a:xfrm>
-              <a:prstGeom prst="line">
-                <a:avLst/>
-              </a:prstGeom>
-              <a:ln w="38100">
-                <a:solidFill>
-                  <a:schemeClr val="tx1"/>
-                </a:solidFill>
-              </a:ln>
-            </p:spPr>
-            <p:style>
-              <a:lnRef idx="1">
-                <a:schemeClr val="accent1"/>
-              </a:lnRef>
-              <a:fillRef idx="0">
-                <a:schemeClr val="accent1"/>
-              </a:fillRef>
-              <a:effectRef idx="0">
-                <a:schemeClr val="accent1"/>
-              </a:effectRef>
-              <a:fontRef idx="minor">
-                <a:schemeClr val="tx1"/>
-              </a:fontRef>
-            </p:style>
-          </p:cxnSp>
-          <p:cxnSp>
-            <p:nvCxnSpPr>
-              <p:cNvPr id="9" name="Straight Connector 8"/>
-              <p:cNvCxnSpPr>
-                <a:stCxn id="4" idx="5"/>
-                <a:endCxn id="5" idx="1"/>
-              </p:cNvCxnSpPr>
-              <p:nvPr/>
-            </p:nvCxnSpPr>
-            <p:spPr>
-              <a:xfrm rot="16200000" flipH="1">
-                <a:off x="3381049" y="4092482"/>
-                <a:ext cx="1035236" cy="1644836"/>
-              </a:xfrm>
-              <a:prstGeom prst="line">
-                <a:avLst/>
-              </a:prstGeom>
-              <a:ln w="38100">
-                <a:solidFill>
-                  <a:schemeClr val="tx1"/>
-                </a:solidFill>
-              </a:ln>
-            </p:spPr>
-            <p:style>
-              <a:lnRef idx="1">
-                <a:schemeClr val="accent1"/>
-              </a:lnRef>
-              <a:fillRef idx="0">
-                <a:schemeClr val="accent1"/>
-              </a:fillRef>
-              <a:effectRef idx="0">
-                <a:schemeClr val="accent1"/>
-              </a:effectRef>
-              <a:fontRef idx="minor">
-                <a:schemeClr val="tx1"/>
-              </a:fontRef>
-            </p:style>
-          </p:cxnSp>
-          <p:sp>
-            <p:nvSpPr>
-              <p:cNvPr id="12" name="TextBox 11"/>
-              <p:cNvSpPr txBox="1"/>
-              <p:nvPr/>
-            </p:nvSpPr>
-            <p:spPr>
-              <a:xfrm>
-                <a:off x="2184167" y="5638800"/>
-                <a:ext cx="4009431" cy="707886"/>
-              </a:xfrm>
-              <a:prstGeom prst="rect">
-                <a:avLst/>
-              </a:prstGeom>
-              <a:noFill/>
-            </p:spPr>
-            <p:txBody>
-              <a:bodyPr wrap="none" rtlCol="0">
-                <a:spAutoFit/>
-              </a:bodyPr>
-              <a:lstStyle/>
-              <a:p>
-                <a:r>
-                  <a:rPr lang="en-US" sz="4000" dirty="0" smtClean="0">
-                    <a:latin typeface="Comic Sans MS" pitchFamily="66" charset="0"/>
-                  </a:rPr>
-                  <a:t>picks prize door</a:t>
-                </a:r>
-              </a:p>
-            </p:txBody>
-          </p:sp>
-          <p:sp>
-            <p:nvSpPr>
-              <p:cNvPr id="13" name="TextBox 12"/>
-              <p:cNvSpPr txBox="1"/>
-              <p:nvPr/>
-            </p:nvSpPr>
-            <p:spPr>
-              <a:xfrm>
-                <a:off x="4196291" y="3505200"/>
-                <a:ext cx="1061509" cy="769441"/>
-              </a:xfrm>
-              <a:prstGeom prst="rect">
-                <a:avLst/>
-              </a:prstGeom>
-              <a:noFill/>
-            </p:spPr>
-            <p:txBody>
-              <a:bodyPr wrap="none" rtlCol="0">
-                <a:spAutoFit/>
-              </a:bodyPr>
-              <a:lstStyle/>
-              <a:p>
-                <a:r>
-                  <a:rPr lang="en-US" dirty="0" smtClean="0">
-                    <a:latin typeface="Comic Sans MS" pitchFamily="66" charset="0"/>
-                  </a:rPr>
-                  <a:t>yes</a:t>
-                </a:r>
-              </a:p>
-            </p:txBody>
-          </p:sp>
-          <p:sp>
-            <p:nvSpPr>
-              <p:cNvPr id="14" name="TextBox 13"/>
-              <p:cNvSpPr txBox="1"/>
-              <p:nvPr/>
-            </p:nvSpPr>
-            <p:spPr>
-              <a:xfrm>
-                <a:off x="4183912" y="4495800"/>
-                <a:ext cx="776175" cy="769441"/>
-              </a:xfrm>
-              <a:prstGeom prst="rect">
-                <a:avLst/>
-              </a:prstGeom>
-              <a:noFill/>
-            </p:spPr>
-            <p:txBody>
-              <a:bodyPr wrap="none" rtlCol="0">
-                <a:spAutoFit/>
-              </a:bodyPr>
-              <a:lstStyle/>
-              <a:p>
-                <a:r>
-                  <a:rPr lang="en-US" dirty="0" smtClean="0">
-                    <a:solidFill>
-                      <a:srgbClr val="CC00CC"/>
-                    </a:solidFill>
-                    <a:latin typeface="Comic Sans MS" pitchFamily="66" charset="0"/>
-                  </a:rPr>
-                  <a:t>no</a:t>
-                </a:r>
-              </a:p>
-            </p:txBody>
-          </p:sp>
-        </p:grpSp>
-      </p:grpSp>
-      <p:graphicFrame>
-        <p:nvGraphicFramePr>
-          <p:cNvPr id="16" name="Object 15"/>
-          <p:cNvGraphicFramePr>
-            <a:graphicFrameLocks noChangeAspect="1"/>
-          </p:cNvGraphicFramePr>
-          <p:nvPr/>
-        </p:nvGraphicFramePr>
-        <p:xfrm>
-          <a:off x="1854433" y="2971800"/>
-          <a:ext cx="292100" cy="990600"/>
-        </p:xfrm>
-        <a:graphic>
-          <a:graphicData uri="http://schemas.openxmlformats.org/presentationml/2006/ole">
-            <mc:AlternateContent xmlns:mc="http://schemas.openxmlformats.org/markup-compatibility/2006">
-              <mc:Choice xmlns:v="urn:schemas-microsoft-com:vml" Requires="v">
-                <p:oleObj spid="_x0000_s308285" name="Equation" r:id="rId4" imgW="291960" imgH="939600" progId="Equation.DSMT4">
-                  <p:embed/>
-                </p:oleObj>
-              </mc:Choice>
-              <mc:Fallback>
-                <p:oleObj name="Equation" r:id="rId4" imgW="291960" imgH="939600" progId="Equation.DSMT4">
-                  <p:embed/>
-                  <p:pic>
-                    <p:nvPicPr>
-                      <p:cNvPr id="0" name="Picture 2"/>
-                      <p:cNvPicPr>
-                        <a:picLocks noChangeAspect="1" noChangeArrowheads="1"/>
-                      </p:cNvPicPr>
-                      <p:nvPr/>
-                    </p:nvPicPr>
-                    <p:blipFill>
-                      <a:blip r:embed="rId5">
-                        <a:extLst>
-                          <a:ext uri="{28A0092B-C50C-407E-A947-70E740481C1C}">
-                            <a14:useLocalDpi xmlns:a14="http://schemas.microsoft.com/office/drawing/2010/main" val="0"/>
-                          </a:ext>
-                        </a:extLst>
-                      </a:blip>
-                      <a:srcRect/>
-                      <a:stretch>
-                        <a:fillRect/>
-                      </a:stretch>
-                    </p:blipFill>
-                    <p:spPr bwMode="auto">
-                      <a:xfrm>
-                        <a:off x="1854433" y="2971800"/>
-                        <a:ext cx="292100" cy="990600"/>
-                      </a:xfrm>
-                      <a:prstGeom prst="rect">
-                        <a:avLst/>
-                      </a:prstGeom>
-                      <a:noFill/>
-                      <a:extLst>
-                        <a:ext uri="{909E8E84-426E-40dd-AFC4-6F175D3DCCD1}">
-                          <a14:hiddenFill xmlns:a14="http://schemas.microsoft.com/office/drawing/2010/main">
-                            <a:solidFill>
-                              <a:srgbClr val="FFFFFF"/>
-                            </a:solidFill>
-                          </a14:hiddenFill>
-                        </a:ext>
-                      </a:extLst>
-                    </p:spPr>
-                  </p:pic>
-                </p:oleObj>
-              </mc:Fallback>
-            </mc:AlternateContent>
-          </a:graphicData>
-        </a:graphic>
-      </p:graphicFrame>
-      <p:graphicFrame>
-        <p:nvGraphicFramePr>
-          <p:cNvPr id="35842" name="Object 2"/>
-          <p:cNvGraphicFramePr>
-            <a:graphicFrameLocks noChangeAspect="1"/>
-          </p:cNvGraphicFramePr>
-          <p:nvPr/>
-        </p:nvGraphicFramePr>
-        <p:xfrm>
-          <a:off x="1854433" y="4724400"/>
-          <a:ext cx="292100" cy="990600"/>
-        </p:xfrm>
-        <a:graphic>
-          <a:graphicData uri="http://schemas.openxmlformats.org/presentationml/2006/ole">
-            <mc:AlternateContent xmlns:mc="http://schemas.openxmlformats.org/markup-compatibility/2006">
-              <mc:Choice xmlns:v="urn:schemas-microsoft-com:vml" Requires="v">
-                <p:oleObj spid="_x0000_s308286" name="Equation" r:id="rId6" imgW="291960" imgH="939600" progId="Equation.DSMT4">
-                  <p:embed/>
-                </p:oleObj>
-              </mc:Choice>
-              <mc:Fallback>
-                <p:oleObj name="Equation" r:id="rId6" imgW="291960" imgH="939600" progId="Equation.DSMT4">
-                  <p:embed/>
-                  <p:pic>
-                    <p:nvPicPr>
-                      <p:cNvPr id="0" name="Picture 3"/>
-                      <p:cNvPicPr>
-                        <a:picLocks noChangeAspect="1" noChangeArrowheads="1"/>
-                      </p:cNvPicPr>
-                      <p:nvPr/>
-                    </p:nvPicPr>
-                    <p:blipFill>
-                      <a:blip r:embed="rId7">
-                        <a:extLst>
-                          <a:ext uri="{28A0092B-C50C-407E-A947-70E740481C1C}">
-                            <a14:useLocalDpi xmlns:a14="http://schemas.microsoft.com/office/drawing/2010/main" val="0"/>
-                          </a:ext>
-                        </a:extLst>
-                      </a:blip>
-                      <a:srcRect/>
-                      <a:stretch>
-                        <a:fillRect/>
-                      </a:stretch>
-                    </p:blipFill>
-                    <p:spPr bwMode="auto">
-                      <a:xfrm>
-                        <a:off x="1854433" y="4724400"/>
-                        <a:ext cx="292100" cy="990600"/>
-                      </a:xfrm>
-                      <a:prstGeom prst="rect">
-                        <a:avLst/>
-                      </a:prstGeom>
-                      <a:noFill/>
-                      <a:extLst>
-                        <a:ext uri="{909E8E84-426E-40dd-AFC4-6F175D3DCCD1}">
-                          <a14:hiddenFill xmlns:a14="http://schemas.microsoft.com/office/drawing/2010/main">
-                            <a:solidFill>
-                              <a:srgbClr val="FFFFFF"/>
-                            </a:solidFill>
-                          </a14:hiddenFill>
-                        </a:ext>
-                      </a:extLst>
-                    </p:spPr>
-                  </p:pic>
-                </p:oleObj>
-              </mc:Fallback>
-            </mc:AlternateContent>
-          </a:graphicData>
-        </a:graphic>
-      </p:graphicFrame>
-      <p:grpSp>
-        <p:nvGrpSpPr>
-          <p:cNvPr id="7" name="Group 20"/>
-          <p:cNvGrpSpPr/>
-          <p:nvPr/>
-        </p:nvGrpSpPr>
-        <p:grpSpPr>
-          <a:xfrm>
-            <a:off x="3378433" y="2895600"/>
-            <a:ext cx="824265" cy="2964597"/>
-            <a:chOff x="4876800" y="2895600"/>
-            <a:chExt cx="824265" cy="2964597"/>
-          </a:xfrm>
-        </p:grpSpPr>
-        <p:sp>
-          <p:nvSpPr>
-            <p:cNvPr id="19" name="TextBox 18"/>
-            <p:cNvSpPr txBox="1"/>
-            <p:nvPr/>
-          </p:nvSpPr>
-          <p:spPr>
-            <a:xfrm>
-              <a:off x="5029200" y="2895600"/>
-              <a:ext cx="524503" cy="830997"/>
-            </a:xfrm>
-            <a:prstGeom prst="rect">
-              <a:avLst/>
-            </a:prstGeom>
-            <a:noFill/>
-          </p:spPr>
-          <p:txBody>
-            <a:bodyPr wrap="none" rtlCol="0">
-              <a:spAutoFit/>
-            </a:bodyPr>
-            <a:lstStyle/>
-            <a:p>
-              <a:r>
-                <a:rPr lang="en-US" sz="4800" dirty="0" smtClean="0">
-                  <a:solidFill>
-                    <a:srgbClr val="FF0000"/>
-                  </a:solidFill>
-                  <a:latin typeface="Comic Sans MS" pitchFamily="66" charset="0"/>
-                </a:rPr>
-                <a:t>L</a:t>
-              </a:r>
-            </a:p>
-          </p:txBody>
-        </p:sp>
-        <p:sp>
-          <p:nvSpPr>
-            <p:cNvPr id="20" name="TextBox 19"/>
-            <p:cNvSpPr txBox="1"/>
-            <p:nvPr/>
-          </p:nvSpPr>
-          <p:spPr>
-            <a:xfrm>
-              <a:off x="4876800" y="5029200"/>
-              <a:ext cx="824265" cy="830997"/>
-            </a:xfrm>
-            <a:prstGeom prst="rect">
-              <a:avLst/>
-            </a:prstGeom>
-            <a:noFill/>
-          </p:spPr>
-          <p:txBody>
-            <a:bodyPr wrap="none" rtlCol="0">
-              <a:spAutoFit/>
-            </a:bodyPr>
-            <a:lstStyle/>
-            <a:p>
-              <a:r>
-                <a:rPr lang="en-US" sz="4800" dirty="0" smtClean="0">
-                  <a:solidFill>
-                    <a:srgbClr val="00B050"/>
-                  </a:solidFill>
-                  <a:latin typeface="Comic Sans MS" pitchFamily="66" charset="0"/>
-                </a:rPr>
-                <a:t>W</a:t>
-              </a:r>
-            </a:p>
-          </p:txBody>
-        </p:sp>
-      </p:grpSp>
-      <p:grpSp>
-        <p:nvGrpSpPr>
-          <p:cNvPr id="10" name="Group 25"/>
-          <p:cNvGrpSpPr/>
-          <p:nvPr/>
-        </p:nvGrpSpPr>
-        <p:grpSpPr>
-          <a:xfrm>
-            <a:off x="4343400" y="3200400"/>
-            <a:ext cx="4695516" cy="2362200"/>
-            <a:chOff x="4343400" y="3200400"/>
-            <a:chExt cx="4695516" cy="2362200"/>
-          </a:xfrm>
-        </p:grpSpPr>
-        <p:sp>
-          <p:nvSpPr>
-            <p:cNvPr id="23" name="TextBox 22"/>
-            <p:cNvSpPr txBox="1"/>
-            <p:nvPr/>
-          </p:nvSpPr>
-          <p:spPr>
-            <a:xfrm>
-              <a:off x="4343400" y="3200400"/>
-              <a:ext cx="4695516" cy="830997"/>
-            </a:xfrm>
-            <a:prstGeom prst="rect">
-              <a:avLst/>
-            </a:prstGeom>
-            <a:noFill/>
-          </p:spPr>
-          <p:txBody>
-            <a:bodyPr wrap="none" rtlCol="0">
-              <a:spAutoFit/>
-            </a:bodyPr>
-            <a:lstStyle/>
-            <a:p>
-              <a:r>
-                <a:rPr lang="en-US" sz="4800" dirty="0" smtClean="0">
-                  <a:solidFill>
-                    <a:srgbClr val="0000FF"/>
-                  </a:solidFill>
-                  <a:latin typeface="Comic Sans MS" pitchFamily="-128" charset="0"/>
-                </a:rPr>
-                <a:t>Pr{</a:t>
-              </a:r>
-              <a:r>
-                <a:rPr lang="en-US" sz="4800" dirty="0" smtClean="0">
-                  <a:solidFill>
-                    <a:srgbClr val="7030A0"/>
-                  </a:solidFill>
-                  <a:latin typeface="Comic Sans MS" pitchFamily="-128" charset="0"/>
-                </a:rPr>
-                <a:t>switch</a:t>
-              </a:r>
-              <a:r>
-                <a:rPr lang="en-US" sz="4800" dirty="0" smtClean="0">
-                  <a:solidFill>
-                    <a:schemeClr val="accent2"/>
-                  </a:solidFill>
-                  <a:latin typeface="Comic Sans MS" pitchFamily="-128" charset="0"/>
-                </a:rPr>
-                <a:t> </a:t>
-              </a:r>
-              <a:r>
-                <a:rPr lang="en-US" sz="4800" dirty="0" smtClean="0">
-                  <a:solidFill>
-                    <a:srgbClr val="008000"/>
-                  </a:solidFill>
-                  <a:latin typeface="Comic Sans MS" pitchFamily="-128" charset="0"/>
-                </a:rPr>
-                <a:t>wins</a:t>
-              </a:r>
-              <a:r>
-                <a:rPr lang="en-US" sz="4800" dirty="0" smtClean="0">
-                  <a:solidFill>
-                    <a:srgbClr val="0000FF"/>
-                  </a:solidFill>
-                  <a:latin typeface="Comic Sans MS" pitchFamily="-128" charset="0"/>
-                </a:rPr>
-                <a:t>}</a:t>
-              </a:r>
-              <a:r>
-                <a:rPr lang="en-US" sz="4800" dirty="0" smtClean="0">
-                  <a:solidFill>
-                    <a:srgbClr val="008000"/>
-                  </a:solidFill>
-                  <a:latin typeface="Comic Sans MS" pitchFamily="-128" charset="0"/>
-                </a:rPr>
-                <a:t> </a:t>
-              </a:r>
-              <a:endParaRPr lang="en-US" sz="4800" dirty="0">
-                <a:latin typeface="Comic Sans MS" pitchFamily="-128" charset="0"/>
-              </a:endParaRPr>
-            </a:p>
-          </p:txBody>
-        </p:sp>
-        <p:graphicFrame>
-          <p:nvGraphicFramePr>
-            <p:cNvPr id="25" name="Object 24"/>
-            <p:cNvGraphicFramePr>
-              <a:graphicFrameLocks noChangeAspect="1"/>
-            </p:cNvGraphicFramePr>
-            <p:nvPr/>
-          </p:nvGraphicFramePr>
-          <p:xfrm>
-            <a:off x="5486400" y="3784600"/>
-            <a:ext cx="1524000" cy="1778000"/>
-          </p:xfrm>
-          <a:graphic>
-            <a:graphicData uri="http://schemas.openxmlformats.org/presentationml/2006/ole">
-              <mc:AlternateContent xmlns:mc="http://schemas.openxmlformats.org/markup-compatibility/2006">
-                <mc:Choice xmlns:v="urn:schemas-microsoft-com:vml" Requires="v">
-                  <p:oleObj spid="_x0000_s308287" name="Equation" r:id="rId8" imgW="609480" imgH="939600" progId="Equation.DSMT4">
-                    <p:embed/>
-                  </p:oleObj>
-                </mc:Choice>
-                <mc:Fallback>
-                  <p:oleObj name="Equation" r:id="rId8" imgW="609480" imgH="939600" progId="Equation.DSMT4">
-                    <p:embed/>
-                    <p:pic>
-                      <p:nvPicPr>
-                        <p:cNvPr id="0" name="Picture 4"/>
-                        <p:cNvPicPr>
-                          <a:picLocks noChangeAspect="1" noChangeArrowheads="1"/>
-                        </p:cNvPicPr>
-                        <p:nvPr/>
-                      </p:nvPicPr>
-                      <p:blipFill>
-                        <a:blip r:embed="rId9">
-                          <a:extLst>
-                            <a:ext uri="{28A0092B-C50C-407E-A947-70E740481C1C}">
-                              <a14:useLocalDpi xmlns:a14="http://schemas.microsoft.com/office/drawing/2010/main" val="0"/>
-                            </a:ext>
-                          </a:extLst>
-                        </a:blip>
-                        <a:srcRect/>
-                        <a:stretch>
-                          <a:fillRect/>
-                        </a:stretch>
-                      </p:blipFill>
-                      <p:spPr bwMode="auto">
-                        <a:xfrm>
-                          <a:off x="5486400" y="3784600"/>
-                          <a:ext cx="1524000" cy="1778000"/>
-                        </a:xfrm>
-                        <a:prstGeom prst="rect">
-                          <a:avLst/>
-                        </a:prstGeom>
-                        <a:noFill/>
-                        <a:extLst>
-                          <a:ext uri="{909E8E84-426E-40dd-AFC4-6F175D3DCCD1}">
-                            <a14:hiddenFill xmlns:a14="http://schemas.microsoft.com/office/drawing/2010/main">
-                              <a:solidFill>
-                                <a:srgbClr val="FFFFFF"/>
-                              </a:solidFill>
-                            </a14:hiddenFill>
-                          </a:ext>
-                        </a:extLst>
-                      </p:spPr>
-                    </p:pic>
-                  </p:oleObj>
-                </mc:Fallback>
-              </mc:AlternateContent>
-            </a:graphicData>
-          </a:graphic>
-        </p:graphicFrame>
-      </p:grpSp>
-      <p:sp>
-        <p:nvSpPr>
-          <p:cNvPr id="22" name="Rectangle 11"/>
-          <p:cNvSpPr txBox="1">
-            <a:spLocks noChangeArrowheads="1"/>
-          </p:cNvSpPr>
-          <p:nvPr/>
-        </p:nvSpPr>
-        <p:spPr bwMode="auto">
-          <a:xfrm>
-            <a:off x="6400800" y="6613525"/>
-            <a:ext cx="2667000" cy="244475"/>
-          </a:xfrm>
-          <a:prstGeom prst="rect">
-            <a:avLst/>
-          </a:prstGeom>
-          <a:noFill/>
-          <a:ln w="9525">
-            <a:noFill/>
-            <a:miter lim="800000"/>
-            <a:headEnd/>
-            <a:tailEnd/>
-          </a:ln>
-          <a:effectLst/>
-        </p:spPr>
-        <p:txBody>
-          <a:bodyPr vert="horz" wrap="square" lIns="91440" tIns="45720" rIns="91440" bIns="45720" numCol="1" anchor="t" anchorCtr="0" compatLnSpc="1">
-            <a:prstTxWarp prst="textNoShape">
-              <a:avLst/>
-            </a:prstTxWarp>
-            <a:spAutoFit/>
-          </a:bodyPr>
-          <a:lstStyle>
-            <a:lvl1pPr algn="r">
-              <a:defRPr sz="1000"/>
-            </a:lvl1pPr>
-          </a:lstStyle>
-          <a:p>
-            <a:pPr marL="0" marR="0" lvl="0" indent="0" algn="r" defTabSz="914400" rtl="0" eaLnBrk="1" fontAlgn="base" latinLnBrk="0" hangingPunct="1">
-              <a:lnSpc>
-                <a:spcPct val="100000"/>
-              </a:lnSpc>
-              <a:spcBef>
-                <a:spcPct val="0"/>
-              </a:spcBef>
-              <a:spcAft>
-                <a:spcPct val="0"/>
-              </a:spcAft>
-              <a:buClrTx/>
-              <a:buSzTx/>
-              <a:buFontTx/>
-              <a:buNone/>
-              <a:tabLst/>
-              <a:defRPr/>
-            </a:pPr>
-            <a:r>
-              <a:rPr kumimoji="0" lang="en-US" sz="1000" b="0" i="0" u="none" strike="noStrike" kern="1200" cap="none" spc="0" normalizeH="0" baseline="0" noProof="0" dirty="0" err="1" smtClean="0">
-                <a:ln>
-                  <a:noFill/>
-                </a:ln>
-                <a:solidFill>
-                  <a:schemeClr val="tx1"/>
-                </a:solidFill>
-                <a:effectLst/>
-                <a:uLnTx/>
-                <a:uFillTx/>
-                <a:latin typeface="Comic Sans MS" pitchFamily="66" charset="0"/>
-                <a:ea typeface="+mn-ea"/>
-                <a:cs typeface="+mn-cs"/>
-              </a:rPr>
-              <a:t>lec</a:t>
-            </a:r>
-            <a:r>
-              <a:rPr kumimoji="0" lang="en-US" sz="1000" b="0" i="0" u="none" strike="noStrike" kern="1200" cap="none" spc="0" normalizeH="0" baseline="0" noProof="0" dirty="0" smtClean="0">
-                <a:ln>
-                  <a:noFill/>
-                </a:ln>
-                <a:solidFill>
-                  <a:schemeClr val="tx1"/>
-                </a:solidFill>
-                <a:effectLst/>
-                <a:uLnTx/>
-                <a:uFillTx/>
-                <a:latin typeface="Comic Sans MS" pitchFamily="66" charset="0"/>
-                <a:ea typeface="+mn-ea"/>
-                <a:cs typeface="+mn-cs"/>
-              </a:rPr>
-              <a:t> 13W.</a:t>
-            </a:r>
-            <a:fld id="{17233D2A-0857-4415-88C1-423492E69A26}" type="slidenum">
-              <a:rPr kumimoji="0" lang="en-US" sz="1000" b="0" i="0" u="none" strike="noStrike" kern="1200" cap="none" spc="0" normalizeH="0" baseline="0" noProof="0" smtClean="0">
-                <a:ln>
-                  <a:noFill/>
-                </a:ln>
-                <a:solidFill>
-                  <a:schemeClr val="tx1"/>
-                </a:solidFill>
-                <a:effectLst/>
-                <a:uLnTx/>
-                <a:uFillTx/>
-                <a:latin typeface="Comic Sans MS" pitchFamily="66" charset="0"/>
-                <a:ea typeface="+mn-ea"/>
-                <a:cs typeface="+mn-cs"/>
-              </a:rPr>
-              <a:pPr marL="0" marR="0" lvl="0" indent="0" algn="r" defTabSz="914400" rtl="0" eaLnBrk="1" fontAlgn="base" latinLnBrk="0" hangingPunct="1">
-                <a:lnSpc>
-                  <a:spcPct val="100000"/>
-                </a:lnSpc>
-                <a:spcBef>
-                  <a:spcPct val="0"/>
-                </a:spcBef>
-                <a:spcAft>
-                  <a:spcPct val="0"/>
-                </a:spcAft>
-                <a:buClrTx/>
-                <a:buSzTx/>
-                <a:buFontTx/>
-                <a:buNone/>
-                <a:tabLst/>
-                <a:defRPr/>
-              </a:pPr>
-              <a:t>20</a:t>
-            </a:fld>
-            <a:endParaRPr kumimoji="0" lang="en-US" sz="1000" b="0" i="0" u="none" strike="noStrike" kern="1200" cap="none" spc="0" normalizeH="0" baseline="0" noProof="0" dirty="0">
-              <a:ln>
-                <a:noFill/>
-              </a:ln>
-              <a:solidFill>
-                <a:schemeClr val="tx1"/>
-              </a:solidFill>
-              <a:effectLst/>
-              <a:uLnTx/>
-              <a:uFillTx/>
-              <a:latin typeface="Comic Sans MS" pitchFamily="66" charset="0"/>
-              <a:ea typeface="+mn-ea"/>
-              <a:cs typeface="+mn-cs"/>
-            </a:endParaRPr>
-          </a:p>
-        </p:txBody>
-      </p:sp>
-    </p:spTree>
-  </p:cSld>
-  <p:clrMapOvr>
-    <a:masterClrMapping/>
-  </p:clrMapOvr>
-  <p:transition xmlns:p14="http://schemas.microsoft.com/office/powerpoint/2010/main" spd="slow">
-    <p:fade thruBlk="1"/>
-  </p:transition>
-  <p:timing>
-    <p:tnLst>
-      <p:par>
-        <p:cTn xmlns:p14="http://schemas.microsoft.com/office/powerpoint/2010/main" id="1" dur="indefinite" restart="never" nodeType="tmRoot">
-          <p:childTnLst>
-            <p:seq concurrent="1" nextAc="seek">
-              <p:cTn id="2" dur="indefinite" nodeType="mainSeq">
-                <p:childTnLst>
-                  <p:par>
-                    <p:cTn id="3" fill="hold">
-                      <p:stCondLst>
-                        <p:cond delay="indefinite"/>
-                      </p:stCondLst>
-                      <p:childTnLst>
-                        <p:par>
-                          <p:cTn id="4" fill="hold">
-                            <p:stCondLst>
-                              <p:cond delay="0"/>
-                            </p:stCondLst>
-                            <p:childTnLst>
-                              <p:par>
-                                <p:cTn id="5" presetID="1" presetClass="entr" presetSubtype="0" fill="hold" nodeType="clickEffect">
-                                  <p:stCondLst>
-                                    <p:cond delay="0"/>
-                                  </p:stCondLst>
-                                  <p:childTnLst>
-                                    <p:set>
-                                      <p:cBhvr>
-                                        <p:cTn id="6" dur="1" fill="hold">
-                                          <p:stCondLst>
-                                            <p:cond delay="0"/>
-                                          </p:stCondLst>
-                                        </p:cTn>
-                                        <p:tgtEl>
-                                          <p:spTgt spid="2"/>
-                                        </p:tgtEl>
-                                        <p:attrNameLst>
-                                          <p:attrName>style.visibility</p:attrName>
-                                        </p:attrNameLst>
-                                      </p:cBhvr>
-                                      <p:to>
-                                        <p:strVal val="visible"/>
-                                      </p:to>
-                                    </p:set>
-                                  </p:childTnLst>
-                                </p:cTn>
-                              </p:par>
-                            </p:childTnLst>
-                          </p:cTn>
-                        </p:par>
-                      </p:childTnLst>
-                    </p:cTn>
-                  </p:par>
-                  <p:par>
-                    <p:cTn id="7" fill="hold">
-                      <p:stCondLst>
-                        <p:cond delay="indefinite"/>
-                      </p:stCondLst>
-                      <p:childTnLst>
-                        <p:par>
-                          <p:cTn id="8" fill="hold">
-                            <p:stCondLst>
-                              <p:cond delay="0"/>
-                            </p:stCondLst>
-                            <p:childTnLst>
-                              <p:par>
-                                <p:cTn id="9" presetID="9" presetClass="entr" presetSubtype="0" fill="hold" nodeType="clickEffect">
-                                  <p:stCondLst>
-                                    <p:cond delay="0"/>
-                                  </p:stCondLst>
-                                  <p:childTnLst>
-                                    <p:set>
-                                      <p:cBhvr>
-                                        <p:cTn id="10" dur="1" fill="hold">
-                                          <p:stCondLst>
-                                            <p:cond delay="0"/>
-                                          </p:stCondLst>
-                                        </p:cTn>
-                                        <p:tgtEl>
-                                          <p:spTgt spid="7"/>
-                                        </p:tgtEl>
-                                        <p:attrNameLst>
-                                          <p:attrName>style.visibility</p:attrName>
-                                        </p:attrNameLst>
-                                      </p:cBhvr>
-                                      <p:to>
-                                        <p:strVal val="visible"/>
-                                      </p:to>
-                                    </p:set>
-                                    <p:animEffect transition="in" filter="dissolve">
-                                      <p:cBhvr>
-                                        <p:cTn id="11" dur="500"/>
-                                        <p:tgtEl>
-                                          <p:spTgt spid="7"/>
-                                        </p:tgtEl>
-                                      </p:cBhvr>
-                                    </p:animEffect>
-                                  </p:childTnLst>
-                                </p:cTn>
-                              </p:par>
-                            </p:childTnLst>
-                          </p:cTn>
-                        </p:par>
-                      </p:childTnLst>
-                    </p:cTn>
-                  </p:par>
-                  <p:par>
-                    <p:cTn id="12" fill="hold">
-                      <p:stCondLst>
-                        <p:cond delay="indefinite"/>
-                      </p:stCondLst>
-                      <p:childTnLst>
-                        <p:par>
-                          <p:cTn id="13" fill="hold">
-                            <p:stCondLst>
-                              <p:cond delay="0"/>
-                            </p:stCondLst>
-                            <p:childTnLst>
-                              <p:par>
-                                <p:cTn id="14" presetID="1" presetClass="entr" presetSubtype="0" fill="hold" nodeType="clickEffect">
-                                  <p:stCondLst>
-                                    <p:cond delay="0"/>
-                                  </p:stCondLst>
-                                  <p:childTnLst>
-                                    <p:set>
-                                      <p:cBhvr>
-                                        <p:cTn id="15" dur="1" fill="hold">
-                                          <p:stCondLst>
-                                            <p:cond delay="0"/>
-                                          </p:stCondLst>
-                                        </p:cTn>
-                                        <p:tgtEl>
-                                          <p:spTgt spid="16"/>
-                                        </p:tgtEl>
-                                        <p:attrNameLst>
-                                          <p:attrName>style.visibility</p:attrName>
-                                        </p:attrNameLst>
-                                      </p:cBhvr>
-                                      <p:to>
-                                        <p:strVal val="visible"/>
-                                      </p:to>
-                                    </p:set>
-                                  </p:childTnLst>
-                                </p:cTn>
-                              </p:par>
-                            </p:childTnLst>
-                          </p:cTn>
-                        </p:par>
-                      </p:childTnLst>
-                    </p:cTn>
-                  </p:par>
-                  <p:par>
-                    <p:cTn id="16" fill="hold">
-                      <p:stCondLst>
-                        <p:cond delay="indefinite"/>
-                      </p:stCondLst>
-                      <p:childTnLst>
-                        <p:par>
-                          <p:cTn id="17" fill="hold">
-                            <p:stCondLst>
-                              <p:cond delay="0"/>
-                            </p:stCondLst>
-                            <p:childTnLst>
-                              <p:par>
-                                <p:cTn id="18" presetID="1" presetClass="entr" presetSubtype="0" fill="hold" nodeType="clickEffect">
-                                  <p:stCondLst>
-                                    <p:cond delay="0"/>
-                                  </p:stCondLst>
-                                  <p:childTnLst>
-                                    <p:set>
-                                      <p:cBhvr>
-                                        <p:cTn id="19" dur="1" fill="hold">
-                                          <p:stCondLst>
-                                            <p:cond delay="0"/>
-                                          </p:stCondLst>
-                                        </p:cTn>
-                                        <p:tgtEl>
-                                          <p:spTgt spid="35842"/>
-                                        </p:tgtEl>
-                                        <p:attrNameLst>
-                                          <p:attrName>style.visibility</p:attrName>
-                                        </p:attrNameLst>
-                                      </p:cBhvr>
-                                      <p:to>
-                                        <p:strVal val="visible"/>
-                                      </p:to>
-                                    </p:set>
-                                  </p:childTnLst>
-                                </p:cTn>
-                              </p:par>
-                            </p:childTnLst>
-                          </p:cTn>
-                        </p:par>
-                      </p:childTnLst>
-                    </p:cTn>
-                  </p:par>
-                  <p:par>
-                    <p:cTn id="20" fill="hold">
-                      <p:stCondLst>
-                        <p:cond delay="indefinite"/>
-                      </p:stCondLst>
-                      <p:childTnLst>
-                        <p:par>
-                          <p:cTn id="21" fill="hold">
-                            <p:stCondLst>
-                              <p:cond delay="0"/>
-                            </p:stCondLst>
-                            <p:childTnLst>
-                              <p:par>
-                                <p:cTn id="22" presetID="52" presetClass="entr" presetSubtype="0" fill="hold" nodeType="clickEffect">
-                                  <p:stCondLst>
-                                    <p:cond delay="0"/>
-                                  </p:stCondLst>
-                                  <p:childTnLst>
-                                    <p:set>
-                                      <p:cBhvr>
-                                        <p:cTn id="23" dur="1" fill="hold">
-                                          <p:stCondLst>
-                                            <p:cond delay="0"/>
-                                          </p:stCondLst>
-                                        </p:cTn>
-                                        <p:tgtEl>
-                                          <p:spTgt spid="10"/>
-                                        </p:tgtEl>
-                                        <p:attrNameLst>
-                                          <p:attrName>style.visibility</p:attrName>
-                                        </p:attrNameLst>
-                                      </p:cBhvr>
-                                      <p:to>
-                                        <p:strVal val="visible"/>
-                                      </p:to>
-                                    </p:set>
-                                    <p:animScale>
-                                      <p:cBhvr>
-                                        <p:cTn id="24" dur="1000" decel="50000" fill="hold">
-                                          <p:stCondLst>
-                                            <p:cond delay="0"/>
-                                          </p:stCondLst>
-                                        </p:cTn>
-                                        <p:tgtEl>
-                                          <p:spTgt spid="10"/>
-                                        </p:tgtEl>
-                                      </p:cBhvr>
-                                      <p:from x="250000" y="250000"/>
-                                      <p:to x="100000" y="100000"/>
-                                    </p:animScale>
-                                    <p:animMotion origin="layout" path="M -0.46736 0.92887  C -0.37517 0.88508  -0.02552 0.75279  0.0908 0.66613  C  0.20747 0.57948  0.21649 0.50394  0.23177 0.40825  C 0.24705 0.31256  0.22118 0.15964   0.18264 0.09152  C 0.1441 0.02341  0.03802 0.0  0.0 0.0  " pathEditMode="relative" ptsTypes="">
-                                      <p:cBhvr>
-                                        <p:cTn id="25" dur="1000" decel="50000" fill="hold">
-                                          <p:stCondLst>
-                                            <p:cond delay="0"/>
-                                          </p:stCondLst>
-                                        </p:cTn>
-                                        <p:tgtEl>
-                                          <p:spTgt spid="10"/>
-                                        </p:tgtEl>
-                                        <p:attrNameLst>
-                                          <p:attrName>ppt_x</p:attrName>
-                                          <p:attrName>ppt_y</p:attrName>
-                                        </p:attrNameLst>
-                                      </p:cBhvr>
-                                    </p:animMotion>
-                                    <p:animEffect transition="in" filter="fade">
-                                      <p:cBhvr>
-                                        <p:cTn id="26" dur="1000"/>
-                                        <p:tgtEl>
-                                          <p:spTgt spid="10"/>
-                                        </p:tgtEl>
-                                      </p:cBhvr>
-                                    </p:animEffect>
-                                  </p:childTnLst>
-                                </p:cTn>
-                              </p:par>
-                            </p:childTnLst>
-                          </p:cTn>
-                        </p:par>
-                      </p:childTnLst>
-                    </p:cTn>
-                  </p:par>
-                </p:childTnLst>
-              </p:cTn>
-              <p:prevCondLst>
-                <p:cond evt="onPrev" delay="0">
-                  <p:tgtEl>
-                    <p:sldTgt/>
-                  </p:tgtEl>
-                </p:cond>
-              </p:prevCondLst>
-              <p:nextCondLst>
-                <p:cond evt="onNext" delay="0">
-                  <p:tgtEl>
-                    <p:sldTgt/>
-                  </p:tgtEl>
-                </p:cond>
-              </p:nextCondLst>
-            </p:seq>
-          </p:childTnLst>
-        </p:cTn>
-      </p:par>
-    </p:tnLst>
-  </p:timing>
-</p:sld>
-</file>
-
 <file path=ppt/slides/slide3.xml><?xml version="1.0" encoding="utf-8"?>
 <p:sld xmlns:a="http://schemas.openxmlformats.org/drawingml/2006/main" xmlns:r="http://schemas.openxmlformats.org/officeDocument/2006/relationships" xmlns:p="http://schemas.openxmlformats.org/presentationml/2006/main">
   <p:cSld>
@@ -23304,7 +21723,7 @@
           <a:graphicData uri="http://schemas.openxmlformats.org/presentationml/2006/ole">
             <mc:AlternateContent xmlns:mc="http://schemas.openxmlformats.org/markup-compatibility/2006">
               <mc:Choice xmlns:v="urn:schemas-microsoft-com:vml" Requires="v">
-                <p:oleObj spid="_x0000_s34873" name="Equation" r:id="rId5" imgW="317500" imgH="533400" progId="Equation.DSMT4">
+                <p:oleObj spid="_x0000_s34887" name="Equation" r:id="rId5" imgW="317500" imgH="533400" progId="Equation.DSMT4">
                   <p:embed/>
                 </p:oleObj>
               </mc:Choice>
@@ -23374,7 +21793,7 @@
           <a:graphicData uri="http://schemas.openxmlformats.org/presentationml/2006/ole">
             <mc:AlternateContent xmlns:mc="http://schemas.openxmlformats.org/markup-compatibility/2006">
               <mc:Choice xmlns:v="urn:schemas-microsoft-com:vml" Requires="v">
-                <p:oleObj spid="_x0000_s34874" name="Equation" r:id="rId7" imgW="787400" imgH="533400" progId="Equation.DSMT4">
+                <p:oleObj spid="_x0000_s34888" name="Equation" r:id="rId7" imgW="787400" imgH="533400" progId="Equation.DSMT4">
                   <p:embed/>
                 </p:oleObj>
               </mc:Choice>
@@ -23436,7 +21855,7 @@
           <a:graphicData uri="http://schemas.openxmlformats.org/presentationml/2006/ole">
             <mc:AlternateContent xmlns:mc="http://schemas.openxmlformats.org/markup-compatibility/2006">
               <mc:Choice xmlns:v="urn:schemas-microsoft-com:vml" Requires="v">
-                <p:oleObj spid="_x0000_s34875" name="Equation" r:id="rId9" imgW="812800" imgH="1168400" progId="Equation.DSMT4">
+                <p:oleObj spid="_x0000_s34889" name="Equation" r:id="rId9" imgW="812800" imgH="1168400" progId="Equation.DSMT4">
                   <p:embed/>
                 </p:oleObj>
               </mc:Choice>
@@ -24019,7 +22438,7 @@
           <a:graphicData uri="http://schemas.openxmlformats.org/presentationml/2006/ole">
             <mc:AlternateContent xmlns:mc="http://schemas.openxmlformats.org/markup-compatibility/2006">
               <mc:Choice xmlns:v="urn:schemas-microsoft-com:vml" Requires="v">
-                <p:oleObj spid="_x0000_s245787" name="Equation" r:id="rId4" imgW="2412720" imgH="469800" progId="Equation.DSMT4">
+                <p:oleObj spid="_x0000_s245793" name="Equation" r:id="rId4" imgW="2412720" imgH="469800" progId="Equation.DSMT4">
                   <p:embed/>
                 </p:oleObj>
               </mc:Choice>

--- a/spring13/slides13/prob-intro-tree-model.pptx
+++ b/spring13/slides13/prob-intro-tree-model.pptx
@@ -5,10 +5,10 @@
     <p:sldMasterId id="2147483650" r:id="rId1"/>
   </p:sldMasterIdLst>
   <p:notesMasterIdLst>
-    <p:notesMasterId r:id="rId21"/>
+    <p:notesMasterId r:id="rId23"/>
   </p:notesMasterIdLst>
   <p:handoutMasterIdLst>
-    <p:handoutMasterId r:id="rId22"/>
+    <p:handoutMasterId r:id="rId24"/>
   </p:handoutMasterIdLst>
   <p:sldIdLst>
     <p:sldId id="256" r:id="rId2"/>
@@ -25,16 +25,18 @@
     <p:sldId id="267" r:id="rId13"/>
     <p:sldId id="268" r:id="rId14"/>
     <p:sldId id="269" r:id="rId15"/>
-    <p:sldId id="270" r:id="rId16"/>
-    <p:sldId id="271" r:id="rId17"/>
-    <p:sldId id="272" r:id="rId18"/>
-    <p:sldId id="273" r:id="rId19"/>
-    <p:sldId id="275" r:id="rId20"/>
+    <p:sldId id="276" r:id="rId16"/>
+    <p:sldId id="277" r:id="rId17"/>
+    <p:sldId id="271" r:id="rId18"/>
+    <p:sldId id="272" r:id="rId19"/>
+    <p:sldId id="273" r:id="rId20"/>
+    <p:sldId id="279" r:id="rId21"/>
+    <p:sldId id="278" r:id="rId22"/>
   </p:sldIdLst>
   <p:sldSz cx="9144000" cy="6858000" type="screen4x3"/>
   <p:notesSz cx="9601200" cy="7315200"/>
   <p:custDataLst>
-    <p:tags r:id="rId24"/>
+    <p:tags r:id="rId26"/>
   </p:custDataLst>
   <p:defaultTextStyle>
     <a:defPPr>
@@ -1694,7 +1696,7 @@
       </p:grpSpPr>
       <p:sp>
         <p:nvSpPr>
-          <p:cNvPr id="48130" name="Slide Image Placeholder 1"/>
+          <p:cNvPr id="47106" name="Slide Image Placeholder 1"/>
           <p:cNvSpPr>
             <a:spLocks noGrp="1" noRot="1" noChangeAspect="1" noTextEdit="1"/>
           </p:cNvSpPr>
@@ -1708,7 +1710,7 @@
       </p:sp>
       <p:sp>
         <p:nvSpPr>
-          <p:cNvPr id="48131" name="Notes Placeholder 2"/>
+          <p:cNvPr id="47107" name="Notes Placeholder 2"/>
           <p:cNvSpPr>
             <a:spLocks noGrp="1"/>
           </p:cNvSpPr>
@@ -1733,7 +1735,7 @@
       </p:sp>
       <p:sp>
         <p:nvSpPr>
-          <p:cNvPr id="48132" name="Slide Number Placeholder 3"/>
+          <p:cNvPr id="47108" name="Slide Number Placeholder 3"/>
           <p:cNvSpPr>
             <a:spLocks noGrp="1"/>
           </p:cNvSpPr>
@@ -1748,7 +1750,7 @@
           <a:bodyPr/>
           <a:lstStyle/>
           <a:p>
-            <a:fld id="{244D63C9-4720-4BDF-B30C-B01EE7E00D53}" type="slidenum">
+            <a:fld id="{E6F56E70-FF74-4212-861A-3EE8ECF594CA}" type="slidenum">
               <a:rPr lang="en-US" smtClean="0">
                 <a:latin typeface="Times New Roman" pitchFamily="-128" charset="0"/>
               </a:rPr>
@@ -1763,7 +1765,7 @@
       </p:sp>
       <p:sp>
         <p:nvSpPr>
-          <p:cNvPr id="48133" name="Footer Placeholder 4"/>
+          <p:cNvPr id="47109" name="Footer Placeholder 4"/>
           <p:cNvSpPr>
             <a:spLocks noGrp="1"/>
           </p:cNvSpPr>
@@ -1811,7 +1813,7 @@
       </p:grpSpPr>
       <p:sp>
         <p:nvSpPr>
-          <p:cNvPr id="49154" name="Slide Image Placeholder 1"/>
+          <p:cNvPr id="48130" name="Slide Image Placeholder 1"/>
           <p:cNvSpPr>
             <a:spLocks noGrp="1" noRot="1" noChangeAspect="1" noTextEdit="1"/>
           </p:cNvSpPr>
@@ -1825,7 +1827,7 @@
       </p:sp>
       <p:sp>
         <p:nvSpPr>
-          <p:cNvPr id="49155" name="Notes Placeholder 2"/>
+          <p:cNvPr id="48131" name="Notes Placeholder 2"/>
           <p:cNvSpPr>
             <a:spLocks noGrp="1"/>
           </p:cNvSpPr>
@@ -1850,7 +1852,7 @@
       </p:sp>
       <p:sp>
         <p:nvSpPr>
-          <p:cNvPr id="49156" name="Slide Number Placeholder 3"/>
+          <p:cNvPr id="48132" name="Slide Number Placeholder 3"/>
           <p:cNvSpPr>
             <a:spLocks noGrp="1"/>
           </p:cNvSpPr>
@@ -1865,7 +1867,7 @@
           <a:bodyPr/>
           <a:lstStyle/>
           <a:p>
-            <a:fld id="{1571B3F8-CCC8-4BBD-A386-7D4E66337ADF}" type="slidenum">
+            <a:fld id="{244D63C9-4720-4BDF-B30C-B01EE7E00D53}" type="slidenum">
               <a:rPr lang="en-US" smtClean="0">
                 <a:latin typeface="Times New Roman" pitchFamily="-128" charset="0"/>
               </a:rPr>
@@ -1880,7 +1882,7 @@
       </p:sp>
       <p:sp>
         <p:nvSpPr>
-          <p:cNvPr id="49157" name="Footer Placeholder 4"/>
+          <p:cNvPr id="48133" name="Footer Placeholder 4"/>
           <p:cNvSpPr>
             <a:spLocks noGrp="1"/>
           </p:cNvSpPr>
@@ -1928,7 +1930,7 @@
       </p:grpSpPr>
       <p:sp>
         <p:nvSpPr>
-          <p:cNvPr id="50178" name="Slide Image Placeholder 1"/>
+          <p:cNvPr id="49154" name="Slide Image Placeholder 1"/>
           <p:cNvSpPr>
             <a:spLocks noGrp="1" noRot="1" noChangeAspect="1" noTextEdit="1"/>
           </p:cNvSpPr>
@@ -1942,7 +1944,7 @@
       </p:sp>
       <p:sp>
         <p:nvSpPr>
-          <p:cNvPr id="50179" name="Notes Placeholder 2"/>
+          <p:cNvPr id="49155" name="Notes Placeholder 2"/>
           <p:cNvSpPr>
             <a:spLocks noGrp="1"/>
           </p:cNvSpPr>
@@ -1967,7 +1969,7 @@
       </p:sp>
       <p:sp>
         <p:nvSpPr>
-          <p:cNvPr id="50180" name="Slide Number Placeholder 3"/>
+          <p:cNvPr id="49156" name="Slide Number Placeholder 3"/>
           <p:cNvSpPr>
             <a:spLocks noGrp="1"/>
           </p:cNvSpPr>
@@ -1982,7 +1984,7 @@
           <a:bodyPr/>
           <a:lstStyle/>
           <a:p>
-            <a:fld id="{6540FCE9-397A-4D02-8BF6-DBE4FAF0BD6F}" type="slidenum">
+            <a:fld id="{1571B3F8-CCC8-4BBD-A386-7D4E66337ADF}" type="slidenum">
               <a:rPr lang="en-US" smtClean="0">
                 <a:latin typeface="Times New Roman" pitchFamily="-128" charset="0"/>
               </a:rPr>
@@ -1997,7 +1999,7 @@
       </p:sp>
       <p:sp>
         <p:nvSpPr>
-          <p:cNvPr id="50181" name="Footer Placeholder 4"/>
+          <p:cNvPr id="49157" name="Footer Placeholder 4"/>
           <p:cNvSpPr>
             <a:spLocks noGrp="1"/>
           </p:cNvSpPr>
@@ -2045,7 +2047,7 @@
       </p:grpSpPr>
       <p:sp>
         <p:nvSpPr>
-          <p:cNvPr id="53250" name="Slide Image Placeholder 1"/>
+          <p:cNvPr id="50178" name="Slide Image Placeholder 1"/>
           <p:cNvSpPr>
             <a:spLocks noGrp="1" noRot="1" noChangeAspect="1" noTextEdit="1"/>
           </p:cNvSpPr>
@@ -2059,7 +2061,7 @@
       </p:sp>
       <p:sp>
         <p:nvSpPr>
-          <p:cNvPr id="53251" name="Notes Placeholder 2"/>
+          <p:cNvPr id="50179" name="Notes Placeholder 2"/>
           <p:cNvSpPr>
             <a:spLocks noGrp="1"/>
           </p:cNvSpPr>
@@ -2084,7 +2086,7 @@
       </p:sp>
       <p:sp>
         <p:nvSpPr>
-          <p:cNvPr id="53252" name="Slide Number Placeholder 3"/>
+          <p:cNvPr id="50180" name="Slide Number Placeholder 3"/>
           <p:cNvSpPr>
             <a:spLocks noGrp="1"/>
           </p:cNvSpPr>
@@ -2099,7 +2101,7 @@
           <a:bodyPr/>
           <a:lstStyle/>
           <a:p>
-            <a:fld id="{E08AAF35-D2C8-4850-8ECA-A621D78DABE9}" type="slidenum">
+            <a:fld id="{6540FCE9-397A-4D02-8BF6-DBE4FAF0BD6F}" type="slidenum">
               <a:rPr lang="en-US" smtClean="0">
                 <a:latin typeface="Times New Roman" pitchFamily="-128" charset="0"/>
               </a:rPr>
@@ -2114,7 +2116,7 @@
       </p:sp>
       <p:sp>
         <p:nvSpPr>
-          <p:cNvPr id="53253" name="Footer Placeholder 4"/>
+          <p:cNvPr id="50181" name="Footer Placeholder 4"/>
           <p:cNvSpPr>
             <a:spLocks noGrp="1"/>
           </p:cNvSpPr>
@@ -2232,6 +2234,240 @@
       <p:sp>
         <p:nvSpPr>
           <p:cNvPr id="34821" name="Footer Placeholder 4"/>
+          <p:cNvSpPr>
+            <a:spLocks noGrp="1"/>
+          </p:cNvSpPr>
+          <p:nvPr>
+            <p:ph type="ftr" sz="quarter" idx="4"/>
+          </p:nvPr>
+        </p:nvSpPr>
+        <p:spPr>
+          <a:noFill/>
+        </p:spPr>
+        <p:txBody>
+          <a:bodyPr/>
+          <a:lstStyle/>
+          <a:p>
+            <a:endParaRPr lang="en-US" smtClean="0">
+              <a:latin typeface="Times New Roman" pitchFamily="-128" charset="0"/>
+            </a:endParaRPr>
+          </a:p>
+        </p:txBody>
+      </p:sp>
+    </p:spTree>
+  </p:cSld>
+  <p:clrMapOvr>
+    <a:masterClrMapping/>
+  </p:clrMapOvr>
+</p:notes>
+</file>
+
+<file path=ppt/notesSlides/notesSlide20.xml><?xml version="1.0" encoding="utf-8"?>
+<p:notes xmlns:a="http://schemas.openxmlformats.org/drawingml/2006/main" xmlns:r="http://schemas.openxmlformats.org/officeDocument/2006/relationships" xmlns:p="http://schemas.openxmlformats.org/presentationml/2006/main">
+  <p:cSld>
+    <p:spTree>
+      <p:nvGrpSpPr>
+        <p:cNvPr id="1" name=""/>
+        <p:cNvGrpSpPr/>
+        <p:nvPr/>
+      </p:nvGrpSpPr>
+      <p:grpSpPr>
+        <a:xfrm>
+          <a:off x="0" y="0"/>
+          <a:ext cx="0" cy="0"/>
+          <a:chOff x="0" y="0"/>
+          <a:chExt cx="0" cy="0"/>
+        </a:xfrm>
+      </p:grpSpPr>
+      <p:sp>
+        <p:nvSpPr>
+          <p:cNvPr id="53250" name="Slide Image Placeholder 1"/>
+          <p:cNvSpPr>
+            <a:spLocks noGrp="1" noRot="1" noChangeAspect="1" noTextEdit="1"/>
+          </p:cNvSpPr>
+          <p:nvPr>
+            <p:ph type="sldImg"/>
+          </p:nvPr>
+        </p:nvSpPr>
+        <p:spPr>
+          <a:ln/>
+        </p:spPr>
+      </p:sp>
+      <p:sp>
+        <p:nvSpPr>
+          <p:cNvPr id="53251" name="Notes Placeholder 2"/>
+          <p:cNvSpPr>
+            <a:spLocks noGrp="1"/>
+          </p:cNvSpPr>
+          <p:nvPr>
+            <p:ph type="body" idx="1"/>
+          </p:nvPr>
+        </p:nvSpPr>
+        <p:spPr>
+          <a:noFill/>
+          <a:ln/>
+        </p:spPr>
+        <p:txBody>
+          <a:bodyPr/>
+          <a:lstStyle/>
+          <a:p>
+            <a:pPr eaLnBrk="1" hangingPunct="1"/>
+            <a:endParaRPr lang="en-US" smtClean="0">
+              <a:latin typeface="Times New Roman" pitchFamily="-128" charset="0"/>
+            </a:endParaRPr>
+          </a:p>
+        </p:txBody>
+      </p:sp>
+      <p:sp>
+        <p:nvSpPr>
+          <p:cNvPr id="53252" name="Slide Number Placeholder 3"/>
+          <p:cNvSpPr>
+            <a:spLocks noGrp="1"/>
+          </p:cNvSpPr>
+          <p:nvPr>
+            <p:ph type="sldNum" sz="quarter" idx="5"/>
+          </p:nvPr>
+        </p:nvSpPr>
+        <p:spPr>
+          <a:noFill/>
+        </p:spPr>
+        <p:txBody>
+          <a:bodyPr/>
+          <a:lstStyle/>
+          <a:p>
+            <a:fld id="{E08AAF35-D2C8-4850-8ECA-A621D78DABE9}" type="slidenum">
+              <a:rPr lang="en-US" smtClean="0">
+                <a:latin typeface="Times New Roman" pitchFamily="-128" charset="0"/>
+              </a:rPr>
+              <a:pPr/>
+              <a:t>20</a:t>
+            </a:fld>
+            <a:endParaRPr lang="en-US" smtClean="0">
+              <a:latin typeface="Times New Roman" pitchFamily="-128" charset="0"/>
+            </a:endParaRPr>
+          </a:p>
+        </p:txBody>
+      </p:sp>
+      <p:sp>
+        <p:nvSpPr>
+          <p:cNvPr id="53253" name="Footer Placeholder 4"/>
+          <p:cNvSpPr>
+            <a:spLocks noGrp="1"/>
+          </p:cNvSpPr>
+          <p:nvPr>
+            <p:ph type="ftr" sz="quarter" idx="4"/>
+          </p:nvPr>
+        </p:nvSpPr>
+        <p:spPr>
+          <a:noFill/>
+        </p:spPr>
+        <p:txBody>
+          <a:bodyPr/>
+          <a:lstStyle/>
+          <a:p>
+            <a:endParaRPr lang="en-US" smtClean="0">
+              <a:latin typeface="Times New Roman" pitchFamily="-128" charset="0"/>
+            </a:endParaRPr>
+          </a:p>
+        </p:txBody>
+      </p:sp>
+    </p:spTree>
+  </p:cSld>
+  <p:clrMapOvr>
+    <a:masterClrMapping/>
+  </p:clrMapOvr>
+</p:notes>
+</file>
+
+<file path=ppt/notesSlides/notesSlide21.xml><?xml version="1.0" encoding="utf-8"?>
+<p:notes xmlns:a="http://schemas.openxmlformats.org/drawingml/2006/main" xmlns:r="http://schemas.openxmlformats.org/officeDocument/2006/relationships" xmlns:p="http://schemas.openxmlformats.org/presentationml/2006/main">
+  <p:cSld>
+    <p:spTree>
+      <p:nvGrpSpPr>
+        <p:cNvPr id="1" name=""/>
+        <p:cNvGrpSpPr/>
+        <p:nvPr/>
+      </p:nvGrpSpPr>
+      <p:grpSpPr>
+        <a:xfrm>
+          <a:off x="0" y="0"/>
+          <a:ext cx="0" cy="0"/>
+          <a:chOff x="0" y="0"/>
+          <a:chExt cx="0" cy="0"/>
+        </a:xfrm>
+      </p:grpSpPr>
+      <p:sp>
+        <p:nvSpPr>
+          <p:cNvPr id="53250" name="Slide Image Placeholder 1"/>
+          <p:cNvSpPr>
+            <a:spLocks noGrp="1" noRot="1" noChangeAspect="1" noTextEdit="1"/>
+          </p:cNvSpPr>
+          <p:nvPr>
+            <p:ph type="sldImg"/>
+          </p:nvPr>
+        </p:nvSpPr>
+        <p:spPr>
+          <a:ln/>
+        </p:spPr>
+      </p:sp>
+      <p:sp>
+        <p:nvSpPr>
+          <p:cNvPr id="53251" name="Notes Placeholder 2"/>
+          <p:cNvSpPr>
+            <a:spLocks noGrp="1"/>
+          </p:cNvSpPr>
+          <p:nvPr>
+            <p:ph type="body" idx="1"/>
+          </p:nvPr>
+        </p:nvSpPr>
+        <p:spPr>
+          <a:noFill/>
+          <a:ln/>
+        </p:spPr>
+        <p:txBody>
+          <a:bodyPr/>
+          <a:lstStyle/>
+          <a:p>
+            <a:pPr eaLnBrk="1" hangingPunct="1"/>
+            <a:endParaRPr lang="en-US" smtClean="0">
+              <a:latin typeface="Times New Roman" pitchFamily="-128" charset="0"/>
+            </a:endParaRPr>
+          </a:p>
+        </p:txBody>
+      </p:sp>
+      <p:sp>
+        <p:nvSpPr>
+          <p:cNvPr id="53252" name="Slide Number Placeholder 3"/>
+          <p:cNvSpPr>
+            <a:spLocks noGrp="1"/>
+          </p:cNvSpPr>
+          <p:nvPr>
+            <p:ph type="sldNum" sz="quarter" idx="5"/>
+          </p:nvPr>
+        </p:nvSpPr>
+        <p:spPr>
+          <a:noFill/>
+        </p:spPr>
+        <p:txBody>
+          <a:bodyPr/>
+          <a:lstStyle/>
+          <a:p>
+            <a:fld id="{E08AAF35-D2C8-4850-8ECA-A621D78DABE9}" type="slidenum">
+              <a:rPr lang="en-US" smtClean="0">
+                <a:latin typeface="Times New Roman" pitchFamily="-128" charset="0"/>
+              </a:rPr>
+              <a:pPr/>
+              <a:t>21</a:t>
+            </a:fld>
+            <a:endParaRPr lang="en-US" smtClean="0">
+              <a:latin typeface="Times New Roman" pitchFamily="-128" charset="0"/>
+            </a:endParaRPr>
+          </a:p>
+        </p:txBody>
+      </p:sp>
+      <p:sp>
+        <p:nvSpPr>
+          <p:cNvPr id="53253" name="Footer Placeholder 4"/>
           <p:cNvSpPr>
             <a:spLocks noGrp="1"/>
           </p:cNvSpPr>
@@ -3226,11 +3462,11 @@
             </a:pPr>
             <a:r>
               <a:rPr lang="en-US" dirty="0" err="1" smtClean="0"/>
-              <a:t>lec</a:t>
+              <a:t>probintro</a:t>
             </a:r>
             <a:r>
               <a:rPr lang="en-US" dirty="0" smtClean="0"/>
-              <a:t> 13W.</a:t>
+              <a:t>.</a:t>
             </a:r>
             <a:fld id="{17233D2A-0857-4415-88C1-423492E69A26}" type="slidenum">
               <a:rPr lang="en-US" smtClean="0"/>
@@ -3348,11 +3584,11 @@
             </a:pPr>
             <a:r>
               <a:rPr lang="en-US" dirty="0" err="1" smtClean="0"/>
-              <a:t>lec</a:t>
+              <a:t>probintro</a:t>
             </a:r>
             <a:r>
               <a:rPr lang="en-US" dirty="0" smtClean="0"/>
-              <a:t> 13W.</a:t>
+              <a:t>.</a:t>
             </a:r>
             <a:fld id="{17233D2A-0857-4415-88C1-423492E69A26}" type="slidenum">
               <a:rPr lang="en-US" smtClean="0"/>
@@ -3458,11 +3694,11 @@
             </a:pPr>
             <a:r>
               <a:rPr lang="en-US" dirty="0" err="1" smtClean="0"/>
-              <a:t>lec</a:t>
+              <a:t>probintro</a:t>
             </a:r>
             <a:r>
               <a:rPr lang="en-US" dirty="0" smtClean="0"/>
-              <a:t> 13W.</a:t>
+              <a:t>.</a:t>
             </a:r>
             <a:fld id="{17233D2A-0857-4415-88C1-423492E69A26}" type="slidenum">
               <a:rPr lang="en-US" smtClean="0"/>
@@ -3568,11 +3804,11 @@
             </a:pPr>
             <a:r>
               <a:rPr lang="en-US" dirty="0" err="1" smtClean="0"/>
-              <a:t>lec</a:t>
+              <a:t>probintro</a:t>
             </a:r>
             <a:r>
               <a:rPr lang="en-US" dirty="0" smtClean="0"/>
-              <a:t> 13W.</a:t>
+              <a:t>.</a:t>
             </a:r>
             <a:fld id="{17233D2A-0857-4415-88C1-423492E69A26}" type="slidenum">
               <a:rPr lang="en-US" smtClean="0"/>
@@ -3678,11 +3914,11 @@
             </a:pPr>
             <a:r>
               <a:rPr lang="en-US" dirty="0" err="1" smtClean="0"/>
-              <a:t>lec</a:t>
+              <a:t>probintro</a:t>
             </a:r>
             <a:r>
               <a:rPr lang="en-US" dirty="0" smtClean="0"/>
-              <a:t> 13W.</a:t>
+              <a:t>.</a:t>
             </a:r>
             <a:fld id="{17233D2A-0857-4415-88C1-423492E69A26}" type="slidenum">
               <a:rPr lang="en-US" smtClean="0"/>
@@ -3788,11 +4024,11 @@
             </a:pPr>
             <a:r>
               <a:rPr lang="en-US" dirty="0" err="1" smtClean="0"/>
-              <a:t>lec</a:t>
+              <a:t>probintro</a:t>
             </a:r>
             <a:r>
               <a:rPr lang="en-US" dirty="0" smtClean="0"/>
-              <a:t> 13W.</a:t>
+              <a:t>.</a:t>
             </a:r>
             <a:fld id="{17233D2A-0857-4415-88C1-423492E69A26}" type="slidenum">
               <a:rPr lang="en-US" smtClean="0"/>
@@ -3946,11 +4182,11 @@
             </a:pPr>
             <a:r>
               <a:rPr lang="en-US" dirty="0" err="1" smtClean="0"/>
-              <a:t>lec</a:t>
+              <a:t>probintro</a:t>
             </a:r>
             <a:r>
               <a:rPr lang="en-US" dirty="0" smtClean="0"/>
-              <a:t> 13W.</a:t>
+              <a:t>.</a:t>
             </a:r>
             <a:fld id="{17233D2A-0857-4415-88C1-423492E69A26}" type="slidenum">
               <a:rPr lang="en-US" smtClean="0"/>
@@ -4108,11 +4344,11 @@
             </a:pPr>
             <a:r>
               <a:rPr lang="en-US" dirty="0" err="1" smtClean="0"/>
-              <a:t>lec</a:t>
+              <a:t>probintro</a:t>
             </a:r>
             <a:r>
               <a:rPr lang="en-US" dirty="0" smtClean="0"/>
-              <a:t> 13W.</a:t>
+              <a:t>.</a:t>
             </a:r>
             <a:fld id="{17233D2A-0857-4415-88C1-423492E69A26}" type="slidenum">
               <a:rPr lang="en-US" smtClean="0"/>
@@ -4225,11 +4461,11 @@
             </a:pPr>
             <a:r>
               <a:rPr lang="en-US" dirty="0" err="1" smtClean="0"/>
-              <a:t>lec</a:t>
+              <a:t>probintro</a:t>
             </a:r>
             <a:r>
               <a:rPr lang="en-US" dirty="0" smtClean="0"/>
-              <a:t> 13W.</a:t>
+              <a:t>.</a:t>
             </a:r>
             <a:fld id="{17233D2A-0857-4415-88C1-423492E69A26}" type="slidenum">
               <a:rPr lang="en-US" smtClean="0"/>
@@ -4319,11 +4555,11 @@
             </a:pPr>
             <a:r>
               <a:rPr lang="en-US" dirty="0" err="1" smtClean="0"/>
-              <a:t>lec</a:t>
+              <a:t>probintro</a:t>
             </a:r>
             <a:r>
               <a:rPr lang="en-US" dirty="0" smtClean="0"/>
-              <a:t> 13W.</a:t>
+              <a:t>.</a:t>
             </a:r>
             <a:fld id="{17233D2A-0857-4415-88C1-423492E69A26}" type="slidenum">
               <a:rPr lang="en-US" smtClean="0"/>
@@ -4436,11 +4672,11 @@
             </a:pPr>
             <a:r>
               <a:rPr lang="en-US" dirty="0" err="1" smtClean="0"/>
-              <a:t>lec</a:t>
+              <a:t>probintro</a:t>
             </a:r>
             <a:r>
               <a:rPr lang="en-US" dirty="0" smtClean="0"/>
-              <a:t> 13W.</a:t>
+              <a:t>.</a:t>
             </a:r>
             <a:fld id="{17233D2A-0857-4415-88C1-423492E69A26}" type="slidenum">
               <a:rPr lang="en-US" smtClean="0"/>
@@ -4546,11 +4782,11 @@
             </a:pPr>
             <a:r>
               <a:rPr lang="en-US" dirty="0" err="1" smtClean="0"/>
-              <a:t>lec</a:t>
+              <a:t>probintro</a:t>
             </a:r>
             <a:r>
               <a:rPr lang="en-US" dirty="0" smtClean="0"/>
-              <a:t> 13W.</a:t>
+              <a:t>.</a:t>
             </a:r>
             <a:fld id="{17233D2A-0857-4415-88C1-423492E69A26}" type="slidenum">
               <a:rPr lang="en-US" smtClean="0"/>
@@ -5122,11 +5358,11 @@
             </a:pPr>
             <a:r>
               <a:rPr lang="en-US" dirty="0" err="1" smtClean="0"/>
-              <a:t>lec</a:t>
+              <a:t>probintro</a:t>
             </a:r>
             <a:r>
               <a:rPr lang="en-US" dirty="0" smtClean="0"/>
-              <a:t> 13W.</a:t>
+              <a:t>.</a:t>
             </a:r>
             <a:fld id="{17233D2A-0857-4415-88C1-423492E69A26}" type="slidenum">
               <a:rPr lang="en-US" smtClean="0"/>
@@ -5329,11 +5565,11 @@
             </a:pPr>
             <a:r>
               <a:rPr lang="en-US" dirty="0" err="1" smtClean="0"/>
-              <a:t>lec</a:t>
+              <a:t>probintro</a:t>
             </a:r>
             <a:r>
               <a:rPr lang="en-US" dirty="0" smtClean="0"/>
-              <a:t> 11F.</a:t>
+              <a:t>.</a:t>
             </a:r>
             <a:fld id="{17233D2A-0857-4415-88C1-423492E69A26}" type="slidenum">
               <a:rPr lang="en-US" smtClean="0"/>
@@ -5388,7 +5624,7 @@
         </p:nvSpPr>
         <p:spPr>
           <a:xfrm>
-            <a:off x="2819400" y="6477000"/>
+            <a:off x="2819400" y="6553200"/>
             <a:ext cx="3581400" cy="304800"/>
           </a:xfrm>
           <a:prstGeom prst="rect">
@@ -5429,7 +5665,22 @@
                 <a:uFillTx/>
                 <a:latin typeface="Comic Sans MS" pitchFamily="66" charset="0"/>
               </a:rPr>
-              <a:t>Albert R Meyer,                 April 27, 2012</a:t>
+              <a:t>Albert R Meyer,                 </a:t>
+            </a:r>
+            <a:r>
+              <a:rPr kumimoji="0" lang="en-US" sz="1200" b="0" i="0" u="none" strike="noStrike" kern="1200" cap="none" spc="0" normalizeH="0" baseline="0" noProof="0" dirty="0" smtClean="0">
+                <a:ln>
+                  <a:noFill/>
+                </a:ln>
+                <a:solidFill>
+                  <a:schemeClr val="tx1"/>
+                </a:solidFill>
+                <a:effectLst/>
+                <a:uLnTx/>
+                <a:uFillTx/>
+                <a:latin typeface="Comic Sans MS" pitchFamily="66" charset="0"/>
+              </a:rPr>
+              <a:t>May 1, 2013</a:t>
             </a:r>
             <a:endParaRPr kumimoji="0" lang="en-US" sz="1200" b="0" i="0" u="none" strike="noStrike" kern="1200" cap="none" spc="0" normalizeH="0" baseline="0" noProof="0" dirty="0">
               <a:ln>
@@ -5491,6 +5742,13 @@
     <p:sldLayoutId id="2147483673" r:id="rId15"/>
     <p:sldLayoutId id="2147483677" r:id="rId16"/>
   </p:sldLayoutIdLst>
+  <p:timing>
+    <p:tnLst>
+      <p:par>
+        <p:cTn xmlns:p14="http://schemas.microsoft.com/office/powerpoint/2010/main" id="1" dur="indefinite" restart="never" nodeType="tmRoot"/>
+      </p:par>
+    </p:tnLst>
+  </p:timing>
   <p:hf hdr="0" ftr="0" dt="0"/>
   <p:txStyles>
     <p:titleStyle>
@@ -6091,7 +6349,7 @@
                 <a:ea typeface="+mn-ea"/>
                 <a:cs typeface="+mn-cs"/>
               </a:rPr>
-              <a:t>lec</a:t>
+              <a:t>probintro</a:t>
             </a:r>
             <a:r>
               <a:rPr kumimoji="0" lang="en-US" sz="1000" b="0" i="0" u="none" strike="noStrike" kern="1200" cap="none" spc="0" normalizeH="0" baseline="0" noProof="0" dirty="0" smtClean="0">
@@ -6108,7 +6366,7 @@
                 <a:ea typeface="+mn-ea"/>
                 <a:cs typeface="+mn-cs"/>
               </a:rPr>
-              <a:t> 13W.</a:t>
+              <a:t>.</a:t>
             </a:r>
             <a:fld id="{17233D2A-0857-4415-88C1-423492E69A26}" type="slidenum">
               <a:rPr kumimoji="0" lang="en-US" sz="1000" b="0" i="0" u="none" strike="noStrike" kern="1200" cap="none" spc="0" normalizeH="0" baseline="0" noProof="0" smtClean="0">
@@ -6166,6 +6424,14 @@
   <p:clrMapOvr>
     <a:masterClrMapping/>
   </p:clrMapOvr>
+  <mc:AlternateContent xmlns:mc="http://schemas.openxmlformats.org/markup-compatibility/2006">
+    <mc:Choice xmlns:p14="http://schemas.microsoft.com/office/powerpoint/2010/main" Requires="p14">
+      <p:transition spd="slow" p14:dur="2000" advClick="0"/>
+    </mc:Choice>
+    <mc:Fallback>
+      <p:transition xmlns:p14="http://schemas.microsoft.com/office/powerpoint/2010/main" spd="slow" advClick="0"/>
+    </mc:Fallback>
+  </mc:AlternateContent>
   <p:timing>
     <p:tnLst>
       <p:par>
@@ -6497,7 +6763,7 @@
                 <a:ea typeface="+mn-ea"/>
                 <a:cs typeface="+mn-cs"/>
               </a:rPr>
-              <a:t>lec</a:t>
+              <a:t>probintro</a:t>
             </a:r>
             <a:r>
               <a:rPr kumimoji="0" lang="en-US" sz="1000" b="0" i="0" u="none" strike="noStrike" kern="1200" cap="none" spc="0" normalizeH="0" baseline="0" noProof="0" dirty="0" smtClean="0">
@@ -6514,7 +6780,7 @@
                 <a:ea typeface="+mn-ea"/>
                 <a:cs typeface="+mn-cs"/>
               </a:rPr>
-              <a:t> 13W.</a:t>
+              <a:t>.</a:t>
             </a:r>
             <a:fld id="{17233D2A-0857-4415-88C1-423492E69A26}" type="slidenum">
               <a:rPr kumimoji="0" lang="en-US" sz="1000" b="0" i="0" u="none" strike="noStrike" kern="1200" cap="none" spc="0" normalizeH="0" baseline="0" noProof="0" smtClean="0">
@@ -6572,7 +6838,7 @@
   <p:clrMapOvr>
     <a:masterClrMapping/>
   </p:clrMapOvr>
-  <p:transition xmlns:p14="http://schemas.microsoft.com/office/powerpoint/2010/main">
+  <p:transition xmlns:p14="http://schemas.microsoft.com/office/powerpoint/2010/main" advClick="0">
     <p:fade thruBlk="1"/>
   </p:transition>
   <p:timing>
@@ -6596,7 +6862,7 @@
                             </p:stCondLst>
                             <p:childTnLst>
                               <p:par>
-                                <p:cTn id="5" presetID="1" presetClass="entr" presetSubtype="0" fill="hold" nodeType="clickEffect">
+                                <p:cTn id="5" presetID="10" presetClass="entr" presetSubtype="0" fill="hold" nodeType="clickEffect">
                                   <p:stCondLst>
                                     <p:cond delay="0"/>
                                   </p:stCondLst>
@@ -6623,6 +6889,18 @@
                                         <p:strVal val="visible"/>
                                       </p:to>
                                     </p:set>
+                                    <p:animEffect transition="in" filter="fade">
+                                      <p:cBhvr>
+                                        <p:cTn id="7" dur="500"/>
+                                        <p:tgtEl>
+                                          <p:spTgt spid="10243">
+                                            <p:txEl>
+                                              <p:pRg st="3" end="3"/>
+                                            </p:txEl>
+                                          </p:spTgt>
+                                        </p:tgtEl>
+                                      </p:cBhvr>
+                                    </p:animEffect>
                                   </p:childTnLst>
                                 </p:cTn>
                               </p:par>
@@ -6633,26 +6911,26 @@
                     </p:cTn>
                   </p:par>
                   <p:par>
-                    <p:cTn id="7" fill="hold">
+                    <p:cTn id="8" fill="hold">
                       <p:stCondLst>
                         <p:cond delay="indefinite"/>
                       </p:stCondLst>
                       <p:childTnLst>
                         <p:par>
-                          <p:cTn id="8" fill="hold">
+                          <p:cTn id="9" fill="hold">
                             <p:stCondLst>
                               <p:cond delay="0"/>
                             </p:stCondLst>
                             <p:childTnLst>
                               <p:par>
-                                <p:cTn id="9" presetID="1" presetClass="entr" presetSubtype="0" fill="hold" nodeType="clickEffect">
+                                <p:cTn id="10" presetID="10" presetClass="entr" presetSubtype="0" fill="hold" nodeType="clickEffect">
                                   <p:stCondLst>
                                     <p:cond delay="0"/>
                                   </p:stCondLst>
                                   <p:childTnLst>
                                     <p:set>
                                       <p:cBhvr>
-                                        <p:cTn id="10" dur="1" fill="hold">
+                                        <p:cTn id="11" dur="1" fill="hold">
                                           <p:stCondLst>
                                             <p:cond delay="0"/>
                                           </p:stCondLst>
@@ -6672,6 +6950,18 @@
                                         <p:strVal val="visible"/>
                                       </p:to>
                                     </p:set>
+                                    <p:animEffect transition="in" filter="fade">
+                                      <p:cBhvr>
+                                        <p:cTn id="12" dur="500"/>
+                                        <p:tgtEl>
+                                          <p:spTgt spid="10243">
+                                            <p:txEl>
+                                              <p:pRg st="4" end="4"/>
+                                            </p:txEl>
+                                          </p:spTgt>
+                                        </p:tgtEl>
+                                      </p:cBhvr>
+                                    </p:animEffect>
                                   </p:childTnLst>
                                 </p:cTn>
                               </p:par>
@@ -6959,7 +7249,7 @@
                 <a:ea typeface="+mn-ea"/>
                 <a:cs typeface="+mn-cs"/>
               </a:rPr>
-              <a:t>lec</a:t>
+              <a:t>probintro</a:t>
             </a:r>
             <a:r>
               <a:rPr kumimoji="0" lang="en-US" sz="1000" b="0" i="0" u="none" strike="noStrike" kern="1200" cap="none" spc="0" normalizeH="0" baseline="0" noProof="0" dirty="0" smtClean="0">
@@ -6976,7 +7266,7 @@
                 <a:ea typeface="+mn-ea"/>
                 <a:cs typeface="+mn-cs"/>
               </a:rPr>
-              <a:t> 13W.</a:t>
+              <a:t>.</a:t>
             </a:r>
             <a:fld id="{17233D2A-0857-4415-88C1-423492E69A26}" type="slidenum">
               <a:rPr kumimoji="0" lang="en-US" sz="1000" b="0" i="0" u="none" strike="noStrike" kern="1200" cap="none" spc="0" normalizeH="0" baseline="0" noProof="0" smtClean="0">
@@ -7034,7 +7324,7 @@
   <p:clrMapOvr>
     <a:masterClrMapping/>
   </p:clrMapOvr>
-  <p:transition xmlns:p14="http://schemas.microsoft.com/office/powerpoint/2010/main" spd="slow">
+  <p:transition xmlns:p14="http://schemas.microsoft.com/office/powerpoint/2010/main" spd="slow" advClick="0">
     <p:fade thruBlk="1"/>
   </p:transition>
   <p:timing>
@@ -7202,18 +7492,65 @@
           </a:p>
         </p:txBody>
       </p:sp>
+      <p:sp>
+        <p:nvSpPr>
+          <p:cNvPr id="2092" name="Text Box 44"/>
+          <p:cNvSpPr txBox="1">
+            <a:spLocks noChangeArrowheads="1"/>
+          </p:cNvSpPr>
+          <p:nvPr/>
+        </p:nvSpPr>
+        <p:spPr bwMode="auto">
+          <a:xfrm>
+            <a:off x="1377950" y="4495800"/>
+            <a:ext cx="1289050" cy="822325"/>
+          </a:xfrm>
+          <a:prstGeom prst="rect">
+            <a:avLst/>
+          </a:prstGeom>
+          <a:noFill/>
+          <a:ln w="9525">
+            <a:noFill/>
+            <a:miter lim="800000"/>
+            <a:headEnd/>
+            <a:tailEnd/>
+          </a:ln>
+        </p:spPr>
+        <p:txBody>
+          <a:bodyPr wrap="none">
+            <a:spAutoFit/>
+          </a:bodyPr>
+          <a:lstStyle/>
+          <a:p>
+            <a:r>
+              <a:rPr lang="en-US" sz="2400" dirty="0">
+                <a:latin typeface="Comic Sans MS" pitchFamily="-128" charset="0"/>
+              </a:rPr>
+              <a:t>Prize</a:t>
+            </a:r>
+          </a:p>
+          <a:p>
+            <a:r>
+              <a:rPr lang="en-US" sz="2400" dirty="0">
+                <a:latin typeface="Comic Sans MS" pitchFamily="-128" charset="0"/>
+              </a:rPr>
+              <a:t>location</a:t>
+            </a:r>
+          </a:p>
+        </p:txBody>
+      </p:sp>
       <p:grpSp>
         <p:nvGrpSpPr>
-          <p:cNvPr id="3" name="Group 2"/>
+          <p:cNvPr id="11" name="Group 10"/>
           <p:cNvGrpSpPr/>
           <p:nvPr/>
         </p:nvGrpSpPr>
         <p:grpSpPr>
           <a:xfrm>
-            <a:off x="1219200" y="2133600"/>
-            <a:ext cx="1600200" cy="2590800"/>
-            <a:chOff x="1219200" y="2133600"/>
-            <a:chExt cx="1600200" cy="2590800"/>
+            <a:off x="1295400" y="2133600"/>
+            <a:ext cx="1524000" cy="2514600"/>
+            <a:chOff x="1295400" y="2133600"/>
+            <a:chExt cx="1524000" cy="2514600"/>
           </a:xfrm>
         </p:grpSpPr>
         <p:sp>
@@ -7365,53 +7702,6 @@
               <a:endParaRPr lang="en-US">
                 <a:latin typeface="Comic Sans MS" pitchFamily="-128" charset="0"/>
               </a:endParaRPr>
-            </a:p>
-          </p:txBody>
-        </p:sp>
-        <p:sp>
-          <p:nvSpPr>
-            <p:cNvPr id="2092" name="Text Box 44"/>
-            <p:cNvSpPr txBox="1">
-              <a:spLocks noChangeArrowheads="1"/>
-            </p:cNvSpPr>
-            <p:nvPr/>
-          </p:nvSpPr>
-          <p:spPr bwMode="auto">
-            <a:xfrm>
-              <a:off x="1219200" y="3902075"/>
-              <a:ext cx="1289050" cy="822325"/>
-            </a:xfrm>
-            <a:prstGeom prst="rect">
-              <a:avLst/>
-            </a:prstGeom>
-            <a:noFill/>
-            <a:ln w="9525">
-              <a:noFill/>
-              <a:miter lim="800000"/>
-              <a:headEnd/>
-              <a:tailEnd/>
-            </a:ln>
-          </p:spPr>
-          <p:txBody>
-            <a:bodyPr wrap="none">
-              <a:spAutoFit/>
-            </a:bodyPr>
-            <a:lstStyle/>
-            <a:p>
-              <a:r>
-                <a:rPr lang="en-US" sz="2400">
-                  <a:latin typeface="Comic Sans MS" pitchFamily="-128" charset="0"/>
-                </a:rPr>
-                <a:t>Prize</a:t>
-              </a:r>
-            </a:p>
-            <a:p>
-              <a:r>
-                <a:rPr lang="en-US" sz="2400">
-                  <a:latin typeface="Comic Sans MS" pitchFamily="-128" charset="0"/>
-                </a:rPr>
-                <a:t>location</a:t>
-              </a:r>
             </a:p>
           </p:txBody>
         </p:sp>
@@ -7622,21 +7912,21 @@
       </p:grpSp>
       <p:grpSp>
         <p:nvGrpSpPr>
-          <p:cNvPr id="5" name="Group 4"/>
+          <p:cNvPr id="9" name="Group 8"/>
           <p:cNvGrpSpPr/>
           <p:nvPr/>
         </p:nvGrpSpPr>
         <p:grpSpPr>
           <a:xfrm>
-            <a:off x="2757488" y="533400"/>
-            <a:ext cx="2481262" cy="1752600"/>
-            <a:chOff x="2757488" y="533400"/>
-            <a:chExt cx="2481262" cy="1752600"/>
+            <a:off x="2757488" y="1066800"/>
+            <a:ext cx="1071562" cy="1219200"/>
+            <a:chOff x="2757488" y="1066800"/>
+            <a:chExt cx="1071562" cy="1219200"/>
           </a:xfrm>
         </p:grpSpPr>
         <p:sp>
           <p:nvSpPr>
-            <p:cNvPr id="2077" name="Oval 29"/>
+            <p:cNvPr id="2065" name="Oval 17"/>
             <p:cNvSpPr>
               <a:spLocks noChangeArrowheads="1"/>
             </p:cNvSpPr>
@@ -7644,7 +7934,7 @@
           </p:nvSpPr>
           <p:spPr bwMode="auto">
             <a:xfrm>
-              <a:off x="5086350" y="914400"/>
+              <a:off x="3676650" y="1295400"/>
               <a:ext cx="152400" cy="152400"/>
             </a:xfrm>
             <a:prstGeom prst="ellipse">
@@ -7674,7 +7964,7 @@
         </p:sp>
         <p:sp>
           <p:nvSpPr>
-            <p:cNvPr id="2078" name="Oval 30"/>
+            <p:cNvPr id="2066" name="Oval 18"/>
             <p:cNvSpPr>
               <a:spLocks noChangeArrowheads="1"/>
             </p:cNvSpPr>
@@ -7682,7 +7972,7 @@
           </p:nvSpPr>
           <p:spPr bwMode="auto">
             <a:xfrm>
-              <a:off x="5086350" y="1320800"/>
+              <a:off x="3676650" y="1714500"/>
               <a:ext cx="152400" cy="152400"/>
             </a:xfrm>
             <a:prstGeom prst="ellipse">
@@ -7712,7 +8002,7 @@
         </p:sp>
         <p:sp>
           <p:nvSpPr>
-            <p:cNvPr id="2079" name="Oval 31"/>
+            <p:cNvPr id="2067" name="Oval 19"/>
             <p:cNvSpPr>
               <a:spLocks noChangeArrowheads="1"/>
             </p:cNvSpPr>
@@ -7720,7 +8010,7 @@
           </p:nvSpPr>
           <p:spPr bwMode="auto">
             <a:xfrm>
-              <a:off x="5086350" y="1727200"/>
+              <a:off x="3676650" y="2133600"/>
               <a:ext cx="152400" cy="152400"/>
             </a:xfrm>
             <a:prstGeom prst="ellipse">
@@ -7750,56 +8040,57 @@
         </p:sp>
         <p:sp>
           <p:nvSpPr>
-            <p:cNvPr id="2080" name="Oval 32"/>
-            <p:cNvSpPr>
+            <p:cNvPr id="2099" name="Text Box 51"/>
+            <p:cNvSpPr txBox="1">
               <a:spLocks noChangeArrowheads="1"/>
             </p:cNvSpPr>
             <p:nvPr/>
           </p:nvSpPr>
           <p:spPr bwMode="auto">
             <a:xfrm>
-              <a:off x="5086350" y="2133600"/>
-              <a:ext cx="152400" cy="152400"/>
+              <a:off x="3429000" y="1066800"/>
+              <a:ext cx="320675" cy="457200"/>
             </a:xfrm>
-            <a:prstGeom prst="ellipse">
+            <a:prstGeom prst="rect">
               <a:avLst/>
             </a:prstGeom>
-            <a:solidFill>
-              <a:schemeClr val="accent2"/>
-            </a:solidFill>
-            <a:ln w="28575">
-              <a:solidFill>
-                <a:schemeClr val="tx1"/>
-              </a:solidFill>
-              <a:round/>
+            <a:noFill/>
+            <a:ln w="9525">
+              <a:noFill/>
+              <a:miter lim="800000"/>
               <a:headEnd/>
               <a:tailEnd/>
             </a:ln>
           </p:spPr>
           <p:txBody>
-            <a:bodyPr wrap="none" anchor="ctr"/>
+            <a:bodyPr wrap="none">
+              <a:spAutoFit/>
+            </a:bodyPr>
             <a:lstStyle/>
             <a:p>
-              <a:endParaRPr lang="en-US">
-                <a:latin typeface="Comic Sans MS" pitchFamily="-128" charset="0"/>
-              </a:endParaRPr>
+              <a:r>
+                <a:rPr lang="en-US" sz="2400">
+                  <a:latin typeface="Comic Sans MS" pitchFamily="-128" charset="0"/>
+                </a:rPr>
+                <a:t>1</a:t>
+              </a:r>
             </a:p>
           </p:txBody>
         </p:sp>
         <p:cxnSp>
           <p:nvCxnSpPr>
-            <p:cNvPr id="2114" name="AutoShape 66"/>
+            <p:cNvPr id="2105" name="AutoShape 57"/>
             <p:cNvCxnSpPr>
               <a:cxnSpLocks noChangeShapeType="1"/>
-              <a:stCxn id="2065" idx="6"/>
-              <a:endCxn id="2077" idx="2"/>
+              <a:stCxn id="2051" idx="6"/>
+              <a:endCxn id="2065" idx="2"/>
             </p:cNvCxnSpPr>
             <p:nvPr/>
           </p:nvCxnSpPr>
           <p:spPr bwMode="auto">
             <a:xfrm flipV="1">
-              <a:off x="3843338" y="990600"/>
-              <a:ext cx="1228725" cy="381000"/>
+              <a:off x="2757488" y="1371600"/>
+              <a:ext cx="904875" cy="838200"/>
             </a:xfrm>
             <a:prstGeom prst="straightConnector1">
               <a:avLst/>
@@ -7817,18 +8108,18 @@
         </p:cxnSp>
         <p:cxnSp>
           <p:nvCxnSpPr>
-            <p:cNvPr id="2115" name="AutoShape 67"/>
+            <p:cNvPr id="2106" name="AutoShape 58"/>
             <p:cNvCxnSpPr>
               <a:cxnSpLocks noChangeShapeType="1"/>
-              <a:stCxn id="2065" idx="6"/>
-              <a:endCxn id="2078" idx="2"/>
+              <a:stCxn id="2051" idx="6"/>
+              <a:endCxn id="2066" idx="2"/>
             </p:cNvCxnSpPr>
             <p:nvPr/>
           </p:nvCxnSpPr>
           <p:spPr bwMode="auto">
-            <a:xfrm>
-              <a:off x="3843338" y="1371600"/>
-              <a:ext cx="1228725" cy="25400"/>
+            <a:xfrm flipV="1">
+              <a:off x="2757488" y="1790700"/>
+              <a:ext cx="904875" cy="419100"/>
             </a:xfrm>
             <a:prstGeom prst="straightConnector1">
               <a:avLst/>
@@ -7846,18 +8137,18 @@
         </p:cxnSp>
         <p:cxnSp>
           <p:nvCxnSpPr>
-            <p:cNvPr id="2116" name="AutoShape 68"/>
+            <p:cNvPr id="2107" name="AutoShape 59"/>
             <p:cNvCxnSpPr>
               <a:cxnSpLocks noChangeShapeType="1"/>
-              <a:stCxn id="2066" idx="6"/>
-              <a:endCxn id="2079" idx="2"/>
+              <a:stCxn id="2051" idx="6"/>
+              <a:endCxn id="2067" idx="2"/>
             </p:cNvCxnSpPr>
             <p:nvPr/>
           </p:nvCxnSpPr>
           <p:spPr bwMode="auto">
             <a:xfrm>
-              <a:off x="3843338" y="1790700"/>
-              <a:ext cx="1228725" cy="12700"/>
+              <a:off x="2757488" y="2209800"/>
+              <a:ext cx="904875" cy="0"/>
             </a:xfrm>
             <a:prstGeom prst="straightConnector1">
               <a:avLst/>
@@ -7873,368 +8164,99 @@
             </a:ln>
           </p:spPr>
         </p:cxnSp>
-        <p:cxnSp>
-          <p:nvCxnSpPr>
-            <p:cNvPr id="2117" name="AutoShape 69"/>
-            <p:cNvCxnSpPr>
-              <a:cxnSpLocks noChangeShapeType="1"/>
-              <a:stCxn id="2067" idx="6"/>
-              <a:endCxn id="2080" idx="2"/>
-            </p:cNvCxnSpPr>
+        <p:sp>
+          <p:nvSpPr>
+            <p:cNvPr id="2135" name="Text Box 87"/>
+            <p:cNvSpPr txBox="1">
+              <a:spLocks noChangeArrowheads="1"/>
+            </p:cNvSpPr>
             <p:nvPr/>
-          </p:nvCxnSpPr>
+          </p:nvSpPr>
           <p:spPr bwMode="auto">
             <a:xfrm>
-              <a:off x="3843338" y="2209800"/>
-              <a:ext cx="1228725" cy="0"/>
+              <a:off x="3429000" y="1828800"/>
+              <a:ext cx="369888" cy="457200"/>
             </a:xfrm>
-            <a:prstGeom prst="straightConnector1">
+            <a:prstGeom prst="rect">
               <a:avLst/>
             </a:prstGeom>
             <a:noFill/>
-            <a:ln w="31750">
-              <a:solidFill>
-                <a:schemeClr val="tx1"/>
-              </a:solidFill>
-              <a:round/>
+            <a:ln w="9525">
+              <a:noFill/>
+              <a:miter lim="800000"/>
               <a:headEnd/>
               <a:tailEnd/>
             </a:ln>
           </p:spPr>
-        </p:cxnSp>
-        <p:grpSp>
-          <p:nvGrpSpPr>
-            <p:cNvPr id="9" name="Group 8"/>
-            <p:cNvGrpSpPr/>
+          <p:txBody>
+            <a:bodyPr wrap="none">
+              <a:spAutoFit/>
+            </a:bodyPr>
+            <a:lstStyle/>
+            <a:p>
+              <a:r>
+                <a:rPr lang="en-US" sz="2400">
+                  <a:latin typeface="Comic Sans MS" pitchFamily="-128" charset="0"/>
+                </a:rPr>
+                <a:t>3</a:t>
+              </a:r>
+            </a:p>
+          </p:txBody>
+        </p:sp>
+        <p:sp>
+          <p:nvSpPr>
+            <p:cNvPr id="2138" name="Text Box 90"/>
+            <p:cNvSpPr txBox="1">
+              <a:spLocks noChangeArrowheads="1"/>
+            </p:cNvSpPr>
             <p:nvPr/>
-          </p:nvGrpSpPr>
-          <p:grpSpPr>
+          </p:nvSpPr>
+          <p:spPr bwMode="auto">
             <a:xfrm>
-              <a:off x="2757488" y="1066800"/>
-              <a:ext cx="1071562" cy="1219200"/>
-              <a:chOff x="2757488" y="1066800"/>
-              <a:chExt cx="1071562" cy="1219200"/>
+              <a:off x="3429000" y="1447800"/>
+              <a:ext cx="369888" cy="457200"/>
             </a:xfrm>
-          </p:grpSpPr>
-          <p:sp>
-            <p:nvSpPr>
-              <p:cNvPr id="2065" name="Oval 17"/>
-              <p:cNvSpPr>
-                <a:spLocks noChangeArrowheads="1"/>
-              </p:cNvSpPr>
-              <p:nvPr/>
-            </p:nvSpPr>
-            <p:spPr bwMode="auto">
-              <a:xfrm>
-                <a:off x="3676650" y="1295400"/>
-                <a:ext cx="152400" cy="152400"/>
-              </a:xfrm>
-              <a:prstGeom prst="ellipse">
-                <a:avLst/>
-              </a:prstGeom>
-              <a:solidFill>
-                <a:schemeClr val="accent2"/>
-              </a:solidFill>
-              <a:ln w="28575">
-                <a:solidFill>
-                  <a:schemeClr val="tx1"/>
-                </a:solidFill>
-                <a:round/>
-                <a:headEnd/>
-                <a:tailEnd/>
-              </a:ln>
-            </p:spPr>
-            <p:txBody>
-              <a:bodyPr wrap="none" anchor="ctr"/>
-              <a:lstStyle/>
-              <a:p>
-                <a:endParaRPr lang="en-US">
+            <a:prstGeom prst="rect">
+              <a:avLst/>
+            </a:prstGeom>
+            <a:noFill/>
+            <a:ln w="9525">
+              <a:noFill/>
+              <a:miter lim="800000"/>
+              <a:headEnd/>
+              <a:tailEnd/>
+            </a:ln>
+          </p:spPr>
+          <p:txBody>
+            <a:bodyPr wrap="none">
+              <a:spAutoFit/>
+            </a:bodyPr>
+            <a:lstStyle/>
+            <a:p>
+              <a:r>
+                <a:rPr lang="en-US" sz="2400">
                   <a:latin typeface="Comic Sans MS" pitchFamily="-128" charset="0"/>
-                </a:endParaRPr>
-              </a:p>
-            </p:txBody>
-          </p:sp>
-          <p:sp>
-            <p:nvSpPr>
-              <p:cNvPr id="2066" name="Oval 18"/>
-              <p:cNvSpPr>
-                <a:spLocks noChangeArrowheads="1"/>
-              </p:cNvSpPr>
-              <p:nvPr/>
-            </p:nvSpPr>
-            <p:spPr bwMode="auto">
-              <a:xfrm>
-                <a:off x="3676650" y="1714500"/>
-                <a:ext cx="152400" cy="152400"/>
-              </a:xfrm>
-              <a:prstGeom prst="ellipse">
-                <a:avLst/>
-              </a:prstGeom>
-              <a:solidFill>
-                <a:schemeClr val="accent2"/>
-              </a:solidFill>
-              <a:ln w="28575">
-                <a:solidFill>
-                  <a:schemeClr val="tx1"/>
-                </a:solidFill>
-                <a:round/>
-                <a:headEnd/>
-                <a:tailEnd/>
-              </a:ln>
-            </p:spPr>
-            <p:txBody>
-              <a:bodyPr wrap="none" anchor="ctr"/>
-              <a:lstStyle/>
-              <a:p>
-                <a:endParaRPr lang="en-US">
-                  <a:latin typeface="Comic Sans MS" pitchFamily="-128" charset="0"/>
-                </a:endParaRPr>
-              </a:p>
-            </p:txBody>
-          </p:sp>
-          <p:sp>
-            <p:nvSpPr>
-              <p:cNvPr id="2067" name="Oval 19"/>
-              <p:cNvSpPr>
-                <a:spLocks noChangeArrowheads="1"/>
-              </p:cNvSpPr>
-              <p:nvPr/>
-            </p:nvSpPr>
-            <p:spPr bwMode="auto">
-              <a:xfrm>
-                <a:off x="3676650" y="2133600"/>
-                <a:ext cx="152400" cy="152400"/>
-              </a:xfrm>
-              <a:prstGeom prst="ellipse">
-                <a:avLst/>
-              </a:prstGeom>
-              <a:solidFill>
-                <a:schemeClr val="accent2"/>
-              </a:solidFill>
-              <a:ln w="28575">
-                <a:solidFill>
-                  <a:schemeClr val="tx1"/>
-                </a:solidFill>
-                <a:round/>
-                <a:headEnd/>
-                <a:tailEnd/>
-              </a:ln>
-            </p:spPr>
-            <p:txBody>
-              <a:bodyPr wrap="none" anchor="ctr"/>
-              <a:lstStyle/>
-              <a:p>
-                <a:endParaRPr lang="en-US">
-                  <a:latin typeface="Comic Sans MS" pitchFamily="-128" charset="0"/>
-                </a:endParaRPr>
-              </a:p>
-            </p:txBody>
-          </p:sp>
-          <p:sp>
-            <p:nvSpPr>
-              <p:cNvPr id="2099" name="Text Box 51"/>
-              <p:cNvSpPr txBox="1">
-                <a:spLocks noChangeArrowheads="1"/>
-              </p:cNvSpPr>
-              <p:nvPr/>
-            </p:nvSpPr>
-            <p:spPr bwMode="auto">
-              <a:xfrm>
-                <a:off x="3429000" y="1066800"/>
-                <a:ext cx="320675" cy="457200"/>
-              </a:xfrm>
-              <a:prstGeom prst="rect">
-                <a:avLst/>
-              </a:prstGeom>
-              <a:noFill/>
-              <a:ln w="9525">
-                <a:noFill/>
-                <a:miter lim="800000"/>
-                <a:headEnd/>
-                <a:tailEnd/>
-              </a:ln>
-            </p:spPr>
-            <p:txBody>
-              <a:bodyPr wrap="none">
-                <a:spAutoFit/>
-              </a:bodyPr>
-              <a:lstStyle/>
-              <a:p>
-                <a:r>
-                  <a:rPr lang="en-US" sz="2400">
-                    <a:latin typeface="Comic Sans MS" pitchFamily="-128" charset="0"/>
-                  </a:rPr>
-                  <a:t>1</a:t>
-                </a:r>
-              </a:p>
-            </p:txBody>
-          </p:sp>
-          <p:cxnSp>
-            <p:nvCxnSpPr>
-              <p:cNvPr id="2105" name="AutoShape 57"/>
-              <p:cNvCxnSpPr>
-                <a:cxnSpLocks noChangeShapeType="1"/>
-                <a:stCxn id="2051" idx="6"/>
-                <a:endCxn id="2065" idx="2"/>
-              </p:cNvCxnSpPr>
-              <p:nvPr/>
-            </p:nvCxnSpPr>
-            <p:spPr bwMode="auto">
-              <a:xfrm flipV="1">
-                <a:off x="2757488" y="1371600"/>
-                <a:ext cx="904875" cy="838200"/>
-              </a:xfrm>
-              <a:prstGeom prst="straightConnector1">
-                <a:avLst/>
-              </a:prstGeom>
-              <a:noFill/>
-              <a:ln w="31750">
-                <a:solidFill>
-                  <a:schemeClr val="tx1"/>
-                </a:solidFill>
-                <a:round/>
-                <a:headEnd/>
-                <a:tailEnd/>
-              </a:ln>
-            </p:spPr>
-          </p:cxnSp>
-          <p:cxnSp>
-            <p:nvCxnSpPr>
-              <p:cNvPr id="2106" name="AutoShape 58"/>
-              <p:cNvCxnSpPr>
-                <a:cxnSpLocks noChangeShapeType="1"/>
-                <a:stCxn id="2051" idx="6"/>
-                <a:endCxn id="2066" idx="2"/>
-              </p:cNvCxnSpPr>
-              <p:nvPr/>
-            </p:nvCxnSpPr>
-            <p:spPr bwMode="auto">
-              <a:xfrm flipV="1">
-                <a:off x="2757488" y="1790700"/>
-                <a:ext cx="904875" cy="419100"/>
-              </a:xfrm>
-              <a:prstGeom prst="straightConnector1">
-                <a:avLst/>
-              </a:prstGeom>
-              <a:noFill/>
-              <a:ln w="31750">
-                <a:solidFill>
-                  <a:schemeClr val="tx1"/>
-                </a:solidFill>
-                <a:round/>
-                <a:headEnd/>
-                <a:tailEnd/>
-              </a:ln>
-            </p:spPr>
-          </p:cxnSp>
-          <p:cxnSp>
-            <p:nvCxnSpPr>
-              <p:cNvPr id="2107" name="AutoShape 59"/>
-              <p:cNvCxnSpPr>
-                <a:cxnSpLocks noChangeShapeType="1"/>
-                <a:stCxn id="2051" idx="6"/>
-                <a:endCxn id="2067" idx="2"/>
-              </p:cNvCxnSpPr>
-              <p:nvPr/>
-            </p:nvCxnSpPr>
-            <p:spPr bwMode="auto">
-              <a:xfrm>
-                <a:off x="2757488" y="2209800"/>
-                <a:ext cx="904875" cy="0"/>
-              </a:xfrm>
-              <a:prstGeom prst="straightConnector1">
-                <a:avLst/>
-              </a:prstGeom>
-              <a:noFill/>
-              <a:ln w="31750">
-                <a:solidFill>
-                  <a:schemeClr val="tx1"/>
-                </a:solidFill>
-                <a:round/>
-                <a:headEnd/>
-                <a:tailEnd/>
-              </a:ln>
-            </p:spPr>
-          </p:cxnSp>
-          <p:sp>
-            <p:nvSpPr>
-              <p:cNvPr id="2135" name="Text Box 87"/>
-              <p:cNvSpPr txBox="1">
-                <a:spLocks noChangeArrowheads="1"/>
-              </p:cNvSpPr>
-              <p:nvPr/>
-            </p:nvSpPr>
-            <p:spPr bwMode="auto">
-              <a:xfrm>
-                <a:off x="3429000" y="1828800"/>
-                <a:ext cx="369888" cy="457200"/>
-              </a:xfrm>
-              <a:prstGeom prst="rect">
-                <a:avLst/>
-              </a:prstGeom>
-              <a:noFill/>
-              <a:ln w="9525">
-                <a:noFill/>
-                <a:miter lim="800000"/>
-                <a:headEnd/>
-                <a:tailEnd/>
-              </a:ln>
-            </p:spPr>
-            <p:txBody>
-              <a:bodyPr wrap="none">
-                <a:spAutoFit/>
-              </a:bodyPr>
-              <a:lstStyle/>
-              <a:p>
-                <a:r>
-                  <a:rPr lang="en-US" sz="2400">
-                    <a:latin typeface="Comic Sans MS" pitchFamily="-128" charset="0"/>
-                  </a:rPr>
-                  <a:t>3</a:t>
-                </a:r>
-              </a:p>
-            </p:txBody>
-          </p:sp>
-          <p:sp>
-            <p:nvSpPr>
-              <p:cNvPr id="2138" name="Text Box 90"/>
-              <p:cNvSpPr txBox="1">
-                <a:spLocks noChangeArrowheads="1"/>
-              </p:cNvSpPr>
-              <p:nvPr/>
-            </p:nvSpPr>
-            <p:spPr bwMode="auto">
-              <a:xfrm>
-                <a:off x="3429000" y="1447800"/>
-                <a:ext cx="369888" cy="457200"/>
-              </a:xfrm>
-              <a:prstGeom prst="rect">
-                <a:avLst/>
-              </a:prstGeom>
-              <a:noFill/>
-              <a:ln w="9525">
-                <a:noFill/>
-                <a:miter lim="800000"/>
-                <a:headEnd/>
-                <a:tailEnd/>
-              </a:ln>
-            </p:spPr>
-            <p:txBody>
-              <a:bodyPr wrap="none">
-                <a:spAutoFit/>
-              </a:bodyPr>
-              <a:lstStyle/>
-              <a:p>
-                <a:r>
-                  <a:rPr lang="en-US" sz="2400">
-                    <a:latin typeface="Comic Sans MS" pitchFamily="-128" charset="0"/>
-                  </a:rPr>
-                  <a:t>2</a:t>
-                </a:r>
-              </a:p>
-            </p:txBody>
-          </p:sp>
-        </p:grpSp>
+                </a:rPr>
+                <a:t>2</a:t>
+              </a:r>
+            </a:p>
+          </p:txBody>
+        </p:sp>
+      </p:grpSp>
+      <p:grpSp>
+        <p:nvGrpSpPr>
+          <p:cNvPr id="10" name="Group 9"/>
+          <p:cNvGrpSpPr/>
+          <p:nvPr/>
+        </p:nvGrpSpPr>
+        <p:grpSpPr>
+          <a:xfrm>
+            <a:off x="3843338" y="533400"/>
+            <a:ext cx="1395412" cy="1752600"/>
+            <a:chOff x="3843338" y="533400"/>
+            <a:chExt cx="1395412" cy="1752600"/>
+          </a:xfrm>
+        </p:grpSpPr>
         <p:sp>
           <p:nvSpPr>
             <p:cNvPr id="2139" name="Text Box 91"/>
@@ -8274,123 +8296,406 @@
             </a:p>
           </p:txBody>
         </p:sp>
-        <p:sp>
-          <p:nvSpPr>
-            <p:cNvPr id="2141" name="Text Box 93"/>
-            <p:cNvSpPr txBox="1">
-              <a:spLocks noChangeArrowheads="1"/>
-            </p:cNvSpPr>
+        <p:grpSp>
+          <p:nvGrpSpPr>
+            <p:cNvPr id="7" name="Group 6"/>
+            <p:cNvGrpSpPr/>
             <p:nvPr/>
-          </p:nvSpPr>
-          <p:spPr bwMode="auto">
+          </p:nvGrpSpPr>
+          <p:grpSpPr>
             <a:xfrm>
-              <a:off x="4806950" y="990600"/>
-              <a:ext cx="369888" cy="457200"/>
+              <a:off x="3843338" y="914400"/>
+              <a:ext cx="1395412" cy="1371600"/>
+              <a:chOff x="3843338" y="914400"/>
+              <a:chExt cx="1395412" cy="1371600"/>
             </a:xfrm>
-            <a:prstGeom prst="rect">
-              <a:avLst/>
-            </a:prstGeom>
-            <a:noFill/>
-            <a:ln w="9525">
+          </p:grpSpPr>
+          <p:sp>
+            <p:nvSpPr>
+              <p:cNvPr id="2077" name="Oval 29"/>
+              <p:cNvSpPr>
+                <a:spLocks noChangeArrowheads="1"/>
+              </p:cNvSpPr>
+              <p:nvPr/>
+            </p:nvSpPr>
+            <p:spPr bwMode="auto">
+              <a:xfrm>
+                <a:off x="5086350" y="914400"/>
+                <a:ext cx="152400" cy="152400"/>
+              </a:xfrm>
+              <a:prstGeom prst="ellipse">
+                <a:avLst/>
+              </a:prstGeom>
+              <a:solidFill>
+                <a:schemeClr val="accent2"/>
+              </a:solidFill>
+              <a:ln w="28575">
+                <a:solidFill>
+                  <a:schemeClr val="tx1"/>
+                </a:solidFill>
+                <a:round/>
+                <a:headEnd/>
+                <a:tailEnd/>
+              </a:ln>
+            </p:spPr>
+            <p:txBody>
+              <a:bodyPr wrap="none" anchor="ctr"/>
+              <a:lstStyle/>
+              <a:p>
+                <a:endParaRPr lang="en-US">
+                  <a:latin typeface="Comic Sans MS" pitchFamily="-128" charset="0"/>
+                </a:endParaRPr>
+              </a:p>
+            </p:txBody>
+          </p:sp>
+          <p:sp>
+            <p:nvSpPr>
+              <p:cNvPr id="2078" name="Oval 30"/>
+              <p:cNvSpPr>
+                <a:spLocks noChangeArrowheads="1"/>
+              </p:cNvSpPr>
+              <p:nvPr/>
+            </p:nvSpPr>
+            <p:spPr bwMode="auto">
+              <a:xfrm>
+                <a:off x="5086350" y="1320800"/>
+                <a:ext cx="152400" cy="152400"/>
+              </a:xfrm>
+              <a:prstGeom prst="ellipse">
+                <a:avLst/>
+              </a:prstGeom>
+              <a:solidFill>
+                <a:schemeClr val="accent2"/>
+              </a:solidFill>
+              <a:ln w="28575">
+                <a:solidFill>
+                  <a:schemeClr val="tx1"/>
+                </a:solidFill>
+                <a:round/>
+                <a:headEnd/>
+                <a:tailEnd/>
+              </a:ln>
+            </p:spPr>
+            <p:txBody>
+              <a:bodyPr wrap="none" anchor="ctr"/>
+              <a:lstStyle/>
+              <a:p>
+                <a:endParaRPr lang="en-US">
+                  <a:latin typeface="Comic Sans MS" pitchFamily="-128" charset="0"/>
+                </a:endParaRPr>
+              </a:p>
+            </p:txBody>
+          </p:sp>
+          <p:sp>
+            <p:nvSpPr>
+              <p:cNvPr id="2079" name="Oval 31"/>
+              <p:cNvSpPr>
+                <a:spLocks noChangeArrowheads="1"/>
+              </p:cNvSpPr>
+              <p:nvPr/>
+            </p:nvSpPr>
+            <p:spPr bwMode="auto">
+              <a:xfrm>
+                <a:off x="5086350" y="1727200"/>
+                <a:ext cx="152400" cy="152400"/>
+              </a:xfrm>
+              <a:prstGeom prst="ellipse">
+                <a:avLst/>
+              </a:prstGeom>
+              <a:solidFill>
+                <a:schemeClr val="accent2"/>
+              </a:solidFill>
+              <a:ln w="28575">
+                <a:solidFill>
+                  <a:schemeClr val="tx1"/>
+                </a:solidFill>
+                <a:round/>
+                <a:headEnd/>
+                <a:tailEnd/>
+              </a:ln>
+            </p:spPr>
+            <p:txBody>
+              <a:bodyPr wrap="none" anchor="ctr"/>
+              <a:lstStyle/>
+              <a:p>
+                <a:endParaRPr lang="en-US">
+                  <a:latin typeface="Comic Sans MS" pitchFamily="-128" charset="0"/>
+                </a:endParaRPr>
+              </a:p>
+            </p:txBody>
+          </p:sp>
+          <p:sp>
+            <p:nvSpPr>
+              <p:cNvPr id="2080" name="Oval 32"/>
+              <p:cNvSpPr>
+                <a:spLocks noChangeArrowheads="1"/>
+              </p:cNvSpPr>
+              <p:nvPr/>
+            </p:nvSpPr>
+            <p:spPr bwMode="auto">
+              <a:xfrm>
+                <a:off x="5086350" y="2133600"/>
+                <a:ext cx="152400" cy="152400"/>
+              </a:xfrm>
+              <a:prstGeom prst="ellipse">
+                <a:avLst/>
+              </a:prstGeom>
+              <a:solidFill>
+                <a:schemeClr val="accent2"/>
+              </a:solidFill>
+              <a:ln w="28575">
+                <a:solidFill>
+                  <a:schemeClr val="tx1"/>
+                </a:solidFill>
+                <a:round/>
+                <a:headEnd/>
+                <a:tailEnd/>
+              </a:ln>
+            </p:spPr>
+            <p:txBody>
+              <a:bodyPr wrap="none" anchor="ctr"/>
+              <a:lstStyle/>
+              <a:p>
+                <a:endParaRPr lang="en-US">
+                  <a:latin typeface="Comic Sans MS" pitchFamily="-128" charset="0"/>
+                </a:endParaRPr>
+              </a:p>
+            </p:txBody>
+          </p:sp>
+          <p:cxnSp>
+            <p:nvCxnSpPr>
+              <p:cNvPr id="2114" name="AutoShape 66"/>
+              <p:cNvCxnSpPr>
+                <a:cxnSpLocks noChangeShapeType="1"/>
+                <a:stCxn id="2065" idx="6"/>
+                <a:endCxn id="2077" idx="2"/>
+              </p:cNvCxnSpPr>
+              <p:nvPr/>
+            </p:nvCxnSpPr>
+            <p:spPr bwMode="auto">
+              <a:xfrm flipV="1">
+                <a:off x="3843338" y="990600"/>
+                <a:ext cx="1228725" cy="381000"/>
+              </a:xfrm>
+              <a:prstGeom prst="straightConnector1">
+                <a:avLst/>
+              </a:prstGeom>
               <a:noFill/>
-              <a:miter lim="800000"/>
-              <a:headEnd/>
-              <a:tailEnd/>
-            </a:ln>
-          </p:spPr>
-          <p:txBody>
-            <a:bodyPr wrap="none">
-              <a:spAutoFit/>
-            </a:bodyPr>
-            <a:lstStyle/>
-            <a:p>
-              <a:r>
-                <a:rPr lang="en-US" sz="2400">
-                  <a:latin typeface="Comic Sans MS" pitchFamily="-128" charset="0"/>
-                </a:rPr>
-                <a:t>3</a:t>
-              </a:r>
-            </a:p>
-          </p:txBody>
-        </p:sp>
-        <p:sp>
-          <p:nvSpPr>
-            <p:cNvPr id="2142" name="Text Box 94"/>
-            <p:cNvSpPr txBox="1">
-              <a:spLocks noChangeArrowheads="1"/>
-            </p:cNvSpPr>
-            <p:nvPr/>
-          </p:nvSpPr>
-          <p:spPr bwMode="auto">
-            <a:xfrm>
-              <a:off x="4806950" y="1447800"/>
-              <a:ext cx="369888" cy="457200"/>
-            </a:xfrm>
-            <a:prstGeom prst="rect">
-              <a:avLst/>
-            </a:prstGeom>
-            <a:noFill/>
-            <a:ln w="9525">
+              <a:ln w="31750">
+                <a:solidFill>
+                  <a:schemeClr val="tx1"/>
+                </a:solidFill>
+                <a:round/>
+                <a:headEnd/>
+                <a:tailEnd/>
+              </a:ln>
+            </p:spPr>
+          </p:cxnSp>
+          <p:cxnSp>
+            <p:nvCxnSpPr>
+              <p:cNvPr id="2115" name="AutoShape 67"/>
+              <p:cNvCxnSpPr>
+                <a:cxnSpLocks noChangeShapeType="1"/>
+                <a:stCxn id="2065" idx="6"/>
+                <a:endCxn id="2078" idx="2"/>
+              </p:cNvCxnSpPr>
+              <p:nvPr/>
+            </p:nvCxnSpPr>
+            <p:spPr bwMode="auto">
+              <a:xfrm>
+                <a:off x="3843338" y="1371600"/>
+                <a:ext cx="1228725" cy="25400"/>
+              </a:xfrm>
+              <a:prstGeom prst="straightConnector1">
+                <a:avLst/>
+              </a:prstGeom>
               <a:noFill/>
-              <a:miter lim="800000"/>
-              <a:headEnd/>
-              <a:tailEnd/>
-            </a:ln>
-          </p:spPr>
-          <p:txBody>
-            <a:bodyPr wrap="none">
-              <a:spAutoFit/>
-            </a:bodyPr>
-            <a:lstStyle/>
-            <a:p>
-              <a:r>
-                <a:rPr lang="en-US" sz="2400">
-                  <a:latin typeface="Comic Sans MS" pitchFamily="-128" charset="0"/>
-                </a:rPr>
-                <a:t>3</a:t>
-              </a:r>
-            </a:p>
-          </p:txBody>
-        </p:sp>
-        <p:sp>
-          <p:nvSpPr>
-            <p:cNvPr id="2143" name="Text Box 95"/>
-            <p:cNvSpPr txBox="1">
-              <a:spLocks noChangeArrowheads="1"/>
-            </p:cNvSpPr>
-            <p:nvPr/>
-          </p:nvSpPr>
-          <p:spPr bwMode="auto">
-            <a:xfrm>
-              <a:off x="4806950" y="1828800"/>
-              <a:ext cx="369888" cy="457200"/>
-            </a:xfrm>
-            <a:prstGeom prst="rect">
-              <a:avLst/>
-            </a:prstGeom>
-            <a:noFill/>
-            <a:ln w="9525">
+              <a:ln w="31750">
+                <a:solidFill>
+                  <a:schemeClr val="tx1"/>
+                </a:solidFill>
+                <a:round/>
+                <a:headEnd/>
+                <a:tailEnd/>
+              </a:ln>
+            </p:spPr>
+          </p:cxnSp>
+          <p:cxnSp>
+            <p:nvCxnSpPr>
+              <p:cNvPr id="2116" name="AutoShape 68"/>
+              <p:cNvCxnSpPr>
+                <a:cxnSpLocks noChangeShapeType="1"/>
+                <a:stCxn id="2066" idx="6"/>
+                <a:endCxn id="2079" idx="2"/>
+              </p:cNvCxnSpPr>
+              <p:nvPr/>
+            </p:nvCxnSpPr>
+            <p:spPr bwMode="auto">
+              <a:xfrm>
+                <a:off x="3843338" y="1790700"/>
+                <a:ext cx="1228725" cy="12700"/>
+              </a:xfrm>
+              <a:prstGeom prst="straightConnector1">
+                <a:avLst/>
+              </a:prstGeom>
               <a:noFill/>
-              <a:miter lim="800000"/>
-              <a:headEnd/>
-              <a:tailEnd/>
-            </a:ln>
-          </p:spPr>
-          <p:txBody>
-            <a:bodyPr wrap="none">
-              <a:spAutoFit/>
-            </a:bodyPr>
-            <a:lstStyle/>
-            <a:p>
-              <a:r>
-                <a:rPr lang="en-US" sz="2400">
-                  <a:latin typeface="Comic Sans MS" pitchFamily="-128" charset="0"/>
-                </a:rPr>
-                <a:t>2</a:t>
-              </a:r>
-            </a:p>
-          </p:txBody>
-        </p:sp>
+              <a:ln w="31750">
+                <a:solidFill>
+                  <a:schemeClr val="tx1"/>
+                </a:solidFill>
+                <a:round/>
+                <a:headEnd/>
+                <a:tailEnd/>
+              </a:ln>
+            </p:spPr>
+          </p:cxnSp>
+          <p:cxnSp>
+            <p:nvCxnSpPr>
+              <p:cNvPr id="2117" name="AutoShape 69"/>
+              <p:cNvCxnSpPr>
+                <a:cxnSpLocks noChangeShapeType="1"/>
+                <a:stCxn id="2067" idx="6"/>
+                <a:endCxn id="2080" idx="2"/>
+              </p:cNvCxnSpPr>
+              <p:nvPr/>
+            </p:nvCxnSpPr>
+            <p:spPr bwMode="auto">
+              <a:xfrm>
+                <a:off x="3843338" y="2209800"/>
+                <a:ext cx="1228725" cy="0"/>
+              </a:xfrm>
+              <a:prstGeom prst="straightConnector1">
+                <a:avLst/>
+              </a:prstGeom>
+              <a:noFill/>
+              <a:ln w="31750">
+                <a:solidFill>
+                  <a:schemeClr val="tx1"/>
+                </a:solidFill>
+                <a:round/>
+                <a:headEnd/>
+                <a:tailEnd/>
+              </a:ln>
+            </p:spPr>
+          </p:cxnSp>
+          <p:sp>
+            <p:nvSpPr>
+              <p:cNvPr id="2141" name="Text Box 93"/>
+              <p:cNvSpPr txBox="1">
+                <a:spLocks noChangeArrowheads="1"/>
+              </p:cNvSpPr>
+              <p:nvPr/>
+            </p:nvSpPr>
+            <p:spPr bwMode="auto">
+              <a:xfrm>
+                <a:off x="4806950" y="990600"/>
+                <a:ext cx="369888" cy="457200"/>
+              </a:xfrm>
+              <a:prstGeom prst="rect">
+                <a:avLst/>
+              </a:prstGeom>
+              <a:noFill/>
+              <a:ln w="9525">
+                <a:noFill/>
+                <a:miter lim="800000"/>
+                <a:headEnd/>
+                <a:tailEnd/>
+              </a:ln>
+            </p:spPr>
+            <p:txBody>
+              <a:bodyPr wrap="none">
+                <a:spAutoFit/>
+              </a:bodyPr>
+              <a:lstStyle/>
+              <a:p>
+                <a:r>
+                  <a:rPr lang="en-US" sz="2400">
+                    <a:latin typeface="Comic Sans MS" pitchFamily="-128" charset="0"/>
+                  </a:rPr>
+                  <a:t>3</a:t>
+                </a:r>
+              </a:p>
+            </p:txBody>
+          </p:sp>
+          <p:sp>
+            <p:nvSpPr>
+              <p:cNvPr id="2142" name="Text Box 94"/>
+              <p:cNvSpPr txBox="1">
+                <a:spLocks noChangeArrowheads="1"/>
+              </p:cNvSpPr>
+              <p:nvPr/>
+            </p:nvSpPr>
+            <p:spPr bwMode="auto">
+              <a:xfrm>
+                <a:off x="4806950" y="1447800"/>
+                <a:ext cx="369888" cy="457200"/>
+              </a:xfrm>
+              <a:prstGeom prst="rect">
+                <a:avLst/>
+              </a:prstGeom>
+              <a:noFill/>
+              <a:ln w="9525">
+                <a:noFill/>
+                <a:miter lim="800000"/>
+                <a:headEnd/>
+                <a:tailEnd/>
+              </a:ln>
+            </p:spPr>
+            <p:txBody>
+              <a:bodyPr wrap="none">
+                <a:spAutoFit/>
+              </a:bodyPr>
+              <a:lstStyle/>
+              <a:p>
+                <a:r>
+                  <a:rPr lang="en-US" sz="2400">
+                    <a:latin typeface="Comic Sans MS" pitchFamily="-128" charset="0"/>
+                  </a:rPr>
+                  <a:t>3</a:t>
+                </a:r>
+              </a:p>
+            </p:txBody>
+          </p:sp>
+          <p:sp>
+            <p:nvSpPr>
+              <p:cNvPr id="2143" name="Text Box 95"/>
+              <p:cNvSpPr txBox="1">
+                <a:spLocks noChangeArrowheads="1"/>
+              </p:cNvSpPr>
+              <p:nvPr/>
+            </p:nvSpPr>
+            <p:spPr bwMode="auto">
+              <a:xfrm>
+                <a:off x="4806950" y="1828800"/>
+                <a:ext cx="369888" cy="457200"/>
+              </a:xfrm>
+              <a:prstGeom prst="rect">
+                <a:avLst/>
+              </a:prstGeom>
+              <a:noFill/>
+              <a:ln w="9525">
+                <a:noFill/>
+                <a:miter lim="800000"/>
+                <a:headEnd/>
+                <a:tailEnd/>
+              </a:ln>
+            </p:spPr>
+            <p:txBody>
+              <a:bodyPr wrap="none">
+                <a:spAutoFit/>
+              </a:bodyPr>
+              <a:lstStyle/>
+              <a:p>
+                <a:r>
+                  <a:rPr lang="en-US" sz="2400">
+                    <a:latin typeface="Comic Sans MS" pitchFamily="-128" charset="0"/>
+                  </a:rPr>
+                  <a:t>2</a:t>
+                </a:r>
+              </a:p>
+            </p:txBody>
+          </p:sp>
+        </p:grpSp>
       </p:grpSp>
       <p:grpSp>
         <p:nvGrpSpPr>
@@ -10308,7 +10613,7 @@
         </p:nvSpPr>
         <p:spPr bwMode="auto">
           <a:xfrm>
-            <a:off x="1752600" y="182563"/>
+            <a:off x="1905000" y="101025"/>
             <a:ext cx="6179897" cy="584775"/>
           </a:xfrm>
           <a:prstGeom prst="rect">
@@ -10409,11 +10714,11 @@
             </a:pPr>
             <a:r>
               <a:rPr lang="en-US" dirty="0" err="1" smtClean="0"/>
-              <a:t>lec</a:t>
+              <a:t>probintro</a:t>
             </a:r>
             <a:r>
               <a:rPr lang="en-US" dirty="0" smtClean="0"/>
-              <a:t> 13W.</a:t>
+              <a:t>.</a:t>
             </a:r>
             <a:fld id="{17233D2A-0857-4415-88C1-423492E69A26}" type="slidenum">
               <a:rPr lang="en-US" smtClean="0"/>
@@ -10431,7 +10736,7 @@
   <p:clrMapOvr>
     <a:masterClrMapping/>
   </p:clrMapOvr>
-  <p:transition xmlns:p14="http://schemas.microsoft.com/office/powerpoint/2010/main">
+  <p:transition xmlns:p14="http://schemas.microsoft.com/office/powerpoint/2010/main" advClick="0">
     <p:fade thruBlk="1"/>
   </p:transition>
   <p:timing>
@@ -10455,7 +10760,7 @@
                             </p:stCondLst>
                             <p:childTnLst>
                               <p:par>
-                                <p:cTn id="5" presetID="22" presetClass="entr" presetSubtype="8" fill="hold" nodeType="clickEffect">
+                                <p:cTn id="5" presetID="10" presetClass="entr" presetSubtype="0" fill="hold" grpId="0" nodeType="clickEffect">
                                   <p:stCondLst>
                                     <p:cond delay="0"/>
                                   </p:stCondLst>
@@ -10468,7 +10773,7 @@
                                           </p:stCondLst>
                                         </p:cTn>
                                         <p:tgtEl>
-                                          <p:spTgt spid="3"/>
+                                          <p:spTgt spid="2092"/>
                                         </p:tgtEl>
                                         <p:attrNameLst>
                                           <p:attrName>style.visibility</p:attrName>
@@ -10478,11 +10783,11 @@
                                         <p:strVal val="visible"/>
                                       </p:to>
                                     </p:set>
-                                    <p:animEffect transition="in" filter="wipe(left)">
+                                    <p:animEffect transition="in" filter="fade">
                                       <p:cBhvr>
-                                        <p:cTn id="7" dur="1000"/>
+                                        <p:cTn id="7" dur="500"/>
                                         <p:tgtEl>
-                                          <p:spTgt spid="3"/>
+                                          <p:spTgt spid="2092"/>
                                         </p:tgtEl>
                                       </p:cBhvr>
                                     </p:animEffect>
@@ -10508,7 +10813,7 @@
                             </p:stCondLst>
                             <p:childTnLst>
                               <p:par>
-                                <p:cTn id="10" presetID="10" presetClass="entr" presetSubtype="0" fill="hold" grpId="0" nodeType="clickEffect">
+                                <p:cTn id="10" presetID="22" presetClass="entr" presetSubtype="8" fill="hold" nodeType="clickEffect">
                                   <p:stCondLst>
                                     <p:cond delay="0"/>
                                   </p:stCondLst>
@@ -10516,6 +10821,59 @@
                                     <p:set>
                                       <p:cBhvr>
                                         <p:cTn id="11" dur="1" fill="hold">
+                                          <p:stCondLst>
+                                            <p:cond delay="0"/>
+                                          </p:stCondLst>
+                                        </p:cTn>
+                                        <p:tgtEl>
+                                          <p:spTgt spid="11"/>
+                                        </p:tgtEl>
+                                        <p:attrNameLst>
+                                          <p:attrName>style.visibility</p:attrName>
+                                        </p:attrNameLst>
+                                      </p:cBhvr>
+                                      <p:to>
+                                        <p:strVal val="visible"/>
+                                      </p:to>
+                                    </p:set>
+                                    <p:animEffect transition="in" filter="wipe(left)">
+                                      <p:cBhvr>
+                                        <p:cTn id="12" dur="1000"/>
+                                        <p:tgtEl>
+                                          <p:spTgt spid="11"/>
+                                        </p:tgtEl>
+                                      </p:cBhvr>
+                                    </p:animEffect>
+                                  </p:childTnLst>
+                                </p:cTn>
+                              </p:par>
+                            </p:childTnLst>
+                          </p:cTn>
+                        </p:par>
+                      </p:childTnLst>
+                    </p:cTn>
+                  </p:par>
+                  <p:par>
+                    <p:cTn id="13" fill="hold">
+                      <p:stCondLst>
+                        <p:cond delay="indefinite"/>
+                      </p:stCondLst>
+                      <p:childTnLst>
+                        <p:par>
+                          <p:cTn id="14" fill="hold">
+                            <p:stCondLst>
+                              <p:cond delay="0"/>
+                            </p:stCondLst>
+                            <p:childTnLst>
+                              <p:par>
+                                <p:cTn id="15" presetID="10" presetClass="entr" presetSubtype="0" fill="hold" grpId="0" nodeType="clickEffect">
+                                  <p:stCondLst>
+                                    <p:cond delay="0"/>
+                                  </p:stCondLst>
+                                  <p:childTnLst>
+                                    <p:set>
+                                      <p:cBhvr>
+                                        <p:cTn id="16" dur="1" fill="hold">
                                           <p:stCondLst>
                                             <p:cond delay="0"/>
                                           </p:stCondLst>
@@ -10533,7 +10891,7 @@
                                     </p:set>
                                     <p:animEffect transition="in" filter="fade">
                                       <p:cBhvr>
-                                        <p:cTn id="12" dur="500"/>
+                                        <p:cTn id="17" dur="500"/>
                                         <p:tgtEl>
                                           <p:spTgt spid="2093"/>
                                         </p:tgtEl>
@@ -10542,21 +10900,39 @@
                                   </p:childTnLst>
                                 </p:cTn>
                               </p:par>
+                            </p:childTnLst>
+                          </p:cTn>
+                        </p:par>
+                      </p:childTnLst>
+                    </p:cTn>
+                  </p:par>
+                  <p:par>
+                    <p:cTn id="18" fill="hold">
+                      <p:stCondLst>
+                        <p:cond delay="indefinite"/>
+                      </p:stCondLst>
+                      <p:childTnLst>
+                        <p:par>
+                          <p:cTn id="19" fill="hold">
+                            <p:stCondLst>
+                              <p:cond delay="0"/>
+                            </p:stCondLst>
+                            <p:childTnLst>
                               <p:par>
-                                <p:cTn id="13" presetID="22" presetClass="entr" presetSubtype="8" fill="hold" nodeType="withEffect">
+                                <p:cTn id="20" presetID="22" presetClass="entr" presetSubtype="8" fill="hold" nodeType="clickEffect">
                                   <p:stCondLst>
                                     <p:cond delay="0"/>
                                   </p:stCondLst>
                                   <p:childTnLst>
                                     <p:set>
                                       <p:cBhvr>
-                                        <p:cTn id="14" dur="1" fill="hold">
+                                        <p:cTn id="21" dur="1" fill="hold">
                                           <p:stCondLst>
                                             <p:cond delay="0"/>
                                           </p:stCondLst>
                                         </p:cTn>
                                         <p:tgtEl>
-                                          <p:spTgt spid="5"/>
+                                          <p:spTgt spid="9"/>
                                         </p:tgtEl>
                                         <p:attrNameLst>
                                           <p:attrName>style.visibility</p:attrName>
@@ -10568,9 +10944,9 @@
                                     </p:set>
                                     <p:animEffect transition="in" filter="wipe(left)">
                                       <p:cBhvr>
-                                        <p:cTn id="15" dur="1000"/>
+                                        <p:cTn id="22" dur="1000"/>
                                         <p:tgtEl>
-                                          <p:spTgt spid="5"/>
+                                          <p:spTgt spid="9"/>
                                         </p:tgtEl>
                                       </p:cBhvr>
                                     </p:animEffect>
@@ -10580,21 +10956,30 @@
                             </p:childTnLst>
                           </p:cTn>
                         </p:par>
+                      </p:childTnLst>
+                    </p:cTn>
+                  </p:par>
+                  <p:par>
+                    <p:cTn id="23" fill="hold">
+                      <p:stCondLst>
+                        <p:cond delay="indefinite"/>
+                      </p:stCondLst>
+                      <p:childTnLst>
                         <p:par>
-                          <p:cTn id="16" fill="hold">
+                          <p:cTn id="24" fill="hold">
                             <p:stCondLst>
-                              <p:cond delay="1000"/>
+                              <p:cond delay="0"/>
                             </p:stCondLst>
                             <p:childTnLst>
                               <p:par>
-                                <p:cTn id="17" presetID="10" presetClass="entr" presetSubtype="0" fill="hold" grpId="0" nodeType="afterEffect">
+                                <p:cTn id="25" presetID="10" presetClass="entr" presetSubtype="0" fill="hold" grpId="0" nodeType="clickEffect">
                                   <p:stCondLst>
                                     <p:cond delay="0"/>
                                   </p:stCondLst>
                                   <p:childTnLst>
                                     <p:set>
                                       <p:cBhvr>
-                                        <p:cTn id="18" dur="1" fill="hold">
+                                        <p:cTn id="26" dur="1" fill="hold">
                                           <p:stCondLst>
                                             <p:cond delay="0"/>
                                           </p:stCondLst>
@@ -10612,7 +10997,7 @@
                                     </p:set>
                                     <p:animEffect transition="in" filter="fade">
                                       <p:cBhvr>
-                                        <p:cTn id="19" dur="500"/>
+                                        <p:cTn id="27" dur="500"/>
                                         <p:tgtEl>
                                           <p:spTgt spid="2094"/>
                                         </p:tgtEl>
@@ -10628,115 +11013,19 @@
                     </p:cTn>
                   </p:par>
                   <p:par>
-                    <p:cTn id="20" fill="hold">
+                    <p:cTn id="28" fill="hold">
                       <p:stCondLst>
                         <p:cond delay="indefinite"/>
                       </p:stCondLst>
                       <p:childTnLst>
                         <p:par>
-                          <p:cTn id="21" fill="hold">
+                          <p:cTn id="29" fill="hold">
                             <p:stCondLst>
                               <p:cond delay="0"/>
                             </p:stCondLst>
                             <p:childTnLst>
                               <p:par>
-                                <p:cTn id="22" presetID="22" presetClass="entr" presetSubtype="8" fill="hold" nodeType="clickEffect">
-                                  <p:stCondLst>
-                                    <p:cond delay="0"/>
-                                  </p:stCondLst>
-                                  <p:childTnLst>
-                                    <p:set>
-                                      <p:cBhvr>
-                                        <p:cTn id="23" dur="1" fill="hold">
-                                          <p:stCondLst>
-                                            <p:cond delay="0"/>
-                                          </p:stCondLst>
-                                        </p:cTn>
-                                        <p:tgtEl>
-                                          <p:spTgt spid="8"/>
-                                        </p:tgtEl>
-                                        <p:attrNameLst>
-                                          <p:attrName>style.visibility</p:attrName>
-                                        </p:attrNameLst>
-                                      </p:cBhvr>
-                                      <p:to>
-                                        <p:strVal val="visible"/>
-                                      </p:to>
-                                    </p:set>
-                                    <p:animEffect transition="in" filter="wipe(left)">
-                                      <p:cBhvr>
-                                        <p:cTn id="24" dur="1000"/>
-                                        <p:tgtEl>
-                                          <p:spTgt spid="8"/>
-                                        </p:tgtEl>
-                                      </p:cBhvr>
-                                    </p:animEffect>
-                                  </p:childTnLst>
-                                </p:cTn>
-                              </p:par>
-                            </p:childTnLst>
-                          </p:cTn>
-                        </p:par>
-                      </p:childTnLst>
-                    </p:cTn>
-                  </p:par>
-                  <p:par>
-                    <p:cTn id="25" fill="hold">
-                      <p:stCondLst>
-                        <p:cond delay="indefinite"/>
-                      </p:stCondLst>
-                      <p:childTnLst>
-                        <p:par>
-                          <p:cTn id="26" fill="hold">
-                            <p:stCondLst>
-                              <p:cond delay="0"/>
-                            </p:stCondLst>
-                            <p:childTnLst>
-                              <p:par>
-                                <p:cTn id="27" presetID="10" presetClass="entr" presetSubtype="0" fill="hold" nodeType="clickEffect">
-                                  <p:stCondLst>
-                                    <p:cond delay="0"/>
-                                  </p:stCondLst>
-                                  <p:childTnLst>
-                                    <p:set>
-                                      <p:cBhvr>
-                                        <p:cTn id="28" dur="1" fill="hold">
-                                          <p:stCondLst>
-                                            <p:cond delay="0"/>
-                                          </p:stCondLst>
-                                        </p:cTn>
-                                        <p:tgtEl>
-                                          <p:spTgt spid="2153">
-                                            <p:txEl>
-                                              <p:pRg st="0" end="0"/>
-                                            </p:txEl>
-                                          </p:spTgt>
-                                        </p:tgtEl>
-                                        <p:attrNameLst>
-                                          <p:attrName>style.visibility</p:attrName>
-                                        </p:attrNameLst>
-                                      </p:cBhvr>
-                                      <p:to>
-                                        <p:strVal val="visible"/>
-                                      </p:to>
-                                    </p:set>
-                                    <p:animEffect transition="in" filter="fade">
-                                      <p:cBhvr>
-                                        <p:cTn id="29" dur="500"/>
-                                        <p:tgtEl>
-                                          <p:spTgt spid="2153">
-                                            <p:txEl>
-                                              <p:pRg st="0" end="0"/>
-                                            </p:txEl>
-                                          </p:spTgt>
-                                        </p:tgtEl>
-                                      </p:cBhvr>
-                                    </p:animEffect>
-                                  </p:childTnLst>
-                                </p:cTn>
-                              </p:par>
-                              <p:par>
-                                <p:cTn id="30" presetID="10" presetClass="entr" presetSubtype="0" fill="hold" nodeType="withEffect">
+                                <p:cTn id="30" presetID="22" presetClass="entr" presetSubtype="8" fill="hold" nodeType="clickEffect">
                                   <p:stCondLst>
                                     <p:cond delay="0"/>
                                   </p:stCondLst>
@@ -10749,11 +11038,7 @@
                                           </p:stCondLst>
                                         </p:cTn>
                                         <p:tgtEl>
-                                          <p:spTgt spid="2153">
-                                            <p:txEl>
-                                              <p:pRg st="1" end="1"/>
-                                            </p:txEl>
-                                          </p:spTgt>
+                                          <p:spTgt spid="10"/>
                                         </p:tgtEl>
                                         <p:attrNameLst>
                                           <p:attrName>style.visibility</p:attrName>
@@ -10763,15 +11048,11 @@
                                         <p:strVal val="visible"/>
                                       </p:to>
                                     </p:set>
-                                    <p:animEffect transition="in" filter="fade">
+                                    <p:animEffect transition="in" filter="wipe(left)">
                                       <p:cBhvr>
-                                        <p:cTn id="32" dur="500"/>
+                                        <p:cTn id="32" dur="1000"/>
                                         <p:tgtEl>
-                                          <p:spTgt spid="2153">
-                                            <p:txEl>
-                                              <p:pRg st="1" end="1"/>
-                                            </p:txEl>
-                                          </p:spTgt>
+                                          <p:spTgt spid="10"/>
                                         </p:tgtEl>
                                       </p:cBhvr>
                                     </p:animEffect>
@@ -10812,7 +11093,7 @@
                                         <p:tgtEl>
                                           <p:spTgt spid="2153">
                                             <p:txEl>
-                                              <p:pRg st="2" end="2"/>
+                                              <p:pRg st="0" end="0"/>
                                             </p:txEl>
                                           </p:spTgt>
                                         </p:tgtEl>
@@ -10830,7 +11111,7 @@
                                         <p:tgtEl>
                                           <p:spTgt spid="2153">
                                             <p:txEl>
-                                              <p:pRg st="2" end="2"/>
+                                              <p:pRg st="0" end="0"/>
                                             </p:txEl>
                                           </p:spTgt>
                                         </p:tgtEl>
@@ -10855,7 +11136,7 @@
                                         <p:tgtEl>
                                           <p:spTgt spid="2153">
                                             <p:txEl>
-                                              <p:pRg st="3" end="3"/>
+                                              <p:pRg st="1" end="1"/>
                                             </p:txEl>
                                           </p:spTgt>
                                         </p:tgtEl>
@@ -10873,7 +11154,7 @@
                                         <p:tgtEl>
                                           <p:spTgt spid="2153">
                                             <p:txEl>
-                                              <p:pRg st="3" end="3"/>
+                                              <p:pRg st="1" end="1"/>
                                             </p:txEl>
                                           </p:spTgt>
                                         </p:tgtEl>
@@ -10916,7 +11197,7 @@
                                         <p:tgtEl>
                                           <p:spTgt spid="2153">
                                             <p:txEl>
-                                              <p:pRg st="5" end="5"/>
+                                              <p:pRg st="2" end="2"/>
                                             </p:txEl>
                                           </p:spTgt>
                                         </p:tgtEl>
@@ -10934,7 +11215,7 @@
                                         <p:tgtEl>
                                           <p:spTgt spid="2153">
                                             <p:txEl>
-                                              <p:pRg st="5" end="5"/>
+                                              <p:pRg st="2" end="2"/>
                                             </p:txEl>
                                           </p:spTgt>
                                         </p:tgtEl>
@@ -10959,7 +11240,7 @@
                                         <p:tgtEl>
                                           <p:spTgt spid="2153">
                                             <p:txEl>
-                                              <p:pRg st="6" end="6"/>
+                                              <p:pRg st="3" end="3"/>
                                             </p:txEl>
                                           </p:spTgt>
                                         </p:tgtEl>
@@ -10977,7 +11258,7 @@
                                         <p:tgtEl>
                                           <p:spTgt spid="2153">
                                             <p:txEl>
-                                              <p:pRg st="6" end="6"/>
+                                              <p:pRg st="3" end="3"/>
                                             </p:txEl>
                                           </p:spTgt>
                                         </p:tgtEl>
@@ -10986,25 +11267,39 @@
                                   </p:childTnLst>
                                 </p:cTn>
                               </p:par>
+                            </p:childTnLst>
+                          </p:cTn>
+                        </p:par>
+                      </p:childTnLst>
+                    </p:cTn>
+                  </p:par>
+                  <p:par>
+                    <p:cTn id="49" fill="hold">
+                      <p:stCondLst>
+                        <p:cond delay="indefinite"/>
+                      </p:stCondLst>
+                      <p:childTnLst>
+                        <p:par>
+                          <p:cTn id="50" fill="hold">
+                            <p:stCondLst>
+                              <p:cond delay="0"/>
+                            </p:stCondLst>
+                            <p:childTnLst>
                               <p:par>
-                                <p:cTn id="49" presetID="10" presetClass="entr" presetSubtype="0" fill="hold" nodeType="withEffect">
+                                <p:cTn id="51" presetID="22" presetClass="entr" presetSubtype="8" fill="hold" nodeType="clickEffect">
                                   <p:stCondLst>
                                     <p:cond delay="0"/>
                                   </p:stCondLst>
                                   <p:childTnLst>
                                     <p:set>
                                       <p:cBhvr>
-                                        <p:cTn id="50" dur="1" fill="hold">
+                                        <p:cTn id="52" dur="1" fill="hold">
                                           <p:stCondLst>
                                             <p:cond delay="0"/>
                                           </p:stCondLst>
                                         </p:cTn>
                                         <p:tgtEl>
-                                          <p:spTgt spid="2153">
-                                            <p:txEl>
-                                              <p:pRg st="7" end="7"/>
-                                            </p:txEl>
-                                          </p:spTgt>
+                                          <p:spTgt spid="8"/>
                                         </p:tgtEl>
                                         <p:attrNameLst>
                                           <p:attrName>style.visibility</p:attrName>
@@ -11014,66 +11309,28 @@
                                         <p:strVal val="visible"/>
                                       </p:to>
                                     </p:set>
-                                    <p:animEffect transition="in" filter="fade">
+                                    <p:animEffect transition="in" filter="wipe(left)">
                                       <p:cBhvr>
-                                        <p:cTn id="51" dur="500"/>
+                                        <p:cTn id="53" dur="1000"/>
                                         <p:tgtEl>
-                                          <p:spTgt spid="2153">
-                                            <p:txEl>
-                                              <p:pRg st="7" end="7"/>
-                                            </p:txEl>
-                                          </p:spTgt>
+                                          <p:spTgt spid="8"/>
                                         </p:tgtEl>
                                       </p:cBhvr>
                                     </p:animEffect>
                                   </p:childTnLst>
                                 </p:cTn>
                               </p:par>
+                            </p:childTnLst>
+                          </p:cTn>
+                        </p:par>
+                        <p:par>
+                          <p:cTn id="54" fill="hold">
+                            <p:stCondLst>
+                              <p:cond delay="1000"/>
+                            </p:stCondLst>
+                            <p:childTnLst>
                               <p:par>
-                                <p:cTn id="52" presetID="10" presetClass="entr" presetSubtype="0" fill="hold" nodeType="withEffect">
-                                  <p:stCondLst>
-                                    <p:cond delay="0"/>
-                                  </p:stCondLst>
-                                  <p:childTnLst>
-                                    <p:set>
-                                      <p:cBhvr>
-                                        <p:cTn id="53" dur="1" fill="hold">
-                                          <p:stCondLst>
-                                            <p:cond delay="0"/>
-                                          </p:stCondLst>
-                                        </p:cTn>
-                                        <p:tgtEl>
-                                          <p:spTgt spid="2153">
-                                            <p:txEl>
-                                              <p:pRg st="8" end="8"/>
-                                            </p:txEl>
-                                          </p:spTgt>
-                                        </p:tgtEl>
-                                        <p:attrNameLst>
-                                          <p:attrName>style.visibility</p:attrName>
-                                        </p:attrNameLst>
-                                      </p:cBhvr>
-                                      <p:to>
-                                        <p:strVal val="visible"/>
-                                      </p:to>
-                                    </p:set>
-                                    <p:animEffect transition="in" filter="fade">
-                                      <p:cBhvr>
-                                        <p:cTn id="54" dur="500"/>
-                                        <p:tgtEl>
-                                          <p:spTgt spid="2153">
-                                            <p:txEl>
-                                              <p:pRg st="8" end="8"/>
-                                            </p:txEl>
-                                          </p:spTgt>
-                                        </p:tgtEl>
-                                      </p:cBhvr>
-                                    </p:animEffect>
-                                  </p:childTnLst>
-                                </p:cTn>
-                              </p:par>
-                              <p:par>
-                                <p:cTn id="55" presetID="10" presetClass="entr" presetSubtype="0" fill="hold" nodeType="withEffect">
+                                <p:cTn id="55" presetID="10" presetClass="entr" presetSubtype="0" fill="hold" nodeType="afterEffect">
                                   <p:stCondLst>
                                     <p:cond delay="0"/>
                                   </p:stCondLst>
@@ -11088,7 +11345,7 @@
                                         <p:tgtEl>
                                           <p:spTgt spid="2153">
                                             <p:txEl>
-                                              <p:pRg st="10" end="10"/>
+                                              <p:pRg st="5" end="5"/>
                                             </p:txEl>
                                           </p:spTgt>
                                         </p:tgtEl>
@@ -11106,7 +11363,7 @@
                                         <p:tgtEl>
                                           <p:spTgt spid="2153">
                                             <p:txEl>
-                                              <p:pRg st="10" end="10"/>
+                                              <p:pRg st="5" end="5"/>
                                             </p:txEl>
                                           </p:spTgt>
                                         </p:tgtEl>
@@ -11131,7 +11388,7 @@
                                         <p:tgtEl>
                                           <p:spTgt spid="2153">
                                             <p:txEl>
-                                              <p:pRg st="11" end="11"/>
+                                              <p:pRg st="6" end="6"/>
                                             </p:txEl>
                                           </p:spTgt>
                                         </p:tgtEl>
@@ -11149,7 +11406,7 @@
                                         <p:tgtEl>
                                           <p:spTgt spid="2153">
                                             <p:txEl>
-                                              <p:pRg st="11" end="11"/>
+                                              <p:pRg st="6" end="6"/>
                                             </p:txEl>
                                           </p:spTgt>
                                         </p:tgtEl>
@@ -11174,7 +11431,7 @@
                                         <p:tgtEl>
                                           <p:spTgt spid="2153">
                                             <p:txEl>
-                                              <p:pRg st="12" end="12"/>
+                                              <p:pRg st="7" end="7"/>
                                             </p:txEl>
                                           </p:spTgt>
                                         </p:tgtEl>
@@ -11192,7 +11449,7 @@
                                         <p:tgtEl>
                                           <p:spTgt spid="2153">
                                             <p:txEl>
-                                              <p:pRg st="12" end="12"/>
+                                              <p:pRg st="7" end="7"/>
                                             </p:txEl>
                                           </p:spTgt>
                                         </p:tgtEl>
@@ -11217,6 +11474,178 @@
                                         <p:tgtEl>
                                           <p:spTgt spid="2153">
                                             <p:txEl>
+                                              <p:pRg st="8" end="8"/>
+                                            </p:txEl>
+                                          </p:spTgt>
+                                        </p:tgtEl>
+                                        <p:attrNameLst>
+                                          <p:attrName>style.visibility</p:attrName>
+                                        </p:attrNameLst>
+                                      </p:cBhvr>
+                                      <p:to>
+                                        <p:strVal val="visible"/>
+                                      </p:to>
+                                    </p:set>
+                                    <p:animEffect transition="in" filter="fade">
+                                      <p:cBhvr>
+                                        <p:cTn id="66" dur="500"/>
+                                        <p:tgtEl>
+                                          <p:spTgt spid="2153">
+                                            <p:txEl>
+                                              <p:pRg st="8" end="8"/>
+                                            </p:txEl>
+                                          </p:spTgt>
+                                        </p:tgtEl>
+                                      </p:cBhvr>
+                                    </p:animEffect>
+                                  </p:childTnLst>
+                                </p:cTn>
+                              </p:par>
+                              <p:par>
+                                <p:cTn id="67" presetID="10" presetClass="entr" presetSubtype="0" fill="hold" nodeType="withEffect">
+                                  <p:stCondLst>
+                                    <p:cond delay="0"/>
+                                  </p:stCondLst>
+                                  <p:childTnLst>
+                                    <p:set>
+                                      <p:cBhvr>
+                                        <p:cTn id="68" dur="1" fill="hold">
+                                          <p:stCondLst>
+                                            <p:cond delay="0"/>
+                                          </p:stCondLst>
+                                        </p:cTn>
+                                        <p:tgtEl>
+                                          <p:spTgt spid="2153">
+                                            <p:txEl>
+                                              <p:pRg st="10" end="10"/>
+                                            </p:txEl>
+                                          </p:spTgt>
+                                        </p:tgtEl>
+                                        <p:attrNameLst>
+                                          <p:attrName>style.visibility</p:attrName>
+                                        </p:attrNameLst>
+                                      </p:cBhvr>
+                                      <p:to>
+                                        <p:strVal val="visible"/>
+                                      </p:to>
+                                    </p:set>
+                                    <p:animEffect transition="in" filter="fade">
+                                      <p:cBhvr>
+                                        <p:cTn id="69" dur="500"/>
+                                        <p:tgtEl>
+                                          <p:spTgt spid="2153">
+                                            <p:txEl>
+                                              <p:pRg st="10" end="10"/>
+                                            </p:txEl>
+                                          </p:spTgt>
+                                        </p:tgtEl>
+                                      </p:cBhvr>
+                                    </p:animEffect>
+                                  </p:childTnLst>
+                                </p:cTn>
+                              </p:par>
+                              <p:par>
+                                <p:cTn id="70" presetID="10" presetClass="entr" presetSubtype="0" fill="hold" nodeType="withEffect">
+                                  <p:stCondLst>
+                                    <p:cond delay="0"/>
+                                  </p:stCondLst>
+                                  <p:childTnLst>
+                                    <p:set>
+                                      <p:cBhvr>
+                                        <p:cTn id="71" dur="1" fill="hold">
+                                          <p:stCondLst>
+                                            <p:cond delay="0"/>
+                                          </p:stCondLst>
+                                        </p:cTn>
+                                        <p:tgtEl>
+                                          <p:spTgt spid="2153">
+                                            <p:txEl>
+                                              <p:pRg st="11" end="11"/>
+                                            </p:txEl>
+                                          </p:spTgt>
+                                        </p:tgtEl>
+                                        <p:attrNameLst>
+                                          <p:attrName>style.visibility</p:attrName>
+                                        </p:attrNameLst>
+                                      </p:cBhvr>
+                                      <p:to>
+                                        <p:strVal val="visible"/>
+                                      </p:to>
+                                    </p:set>
+                                    <p:animEffect transition="in" filter="fade">
+                                      <p:cBhvr>
+                                        <p:cTn id="72" dur="500"/>
+                                        <p:tgtEl>
+                                          <p:spTgt spid="2153">
+                                            <p:txEl>
+                                              <p:pRg st="11" end="11"/>
+                                            </p:txEl>
+                                          </p:spTgt>
+                                        </p:tgtEl>
+                                      </p:cBhvr>
+                                    </p:animEffect>
+                                  </p:childTnLst>
+                                </p:cTn>
+                              </p:par>
+                              <p:par>
+                                <p:cTn id="73" presetID="10" presetClass="entr" presetSubtype="0" fill="hold" nodeType="withEffect">
+                                  <p:stCondLst>
+                                    <p:cond delay="0"/>
+                                  </p:stCondLst>
+                                  <p:childTnLst>
+                                    <p:set>
+                                      <p:cBhvr>
+                                        <p:cTn id="74" dur="1" fill="hold">
+                                          <p:stCondLst>
+                                            <p:cond delay="0"/>
+                                          </p:stCondLst>
+                                        </p:cTn>
+                                        <p:tgtEl>
+                                          <p:spTgt spid="2153">
+                                            <p:txEl>
+                                              <p:pRg st="12" end="12"/>
+                                            </p:txEl>
+                                          </p:spTgt>
+                                        </p:tgtEl>
+                                        <p:attrNameLst>
+                                          <p:attrName>style.visibility</p:attrName>
+                                        </p:attrNameLst>
+                                      </p:cBhvr>
+                                      <p:to>
+                                        <p:strVal val="visible"/>
+                                      </p:to>
+                                    </p:set>
+                                    <p:animEffect transition="in" filter="fade">
+                                      <p:cBhvr>
+                                        <p:cTn id="75" dur="500"/>
+                                        <p:tgtEl>
+                                          <p:spTgt spid="2153">
+                                            <p:txEl>
+                                              <p:pRg st="12" end="12"/>
+                                            </p:txEl>
+                                          </p:spTgt>
+                                        </p:tgtEl>
+                                      </p:cBhvr>
+                                    </p:animEffect>
+                                  </p:childTnLst>
+                                </p:cTn>
+                              </p:par>
+                              <p:par>
+                                <p:cTn id="76" presetID="10" presetClass="entr" presetSubtype="0" fill="hold" nodeType="withEffect">
+                                  <p:stCondLst>
+                                    <p:cond delay="0"/>
+                                  </p:stCondLst>
+                                  <p:childTnLst>
+                                    <p:set>
+                                      <p:cBhvr>
+                                        <p:cTn id="77" dur="1" fill="hold">
+                                          <p:stCondLst>
+                                            <p:cond delay="0"/>
+                                          </p:stCondLst>
+                                        </p:cTn>
+                                        <p:tgtEl>
+                                          <p:spTgt spid="2153">
+                                            <p:txEl>
                                               <p:pRg st="13" end="13"/>
                                             </p:txEl>
                                           </p:spTgt>
@@ -11231,7 +11660,7 @@
                                     </p:set>
                                     <p:animEffect transition="in" filter="fade">
                                       <p:cBhvr>
-                                        <p:cTn id="66" dur="500"/>
+                                        <p:cTn id="78" dur="500"/>
                                         <p:tgtEl>
                                           <p:spTgt spid="2153">
                                             <p:txEl>
@@ -11251,26 +11680,26 @@
                     </p:cTn>
                   </p:par>
                   <p:par>
-                    <p:cTn id="67" fill="hold">
+                    <p:cTn id="79" fill="hold">
                       <p:stCondLst>
                         <p:cond delay="indefinite"/>
                       </p:stCondLst>
                       <p:childTnLst>
                         <p:par>
-                          <p:cTn id="68" fill="hold">
+                          <p:cTn id="80" fill="hold">
                             <p:stCondLst>
                               <p:cond delay="0"/>
                             </p:stCondLst>
                             <p:childTnLst>
                               <p:par>
-                                <p:cTn id="69" presetID="10" presetClass="entr" presetSubtype="0" fill="hold" grpId="0" nodeType="clickEffect">
+                                <p:cTn id="81" presetID="10" presetClass="entr" presetSubtype="0" fill="hold" grpId="0" nodeType="clickEffect">
                                   <p:stCondLst>
                                     <p:cond delay="0"/>
                                   </p:stCondLst>
                                   <p:childTnLst>
                                     <p:set>
                                       <p:cBhvr>
-                                        <p:cTn id="70" dur="1" fill="hold">
+                                        <p:cTn id="82" dur="1" fill="hold">
                                           <p:stCondLst>
                                             <p:cond delay="0"/>
                                           </p:stCondLst>
@@ -11288,7 +11717,7 @@
                                     </p:set>
                                     <p:animEffect transition="in" filter="fade">
                                       <p:cBhvr>
-                                        <p:cTn id="71" dur="500"/>
+                                        <p:cTn id="83" dur="500"/>
                                         <p:tgtEl>
                                           <p:spTgt spid="2199"/>
                                         </p:tgtEl>
@@ -11301,20 +11730,20 @@
                           </p:cTn>
                         </p:par>
                         <p:par>
-                          <p:cTn id="72" fill="hold">
+                          <p:cTn id="84" fill="hold">
                             <p:stCondLst>
                               <p:cond delay="500"/>
                             </p:stCondLst>
                             <p:childTnLst>
                               <p:par>
-                                <p:cTn id="73" presetID="1" presetClass="entr" presetSubtype="0" fill="hold" grpId="0" nodeType="afterEffect">
+                                <p:cTn id="85" presetID="1" presetClass="entr" presetSubtype="0" fill="hold" grpId="0" nodeType="afterEffect">
                                   <p:stCondLst>
                                     <p:cond delay="0"/>
                                   </p:stCondLst>
                                   <p:childTnLst>
                                     <p:set>
                                       <p:cBhvr>
-                                        <p:cTn id="74" dur="1" fill="hold">
+                                        <p:cTn id="86" dur="1" fill="hold">
                                           <p:stCondLst>
                                             <p:cond delay="0"/>
                                           </p:stCondLst>
@@ -11364,6 +11793,7 @@
       <p:bldP spid="2206" grpId="0" animBg="1"/>
       <p:bldP spid="2093" grpId="0"/>
       <p:bldP spid="2094" grpId="0"/>
+      <p:bldP spid="2092" grpId="0"/>
       <p:bldP spid="2199" grpId="0"/>
     </p:bldLst>
   </p:timing>
@@ -11761,11 +12191,11 @@
             </a:pPr>
             <a:r>
               <a:rPr lang="en-US" dirty="0" err="1" smtClean="0"/>
-              <a:t>lec</a:t>
+              <a:t>probintro</a:t>
             </a:r>
             <a:r>
               <a:rPr lang="en-US" dirty="0" smtClean="0"/>
-              <a:t> 13W.</a:t>
+              <a:t>.</a:t>
             </a:r>
             <a:fld id="{17233D2A-0857-4415-88C1-423492E69A26}" type="slidenum">
               <a:rPr lang="en-US" smtClean="0"/>
@@ -11783,7 +12213,7 @@
   <p:clrMapOvr>
     <a:masterClrMapping/>
   </p:clrMapOvr>
-  <p:transition xmlns:p14="http://schemas.microsoft.com/office/powerpoint/2010/main">
+  <p:transition xmlns:p14="http://schemas.microsoft.com/office/powerpoint/2010/main" advClick="0">
     <p:fade/>
   </p:transition>
   <p:timing>
@@ -12200,7 +12630,7 @@
                 <a:ea typeface="+mn-ea"/>
                 <a:cs typeface="+mn-cs"/>
               </a:rPr>
-              <a:t>lec</a:t>
+              <a:t>probintro</a:t>
             </a:r>
             <a:r>
               <a:rPr kumimoji="0" lang="en-US" sz="1000" b="0" i="0" u="none" strike="noStrike" kern="1200" cap="none" spc="0" normalizeH="0" baseline="0" noProof="0" dirty="0" smtClean="0">
@@ -12217,7 +12647,7 @@
                 <a:ea typeface="+mn-ea"/>
                 <a:cs typeface="+mn-cs"/>
               </a:rPr>
-              <a:t> 13W.</a:t>
+              <a:t>.</a:t>
             </a:r>
             <a:fld id="{17233D2A-0857-4415-88C1-423492E69A26}" type="slidenum">
               <a:rPr kumimoji="0" lang="en-US" sz="1000" b="0" i="0" u="none" strike="noStrike" kern="1200" cap="none" spc="0" normalizeH="0" baseline="0" noProof="0" smtClean="0">
@@ -12275,13 +12705,244 @@
   <p:clrMapOvr>
     <a:masterClrMapping/>
   </p:clrMapOvr>
-  <p:transition xmlns:p14="http://schemas.microsoft.com/office/powerpoint/2010/main">
-    <p:fade/>
+  <p:transition xmlns:p14="http://schemas.microsoft.com/office/powerpoint/2010/main" spd="slow" advClick="0">
+    <p:fade thruBlk="1"/>
   </p:transition>
   <p:timing>
     <p:tnLst>
       <p:par>
-        <p:cTn xmlns:p14="http://schemas.microsoft.com/office/powerpoint/2010/main" id="1" dur="indefinite" restart="never" nodeType="tmRoot"/>
+        <p:cTn xmlns:p14="http://schemas.microsoft.com/office/powerpoint/2010/main" id="1" dur="indefinite" restart="never" nodeType="tmRoot">
+          <p:childTnLst>
+            <p:seq concurrent="1" nextAc="seek">
+              <p:cTn id="2" dur="indefinite" nodeType="mainSeq">
+                <p:childTnLst>
+                  <p:par>
+                    <p:cTn id="3" fill="hold">
+                      <p:stCondLst>
+                        <p:cond delay="indefinite"/>
+                      </p:stCondLst>
+                      <p:childTnLst>
+                        <p:par>
+                          <p:cTn id="4" fill="hold">
+                            <p:stCondLst>
+                              <p:cond delay="0"/>
+                            </p:stCondLst>
+                            <p:childTnLst>
+                              <p:par>
+                                <p:cTn id="5" presetID="10" presetClass="entr" presetSubtype="0" fill="hold" nodeType="clickEffect">
+                                  <p:stCondLst>
+                                    <p:cond delay="0"/>
+                                  </p:stCondLst>
+                                  <p:childTnLst>
+                                    <p:set>
+                                      <p:cBhvr>
+                                        <p:cTn id="6" dur="1" fill="hold">
+                                          <p:stCondLst>
+                                            <p:cond delay="0"/>
+                                          </p:stCondLst>
+                                        </p:cTn>
+                                        <p:tgtEl>
+                                          <p:spTgt spid="14338">
+                                            <p:txEl>
+                                              <p:pRg st="1" end="1"/>
+                                            </p:txEl>
+                                          </p:spTgt>
+                                        </p:tgtEl>
+                                        <p:attrNameLst>
+                                          <p:attrName>style.visibility</p:attrName>
+                                        </p:attrNameLst>
+                                      </p:cBhvr>
+                                      <p:to>
+                                        <p:strVal val="visible"/>
+                                      </p:to>
+                                    </p:set>
+                                    <p:animEffect transition="in" filter="fade">
+                                      <p:cBhvr>
+                                        <p:cTn id="7" dur="500"/>
+                                        <p:tgtEl>
+                                          <p:spTgt spid="14338">
+                                            <p:txEl>
+                                              <p:pRg st="1" end="1"/>
+                                            </p:txEl>
+                                          </p:spTgt>
+                                        </p:tgtEl>
+                                      </p:cBhvr>
+                                    </p:animEffect>
+                                  </p:childTnLst>
+                                </p:cTn>
+                              </p:par>
+                              <p:par>
+                                <p:cTn id="8" presetID="10" presetClass="entr" presetSubtype="0" fill="hold" nodeType="withEffect">
+                                  <p:stCondLst>
+                                    <p:cond delay="0"/>
+                                  </p:stCondLst>
+                                  <p:childTnLst>
+                                    <p:set>
+                                      <p:cBhvr>
+                                        <p:cTn id="9" dur="1" fill="hold">
+                                          <p:stCondLst>
+                                            <p:cond delay="0"/>
+                                          </p:stCondLst>
+                                        </p:cTn>
+                                        <p:tgtEl>
+                                          <p:spTgt spid="14338">
+                                            <p:txEl>
+                                              <p:pRg st="2" end="2"/>
+                                            </p:txEl>
+                                          </p:spTgt>
+                                        </p:tgtEl>
+                                        <p:attrNameLst>
+                                          <p:attrName>style.visibility</p:attrName>
+                                        </p:attrNameLst>
+                                      </p:cBhvr>
+                                      <p:to>
+                                        <p:strVal val="visible"/>
+                                      </p:to>
+                                    </p:set>
+                                    <p:animEffect transition="in" filter="fade">
+                                      <p:cBhvr>
+                                        <p:cTn id="10" dur="500"/>
+                                        <p:tgtEl>
+                                          <p:spTgt spid="14338">
+                                            <p:txEl>
+                                              <p:pRg st="2" end="2"/>
+                                            </p:txEl>
+                                          </p:spTgt>
+                                        </p:tgtEl>
+                                      </p:cBhvr>
+                                    </p:animEffect>
+                                  </p:childTnLst>
+                                </p:cTn>
+                              </p:par>
+                            </p:childTnLst>
+                          </p:cTn>
+                        </p:par>
+                      </p:childTnLst>
+                    </p:cTn>
+                  </p:par>
+                  <p:par>
+                    <p:cTn id="11" fill="hold">
+                      <p:stCondLst>
+                        <p:cond delay="indefinite"/>
+                      </p:stCondLst>
+                      <p:childTnLst>
+                        <p:par>
+                          <p:cTn id="12" fill="hold">
+                            <p:stCondLst>
+                              <p:cond delay="0"/>
+                            </p:stCondLst>
+                            <p:childTnLst>
+                              <p:par>
+                                <p:cTn id="13" presetID="10" presetClass="entr" presetSubtype="0" fill="hold" nodeType="clickEffect">
+                                  <p:stCondLst>
+                                    <p:cond delay="0"/>
+                                  </p:stCondLst>
+                                  <p:childTnLst>
+                                    <p:set>
+                                      <p:cBhvr>
+                                        <p:cTn id="14" dur="1" fill="hold">
+                                          <p:stCondLst>
+                                            <p:cond delay="0"/>
+                                          </p:stCondLst>
+                                        </p:cTn>
+                                        <p:tgtEl>
+                                          <p:spTgt spid="14338">
+                                            <p:txEl>
+                                              <p:pRg st="3" end="3"/>
+                                            </p:txEl>
+                                          </p:spTgt>
+                                        </p:tgtEl>
+                                        <p:attrNameLst>
+                                          <p:attrName>style.visibility</p:attrName>
+                                        </p:attrNameLst>
+                                      </p:cBhvr>
+                                      <p:to>
+                                        <p:strVal val="visible"/>
+                                      </p:to>
+                                    </p:set>
+                                    <p:animEffect transition="in" filter="fade">
+                                      <p:cBhvr>
+                                        <p:cTn id="15" dur="500"/>
+                                        <p:tgtEl>
+                                          <p:spTgt spid="14338">
+                                            <p:txEl>
+                                              <p:pRg st="3" end="3"/>
+                                            </p:txEl>
+                                          </p:spTgt>
+                                        </p:tgtEl>
+                                      </p:cBhvr>
+                                    </p:animEffect>
+                                  </p:childTnLst>
+                                </p:cTn>
+                              </p:par>
+                              <p:par>
+                                <p:cTn id="16" presetID="10" presetClass="entr" presetSubtype="0" fill="hold" nodeType="withEffect">
+                                  <p:stCondLst>
+                                    <p:cond delay="0"/>
+                                  </p:stCondLst>
+                                  <p:childTnLst>
+                                    <p:set>
+                                      <p:cBhvr>
+                                        <p:cTn id="17" dur="1" fill="hold">
+                                          <p:stCondLst>
+                                            <p:cond delay="0"/>
+                                          </p:stCondLst>
+                                        </p:cTn>
+                                        <p:tgtEl>
+                                          <p:spTgt spid="14338">
+                                            <p:txEl>
+                                              <p:pRg st="4" end="4"/>
+                                            </p:txEl>
+                                          </p:spTgt>
+                                        </p:tgtEl>
+                                        <p:attrNameLst>
+                                          <p:attrName>style.visibility</p:attrName>
+                                        </p:attrNameLst>
+                                      </p:cBhvr>
+                                      <p:to>
+                                        <p:strVal val="visible"/>
+                                      </p:to>
+                                    </p:set>
+                                    <p:animEffect transition="in" filter="fade">
+                                      <p:cBhvr>
+                                        <p:cTn id="18" dur="500"/>
+                                        <p:tgtEl>
+                                          <p:spTgt spid="14338">
+                                            <p:txEl>
+                                              <p:pRg st="4" end="4"/>
+                                            </p:txEl>
+                                          </p:spTgt>
+                                        </p:tgtEl>
+                                      </p:cBhvr>
+                                    </p:animEffect>
+                                  </p:childTnLst>
+                                </p:cTn>
+                              </p:par>
+                            </p:childTnLst>
+                          </p:cTn>
+                        </p:par>
+                      </p:childTnLst>
+                    </p:cTn>
+                  </p:par>
+                </p:childTnLst>
+              </p:cTn>
+              <p:prevCondLst>
+                <p:cond evt="onPrev" delay="0">
+                  <p:tgtEl>
+                    <p:sldTgt/>
+                  </p:tgtEl>
+                </p:cond>
+              </p:prevCondLst>
+              <p:nextCondLst>
+                <p:cond evt="onNext" delay="0">
+                  <p:tgtEl>
+                    <p:sldTgt/>
+                  </p:tgtEl>
+                </p:cond>
+              </p:nextCondLst>
+            </p:seq>
+          </p:childTnLst>
+        </p:cTn>
       </p:par>
     </p:tnLst>
   </p:timing>
@@ -12317,8 +12978,8 @@
         </p:nvSpPr>
         <p:spPr bwMode="auto">
           <a:xfrm>
-            <a:off x="457200" y="1371600"/>
-            <a:ext cx="8229600" cy="4876800"/>
+            <a:off x="609600" y="1219200"/>
+            <a:ext cx="7924800" cy="4648200"/>
           </a:xfrm>
           <a:prstGeom prst="rect">
             <a:avLst/>
@@ -12381,7 +13042,13 @@
               <a:rPr lang="en-US" sz="4500" dirty="0" smtClean="0">
                 <a:latin typeface="Comic Sans MS" pitchFamily="-128" charset="0"/>
               </a:rPr>
-              <a:t> after door opening, 1 goat</a:t>
+              <a:t>after </a:t>
+            </a:r>
+            <a:r>
+              <a:rPr lang="en-US" sz="4500" dirty="0" smtClean="0">
+                <a:latin typeface="Comic Sans MS" pitchFamily="-128" charset="0"/>
+              </a:rPr>
+              <a:t>door opening, 1 goat</a:t>
             </a:r>
           </a:p>
           <a:p>
@@ -12402,131 +13069,23 @@
               <a:rPr lang="en-US" sz="4500" dirty="0" smtClean="0">
                 <a:latin typeface="Comic Sans MS" pitchFamily="-128" charset="0"/>
               </a:rPr>
-              <a:t> and 1 prize are left.  Each</a:t>
-            </a:r>
-          </a:p>
-          <a:p>
-            <a:pPr eaLnBrk="1" hangingPunct="1">
-              <a:lnSpc>
-                <a:spcPct val="80000"/>
-              </a:lnSpc>
-              <a:spcBef>
-                <a:spcPts val="0"/>
-              </a:spcBef>
-              <a:spcAft>
-                <a:spcPts val="600"/>
-              </a:spcAft>
-              <a:buFontTx/>
-              <a:buNone/>
-            </a:pPr>
+              <a:t>and </a:t>
+            </a:r>
             <a:r>
               <a:rPr lang="en-US" sz="4500" dirty="0" smtClean="0">
                 <a:latin typeface="Comic Sans MS" pitchFamily="-128" charset="0"/>
               </a:rPr>
-              <a:t> door is</a:t>
+              <a:t>1 prize are left</a:t>
             </a:r>
             <a:r>
               <a:rPr lang="en-US" sz="4500" dirty="0" smtClean="0">
-                <a:solidFill>
-                  <a:srgbClr val="CC0000"/>
-                </a:solidFill>
-                <a:latin typeface="Comic Sans MS" pitchFamily="-128" charset="0"/>
-              </a:rPr>
-              <a:t> </a:t>
-            </a:r>
-            <a:r>
-              <a:rPr lang="en-US" sz="4500" dirty="0" smtClean="0">
-                <a:solidFill>
-                  <a:srgbClr val="FF0000"/>
-                </a:solidFill>
-                <a:latin typeface="Comic Sans MS" pitchFamily="-128" charset="0"/>
-              </a:rPr>
-              <a:t>equally likely</a:t>
-            </a:r>
-            <a:r>
-              <a:rPr lang="en-US" sz="4500" dirty="0" smtClean="0">
-                <a:latin typeface="Comic Sans MS" pitchFamily="-128" charset="0"/>
-              </a:rPr>
-              <a:t> to have</a:t>
-            </a:r>
-          </a:p>
-          <a:p>
-            <a:pPr eaLnBrk="1" hangingPunct="1">
-              <a:lnSpc>
-                <a:spcPct val="80000"/>
-              </a:lnSpc>
-              <a:spcBef>
-                <a:spcPts val="0"/>
-              </a:spcBef>
-              <a:spcAft>
-                <a:spcPts val="600"/>
-              </a:spcAft>
-              <a:buFontTx/>
-              <a:buNone/>
-            </a:pPr>
-            <a:r>
-              <a:rPr lang="en-US" sz="4500" dirty="0" smtClean="0">
-                <a:latin typeface="Comic Sans MS" pitchFamily="-128" charset="0"/>
-              </a:rPr>
-              <a:t> the prize (by symmetry), so</a:t>
-            </a:r>
-          </a:p>
-          <a:p>
-            <a:pPr eaLnBrk="1" hangingPunct="1">
-              <a:lnSpc>
-                <a:spcPct val="80000"/>
-              </a:lnSpc>
-              <a:spcBef>
-                <a:spcPts val="0"/>
-              </a:spcBef>
-              <a:spcAft>
-                <a:spcPts val="600"/>
-              </a:spcAft>
-              <a:buFontTx/>
-              <a:buNone/>
-            </a:pPr>
-            <a:r>
-              <a:rPr lang="en-US" sz="4500" dirty="0" smtClean="0">
-                <a:latin typeface="Comic Sans MS" pitchFamily="-128" charset="0"/>
-              </a:rPr>
-              <a:t>both strategies win with</a:t>
-            </a:r>
-          </a:p>
-          <a:p>
-            <a:pPr eaLnBrk="1" hangingPunct="1">
-              <a:lnSpc>
-                <a:spcPct val="80000"/>
-              </a:lnSpc>
-              <a:spcBef>
-                <a:spcPts val="0"/>
-              </a:spcBef>
-              <a:spcAft>
-                <a:spcPts val="600"/>
-              </a:spcAft>
-              <a:buFontTx/>
-              <a:buNone/>
-            </a:pPr>
-            <a:r>
-              <a:rPr lang="en-US" sz="4500" dirty="0" smtClean="0">
-                <a:latin typeface="Comic Sans MS" pitchFamily="-128" charset="0"/>
-              </a:rPr>
-              <a:t>probability: </a:t>
-            </a:r>
-            <a:r>
-              <a:rPr lang="en-US" sz="4500" dirty="0" smtClean="0">
-                <a:solidFill>
-                  <a:srgbClr val="CC0000"/>
-                </a:solidFill>
-                <a:latin typeface="Comic Sans MS" pitchFamily="-128" charset="0"/>
-              </a:rPr>
-              <a:t>1/2</a:t>
-            </a:r>
-            <a:r>
-              <a:rPr lang="en-US" sz="4500" dirty="0" smtClean="0">
                 <a:latin typeface="Comic Sans MS" pitchFamily="-128" charset="0"/>
               </a:rPr>
               <a:t>.</a:t>
             </a:r>
+            <a:endParaRPr lang="en-US" sz="4500" dirty="0" smtClean="0">
+              <a:latin typeface="Comic Sans MS" pitchFamily="-128" charset="0"/>
+            </a:endParaRPr>
           </a:p>
         </p:txBody>
       </p:sp>
@@ -12646,7 +13205,7 @@
                 <a:ea typeface="+mn-ea"/>
                 <a:cs typeface="+mn-cs"/>
               </a:rPr>
-              <a:t>lec</a:t>
+              <a:t>probintro</a:t>
             </a:r>
             <a:r>
               <a:rPr kumimoji="0" lang="en-US" sz="1000" b="0" i="0" u="none" strike="noStrike" kern="1200" cap="none" spc="0" normalizeH="0" baseline="0" noProof="0" dirty="0" smtClean="0">
@@ -12663,7 +13222,7 @@
                 <a:ea typeface="+mn-ea"/>
                 <a:cs typeface="+mn-cs"/>
               </a:rPr>
-              <a:t> 13W.</a:t>
+              <a:t>.</a:t>
             </a:r>
             <a:fld id="{17233D2A-0857-4415-88C1-423492E69A26}" type="slidenum">
               <a:rPr kumimoji="0" lang="en-US" sz="1000" b="0" i="0" u="none" strike="noStrike" kern="1200" cap="none" spc="0" normalizeH="0" baseline="0" noProof="0" smtClean="0">
@@ -12717,13 +13276,27 @@
         </p:txBody>
       </p:sp>
     </p:spTree>
+    <p:extLst>
+      <p:ext uri="{BB962C8B-B14F-4D97-AF65-F5344CB8AC3E}">
+        <p14:creationId xmlns:p14="http://schemas.microsoft.com/office/powerpoint/2010/main" val="1390547102"/>
+      </p:ext>
+    </p:extLst>
   </p:cSld>
   <p:clrMapOvr>
     <a:masterClrMapping/>
   </p:clrMapOvr>
-  <p:transition xmlns:p14="http://schemas.microsoft.com/office/powerpoint/2010/main">
-    <p:fade/>
-  </p:transition>
+  <mc:AlternateContent xmlns:mc="http://schemas.openxmlformats.org/markup-compatibility/2006">
+    <mc:Choice xmlns:p14="http://schemas.microsoft.com/office/powerpoint/2010/main" Requires="p14">
+      <p:transition spd="med" p14:dur="600" advClick="0">
+        <p:fade/>
+      </p:transition>
+    </mc:Choice>
+    <mc:Fallback>
+      <p:transition xmlns:p14="http://schemas.microsoft.com/office/powerpoint/2010/main" spd="med" advClick="0">
+        <p:fade/>
+      </p:transition>
+    </mc:Fallback>
+  </mc:AlternateContent>
   <p:timing>
     <p:tnLst>
       <p:par>
@@ -12745,7 +13318,7 @@
                             </p:stCondLst>
                             <p:childTnLst>
                               <p:par>
-                                <p:cTn id="5" presetID="10" presetClass="entr" presetSubtype="0" fill="hold" grpId="0" nodeType="clickEffect">
+                                <p:cTn id="5" presetID="10" presetClass="entr" presetSubtype="0" fill="hold" nodeType="clickEffect">
                                   <p:stCondLst>
                                     <p:cond delay="0"/>
                                   </p:stCondLst>
@@ -12788,7 +13361,7 @@
                                 </p:cTn>
                               </p:par>
                               <p:par>
-                                <p:cTn id="8" presetID="10" presetClass="entr" presetSubtype="0" fill="hold" grpId="0" nodeType="withEffect">
+                                <p:cTn id="8" presetID="10" presetClass="entr" presetSubtype="0" fill="hold" nodeType="withEffect">
                                   <p:stCondLst>
                                     <p:cond delay="0"/>
                                   </p:stCondLst>
@@ -12830,137 +13403,540 @@
                                   </p:childTnLst>
                                 </p:cTn>
                               </p:par>
+                            </p:childTnLst>
+                          </p:cTn>
+                        </p:par>
+                      </p:childTnLst>
+                    </p:cTn>
+                  </p:par>
+                </p:childTnLst>
+              </p:cTn>
+              <p:prevCondLst>
+                <p:cond evt="onPrev" delay="0">
+                  <p:tgtEl>
+                    <p:sldTgt/>
+                  </p:tgtEl>
+                </p:cond>
+              </p:prevCondLst>
+              <p:nextCondLst>
+                <p:cond evt="onNext" delay="0">
+                  <p:tgtEl>
+                    <p:sldTgt/>
+                  </p:tgtEl>
+                </p:cond>
+              </p:nextCondLst>
+            </p:seq>
+          </p:childTnLst>
+        </p:cTn>
+      </p:par>
+    </p:tnLst>
+  </p:timing>
+</p:sld>
+</file>
+
+<file path=ppt/slides/slide16.xml><?xml version="1.0" encoding="utf-8"?>
+<p:sld xmlns:a="http://schemas.openxmlformats.org/drawingml/2006/main" xmlns:r="http://schemas.openxmlformats.org/officeDocument/2006/relationships" xmlns:p="http://schemas.openxmlformats.org/presentationml/2006/main">
+  <p:cSld>
+    <p:spTree>
+      <p:nvGrpSpPr>
+        <p:cNvPr id="1" name=""/>
+        <p:cNvGrpSpPr/>
+        <p:nvPr/>
+      </p:nvGrpSpPr>
+      <p:grpSpPr>
+        <a:xfrm>
+          <a:off x="0" y="0"/>
+          <a:ext cx="0" cy="0"/>
+          <a:chOff x="0" y="0"/>
+          <a:chExt cx="0" cy="0"/>
+        </a:xfrm>
+      </p:grpSpPr>
+      <p:sp>
+        <p:nvSpPr>
+          <p:cNvPr id="37891" name="Rectangle 3"/>
+          <p:cNvSpPr>
+            <a:spLocks noGrp="1" noChangeArrowheads="1"/>
+          </p:cNvSpPr>
+          <p:nvPr>
+            <p:ph type="body" sz="half" idx="4294967295"/>
+          </p:nvPr>
+        </p:nvSpPr>
+        <p:spPr bwMode="auto">
+          <a:xfrm>
+            <a:off x="609600" y="1219200"/>
+            <a:ext cx="7924800" cy="4648200"/>
+          </a:xfrm>
+          <a:prstGeom prst="rect">
+            <a:avLst/>
+          </a:prstGeom>
+          <a:noFill/>
+          <a:ln>
+            <a:miter lim="800000"/>
+            <a:headEnd/>
+            <a:tailEnd/>
+          </a:ln>
+        </p:spPr>
+        <p:txBody>
+          <a:bodyPr/>
+          <a:lstStyle/>
+          <a:p>
+            <a:pPr eaLnBrk="1" hangingPunct="1">
+              <a:lnSpc>
+                <a:spcPct val="80000"/>
+              </a:lnSpc>
+              <a:spcBef>
+                <a:spcPts val="0"/>
+              </a:spcBef>
+              <a:spcAft>
+                <a:spcPts val="600"/>
+              </a:spcAft>
+              <a:buFontTx/>
+              <a:buNone/>
+            </a:pPr>
+            <a:r>
+              <a:rPr lang="en-US" sz="4500" dirty="0" smtClean="0">
+                <a:solidFill>
+                  <a:srgbClr val="C00000"/>
+                </a:solidFill>
+                <a:latin typeface="Comic Sans MS" pitchFamily="-128" charset="0"/>
+              </a:rPr>
+              <a:t>Another false argument:</a:t>
+            </a:r>
+            <a:endParaRPr lang="en-US" sz="4500" dirty="0" smtClean="0">
+              <a:solidFill>
+                <a:srgbClr val="FF0000"/>
+              </a:solidFill>
+              <a:latin typeface="Comic Sans MS" pitchFamily="-128" charset="0"/>
+            </a:endParaRPr>
+          </a:p>
+          <a:p>
+            <a:pPr eaLnBrk="1" hangingPunct="1">
+              <a:lnSpc>
+                <a:spcPct val="80000"/>
+              </a:lnSpc>
+              <a:spcBef>
+                <a:spcPts val="0"/>
+              </a:spcBef>
+              <a:spcAft>
+                <a:spcPts val="600"/>
+              </a:spcAft>
+              <a:buFontTx/>
+              <a:buNone/>
+            </a:pPr>
+            <a:r>
+              <a:rPr lang="en-US" sz="4500" dirty="0" smtClean="0">
+                <a:latin typeface="Comic Sans MS" pitchFamily="-128" charset="0"/>
+              </a:rPr>
+              <a:t>after </a:t>
+            </a:r>
+            <a:r>
+              <a:rPr lang="en-US" sz="4500" dirty="0" smtClean="0">
+                <a:latin typeface="Comic Sans MS" pitchFamily="-128" charset="0"/>
+              </a:rPr>
+              <a:t>door opening, 1 goat</a:t>
+            </a:r>
+          </a:p>
+          <a:p>
+            <a:pPr eaLnBrk="1" hangingPunct="1">
+              <a:lnSpc>
+                <a:spcPct val="80000"/>
+              </a:lnSpc>
+              <a:spcBef>
+                <a:spcPts val="0"/>
+              </a:spcBef>
+              <a:spcAft>
+                <a:spcPts val="600"/>
+              </a:spcAft>
+              <a:buFontTx/>
+              <a:buNone/>
+            </a:pPr>
+            <a:r>
+              <a:rPr lang="en-US" sz="4500" dirty="0" smtClean="0">
+                <a:latin typeface="Comic Sans MS" pitchFamily="-128" charset="0"/>
+              </a:rPr>
+              <a:t>and </a:t>
+            </a:r>
+            <a:r>
+              <a:rPr lang="en-US" sz="4500" dirty="0" smtClean="0">
+                <a:latin typeface="Comic Sans MS" pitchFamily="-128" charset="0"/>
+              </a:rPr>
+              <a:t>1 prize are left.  Each</a:t>
+            </a:r>
+          </a:p>
+          <a:p>
+            <a:pPr eaLnBrk="1" hangingPunct="1">
+              <a:lnSpc>
+                <a:spcPct val="80000"/>
+              </a:lnSpc>
+              <a:spcBef>
+                <a:spcPts val="0"/>
+              </a:spcBef>
+              <a:spcAft>
+                <a:spcPts val="600"/>
+              </a:spcAft>
+              <a:buFontTx/>
+              <a:buNone/>
+            </a:pPr>
+            <a:r>
+              <a:rPr lang="en-US" sz="4500" dirty="0" smtClean="0">
+                <a:latin typeface="Comic Sans MS" pitchFamily="-128" charset="0"/>
+              </a:rPr>
+              <a:t>door </a:t>
+            </a:r>
+            <a:r>
+              <a:rPr lang="en-US" sz="4500" dirty="0" smtClean="0">
+                <a:latin typeface="Comic Sans MS" pitchFamily="-128" charset="0"/>
+              </a:rPr>
+              <a:t>is</a:t>
+            </a:r>
+            <a:r>
+              <a:rPr lang="en-US" sz="4500" dirty="0" smtClean="0">
+                <a:solidFill>
+                  <a:srgbClr val="CC0000"/>
+                </a:solidFill>
+                <a:latin typeface="Comic Sans MS" pitchFamily="-128" charset="0"/>
+              </a:rPr>
+              <a:t> </a:t>
+            </a:r>
+            <a:r>
+              <a:rPr lang="en-US" sz="4500" dirty="0" smtClean="0">
+                <a:solidFill>
+                  <a:srgbClr val="FF0000"/>
+                </a:solidFill>
+                <a:latin typeface="Comic Sans MS" pitchFamily="-128" charset="0"/>
+              </a:rPr>
+              <a:t>equally likely</a:t>
+            </a:r>
+            <a:r>
+              <a:rPr lang="en-US" sz="4500" dirty="0" smtClean="0">
+                <a:latin typeface="Comic Sans MS" pitchFamily="-128" charset="0"/>
+              </a:rPr>
+              <a:t> to have</a:t>
+            </a:r>
+          </a:p>
+          <a:p>
+            <a:pPr eaLnBrk="1" hangingPunct="1">
+              <a:lnSpc>
+                <a:spcPct val="80000"/>
+              </a:lnSpc>
+              <a:spcBef>
+                <a:spcPts val="0"/>
+              </a:spcBef>
+              <a:spcAft>
+                <a:spcPts val="600"/>
+              </a:spcAft>
+              <a:buFontTx/>
+              <a:buNone/>
+            </a:pPr>
+            <a:r>
+              <a:rPr lang="en-US" sz="4500" dirty="0" smtClean="0">
+                <a:latin typeface="Comic Sans MS" pitchFamily="-128" charset="0"/>
+              </a:rPr>
+              <a:t>the </a:t>
+            </a:r>
+            <a:r>
+              <a:rPr lang="en-US" sz="4500" dirty="0" smtClean="0">
+                <a:latin typeface="Comic Sans MS" pitchFamily="-128" charset="0"/>
+              </a:rPr>
+              <a:t>prize (by symmetry), so</a:t>
+            </a:r>
+          </a:p>
+          <a:p>
+            <a:pPr eaLnBrk="1" hangingPunct="1">
+              <a:lnSpc>
+                <a:spcPct val="80000"/>
+              </a:lnSpc>
+              <a:spcBef>
+                <a:spcPts val="0"/>
+              </a:spcBef>
+              <a:spcAft>
+                <a:spcPts val="600"/>
+              </a:spcAft>
+              <a:buFontTx/>
+              <a:buNone/>
+            </a:pPr>
+            <a:r>
+              <a:rPr lang="en-US" sz="4500" dirty="0" smtClean="0">
+                <a:latin typeface="Comic Sans MS" pitchFamily="-128" charset="0"/>
+              </a:rPr>
+              <a:t>both strategies win with</a:t>
+            </a:r>
+          </a:p>
+          <a:p>
+            <a:pPr eaLnBrk="1" hangingPunct="1">
+              <a:lnSpc>
+                <a:spcPct val="80000"/>
+              </a:lnSpc>
+              <a:spcBef>
+                <a:spcPts val="0"/>
+              </a:spcBef>
+              <a:spcAft>
+                <a:spcPts val="600"/>
+              </a:spcAft>
+              <a:buFontTx/>
+              <a:buNone/>
+            </a:pPr>
+            <a:r>
+              <a:rPr lang="en-US" sz="4500" dirty="0" smtClean="0">
+                <a:latin typeface="Comic Sans MS" pitchFamily="-128" charset="0"/>
+              </a:rPr>
+              <a:t>probability: </a:t>
+            </a:r>
+            <a:r>
+              <a:rPr lang="en-US" sz="4500" dirty="0" smtClean="0">
+                <a:solidFill>
+                  <a:srgbClr val="CC0000"/>
+                </a:solidFill>
+                <a:latin typeface="Comic Sans MS" pitchFamily="-128" charset="0"/>
+              </a:rPr>
+              <a:t>1/2</a:t>
+            </a:r>
+            <a:r>
+              <a:rPr lang="en-US" sz="4500" dirty="0" smtClean="0">
+                <a:latin typeface="Comic Sans MS" pitchFamily="-128" charset="0"/>
+              </a:rPr>
+              <a:t>.</a:t>
+            </a:r>
+          </a:p>
+        </p:txBody>
+      </p:sp>
+      <p:sp>
+        <p:nvSpPr>
+          <p:cNvPr id="15363" name="Rectangle 9"/>
+          <p:cNvSpPr>
+            <a:spLocks noGrp="1" noChangeArrowheads="1"/>
+          </p:cNvSpPr>
+          <p:nvPr>
+            <p:ph type="title"/>
+          </p:nvPr>
+        </p:nvSpPr>
+        <p:spPr>
+          <a:xfrm>
+            <a:off x="1295400" y="304800"/>
+            <a:ext cx="6553200" cy="838200"/>
+          </a:xfrm>
+          <a:noFill/>
+        </p:spPr>
+        <p:txBody>
+          <a:bodyPr/>
+          <a:lstStyle/>
+          <a:p>
+            <a:pPr eaLnBrk="1" hangingPunct="1"/>
+            <a:r>
+              <a:rPr lang="en-US" sz="4400" dirty="0" smtClean="0">
+                <a:solidFill>
+                  <a:schemeClr val="tx1"/>
+                </a:solidFill>
+                <a:latin typeface="Comic Sans MS" pitchFamily="-128" charset="0"/>
+              </a:rPr>
+              <a:t>Analyzing</a:t>
+            </a:r>
+            <a:r>
+              <a:rPr lang="en-US" sz="4400" dirty="0" smtClean="0">
+                <a:latin typeface="Comic Sans MS" pitchFamily="-128" charset="0"/>
+              </a:rPr>
+              <a:t> Monty H</a:t>
+            </a:r>
+            <a:r>
+              <a:rPr lang="en-US" sz="3600" dirty="0" smtClean="0">
+                <a:latin typeface="Comic Sans MS" pitchFamily="-128" charset="0"/>
+              </a:rPr>
+              <a:t>all</a:t>
+            </a:r>
+          </a:p>
+        </p:txBody>
+      </p:sp>
+      <p:sp>
+        <p:nvSpPr>
+          <p:cNvPr id="4" name="Rectangle 11"/>
+          <p:cNvSpPr txBox="1">
+            <a:spLocks noChangeArrowheads="1"/>
+          </p:cNvSpPr>
+          <p:nvPr/>
+        </p:nvSpPr>
+        <p:spPr bwMode="auto">
+          <a:xfrm>
+            <a:off x="6400800" y="6613525"/>
+            <a:ext cx="2667000" cy="244475"/>
+          </a:xfrm>
+          <a:prstGeom prst="rect">
+            <a:avLst/>
+          </a:prstGeom>
+          <a:noFill/>
+          <a:ln w="9525">
+            <a:noFill/>
+            <a:miter lim="800000"/>
+            <a:headEnd/>
+            <a:tailEnd/>
+          </a:ln>
+          <a:effectLst/>
+        </p:spPr>
+        <p:txBody>
+          <a:bodyPr vert="horz" wrap="square" lIns="91440" tIns="45720" rIns="91440" bIns="45720" numCol="1" anchor="t" anchorCtr="0" compatLnSpc="1">
+            <a:prstTxWarp prst="textNoShape">
+              <a:avLst/>
+            </a:prstTxWarp>
+            <a:spAutoFit/>
+          </a:bodyPr>
+          <a:lstStyle>
+            <a:lvl1pPr algn="r">
+              <a:defRPr sz="1000"/>
+            </a:lvl1pPr>
+          </a:lstStyle>
+          <a:p>
+            <a:pPr marL="0" marR="0" lvl="0" indent="0" algn="r" defTabSz="914400" rtl="0" eaLnBrk="1" fontAlgn="base" latinLnBrk="0" hangingPunct="1">
+              <a:lnSpc>
+                <a:spcPct val="100000"/>
+              </a:lnSpc>
+              <a:spcBef>
+                <a:spcPct val="0"/>
+              </a:spcBef>
+              <a:spcAft>
+                <a:spcPct val="0"/>
+              </a:spcAft>
+              <a:buClrTx/>
+              <a:buSzTx/>
+              <a:buFontTx/>
+              <a:buNone/>
+              <a:tabLst/>
+              <a:defRPr/>
+            </a:pPr>
+            <a:r>
+              <a:rPr kumimoji="0" lang="en-US" sz="1000" b="0" i="0" u="none" strike="noStrike" kern="1200" cap="none" spc="0" normalizeH="0" baseline="0" noProof="0" dirty="0" err="1" smtClean="0">
+                <a:ln>
+                  <a:noFill/>
+                </a:ln>
+                <a:solidFill>
+                  <a:schemeClr val="tx1"/>
+                </a:solidFill>
+                <a:effectLst/>
+                <a:uLnTx/>
+                <a:uFillTx/>
+                <a:latin typeface="Comic Sans MS" pitchFamily="66" charset="0"/>
+                <a:ea typeface="+mn-ea"/>
+                <a:cs typeface="+mn-cs"/>
+              </a:rPr>
+              <a:t>probintro</a:t>
+            </a:r>
+            <a:r>
+              <a:rPr kumimoji="0" lang="en-US" sz="1000" b="0" i="0" u="none" strike="noStrike" kern="1200" cap="none" spc="0" normalizeH="0" baseline="0" noProof="0" dirty="0" smtClean="0">
+                <a:ln>
+                  <a:noFill/>
+                </a:ln>
+                <a:solidFill>
+                  <a:schemeClr val="tx1"/>
+                </a:solidFill>
+                <a:effectLst/>
+                <a:uLnTx/>
+                <a:uFillTx/>
+                <a:latin typeface="Comic Sans MS" pitchFamily="66" charset="0"/>
+                <a:ea typeface="+mn-ea"/>
+                <a:cs typeface="+mn-cs"/>
+              </a:rPr>
+              <a:t>.</a:t>
+            </a:r>
+            <a:fld id="{17233D2A-0857-4415-88C1-423492E69A26}" type="slidenum">
+              <a:rPr kumimoji="0" lang="en-US" sz="1000" b="0" i="0" u="none" strike="noStrike" kern="1200" cap="none" spc="0" normalizeH="0" baseline="0" noProof="0" smtClean="0">
+                <a:ln>
+                  <a:noFill/>
+                </a:ln>
+                <a:solidFill>
+                  <a:schemeClr val="tx1"/>
+                </a:solidFill>
+                <a:effectLst/>
+                <a:uLnTx/>
+                <a:uFillTx/>
+                <a:latin typeface="Comic Sans MS" pitchFamily="66" charset="0"/>
+                <a:ea typeface="+mn-ea"/>
+                <a:cs typeface="+mn-cs"/>
+              </a:rPr>
+              <a:pPr marL="0" marR="0" lvl="0" indent="0" algn="r" defTabSz="914400" rtl="0" eaLnBrk="1" fontAlgn="base" latinLnBrk="0" hangingPunct="1">
+                <a:lnSpc>
+                  <a:spcPct val="100000"/>
+                </a:lnSpc>
+                <a:spcBef>
+                  <a:spcPct val="0"/>
+                </a:spcBef>
+                <a:spcAft>
+                  <a:spcPct val="0"/>
+                </a:spcAft>
+                <a:buClrTx/>
+                <a:buSzTx/>
+                <a:buFontTx/>
+                <a:buNone/>
+                <a:tabLst/>
+                <a:defRPr/>
+              </a:pPr>
+              <a:t>16</a:t>
+            </a:fld>
+            <a:endParaRPr kumimoji="0" lang="en-US" sz="1000" b="0" i="0" u="none" strike="noStrike" kern="1200" cap="none" spc="0" normalizeH="0" baseline="0" noProof="0" dirty="0">
+              <a:ln>
+                <a:noFill/>
+              </a:ln>
+              <a:solidFill>
+                <a:schemeClr val="tx1"/>
+              </a:solidFill>
+              <a:effectLst/>
+              <a:uLnTx/>
+              <a:uFillTx/>
+              <a:latin typeface="Comic Sans MS" pitchFamily="66" charset="0"/>
+              <a:ea typeface="+mn-ea"/>
+              <a:cs typeface="+mn-cs"/>
+            </a:endParaRPr>
+          </a:p>
+        </p:txBody>
+      </p:sp>
+    </p:spTree>
+    <p:extLst>
+      <p:ext uri="{BB962C8B-B14F-4D97-AF65-F5344CB8AC3E}">
+        <p14:creationId xmlns:p14="http://schemas.microsoft.com/office/powerpoint/2010/main" val="3195297905"/>
+      </p:ext>
+    </p:extLst>
+  </p:cSld>
+  <p:clrMapOvr>
+    <a:masterClrMapping/>
+  </p:clrMapOvr>
+  <mc:AlternateContent xmlns:mc="http://schemas.openxmlformats.org/markup-compatibility/2006">
+    <mc:Choice xmlns:p14="http://schemas.microsoft.com/office/powerpoint/2010/main" Requires="p14">
+      <p:transition spd="med" p14:dur="600" advClick="0">
+        <p:fade/>
+      </p:transition>
+    </mc:Choice>
+    <mc:Fallback>
+      <p:transition xmlns:p14="http://schemas.microsoft.com/office/powerpoint/2010/main" spd="med" advClick="0">
+        <p:fade/>
+      </p:transition>
+    </mc:Fallback>
+  </mc:AlternateContent>
+  <p:timing>
+    <p:tnLst>
+      <p:par>
+        <p:cTn xmlns:p14="http://schemas.microsoft.com/office/powerpoint/2010/main" id="1" dur="indefinite" restart="never" nodeType="tmRoot">
+          <p:childTnLst>
+            <p:seq concurrent="1" nextAc="seek">
+              <p:cTn id="2" dur="indefinite" nodeType="mainSeq">
+                <p:childTnLst>
+                  <p:par>
+                    <p:cTn id="3" fill="hold">
+                      <p:stCondLst>
+                        <p:cond delay="indefinite"/>
+                      </p:stCondLst>
+                      <p:childTnLst>
+                        <p:par>
+                          <p:cTn id="4" fill="hold">
+                            <p:stCondLst>
+                              <p:cond delay="0"/>
+                            </p:stCondLst>
+                            <p:childTnLst>
                               <p:par>
-                                <p:cTn id="11" presetID="10" presetClass="entr" presetSubtype="0" fill="hold" grpId="0" nodeType="withEffect">
+                                <p:cTn id="5" presetID="10" presetClass="entr" presetSubtype="0" fill="hold" grpId="0" nodeType="clickEffect">
                                   <p:stCondLst>
                                     <p:cond delay="0"/>
                                   </p:stCondLst>
                                   <p:childTnLst>
                                     <p:set>
                                       <p:cBhvr>
-                                        <p:cTn id="12" dur="1" fill="hold">
-                                          <p:stCondLst>
-                                            <p:cond delay="0"/>
-                                          </p:stCondLst>
-                                        </p:cTn>
-                                        <p:tgtEl>
-                                          <p:spTgt spid="37891">
-                                            <p:txEl>
-                                              <p:pRg st="3" end="3"/>
-                                            </p:txEl>
-                                          </p:spTgt>
-                                        </p:tgtEl>
-                                        <p:attrNameLst>
-                                          <p:attrName>style.visibility</p:attrName>
-                                        </p:attrNameLst>
-                                      </p:cBhvr>
-                                      <p:to>
-                                        <p:strVal val="visible"/>
-                                      </p:to>
-                                    </p:set>
-                                    <p:animEffect transition="in" filter="fade">
-                                      <p:cBhvr>
-                                        <p:cTn id="13" dur="500"/>
-                                        <p:tgtEl>
-                                          <p:spTgt spid="37891">
-                                            <p:txEl>
-                                              <p:pRg st="3" end="3"/>
-                                            </p:txEl>
-                                          </p:spTgt>
-                                        </p:tgtEl>
-                                      </p:cBhvr>
-                                    </p:animEffect>
-                                  </p:childTnLst>
-                                </p:cTn>
-                              </p:par>
-                            </p:childTnLst>
-                          </p:cTn>
-                        </p:par>
-                      </p:childTnLst>
-                    </p:cTn>
-                  </p:par>
-                  <p:par>
-                    <p:cTn id="14" fill="hold">
-                      <p:stCondLst>
-                        <p:cond delay="indefinite"/>
-                      </p:stCondLst>
-                      <p:childTnLst>
-                        <p:par>
-                          <p:cTn id="15" fill="hold">
-                            <p:stCondLst>
-                              <p:cond delay="0"/>
-                            </p:stCondLst>
-                            <p:childTnLst>
-                              <p:par>
-                                <p:cTn id="16" presetID="10" presetClass="entr" presetSubtype="0" fill="hold" grpId="0" nodeType="clickEffect">
-                                  <p:stCondLst>
-                                    <p:cond delay="0"/>
-                                  </p:stCondLst>
-                                  <p:childTnLst>
-                                    <p:set>
-                                      <p:cBhvr>
-                                        <p:cTn id="17" dur="1" fill="hold">
-                                          <p:stCondLst>
-                                            <p:cond delay="0"/>
-                                          </p:stCondLst>
-                                        </p:cTn>
-                                        <p:tgtEl>
-                                          <p:spTgt spid="37891">
-                                            <p:txEl>
-                                              <p:pRg st="4" end="4"/>
-                                            </p:txEl>
-                                          </p:spTgt>
-                                        </p:tgtEl>
-                                        <p:attrNameLst>
-                                          <p:attrName>style.visibility</p:attrName>
-                                        </p:attrNameLst>
-                                      </p:cBhvr>
-                                      <p:to>
-                                        <p:strVal val="visible"/>
-                                      </p:to>
-                                    </p:set>
-                                    <p:animEffect transition="in" filter="fade">
-                                      <p:cBhvr>
-                                        <p:cTn id="18" dur="500"/>
-                                        <p:tgtEl>
-                                          <p:spTgt spid="37891">
-                                            <p:txEl>
-                                              <p:pRg st="4" end="4"/>
-                                            </p:txEl>
-                                          </p:spTgt>
-                                        </p:tgtEl>
-                                      </p:cBhvr>
-                                    </p:animEffect>
-                                  </p:childTnLst>
-                                </p:cTn>
-                              </p:par>
-                            </p:childTnLst>
-                          </p:cTn>
-                        </p:par>
-                      </p:childTnLst>
-                    </p:cTn>
-                  </p:par>
-                  <p:par>
-                    <p:cTn id="19" fill="hold">
-                      <p:stCondLst>
-                        <p:cond delay="indefinite"/>
-                      </p:stCondLst>
-                      <p:childTnLst>
-                        <p:par>
-                          <p:cTn id="20" fill="hold">
-                            <p:stCondLst>
-                              <p:cond delay="0"/>
-                            </p:stCondLst>
-                            <p:childTnLst>
-                              <p:par>
-                                <p:cTn id="21" presetID="10" presetClass="entr" presetSubtype="0" fill="hold" grpId="0" nodeType="clickEffect">
-                                  <p:stCondLst>
-                                    <p:cond delay="0"/>
-                                  </p:stCondLst>
-                                  <p:childTnLst>
-                                    <p:set>
-                                      <p:cBhvr>
-                                        <p:cTn id="22" dur="1" fill="hold">
+                                        <p:cTn id="6" dur="1" fill="hold">
                                           <p:stCondLst>
                                             <p:cond delay="0"/>
                                           </p:stCondLst>
@@ -12982,7 +13958,7 @@
                                     </p:set>
                                     <p:animEffect transition="in" filter="fade">
                                       <p:cBhvr>
-                                        <p:cTn id="23" dur="500"/>
+                                        <p:cTn id="7" dur="500"/>
                                         <p:tgtEl>
                                           <p:spTgt spid="37891">
                                             <p:txEl>
@@ -12995,24 +13971,15 @@
                                   </p:childTnLst>
                                 </p:cTn>
                               </p:par>
-                            </p:childTnLst>
-                          </p:cTn>
-                        </p:par>
-                        <p:par>
-                          <p:cTn id="24" fill="hold">
-                            <p:stCondLst>
-                              <p:cond delay="500"/>
-                            </p:stCondLst>
-                            <p:childTnLst>
                               <p:par>
-                                <p:cTn id="25" presetID="10" presetClass="entr" presetSubtype="0" fill="hold" grpId="0" nodeType="afterEffect">
+                                <p:cTn id="8" presetID="10" presetClass="entr" presetSubtype="0" fill="hold" grpId="0" nodeType="withEffect">
                                   <p:stCondLst>
                                     <p:cond delay="0"/>
                                   </p:stCondLst>
                                   <p:childTnLst>
                                     <p:set>
                                       <p:cBhvr>
-                                        <p:cTn id="26" dur="1" fill="hold">
+                                        <p:cTn id="9" dur="1" fill="hold">
                                           <p:stCondLst>
                                             <p:cond delay="0"/>
                                           </p:stCondLst>
@@ -13034,7 +14001,7 @@
                                     </p:set>
                                     <p:animEffect transition="in" filter="fade">
                                       <p:cBhvr>
-                                        <p:cTn id="27" dur="500"/>
+                                        <p:cTn id="10" dur="500"/>
                                         <p:tgtEl>
                                           <p:spTgt spid="37891">
                                             <p:txEl>
@@ -13081,7 +14048,7 @@
 </p:sld>
 </file>
 
-<file path=ppt/slides/slide16.xml><?xml version="1.0" encoding="utf-8"?>
+<file path=ppt/slides/slide17.xml><?xml version="1.0" encoding="utf-8"?>
 <p:sld xmlns:a="http://schemas.openxmlformats.org/drawingml/2006/main" xmlns:r="http://schemas.openxmlformats.org/officeDocument/2006/relationships" xmlns:p="http://schemas.openxmlformats.org/presentationml/2006/main">
   <p:cSld>
     <p:spTree>
@@ -13289,7 +14256,7 @@
                 <a:ea typeface="+mn-ea"/>
                 <a:cs typeface="+mn-cs"/>
               </a:rPr>
-              <a:t>lec</a:t>
+              <a:t>probintro</a:t>
             </a:r>
             <a:r>
               <a:rPr kumimoji="0" lang="en-US" sz="1000" b="0" i="0" u="none" strike="noStrike" kern="1200" cap="none" spc="0" normalizeH="0" baseline="0" noProof="0" dirty="0" smtClean="0">
@@ -13306,7 +14273,7 @@
                 <a:ea typeface="+mn-ea"/>
                 <a:cs typeface="+mn-cs"/>
               </a:rPr>
-              <a:t> 13W.</a:t>
+              <a:t>.</a:t>
             </a:r>
             <a:fld id="{17233D2A-0857-4415-88C1-423492E69A26}" type="slidenum">
               <a:rPr kumimoji="0" lang="en-US" sz="1000" b="0" i="0" u="none" strike="noStrike" kern="1200" cap="none" spc="0" normalizeH="0" baseline="0" noProof="0" smtClean="0">
@@ -13340,7 +14307,7 @@
                 <a:tabLst/>
                 <a:defRPr/>
               </a:pPr>
-              <a:t>16</a:t>
+              <a:t>17</a:t>
             </a:fld>
             <a:endParaRPr kumimoji="0" lang="en-US" sz="1000" b="0" i="0" u="none" strike="noStrike" kern="1200" cap="none" spc="0" normalizeH="0" baseline="0" noProof="0" dirty="0">
               <a:ln>
@@ -13377,7 +14344,7 @@
 </p:sld>
 </file>
 
-<file path=ppt/slides/slide17.xml><?xml version="1.0" encoding="utf-8"?>
+<file path=ppt/slides/slide18.xml><?xml version="1.0" encoding="utf-8"?>
 <p:sld xmlns:a="http://schemas.openxmlformats.org/drawingml/2006/main" xmlns:r="http://schemas.openxmlformats.org/officeDocument/2006/relationships" xmlns:p="http://schemas.openxmlformats.org/presentationml/2006/main">
   <p:cSld>
     <p:spTree>
@@ -18457,18 +19424,18 @@
             </a:pPr>
             <a:r>
               <a:rPr lang="en-US" dirty="0" err="1" smtClean="0"/>
-              <a:t>lec</a:t>
+              <a:t>probintro</a:t>
             </a:r>
             <a:r>
               <a:rPr lang="en-US" dirty="0" smtClean="0"/>
-              <a:t> 13W.</a:t>
+              <a:t>.</a:t>
             </a:r>
             <a:fld id="{17233D2A-0857-4415-88C1-423492E69A26}" type="slidenum">
               <a:rPr lang="en-US" smtClean="0"/>
               <a:pPr>
                 <a:defRPr/>
               </a:pPr>
-              <a:t>17</a:t>
+              <a:t>18</a:t>
             </a:fld>
             <a:endParaRPr lang="en-US" dirty="0"/>
           </a:p>
@@ -18479,13 +19446,13 @@
   <p:clrMapOvr>
     <a:masterClrMapping/>
   </p:clrMapOvr>
-  <mc:AlternateContent xmlns:mc="http://schemas.openxmlformats.org/markup-compatibility/2006" xmlns:p14="http://schemas.microsoft.com/office/powerpoint/2010/main">
-    <mc:Choice Requires="p14">
+  <mc:AlternateContent xmlns:mc="http://schemas.openxmlformats.org/markup-compatibility/2006">
+    <mc:Choice xmlns:p14="http://schemas.microsoft.com/office/powerpoint/2010/main" Requires="p14">
       <p:transition spd="med" p14:dur="700" advClick="0">
         <p:fade thruBlk="1"/>
       </p:transition>
     </mc:Choice>
-    <mc:Fallback xmlns="">
+    <mc:Fallback>
       <p:transition xmlns:p14="http://schemas.microsoft.com/office/powerpoint/2010/main" spd="med" advClick="0">
         <p:fade thruBlk="1"/>
       </p:transition>
@@ -19994,7 +20961,7 @@
 </p:sld>
 </file>
 
-<file path=ppt/slides/slide18.xml><?xml version="1.0" encoding="utf-8"?>
+<file path=ppt/slides/slide19.xml><?xml version="1.0" encoding="utf-8"?>
 <p:sld xmlns:a="http://schemas.openxmlformats.org/drawingml/2006/main" xmlns:r="http://schemas.openxmlformats.org/officeDocument/2006/relationships" xmlns:p="http://schemas.openxmlformats.org/presentationml/2006/main">
   <p:cSld>
     <p:spTree>
@@ -20073,8 +21040,8 @@
         </p:nvSpPr>
         <p:spPr bwMode="auto">
           <a:xfrm>
-            <a:off x="381000" y="2057400"/>
-            <a:ext cx="8382000" cy="3124200"/>
+            <a:off x="304800" y="1828800"/>
+            <a:ext cx="8458200" cy="3352800"/>
           </a:xfrm>
           <a:prstGeom prst="rect">
             <a:avLst/>
@@ -20095,7 +21062,7 @@
               <a:buNone/>
             </a:pPr>
             <a:r>
-              <a:rPr lang="en-US" sz="6000" smtClean="0">
+              <a:rPr lang="en-US" sz="6000" dirty="0" smtClean="0">
                 <a:latin typeface="Comic Sans MS" pitchFamily="-128" charset="0"/>
               </a:rPr>
               <a:t>Outcomes may have</a:t>
@@ -20107,7 +21074,7 @@
               <a:buNone/>
             </a:pPr>
             <a:r>
-              <a:rPr lang="en-US" sz="6000" smtClean="0">
+              <a:rPr lang="en-US" sz="6000" dirty="0" smtClean="0">
                 <a:solidFill>
                   <a:srgbClr val="008000"/>
                 </a:solidFill>
@@ -20122,13 +21089,22 @@
               <a:buNone/>
             </a:pPr>
             <a:r>
-              <a:rPr lang="en-US" sz="6000" smtClean="0">
-                <a:latin typeface="Comic Sans MS" pitchFamily="-128" charset="0"/>
-              </a:rPr>
-              <a:t>Not always uniform</a:t>
-            </a:r>
-            <a:r>
-              <a:rPr lang="en-US" sz="6000" i="1" smtClean="0">
+              <a:rPr lang="en-US" sz="6000" dirty="0" smtClean="0">
+                <a:latin typeface="Comic Sans MS" pitchFamily="-128" charset="0"/>
+              </a:rPr>
+              <a:t>Not always </a:t>
+            </a:r>
+            <a:r>
+              <a:rPr lang="en-US" sz="6000" dirty="0" smtClean="0">
+                <a:solidFill>
+                  <a:srgbClr val="0000FF"/>
+                </a:solidFill>
+                <a:latin typeface="Comic Sans MS" pitchFamily="-128" charset="0"/>
+              </a:rPr>
+              <a:t>uniform</a:t>
+            </a:r>
+            <a:r>
+              <a:rPr lang="en-US" sz="6000" dirty="0" smtClean="0">
                 <a:latin typeface="Comic Sans MS" pitchFamily="-128" charset="0"/>
               </a:rPr>
               <a:t>.</a:t>
@@ -20206,7 +21182,7 @@
                 <a:ea typeface="+mn-ea"/>
                 <a:cs typeface="+mn-cs"/>
               </a:rPr>
-              <a:t>lec</a:t>
+              <a:t>probintro</a:t>
             </a:r>
             <a:r>
               <a:rPr kumimoji="0" lang="en-US" sz="1000" b="0" i="0" u="none" strike="noStrike" kern="1200" cap="none" spc="0" normalizeH="0" baseline="0" noProof="0" dirty="0" smtClean="0">
@@ -20223,392 +21199,7 @@
                 <a:ea typeface="+mn-ea"/>
                 <a:cs typeface="+mn-cs"/>
               </a:rPr>
-              <a:t> 13W.</a:t>
-            </a:r>
-            <a:fld id="{17233D2A-0857-4415-88C1-423492E69A26}" type="slidenum">
-              <a:rPr kumimoji="0" lang="en-US" sz="1000" b="0" i="0" u="none" strike="noStrike" kern="1200" cap="none" spc="0" normalizeH="0" baseline="0" noProof="0" smtClean="0">
-                <a:ln>
-                  <a:noFill/>
-                </a:ln>
-                <a:solidFill>
-                  <a:schemeClr val="tx1"/>
-                </a:solidFill>
-                <a:effectLst/>
-                <a:uLnTx/>
-                <a:uFillTx/>
-                <a:latin typeface="Comic Sans MS" pitchFamily="66" charset="0"/>
-                <a:ea typeface="+mn-ea"/>
-                <a:cs typeface="+mn-cs"/>
-              </a:rPr>
-              <a:pPr marL="0" marR="0" lvl="0" indent="0" algn="r" defTabSz="914400" rtl="0" eaLnBrk="1" fontAlgn="base" latinLnBrk="0" hangingPunct="1">
-                <a:lnSpc>
-                  <a:spcPct val="100000"/>
-                </a:lnSpc>
-                <a:spcBef>
-                  <a:spcPct val="0"/>
-                </a:spcBef>
-                <a:spcAft>
-                  <a:spcPct val="0"/>
-                </a:spcAft>
-                <a:buClrTx/>
-                <a:buSzTx/>
-                <a:buFontTx/>
-                <a:buNone/>
-                <a:tabLst/>
-                <a:defRPr/>
-              </a:pPr>
-              <a:t>18</a:t>
-            </a:fld>
-            <a:endParaRPr kumimoji="0" lang="en-US" sz="1000" b="0" i="0" u="none" strike="noStrike" kern="1200" cap="none" spc="0" normalizeH="0" baseline="0" noProof="0" dirty="0">
-              <a:ln>
-                <a:noFill/>
-              </a:ln>
-              <a:solidFill>
-                <a:schemeClr val="tx1"/>
-              </a:solidFill>
-              <a:effectLst/>
-              <a:uLnTx/>
-              <a:uFillTx/>
-              <a:latin typeface="Comic Sans MS" pitchFamily="66" charset="0"/>
-              <a:ea typeface="+mn-ea"/>
-              <a:cs typeface="+mn-cs"/>
-            </a:endParaRPr>
-          </a:p>
-        </p:txBody>
-      </p:sp>
-    </p:spTree>
-  </p:cSld>
-  <p:clrMapOvr>
-    <a:masterClrMapping/>
-  </p:clrMapOvr>
-  <p:transition xmlns:p14="http://schemas.microsoft.com/office/powerpoint/2010/main" spd="slow">
-    <p:fade thruBlk="1"/>
-  </p:transition>
-  <p:timing>
-    <p:tnLst>
-      <p:par>
-        <p:cTn xmlns:p14="http://schemas.microsoft.com/office/powerpoint/2010/main" id="1" dur="indefinite" restart="never" nodeType="tmRoot"/>
-      </p:par>
-    </p:tnLst>
-  </p:timing>
-</p:sld>
-</file>
-
-<file path=ppt/slides/slide19.xml><?xml version="1.0" encoding="utf-8"?>
-<p:sld xmlns:a="http://schemas.openxmlformats.org/drawingml/2006/main" xmlns:r="http://schemas.openxmlformats.org/officeDocument/2006/relationships" xmlns:p="http://schemas.openxmlformats.org/presentationml/2006/main">
-  <p:cSld>
-    <p:spTree>
-      <p:nvGrpSpPr>
-        <p:cNvPr id="1" name=""/>
-        <p:cNvGrpSpPr/>
-        <p:nvPr/>
-      </p:nvGrpSpPr>
-      <p:grpSpPr>
-        <a:xfrm>
-          <a:off x="0" y="0"/>
-          <a:ext cx="0" cy="0"/>
-          <a:chOff x="0" y="0"/>
-          <a:chExt cx="0" cy="0"/>
-        </a:xfrm>
-      </p:grpSpPr>
-      <p:sp>
-        <p:nvSpPr>
-          <p:cNvPr id="21506" name="Rectangle 2"/>
-          <p:cNvSpPr>
-            <a:spLocks noGrp="1" noChangeArrowheads="1"/>
-          </p:cNvSpPr>
-          <p:nvPr>
-            <p:ph type="title"/>
-          </p:nvPr>
-        </p:nvSpPr>
-        <p:spPr>
-          <a:xfrm>
-            <a:off x="1295400" y="228600"/>
-            <a:ext cx="6553200" cy="838200"/>
-          </a:xfrm>
-        </p:spPr>
-        <p:txBody>
-          <a:bodyPr/>
-          <a:lstStyle/>
-          <a:p>
-            <a:pPr eaLnBrk="1" hangingPunct="1"/>
-            <a:r>
-              <a:rPr lang="en-US" sz="3600" dirty="0" smtClean="0">
-                <a:latin typeface="Comic Sans MS" pitchFamily="-128" charset="0"/>
-              </a:rPr>
-              <a:t>Finding Probability</a:t>
-            </a:r>
-          </a:p>
-        </p:txBody>
-      </p:sp>
-      <p:sp>
-        <p:nvSpPr>
-          <p:cNvPr id="24579" name="Rectangle 3"/>
-          <p:cNvSpPr>
-            <a:spLocks noGrp="1" noChangeArrowheads="1"/>
-          </p:cNvSpPr>
-          <p:nvPr>
-            <p:ph type="body" idx="4294967295"/>
-          </p:nvPr>
-        </p:nvSpPr>
-        <p:spPr bwMode="auto">
-          <a:xfrm>
-            <a:off x="228600" y="1371600"/>
-            <a:ext cx="8458200" cy="5105400"/>
-          </a:xfrm>
-          <a:prstGeom prst="rect">
-            <a:avLst/>
-          </a:prstGeom>
-          <a:noFill/>
-          <a:ln>
-            <a:miter lim="800000"/>
-            <a:headEnd/>
-            <a:tailEnd/>
-          </a:ln>
-        </p:spPr>
-        <p:txBody>
-          <a:bodyPr/>
-          <a:lstStyle/>
-          <a:p>
-            <a:pPr marL="609600" indent="-609600" eaLnBrk="1" hangingPunct="1">
-              <a:lnSpc>
-                <a:spcPct val="90000"/>
-              </a:lnSpc>
-              <a:buFontTx/>
-              <a:buNone/>
-            </a:pPr>
-            <a:r>
-              <a:rPr lang="en-US" sz="3600" dirty="0" smtClean="0">
-                <a:latin typeface="Comic Sans MS" pitchFamily="-128" charset="0"/>
-              </a:rPr>
-              <a:t>Intuition is important but dangerous.</a:t>
-            </a:r>
-          </a:p>
-          <a:p>
-            <a:pPr marL="609600" indent="-609600" eaLnBrk="1" hangingPunct="1">
-              <a:lnSpc>
-                <a:spcPct val="90000"/>
-              </a:lnSpc>
-              <a:buFontTx/>
-              <a:buNone/>
-            </a:pPr>
-            <a:r>
-              <a:rPr lang="en-US" sz="3600" dirty="0" smtClean="0">
-                <a:latin typeface="Comic Sans MS" pitchFamily="-128" charset="0"/>
-              </a:rPr>
-              <a:t>Stick with </a:t>
-            </a:r>
-            <a:r>
-              <a:rPr lang="en-US" sz="3600" dirty="0" smtClean="0">
-                <a:solidFill>
-                  <a:srgbClr val="008000"/>
-                </a:solidFill>
-                <a:latin typeface="Comic Sans MS" pitchFamily="-128" charset="0"/>
-              </a:rPr>
-              <a:t>4-part </a:t>
-            </a:r>
-            <a:r>
-              <a:rPr lang="en-US" sz="4000" dirty="0" smtClean="0">
-                <a:solidFill>
-                  <a:srgbClr val="008000"/>
-                </a:solidFill>
-                <a:latin typeface="Comic Sans MS" pitchFamily="-128" charset="0"/>
-              </a:rPr>
-              <a:t>method</a:t>
-            </a:r>
-            <a:r>
-              <a:rPr lang="en-US" sz="4000" dirty="0" smtClean="0">
-                <a:latin typeface="Comic Sans MS" pitchFamily="-128" charset="0"/>
-              </a:rPr>
-              <a:t>:</a:t>
-            </a:r>
-          </a:p>
-          <a:p>
-            <a:pPr marL="609600" indent="-609600" eaLnBrk="1" hangingPunct="1">
-              <a:lnSpc>
-                <a:spcPct val="90000"/>
-              </a:lnSpc>
-              <a:buFontTx/>
-              <a:buAutoNum type="arabicPeriod"/>
-            </a:pPr>
-            <a:r>
-              <a:rPr lang="en-US" sz="4400" dirty="0" smtClean="0">
-                <a:latin typeface="Comic Sans MS" pitchFamily="-128" charset="0"/>
-              </a:rPr>
-              <a:t>Identify outcomes </a:t>
-            </a:r>
-            <a:r>
-              <a:rPr lang="en-US" sz="3600" dirty="0" smtClean="0">
-                <a:latin typeface="Comic Sans MS" pitchFamily="-128" charset="0"/>
-              </a:rPr>
-              <a:t>(</a:t>
-            </a:r>
-            <a:r>
-              <a:rPr lang="en-US" sz="3600" i="1" dirty="0" smtClean="0">
-                <a:latin typeface="Comic Sans MS" pitchFamily="-128" charset="0"/>
-              </a:rPr>
-              <a:t>tree helps</a:t>
-            </a:r>
-            <a:r>
-              <a:rPr lang="en-US" sz="3600" dirty="0" smtClean="0">
-                <a:latin typeface="Comic Sans MS" pitchFamily="-128" charset="0"/>
-              </a:rPr>
-              <a:t>)</a:t>
-            </a:r>
-          </a:p>
-          <a:p>
-            <a:pPr marL="609600" indent="-609600" eaLnBrk="1" hangingPunct="1">
-              <a:lnSpc>
-                <a:spcPct val="90000"/>
-              </a:lnSpc>
-              <a:buFontTx/>
-              <a:buAutoNum type="arabicPeriod"/>
-            </a:pPr>
-            <a:r>
-              <a:rPr lang="en-US" sz="4400" dirty="0" smtClean="0">
-                <a:latin typeface="Comic Sans MS" pitchFamily="-128" charset="0"/>
-              </a:rPr>
-              <a:t>Identify event </a:t>
-            </a:r>
-            <a:r>
-              <a:rPr lang="en-US" sz="4000" dirty="0" smtClean="0">
-                <a:latin typeface="Comic Sans MS" pitchFamily="-128" charset="0"/>
-              </a:rPr>
-              <a:t>(</a:t>
-            </a:r>
-            <a:r>
-              <a:rPr lang="en-US" sz="4000" i="1" dirty="0" smtClean="0">
-                <a:latin typeface="Comic Sans MS" pitchFamily="-128" charset="0"/>
-              </a:rPr>
-              <a:t>winning</a:t>
-            </a:r>
-            <a:r>
-              <a:rPr lang="en-US" sz="4000" dirty="0" smtClean="0">
-                <a:latin typeface="Comic Sans MS" pitchFamily="-128" charset="0"/>
-              </a:rPr>
-              <a:t>)</a:t>
-            </a:r>
-          </a:p>
-          <a:p>
-            <a:pPr marL="609600" indent="-609600" eaLnBrk="1" hangingPunct="1">
-              <a:lnSpc>
-                <a:spcPct val="90000"/>
-              </a:lnSpc>
-              <a:buFontTx/>
-              <a:buAutoNum type="arabicPeriod"/>
-            </a:pPr>
-            <a:r>
-              <a:rPr lang="en-US" sz="4400" dirty="0" smtClean="0">
-                <a:latin typeface="Comic Sans MS" pitchFamily="-128" charset="0"/>
-              </a:rPr>
-              <a:t>Assign outcome probabilities</a:t>
-            </a:r>
-          </a:p>
-          <a:p>
-            <a:pPr marL="609600" indent="-609600" eaLnBrk="1" hangingPunct="1">
-              <a:lnSpc>
-                <a:spcPct val="90000"/>
-              </a:lnSpc>
-              <a:buFontTx/>
-              <a:buAutoNum type="arabicPeriod"/>
-            </a:pPr>
-            <a:r>
-              <a:rPr lang="en-US" sz="4400" dirty="0" smtClean="0">
-                <a:latin typeface="Comic Sans MS" pitchFamily="-128" charset="0"/>
-              </a:rPr>
-              <a:t>Compute event probabilities</a:t>
-            </a:r>
-          </a:p>
-        </p:txBody>
-      </p:sp>
-      <p:sp>
-        <p:nvSpPr>
-          <p:cNvPr id="4" name="Rectangle 11"/>
-          <p:cNvSpPr txBox="1">
-            <a:spLocks noChangeArrowheads="1"/>
-          </p:cNvSpPr>
-          <p:nvPr/>
-        </p:nvSpPr>
-        <p:spPr bwMode="auto">
-          <a:xfrm>
-            <a:off x="6400800" y="6613525"/>
-            <a:ext cx="2667000" cy="244475"/>
-          </a:xfrm>
-          <a:prstGeom prst="rect">
-            <a:avLst/>
-          </a:prstGeom>
-          <a:noFill/>
-          <a:ln w="9525">
-            <a:noFill/>
-            <a:miter lim="800000"/>
-            <a:headEnd/>
-            <a:tailEnd/>
-          </a:ln>
-          <a:effectLst/>
-        </p:spPr>
-        <p:txBody>
-          <a:bodyPr vert="horz" wrap="square" lIns="91440" tIns="45720" rIns="91440" bIns="45720" numCol="1" anchor="t" anchorCtr="0" compatLnSpc="1">
-            <a:prstTxWarp prst="textNoShape">
-              <a:avLst/>
-            </a:prstTxWarp>
-            <a:spAutoFit/>
-          </a:bodyPr>
-          <a:lstStyle>
-            <a:lvl1pPr algn="r">
-              <a:defRPr sz="1000"/>
-            </a:lvl1pPr>
-          </a:lstStyle>
-          <a:p>
-            <a:pPr marL="0" marR="0" lvl="0" indent="0" algn="r" defTabSz="914400" rtl="0" eaLnBrk="1" fontAlgn="base" latinLnBrk="0" hangingPunct="1">
-              <a:lnSpc>
-                <a:spcPct val="100000"/>
-              </a:lnSpc>
-              <a:spcBef>
-                <a:spcPct val="0"/>
-              </a:spcBef>
-              <a:spcAft>
-                <a:spcPct val="0"/>
-              </a:spcAft>
-              <a:buClrTx/>
-              <a:buSzTx/>
-              <a:buFontTx/>
-              <a:buNone/>
-              <a:tabLst/>
-              <a:defRPr/>
-            </a:pPr>
-            <a:r>
-              <a:rPr kumimoji="0" lang="en-US" sz="1000" b="0" i="0" u="none" strike="noStrike" kern="1200" cap="none" spc="0" normalizeH="0" baseline="0" noProof="0" dirty="0" err="1" smtClean="0">
-                <a:ln>
-                  <a:noFill/>
-                </a:ln>
-                <a:solidFill>
-                  <a:schemeClr val="tx1"/>
-                </a:solidFill>
-                <a:effectLst/>
-                <a:uLnTx/>
-                <a:uFillTx/>
-                <a:latin typeface="Comic Sans MS" pitchFamily="66" charset="0"/>
-                <a:ea typeface="+mn-ea"/>
-                <a:cs typeface="+mn-cs"/>
-              </a:rPr>
-              <a:t>lec</a:t>
-            </a:r>
-            <a:r>
-              <a:rPr kumimoji="0" lang="en-US" sz="1000" b="0" i="0" u="none" strike="noStrike" kern="1200" cap="none" spc="0" normalizeH="0" baseline="0" noProof="0" dirty="0" smtClean="0">
-                <a:ln>
-                  <a:noFill/>
-                </a:ln>
-                <a:solidFill>
-                  <a:schemeClr val="tx1"/>
-                </a:solidFill>
-                <a:effectLst/>
-                <a:uLnTx/>
-                <a:uFillTx/>
-                <a:latin typeface="Comic Sans MS" pitchFamily="66" charset="0"/>
-                <a:ea typeface="+mn-ea"/>
-                <a:cs typeface="+mn-cs"/>
-              </a:rPr>
-              <a:t> 13W.</a:t>
+              <a:t>.</a:t>
             </a:r>
             <a:fld id="{17233D2A-0857-4415-88C1-423492E69A26}" type="slidenum">
               <a:rPr kumimoji="0" lang="en-US" sz="1000" b="0" i="0" u="none" strike="noStrike" kern="1200" cap="none" spc="0" normalizeH="0" baseline="0" noProof="0" smtClean="0">
@@ -20662,6 +21253,765 @@
         </p:txBody>
       </p:sp>
     </p:spTree>
+  </p:cSld>
+  <p:clrMapOvr>
+    <a:masterClrMapping/>
+  </p:clrMapOvr>
+  <p:transition xmlns:p14="http://schemas.microsoft.com/office/powerpoint/2010/main" spd="slow">
+    <p:fade thruBlk="1"/>
+  </p:transition>
+  <p:timing>
+    <p:tnLst>
+      <p:par>
+        <p:cTn xmlns:p14="http://schemas.microsoft.com/office/powerpoint/2010/main" id="1" dur="indefinite" restart="never" nodeType="tmRoot">
+          <p:childTnLst>
+            <p:seq concurrent="1" nextAc="seek">
+              <p:cTn id="2" dur="indefinite" nodeType="mainSeq">
+                <p:childTnLst>
+                  <p:par>
+                    <p:cTn id="3" fill="hold">
+                      <p:stCondLst>
+                        <p:cond delay="indefinite"/>
+                      </p:stCondLst>
+                      <p:childTnLst>
+                        <p:par>
+                          <p:cTn id="4" fill="hold">
+                            <p:stCondLst>
+                              <p:cond delay="0"/>
+                            </p:stCondLst>
+                            <p:childTnLst>
+                              <p:par>
+                                <p:cTn id="5" presetID="10" presetClass="entr" presetSubtype="0" fill="hold" nodeType="clickEffect">
+                                  <p:stCondLst>
+                                    <p:cond delay="0"/>
+                                  </p:stCondLst>
+                                  <p:childTnLst>
+                                    <p:set>
+                                      <p:cBhvr>
+                                        <p:cTn id="6" dur="1" fill="hold">
+                                          <p:stCondLst>
+                                            <p:cond delay="0"/>
+                                          </p:stCondLst>
+                                        </p:cTn>
+                                        <p:tgtEl>
+                                          <p:spTgt spid="18435">
+                                            <p:txEl>
+                                              <p:pRg st="2" end="2"/>
+                                            </p:txEl>
+                                          </p:spTgt>
+                                        </p:tgtEl>
+                                        <p:attrNameLst>
+                                          <p:attrName>style.visibility</p:attrName>
+                                        </p:attrNameLst>
+                                      </p:cBhvr>
+                                      <p:to>
+                                        <p:strVal val="visible"/>
+                                      </p:to>
+                                    </p:set>
+                                    <p:animEffect transition="in" filter="fade">
+                                      <p:cBhvr>
+                                        <p:cTn id="7" dur="500"/>
+                                        <p:tgtEl>
+                                          <p:spTgt spid="18435">
+                                            <p:txEl>
+                                              <p:pRg st="2" end="2"/>
+                                            </p:txEl>
+                                          </p:spTgt>
+                                        </p:tgtEl>
+                                      </p:cBhvr>
+                                    </p:animEffect>
+                                  </p:childTnLst>
+                                </p:cTn>
+                              </p:par>
+                            </p:childTnLst>
+                          </p:cTn>
+                        </p:par>
+                      </p:childTnLst>
+                    </p:cTn>
+                  </p:par>
+                </p:childTnLst>
+              </p:cTn>
+              <p:prevCondLst>
+                <p:cond evt="onPrev" delay="0">
+                  <p:tgtEl>
+                    <p:sldTgt/>
+                  </p:tgtEl>
+                </p:cond>
+              </p:prevCondLst>
+              <p:nextCondLst>
+                <p:cond evt="onNext" delay="0">
+                  <p:tgtEl>
+                    <p:sldTgt/>
+                  </p:tgtEl>
+                </p:cond>
+              </p:nextCondLst>
+            </p:seq>
+          </p:childTnLst>
+        </p:cTn>
+      </p:par>
+    </p:tnLst>
+  </p:timing>
+</p:sld>
+</file>
+
+<file path=ppt/slides/slide2.xml><?xml version="1.0" encoding="utf-8"?>
+<p:sld xmlns:a="http://schemas.openxmlformats.org/drawingml/2006/main" xmlns:r="http://schemas.openxmlformats.org/officeDocument/2006/relationships" xmlns:p="http://schemas.openxmlformats.org/presentationml/2006/main">
+  <p:cSld>
+    <p:spTree>
+      <p:nvGrpSpPr>
+        <p:cNvPr id="1" name=""/>
+        <p:cNvGrpSpPr/>
+        <p:nvPr/>
+      </p:nvGrpSpPr>
+      <p:grpSpPr>
+        <a:xfrm>
+          <a:off x="0" y="0"/>
+          <a:ext cx="0" cy="0"/>
+          <a:chOff x="0" y="0"/>
+          <a:chExt cx="0" cy="0"/>
+        </a:xfrm>
+      </p:grpSpPr>
+      <p:sp>
+        <p:nvSpPr>
+          <p:cNvPr id="4098" name="Rectangle 2"/>
+          <p:cNvSpPr>
+            <a:spLocks noGrp="1" noChangeArrowheads="1"/>
+          </p:cNvSpPr>
+          <p:nvPr>
+            <p:ph type="title"/>
+          </p:nvPr>
+        </p:nvSpPr>
+        <p:spPr/>
+        <p:txBody>
+          <a:bodyPr/>
+          <a:lstStyle/>
+          <a:p>
+            <a:pPr eaLnBrk="1" hangingPunct="1"/>
+            <a:r>
+              <a:rPr lang="en-US" sz="4400" smtClean="0">
+                <a:latin typeface="Comic Sans MS" pitchFamily="-128" charset="0"/>
+              </a:rPr>
+              <a:t>Counting in Probability</a:t>
+            </a:r>
+          </a:p>
+        </p:txBody>
+      </p:sp>
+      <p:sp>
+        <p:nvSpPr>
+          <p:cNvPr id="4099" name="Rectangle 3"/>
+          <p:cNvSpPr>
+            <a:spLocks noGrp="1" noChangeArrowheads="1"/>
+          </p:cNvSpPr>
+          <p:nvPr>
+            <p:ph type="body" idx="4294967295"/>
+          </p:nvPr>
+        </p:nvSpPr>
+        <p:spPr bwMode="auto">
+          <a:xfrm>
+            <a:off x="76200" y="1676400"/>
+            <a:ext cx="6248400" cy="3352800"/>
+          </a:xfrm>
+          <a:prstGeom prst="rect">
+            <a:avLst/>
+          </a:prstGeom>
+          <a:noFill/>
+          <a:ln>
+            <a:miter lim="800000"/>
+            <a:headEnd/>
+            <a:tailEnd/>
+          </a:ln>
+        </p:spPr>
+        <p:txBody>
+          <a:bodyPr wrap="square">
+            <a:spAutoFit/>
+          </a:bodyPr>
+          <a:lstStyle/>
+          <a:p>
+            <a:pPr marL="0" indent="0" eaLnBrk="1" hangingPunct="1">
+              <a:buFontTx/>
+              <a:buNone/>
+            </a:pPr>
+            <a:r>
+              <a:rPr lang="en-US" sz="4400" dirty="0" smtClean="0">
+                <a:latin typeface="Comic Sans MS" pitchFamily="-128" charset="0"/>
+              </a:rPr>
+              <a:t>What is</a:t>
+            </a:r>
+            <a:r>
+              <a:rPr lang="en-US" sz="4400" dirty="0" smtClean="0">
+                <a:solidFill>
+                  <a:srgbClr val="0033CC"/>
+                </a:solidFill>
+                <a:latin typeface="Comic Sans MS" pitchFamily="-128" charset="0"/>
+              </a:rPr>
+              <a:t> </a:t>
+            </a:r>
+            <a:r>
+              <a:rPr lang="en-US" sz="4400" dirty="0" smtClean="0">
+                <a:latin typeface="Comic Sans MS" pitchFamily="-128" charset="0"/>
+              </a:rPr>
+              <a:t>the</a:t>
+            </a:r>
+            <a:r>
+              <a:rPr lang="en-US" sz="4400" dirty="0" smtClean="0">
+                <a:solidFill>
+                  <a:srgbClr val="0033CC"/>
+                </a:solidFill>
+                <a:latin typeface="Comic Sans MS" pitchFamily="-128" charset="0"/>
+              </a:rPr>
+              <a:t> </a:t>
+            </a:r>
+            <a:r>
+              <a:rPr lang="en-US" sz="4400" i="1" dirty="0" smtClean="0">
+                <a:latin typeface="Comic Sans MS" pitchFamily="-128" charset="0"/>
+              </a:rPr>
+              <a:t>probability</a:t>
+            </a:r>
+            <a:r>
+              <a:rPr lang="en-US" sz="4400" dirty="0" smtClean="0">
+                <a:latin typeface="Comic Sans MS" pitchFamily="-128" charset="0"/>
+              </a:rPr>
+              <a:t> of getting</a:t>
+            </a:r>
+          </a:p>
+          <a:p>
+            <a:pPr marL="0" indent="0" algn="ctr" eaLnBrk="1" hangingPunct="1">
+              <a:buFontTx/>
+              <a:buNone/>
+            </a:pPr>
+            <a:r>
+              <a:rPr lang="en-US" sz="5400" dirty="0" smtClean="0">
+                <a:solidFill>
+                  <a:srgbClr val="7030A0"/>
+                </a:solidFill>
+                <a:latin typeface="Comic Sans MS" pitchFamily="-128" charset="0"/>
+              </a:rPr>
+              <a:t>exactly two</a:t>
+            </a:r>
+            <a:r>
+              <a:rPr lang="en-US" sz="4400" dirty="0" smtClean="0">
+                <a:solidFill>
+                  <a:srgbClr val="7030A0"/>
+                </a:solidFill>
+                <a:latin typeface="Comic Sans MS" pitchFamily="-128" charset="0"/>
+              </a:rPr>
+              <a:t> </a:t>
+            </a:r>
+            <a:r>
+              <a:rPr lang="en-US" sz="5400" dirty="0" smtClean="0">
+                <a:solidFill>
+                  <a:srgbClr val="7030A0"/>
+                </a:solidFill>
+                <a:latin typeface="Comic Sans MS" pitchFamily="-128" charset="0"/>
+              </a:rPr>
+              <a:t>jacks</a:t>
+            </a:r>
+          </a:p>
+          <a:p>
+            <a:pPr marL="0" indent="0" eaLnBrk="1" hangingPunct="1">
+              <a:buFontTx/>
+              <a:buNone/>
+            </a:pPr>
+            <a:r>
+              <a:rPr lang="en-US" sz="4400" dirty="0" smtClean="0">
+                <a:latin typeface="Comic Sans MS" pitchFamily="-128" charset="0"/>
+              </a:rPr>
+              <a:t>in a poker hand?</a:t>
+            </a:r>
+          </a:p>
+        </p:txBody>
+      </p:sp>
+      <p:pic>
+        <p:nvPicPr>
+          <p:cNvPr id="4100" name="Picture 4" descr="sl12212"/>
+          <p:cNvPicPr>
+            <a:picLocks noChangeAspect="1" noChangeArrowheads="1"/>
+          </p:cNvPicPr>
+          <p:nvPr/>
+        </p:nvPicPr>
+        <p:blipFill>
+          <a:blip r:embed="rId3"/>
+          <a:srcRect/>
+          <a:stretch>
+            <a:fillRect/>
+          </a:stretch>
+        </p:blipFill>
+        <p:spPr bwMode="auto">
+          <a:xfrm>
+            <a:off x="6683375" y="1905000"/>
+            <a:ext cx="2003425" cy="2540000"/>
+          </a:xfrm>
+          <a:prstGeom prst="rect">
+            <a:avLst/>
+          </a:prstGeom>
+          <a:noFill/>
+          <a:ln w="9525">
+            <a:noFill/>
+            <a:miter lim="800000"/>
+            <a:headEnd/>
+            <a:tailEnd/>
+          </a:ln>
+        </p:spPr>
+      </p:pic>
+      <p:sp>
+        <p:nvSpPr>
+          <p:cNvPr id="5" name="Rectangle 11"/>
+          <p:cNvSpPr txBox="1">
+            <a:spLocks noChangeArrowheads="1"/>
+          </p:cNvSpPr>
+          <p:nvPr/>
+        </p:nvSpPr>
+        <p:spPr bwMode="auto">
+          <a:xfrm>
+            <a:off x="6400800" y="6613525"/>
+            <a:ext cx="2667000" cy="244475"/>
+          </a:xfrm>
+          <a:prstGeom prst="rect">
+            <a:avLst/>
+          </a:prstGeom>
+          <a:noFill/>
+          <a:ln w="9525">
+            <a:noFill/>
+            <a:miter lim="800000"/>
+            <a:headEnd/>
+            <a:tailEnd/>
+          </a:ln>
+          <a:effectLst/>
+        </p:spPr>
+        <p:txBody>
+          <a:bodyPr vert="horz" wrap="square" lIns="91440" tIns="45720" rIns="91440" bIns="45720" numCol="1" anchor="t" anchorCtr="0" compatLnSpc="1">
+            <a:prstTxWarp prst="textNoShape">
+              <a:avLst/>
+            </a:prstTxWarp>
+            <a:spAutoFit/>
+          </a:bodyPr>
+          <a:lstStyle>
+            <a:lvl1pPr algn="r">
+              <a:defRPr sz="1000"/>
+            </a:lvl1pPr>
+          </a:lstStyle>
+          <a:p>
+            <a:pPr marL="0" marR="0" lvl="0" indent="0" algn="r" defTabSz="914400" rtl="0" eaLnBrk="1" fontAlgn="base" latinLnBrk="0" hangingPunct="1">
+              <a:lnSpc>
+                <a:spcPct val="100000"/>
+              </a:lnSpc>
+              <a:spcBef>
+                <a:spcPct val="0"/>
+              </a:spcBef>
+              <a:spcAft>
+                <a:spcPct val="0"/>
+              </a:spcAft>
+              <a:buClrTx/>
+              <a:buSzTx/>
+              <a:buFontTx/>
+              <a:buNone/>
+              <a:tabLst/>
+              <a:defRPr/>
+            </a:pPr>
+            <a:r>
+              <a:rPr kumimoji="0" lang="en-US" sz="1000" b="0" i="0" u="none" strike="noStrike" kern="1200" cap="none" spc="0" normalizeH="0" baseline="0" noProof="0" dirty="0" err="1" smtClean="0">
+                <a:ln>
+                  <a:noFill/>
+                </a:ln>
+                <a:solidFill>
+                  <a:schemeClr val="tx1"/>
+                </a:solidFill>
+                <a:effectLst/>
+                <a:uLnTx/>
+                <a:uFillTx/>
+                <a:latin typeface="Comic Sans MS" pitchFamily="66" charset="0"/>
+                <a:ea typeface="+mn-ea"/>
+                <a:cs typeface="+mn-cs"/>
+              </a:rPr>
+              <a:t>probintro</a:t>
+            </a:r>
+            <a:r>
+              <a:rPr kumimoji="0" lang="en-US" sz="1000" b="0" i="0" u="none" strike="noStrike" kern="1200" cap="none" spc="0" normalizeH="0" baseline="0" noProof="0" dirty="0" smtClean="0">
+                <a:ln>
+                  <a:noFill/>
+                </a:ln>
+                <a:solidFill>
+                  <a:schemeClr val="tx1"/>
+                </a:solidFill>
+                <a:effectLst/>
+                <a:uLnTx/>
+                <a:uFillTx/>
+                <a:latin typeface="Comic Sans MS" pitchFamily="66" charset="0"/>
+                <a:ea typeface="+mn-ea"/>
+                <a:cs typeface="+mn-cs"/>
+              </a:rPr>
+              <a:t>.</a:t>
+            </a:r>
+            <a:fld id="{17233D2A-0857-4415-88C1-423492E69A26}" type="slidenum">
+              <a:rPr kumimoji="0" lang="en-US" sz="1000" b="0" i="0" u="none" strike="noStrike" kern="1200" cap="none" spc="0" normalizeH="0" baseline="0" noProof="0" smtClean="0">
+                <a:ln>
+                  <a:noFill/>
+                </a:ln>
+                <a:solidFill>
+                  <a:schemeClr val="tx1"/>
+                </a:solidFill>
+                <a:effectLst/>
+                <a:uLnTx/>
+                <a:uFillTx/>
+                <a:latin typeface="Comic Sans MS" pitchFamily="66" charset="0"/>
+                <a:ea typeface="+mn-ea"/>
+                <a:cs typeface="+mn-cs"/>
+              </a:rPr>
+              <a:pPr marL="0" marR="0" lvl="0" indent="0" algn="r" defTabSz="914400" rtl="0" eaLnBrk="1" fontAlgn="base" latinLnBrk="0" hangingPunct="1">
+                <a:lnSpc>
+                  <a:spcPct val="100000"/>
+                </a:lnSpc>
+                <a:spcBef>
+                  <a:spcPct val="0"/>
+                </a:spcBef>
+                <a:spcAft>
+                  <a:spcPct val="0"/>
+                </a:spcAft>
+                <a:buClrTx/>
+                <a:buSzTx/>
+                <a:buFontTx/>
+                <a:buNone/>
+                <a:tabLst/>
+                <a:defRPr/>
+              </a:pPr>
+              <a:t>2</a:t>
+            </a:fld>
+            <a:endParaRPr kumimoji="0" lang="en-US" sz="1000" b="0" i="0" u="none" strike="noStrike" kern="1200" cap="none" spc="0" normalizeH="0" baseline="0" noProof="0" dirty="0">
+              <a:ln>
+                <a:noFill/>
+              </a:ln>
+              <a:solidFill>
+                <a:schemeClr val="tx1"/>
+              </a:solidFill>
+              <a:effectLst/>
+              <a:uLnTx/>
+              <a:uFillTx/>
+              <a:latin typeface="Comic Sans MS" pitchFamily="66" charset="0"/>
+              <a:ea typeface="+mn-ea"/>
+              <a:cs typeface="+mn-cs"/>
+            </a:endParaRPr>
+          </a:p>
+        </p:txBody>
+      </p:sp>
+    </p:spTree>
+  </p:cSld>
+  <p:clrMapOvr>
+    <a:masterClrMapping/>
+  </p:clrMapOvr>
+  <p:transition xmlns:p14="http://schemas.microsoft.com/office/powerpoint/2010/main" spd="slow" advClick="0">
+    <p:fade thruBlk="1"/>
+  </p:transition>
+  <p:timing>
+    <p:tnLst>
+      <p:par>
+        <p:cTn xmlns:p14="http://schemas.microsoft.com/office/powerpoint/2010/main" id="1" dur="indefinite" restart="never" nodeType="tmRoot"/>
+      </p:par>
+    </p:tnLst>
+  </p:timing>
+</p:sld>
+</file>
+
+<file path=ppt/slides/slide20.xml><?xml version="1.0" encoding="utf-8"?>
+<p:sld xmlns:a="http://schemas.openxmlformats.org/drawingml/2006/main" xmlns:r="http://schemas.openxmlformats.org/officeDocument/2006/relationships" xmlns:p="http://schemas.openxmlformats.org/presentationml/2006/main">
+  <p:cSld>
+    <p:spTree>
+      <p:nvGrpSpPr>
+        <p:cNvPr id="1" name=""/>
+        <p:cNvGrpSpPr/>
+        <p:nvPr/>
+      </p:nvGrpSpPr>
+      <p:grpSpPr>
+        <a:xfrm>
+          <a:off x="0" y="0"/>
+          <a:ext cx="0" cy="0"/>
+          <a:chOff x="0" y="0"/>
+          <a:chExt cx="0" cy="0"/>
+        </a:xfrm>
+      </p:grpSpPr>
+      <p:sp>
+        <p:nvSpPr>
+          <p:cNvPr id="21506" name="Rectangle 2"/>
+          <p:cNvSpPr>
+            <a:spLocks noGrp="1" noChangeArrowheads="1"/>
+          </p:cNvSpPr>
+          <p:nvPr>
+            <p:ph type="title"/>
+          </p:nvPr>
+        </p:nvSpPr>
+        <p:spPr>
+          <a:xfrm>
+            <a:off x="1295400" y="228600"/>
+            <a:ext cx="6553200" cy="838200"/>
+          </a:xfrm>
+        </p:spPr>
+        <p:txBody>
+          <a:bodyPr/>
+          <a:lstStyle/>
+          <a:p>
+            <a:pPr eaLnBrk="1" hangingPunct="1"/>
+            <a:r>
+              <a:rPr lang="en-US" sz="3600" dirty="0" smtClean="0">
+                <a:latin typeface="Comic Sans MS" pitchFamily="-128" charset="0"/>
+              </a:rPr>
+              <a:t>Finding Probability</a:t>
+            </a:r>
+          </a:p>
+        </p:txBody>
+      </p:sp>
+      <p:sp>
+        <p:nvSpPr>
+          <p:cNvPr id="24579" name="Rectangle 3"/>
+          <p:cNvSpPr>
+            <a:spLocks noGrp="1" noChangeArrowheads="1"/>
+          </p:cNvSpPr>
+          <p:nvPr>
+            <p:ph type="body" idx="4294967295"/>
+          </p:nvPr>
+        </p:nvSpPr>
+        <p:spPr bwMode="auto">
+          <a:xfrm>
+            <a:off x="228600" y="1371600"/>
+            <a:ext cx="8458200" cy="5105400"/>
+          </a:xfrm>
+          <a:prstGeom prst="rect">
+            <a:avLst/>
+          </a:prstGeom>
+          <a:noFill/>
+          <a:ln>
+            <a:miter lim="800000"/>
+            <a:headEnd/>
+            <a:tailEnd/>
+          </a:ln>
+        </p:spPr>
+        <p:txBody>
+          <a:bodyPr/>
+          <a:lstStyle/>
+          <a:p>
+            <a:pPr marL="609600" indent="-609600" eaLnBrk="1" hangingPunct="1">
+              <a:lnSpc>
+                <a:spcPct val="90000"/>
+              </a:lnSpc>
+              <a:buFontTx/>
+              <a:buNone/>
+            </a:pPr>
+            <a:r>
+              <a:rPr lang="en-US" sz="3600" dirty="0" smtClean="0">
+                <a:latin typeface="Comic Sans MS" pitchFamily="-128" charset="0"/>
+              </a:rPr>
+              <a:t>Intuition is important but dangerous.</a:t>
+            </a:r>
+          </a:p>
+          <a:p>
+            <a:pPr marL="609600" indent="-609600" eaLnBrk="1" hangingPunct="1">
+              <a:lnSpc>
+                <a:spcPct val="90000"/>
+              </a:lnSpc>
+              <a:buFontTx/>
+              <a:buNone/>
+            </a:pPr>
+            <a:r>
+              <a:rPr lang="en-US" sz="3600" dirty="0" smtClean="0">
+                <a:latin typeface="Comic Sans MS" pitchFamily="-128" charset="0"/>
+              </a:rPr>
+              <a:t>Stick with </a:t>
+            </a:r>
+            <a:r>
+              <a:rPr lang="en-US" sz="3600" dirty="0" smtClean="0">
+                <a:solidFill>
+                  <a:srgbClr val="008000"/>
+                </a:solidFill>
+                <a:latin typeface="Comic Sans MS" pitchFamily="-128" charset="0"/>
+              </a:rPr>
+              <a:t>4-part </a:t>
+            </a:r>
+            <a:r>
+              <a:rPr lang="en-US" sz="4000" dirty="0" smtClean="0">
+                <a:solidFill>
+                  <a:srgbClr val="008000"/>
+                </a:solidFill>
+                <a:latin typeface="Comic Sans MS" pitchFamily="-128" charset="0"/>
+              </a:rPr>
+              <a:t>method</a:t>
+            </a:r>
+            <a:r>
+              <a:rPr lang="en-US" sz="4000" dirty="0" smtClean="0">
+                <a:latin typeface="Comic Sans MS" pitchFamily="-128" charset="0"/>
+              </a:rPr>
+              <a:t>:</a:t>
+            </a:r>
+          </a:p>
+          <a:p>
+            <a:pPr marL="609600" indent="-609600" eaLnBrk="1" hangingPunct="1">
+              <a:lnSpc>
+                <a:spcPct val="90000"/>
+              </a:lnSpc>
+              <a:buFontTx/>
+              <a:buAutoNum type="arabicPeriod"/>
+            </a:pPr>
+            <a:r>
+              <a:rPr lang="en-US" sz="4400" dirty="0" smtClean="0">
+                <a:latin typeface="Comic Sans MS" pitchFamily="-128" charset="0"/>
+              </a:rPr>
+              <a:t>Identify </a:t>
+            </a:r>
+            <a:r>
+              <a:rPr lang="en-US" sz="4400" dirty="0" smtClean="0">
+                <a:latin typeface="Comic Sans MS" pitchFamily="-128" charset="0"/>
+              </a:rPr>
+              <a:t>outcomes</a:t>
+            </a:r>
+            <a:endParaRPr lang="en-US" sz="4400" dirty="0" smtClean="0">
+              <a:latin typeface="Comic Sans MS" pitchFamily="-128" charset="0"/>
+            </a:endParaRPr>
+          </a:p>
+        </p:txBody>
+      </p:sp>
+      <p:sp>
+        <p:nvSpPr>
+          <p:cNvPr id="4" name="Rectangle 11"/>
+          <p:cNvSpPr txBox="1">
+            <a:spLocks noChangeArrowheads="1"/>
+          </p:cNvSpPr>
+          <p:nvPr/>
+        </p:nvSpPr>
+        <p:spPr bwMode="auto">
+          <a:xfrm>
+            <a:off x="6400800" y="6613525"/>
+            <a:ext cx="2667000" cy="244475"/>
+          </a:xfrm>
+          <a:prstGeom prst="rect">
+            <a:avLst/>
+          </a:prstGeom>
+          <a:noFill/>
+          <a:ln w="9525">
+            <a:noFill/>
+            <a:miter lim="800000"/>
+            <a:headEnd/>
+            <a:tailEnd/>
+          </a:ln>
+          <a:effectLst/>
+        </p:spPr>
+        <p:txBody>
+          <a:bodyPr vert="horz" wrap="square" lIns="91440" tIns="45720" rIns="91440" bIns="45720" numCol="1" anchor="t" anchorCtr="0" compatLnSpc="1">
+            <a:prstTxWarp prst="textNoShape">
+              <a:avLst/>
+            </a:prstTxWarp>
+            <a:spAutoFit/>
+          </a:bodyPr>
+          <a:lstStyle>
+            <a:lvl1pPr algn="r">
+              <a:defRPr sz="1000"/>
+            </a:lvl1pPr>
+          </a:lstStyle>
+          <a:p>
+            <a:pPr marL="0" marR="0" lvl="0" indent="0" algn="r" defTabSz="914400" rtl="0" eaLnBrk="1" fontAlgn="base" latinLnBrk="0" hangingPunct="1">
+              <a:lnSpc>
+                <a:spcPct val="100000"/>
+              </a:lnSpc>
+              <a:spcBef>
+                <a:spcPct val="0"/>
+              </a:spcBef>
+              <a:spcAft>
+                <a:spcPct val="0"/>
+              </a:spcAft>
+              <a:buClrTx/>
+              <a:buSzTx/>
+              <a:buFontTx/>
+              <a:buNone/>
+              <a:tabLst/>
+              <a:defRPr/>
+            </a:pPr>
+            <a:r>
+              <a:rPr kumimoji="0" lang="en-US" sz="1000" b="0" i="0" u="none" strike="noStrike" kern="1200" cap="none" spc="0" normalizeH="0" baseline="0" noProof="0" dirty="0" err="1" smtClean="0">
+                <a:ln>
+                  <a:noFill/>
+                </a:ln>
+                <a:solidFill>
+                  <a:schemeClr val="tx1"/>
+                </a:solidFill>
+                <a:effectLst/>
+                <a:uLnTx/>
+                <a:uFillTx/>
+                <a:latin typeface="Comic Sans MS" pitchFamily="66" charset="0"/>
+                <a:ea typeface="+mn-ea"/>
+                <a:cs typeface="+mn-cs"/>
+              </a:rPr>
+              <a:t>probintro</a:t>
+            </a:r>
+            <a:r>
+              <a:rPr kumimoji="0" lang="en-US" sz="1000" b="0" i="0" u="none" strike="noStrike" kern="1200" cap="none" spc="0" normalizeH="0" baseline="0" noProof="0" dirty="0" smtClean="0">
+                <a:ln>
+                  <a:noFill/>
+                </a:ln>
+                <a:solidFill>
+                  <a:schemeClr val="tx1"/>
+                </a:solidFill>
+                <a:effectLst/>
+                <a:uLnTx/>
+                <a:uFillTx/>
+                <a:latin typeface="Comic Sans MS" pitchFamily="66" charset="0"/>
+                <a:ea typeface="+mn-ea"/>
+                <a:cs typeface="+mn-cs"/>
+              </a:rPr>
+              <a:t>.</a:t>
+            </a:r>
+            <a:fld id="{17233D2A-0857-4415-88C1-423492E69A26}" type="slidenum">
+              <a:rPr kumimoji="0" lang="en-US" sz="1000" b="0" i="0" u="none" strike="noStrike" kern="1200" cap="none" spc="0" normalizeH="0" baseline="0" noProof="0" smtClean="0">
+                <a:ln>
+                  <a:noFill/>
+                </a:ln>
+                <a:solidFill>
+                  <a:schemeClr val="tx1"/>
+                </a:solidFill>
+                <a:effectLst/>
+                <a:uLnTx/>
+                <a:uFillTx/>
+                <a:latin typeface="Comic Sans MS" pitchFamily="66" charset="0"/>
+                <a:ea typeface="+mn-ea"/>
+                <a:cs typeface="+mn-cs"/>
+              </a:rPr>
+              <a:pPr marL="0" marR="0" lvl="0" indent="0" algn="r" defTabSz="914400" rtl="0" eaLnBrk="1" fontAlgn="base" latinLnBrk="0" hangingPunct="1">
+                <a:lnSpc>
+                  <a:spcPct val="100000"/>
+                </a:lnSpc>
+                <a:spcBef>
+                  <a:spcPct val="0"/>
+                </a:spcBef>
+                <a:spcAft>
+                  <a:spcPct val="0"/>
+                </a:spcAft>
+                <a:buClrTx/>
+                <a:buSzTx/>
+                <a:buFontTx/>
+                <a:buNone/>
+                <a:tabLst/>
+                <a:defRPr/>
+              </a:pPr>
+              <a:t>20</a:t>
+            </a:fld>
+            <a:endParaRPr kumimoji="0" lang="en-US" sz="1000" b="0" i="0" u="none" strike="noStrike" kern="1200" cap="none" spc="0" normalizeH="0" baseline="0" noProof="0" dirty="0">
+              <a:ln>
+                <a:noFill/>
+              </a:ln>
+              <a:solidFill>
+                <a:schemeClr val="tx1"/>
+              </a:solidFill>
+              <a:effectLst/>
+              <a:uLnTx/>
+              <a:uFillTx/>
+              <a:latin typeface="Comic Sans MS" pitchFamily="66" charset="0"/>
+              <a:ea typeface="+mn-ea"/>
+              <a:cs typeface="+mn-cs"/>
+            </a:endParaRPr>
+          </a:p>
+        </p:txBody>
+      </p:sp>
+    </p:spTree>
+    <p:extLst>
+      <p:ext uri="{BB962C8B-B14F-4D97-AF65-F5344CB8AC3E}">
+        <p14:creationId xmlns:p14="http://schemas.microsoft.com/office/powerpoint/2010/main" val="105769517"/>
+      </p:ext>
+    </p:extLst>
   </p:cSld>
   <p:clrMapOvr>
     <a:masterClrMapping/>
@@ -20738,6 +22088,492 @@
                       </p:childTnLst>
                     </p:cTn>
                   </p:par>
+                </p:childTnLst>
+              </p:cTn>
+              <p:prevCondLst>
+                <p:cond evt="onPrev" delay="0">
+                  <p:tgtEl>
+                    <p:sldTgt/>
+                  </p:tgtEl>
+                </p:cond>
+              </p:prevCondLst>
+              <p:nextCondLst>
+                <p:cond evt="onNext" delay="0">
+                  <p:tgtEl>
+                    <p:sldTgt/>
+                  </p:tgtEl>
+                </p:cond>
+              </p:nextCondLst>
+            </p:seq>
+          </p:childTnLst>
+        </p:cTn>
+      </p:par>
+    </p:tnLst>
+  </p:timing>
+</p:sld>
+</file>
+
+<file path=ppt/slides/slide21.xml><?xml version="1.0" encoding="utf-8"?>
+<p:sld xmlns:a="http://schemas.openxmlformats.org/drawingml/2006/main" xmlns:r="http://schemas.openxmlformats.org/officeDocument/2006/relationships" xmlns:p="http://schemas.openxmlformats.org/presentationml/2006/main">
+  <p:cSld>
+    <p:spTree>
+      <p:nvGrpSpPr>
+        <p:cNvPr id="1" name=""/>
+        <p:cNvGrpSpPr/>
+        <p:nvPr/>
+      </p:nvGrpSpPr>
+      <p:grpSpPr>
+        <a:xfrm>
+          <a:off x="0" y="0"/>
+          <a:ext cx="0" cy="0"/>
+          <a:chOff x="0" y="0"/>
+          <a:chExt cx="0" cy="0"/>
+        </a:xfrm>
+      </p:grpSpPr>
+      <p:sp>
+        <p:nvSpPr>
+          <p:cNvPr id="21506" name="Rectangle 2"/>
+          <p:cNvSpPr>
+            <a:spLocks noGrp="1" noChangeArrowheads="1"/>
+          </p:cNvSpPr>
+          <p:nvPr>
+            <p:ph type="title"/>
+          </p:nvPr>
+        </p:nvSpPr>
+        <p:spPr>
+          <a:xfrm>
+            <a:off x="1295400" y="228600"/>
+            <a:ext cx="6553200" cy="838200"/>
+          </a:xfrm>
+        </p:spPr>
+        <p:txBody>
+          <a:bodyPr/>
+          <a:lstStyle/>
+          <a:p>
+            <a:pPr eaLnBrk="1" hangingPunct="1"/>
+            <a:r>
+              <a:rPr lang="en-US" sz="3600" dirty="0" smtClean="0">
+                <a:latin typeface="Comic Sans MS" pitchFamily="-128" charset="0"/>
+              </a:rPr>
+              <a:t>Finding Probability</a:t>
+            </a:r>
+          </a:p>
+        </p:txBody>
+      </p:sp>
+      <p:sp>
+        <p:nvSpPr>
+          <p:cNvPr id="24579" name="Rectangle 3"/>
+          <p:cNvSpPr>
+            <a:spLocks noGrp="1" noChangeArrowheads="1"/>
+          </p:cNvSpPr>
+          <p:nvPr>
+            <p:ph type="body" idx="4294967295"/>
+          </p:nvPr>
+        </p:nvSpPr>
+        <p:spPr bwMode="auto">
+          <a:xfrm>
+            <a:off x="228600" y="1371600"/>
+            <a:ext cx="8458200" cy="5105400"/>
+          </a:xfrm>
+          <a:prstGeom prst="rect">
+            <a:avLst/>
+          </a:prstGeom>
+          <a:noFill/>
+          <a:ln>
+            <a:miter lim="800000"/>
+            <a:headEnd/>
+            <a:tailEnd/>
+          </a:ln>
+        </p:spPr>
+        <p:txBody>
+          <a:bodyPr/>
+          <a:lstStyle/>
+          <a:p>
+            <a:pPr marL="609600" indent="-609600" eaLnBrk="1" hangingPunct="1">
+              <a:lnSpc>
+                <a:spcPct val="90000"/>
+              </a:lnSpc>
+              <a:buFontTx/>
+              <a:buNone/>
+            </a:pPr>
+            <a:r>
+              <a:rPr lang="en-US" sz="3600" dirty="0" smtClean="0">
+                <a:latin typeface="Comic Sans MS" pitchFamily="-128" charset="0"/>
+              </a:rPr>
+              <a:t>Intuition is important but dangerous.</a:t>
+            </a:r>
+          </a:p>
+          <a:p>
+            <a:pPr marL="609600" indent="-609600" eaLnBrk="1" hangingPunct="1">
+              <a:lnSpc>
+                <a:spcPct val="90000"/>
+              </a:lnSpc>
+              <a:buFontTx/>
+              <a:buNone/>
+            </a:pPr>
+            <a:r>
+              <a:rPr lang="en-US" sz="3600" dirty="0" smtClean="0">
+                <a:latin typeface="Comic Sans MS" pitchFamily="-128" charset="0"/>
+              </a:rPr>
+              <a:t>Stick with </a:t>
+            </a:r>
+            <a:r>
+              <a:rPr lang="en-US" sz="3600" dirty="0" smtClean="0">
+                <a:solidFill>
+                  <a:srgbClr val="008000"/>
+                </a:solidFill>
+                <a:latin typeface="Comic Sans MS" pitchFamily="-128" charset="0"/>
+              </a:rPr>
+              <a:t>4-part </a:t>
+            </a:r>
+            <a:r>
+              <a:rPr lang="en-US" sz="4000" dirty="0" smtClean="0">
+                <a:solidFill>
+                  <a:srgbClr val="008000"/>
+                </a:solidFill>
+                <a:latin typeface="Comic Sans MS" pitchFamily="-128" charset="0"/>
+              </a:rPr>
+              <a:t>method</a:t>
+            </a:r>
+            <a:r>
+              <a:rPr lang="en-US" sz="4000" dirty="0" smtClean="0">
+                <a:latin typeface="Comic Sans MS" pitchFamily="-128" charset="0"/>
+              </a:rPr>
+              <a:t>:</a:t>
+            </a:r>
+          </a:p>
+          <a:p>
+            <a:pPr marL="609600" indent="-609600" eaLnBrk="1" hangingPunct="1">
+              <a:lnSpc>
+                <a:spcPct val="90000"/>
+              </a:lnSpc>
+              <a:buFontTx/>
+              <a:buAutoNum type="arabicPeriod"/>
+            </a:pPr>
+            <a:r>
+              <a:rPr lang="en-US" sz="4400" dirty="0" smtClean="0">
+                <a:latin typeface="Comic Sans MS" pitchFamily="-128" charset="0"/>
+              </a:rPr>
+              <a:t>Identify outcomes</a:t>
+            </a:r>
+            <a:r>
+              <a:rPr lang="en-US" sz="4400" dirty="0" smtClean="0">
+                <a:solidFill>
+                  <a:srgbClr val="0000FF"/>
+                </a:solidFill>
+                <a:latin typeface="Comic Sans MS" pitchFamily="-128" charset="0"/>
+              </a:rPr>
+              <a:t> </a:t>
+            </a:r>
+            <a:r>
+              <a:rPr lang="en-US" sz="3600" dirty="0" smtClean="0">
+                <a:solidFill>
+                  <a:srgbClr val="0000FF"/>
+                </a:solidFill>
+                <a:latin typeface="Comic Sans MS" pitchFamily="-128" charset="0"/>
+              </a:rPr>
+              <a:t>(tree helps)</a:t>
+            </a:r>
+          </a:p>
+          <a:p>
+            <a:pPr marL="609600" indent="-609600" eaLnBrk="1" hangingPunct="1">
+              <a:lnSpc>
+                <a:spcPct val="90000"/>
+              </a:lnSpc>
+              <a:buFontTx/>
+              <a:buAutoNum type="arabicPeriod"/>
+            </a:pPr>
+            <a:r>
+              <a:rPr lang="en-US" sz="4400" dirty="0" smtClean="0">
+                <a:latin typeface="Comic Sans MS" pitchFamily="-128" charset="0"/>
+              </a:rPr>
+              <a:t>Identify event </a:t>
+            </a:r>
+            <a:r>
+              <a:rPr lang="en-US" sz="4000" dirty="0" smtClean="0">
+                <a:latin typeface="Comic Sans MS" pitchFamily="-128" charset="0"/>
+              </a:rPr>
+              <a:t>(</a:t>
+            </a:r>
+            <a:r>
+              <a:rPr lang="en-US" sz="4000" dirty="0" smtClean="0">
+                <a:solidFill>
+                  <a:srgbClr val="008000"/>
+                </a:solidFill>
+                <a:latin typeface="Comic Sans MS" pitchFamily="-128" charset="0"/>
+              </a:rPr>
+              <a:t>winning</a:t>
+            </a:r>
+            <a:r>
+              <a:rPr lang="en-US" sz="4000" dirty="0" smtClean="0">
+                <a:latin typeface="Comic Sans MS" pitchFamily="-128" charset="0"/>
+              </a:rPr>
+              <a:t>)</a:t>
+            </a:r>
+          </a:p>
+          <a:p>
+            <a:pPr marL="609600" indent="-609600" eaLnBrk="1" hangingPunct="1">
+              <a:lnSpc>
+                <a:spcPct val="90000"/>
+              </a:lnSpc>
+              <a:buFontTx/>
+              <a:buAutoNum type="arabicPeriod"/>
+            </a:pPr>
+            <a:r>
+              <a:rPr lang="en-US" sz="4400" dirty="0" smtClean="0">
+                <a:latin typeface="Comic Sans MS" pitchFamily="-128" charset="0"/>
+              </a:rPr>
+              <a:t>Assign outcome probabilities</a:t>
+            </a:r>
+          </a:p>
+          <a:p>
+            <a:pPr marL="609600" indent="-609600" eaLnBrk="1" hangingPunct="1">
+              <a:lnSpc>
+                <a:spcPct val="90000"/>
+              </a:lnSpc>
+              <a:buFontTx/>
+              <a:buAutoNum type="arabicPeriod"/>
+            </a:pPr>
+            <a:r>
+              <a:rPr lang="en-US" sz="4400" dirty="0" smtClean="0">
+                <a:latin typeface="Comic Sans MS" pitchFamily="-128" charset="0"/>
+              </a:rPr>
+              <a:t>Compute event probabilities</a:t>
+            </a:r>
+          </a:p>
+        </p:txBody>
+      </p:sp>
+      <p:sp>
+        <p:nvSpPr>
+          <p:cNvPr id="4" name="Rectangle 11"/>
+          <p:cNvSpPr txBox="1">
+            <a:spLocks noChangeArrowheads="1"/>
+          </p:cNvSpPr>
+          <p:nvPr/>
+        </p:nvSpPr>
+        <p:spPr bwMode="auto">
+          <a:xfrm>
+            <a:off x="6400800" y="6613525"/>
+            <a:ext cx="2667000" cy="244475"/>
+          </a:xfrm>
+          <a:prstGeom prst="rect">
+            <a:avLst/>
+          </a:prstGeom>
+          <a:noFill/>
+          <a:ln w="9525">
+            <a:noFill/>
+            <a:miter lim="800000"/>
+            <a:headEnd/>
+            <a:tailEnd/>
+          </a:ln>
+          <a:effectLst/>
+        </p:spPr>
+        <p:txBody>
+          <a:bodyPr vert="horz" wrap="square" lIns="91440" tIns="45720" rIns="91440" bIns="45720" numCol="1" anchor="t" anchorCtr="0" compatLnSpc="1">
+            <a:prstTxWarp prst="textNoShape">
+              <a:avLst/>
+            </a:prstTxWarp>
+            <a:spAutoFit/>
+          </a:bodyPr>
+          <a:lstStyle>
+            <a:lvl1pPr algn="r">
+              <a:defRPr sz="1000"/>
+            </a:lvl1pPr>
+          </a:lstStyle>
+          <a:p>
+            <a:pPr marL="0" marR="0" lvl="0" indent="0" algn="r" defTabSz="914400" rtl="0" eaLnBrk="1" fontAlgn="base" latinLnBrk="0" hangingPunct="1">
+              <a:lnSpc>
+                <a:spcPct val="100000"/>
+              </a:lnSpc>
+              <a:spcBef>
+                <a:spcPct val="0"/>
+              </a:spcBef>
+              <a:spcAft>
+                <a:spcPct val="0"/>
+              </a:spcAft>
+              <a:buClrTx/>
+              <a:buSzTx/>
+              <a:buFontTx/>
+              <a:buNone/>
+              <a:tabLst/>
+              <a:defRPr/>
+            </a:pPr>
+            <a:r>
+              <a:rPr kumimoji="0" lang="en-US" sz="1000" b="0" i="0" u="none" strike="noStrike" kern="1200" cap="none" spc="0" normalizeH="0" baseline="0" noProof="0" dirty="0" err="1" smtClean="0">
+                <a:ln>
+                  <a:noFill/>
+                </a:ln>
+                <a:solidFill>
+                  <a:schemeClr val="tx1"/>
+                </a:solidFill>
+                <a:effectLst/>
+                <a:uLnTx/>
+                <a:uFillTx/>
+                <a:latin typeface="Comic Sans MS" pitchFamily="66" charset="0"/>
+                <a:ea typeface="+mn-ea"/>
+                <a:cs typeface="+mn-cs"/>
+              </a:rPr>
+              <a:t>probintro</a:t>
+            </a:r>
+            <a:r>
+              <a:rPr kumimoji="0" lang="en-US" sz="1000" b="0" i="0" u="none" strike="noStrike" kern="1200" cap="none" spc="0" normalizeH="0" baseline="0" noProof="0" dirty="0" smtClean="0">
+                <a:ln>
+                  <a:noFill/>
+                </a:ln>
+                <a:solidFill>
+                  <a:schemeClr val="tx1"/>
+                </a:solidFill>
+                <a:effectLst/>
+                <a:uLnTx/>
+                <a:uFillTx/>
+                <a:latin typeface="Comic Sans MS" pitchFamily="66" charset="0"/>
+                <a:ea typeface="+mn-ea"/>
+                <a:cs typeface="+mn-cs"/>
+              </a:rPr>
+              <a:t>.</a:t>
+            </a:r>
+            <a:fld id="{17233D2A-0857-4415-88C1-423492E69A26}" type="slidenum">
+              <a:rPr kumimoji="0" lang="en-US" sz="1000" b="0" i="0" u="none" strike="noStrike" kern="1200" cap="none" spc="0" normalizeH="0" baseline="0" noProof="0" smtClean="0">
+                <a:ln>
+                  <a:noFill/>
+                </a:ln>
+                <a:solidFill>
+                  <a:schemeClr val="tx1"/>
+                </a:solidFill>
+                <a:effectLst/>
+                <a:uLnTx/>
+                <a:uFillTx/>
+                <a:latin typeface="Comic Sans MS" pitchFamily="66" charset="0"/>
+                <a:ea typeface="+mn-ea"/>
+                <a:cs typeface="+mn-cs"/>
+              </a:rPr>
+              <a:pPr marL="0" marR="0" lvl="0" indent="0" algn="r" defTabSz="914400" rtl="0" eaLnBrk="1" fontAlgn="base" latinLnBrk="0" hangingPunct="1">
+                <a:lnSpc>
+                  <a:spcPct val="100000"/>
+                </a:lnSpc>
+                <a:spcBef>
+                  <a:spcPct val="0"/>
+                </a:spcBef>
+                <a:spcAft>
+                  <a:spcPct val="0"/>
+                </a:spcAft>
+                <a:buClrTx/>
+                <a:buSzTx/>
+                <a:buFontTx/>
+                <a:buNone/>
+                <a:tabLst/>
+                <a:defRPr/>
+              </a:pPr>
+              <a:t>21</a:t>
+            </a:fld>
+            <a:endParaRPr kumimoji="0" lang="en-US" sz="1000" b="0" i="0" u="none" strike="noStrike" kern="1200" cap="none" spc="0" normalizeH="0" baseline="0" noProof="0" dirty="0">
+              <a:ln>
+                <a:noFill/>
+              </a:ln>
+              <a:solidFill>
+                <a:schemeClr val="tx1"/>
+              </a:solidFill>
+              <a:effectLst/>
+              <a:uLnTx/>
+              <a:uFillTx/>
+              <a:latin typeface="Comic Sans MS" pitchFamily="66" charset="0"/>
+              <a:ea typeface="+mn-ea"/>
+              <a:cs typeface="+mn-cs"/>
+            </a:endParaRPr>
+          </a:p>
+        </p:txBody>
+      </p:sp>
+    </p:spTree>
+    <p:extLst>
+      <p:ext uri="{BB962C8B-B14F-4D97-AF65-F5344CB8AC3E}">
+        <p14:creationId xmlns:p14="http://schemas.microsoft.com/office/powerpoint/2010/main" val="1369120692"/>
+      </p:ext>
+    </p:extLst>
+  </p:cSld>
+  <p:clrMapOvr>
+    <a:masterClrMapping/>
+  </p:clrMapOvr>
+  <mc:AlternateContent xmlns:mc="http://schemas.openxmlformats.org/markup-compatibility/2006">
+    <mc:Choice xmlns:p14="http://schemas.microsoft.com/office/powerpoint/2010/main" Requires="p14">
+      <p:transition spd="med" p14:dur="600" advClick="0">
+        <p:fade/>
+      </p:transition>
+    </mc:Choice>
+    <mc:Fallback>
+      <p:transition xmlns:p14="http://schemas.microsoft.com/office/powerpoint/2010/main" spd="med" advClick="0">
+        <p:fade/>
+      </p:transition>
+    </mc:Fallback>
+  </mc:AlternateContent>
+  <p:timing>
+    <p:tnLst>
+      <p:par>
+        <p:cTn xmlns:p14="http://schemas.microsoft.com/office/powerpoint/2010/main" id="1" dur="indefinite" restart="never" nodeType="tmRoot">
+          <p:childTnLst>
+            <p:seq concurrent="1" nextAc="seek">
+              <p:cTn id="2" dur="indefinite" nodeType="mainSeq">
+                <p:childTnLst>
+                  <p:par>
+                    <p:cTn id="3" fill="hold">
+                      <p:stCondLst>
+                        <p:cond delay="indefinite"/>
+                      </p:stCondLst>
+                      <p:childTnLst>
+                        <p:par>
+                          <p:cTn id="4" fill="hold">
+                            <p:stCondLst>
+                              <p:cond delay="0"/>
+                            </p:stCondLst>
+                            <p:childTnLst>
+                              <p:par>
+                                <p:cTn id="5" presetID="10" presetClass="entr" presetSubtype="0" fill="hold" nodeType="clickEffect">
+                                  <p:stCondLst>
+                                    <p:cond delay="0"/>
+                                  </p:stCondLst>
+                                  <p:childTnLst>
+                                    <p:set>
+                                      <p:cBhvr>
+                                        <p:cTn id="6" dur="1" fill="hold">
+                                          <p:stCondLst>
+                                            <p:cond delay="0"/>
+                                          </p:stCondLst>
+                                        </p:cTn>
+                                        <p:tgtEl>
+                                          <p:spTgt spid="24579">
+                                            <p:txEl>
+                                              <p:pRg st="3" end="3"/>
+                                            </p:txEl>
+                                          </p:spTgt>
+                                        </p:tgtEl>
+                                        <p:attrNameLst>
+                                          <p:attrName>style.visibility</p:attrName>
+                                        </p:attrNameLst>
+                                      </p:cBhvr>
+                                      <p:to>
+                                        <p:strVal val="visible"/>
+                                      </p:to>
+                                    </p:set>
+                                    <p:animEffect transition="in" filter="fade">
+                                      <p:cBhvr>
+                                        <p:cTn id="7" dur="500"/>
+                                        <p:tgtEl>
+                                          <p:spTgt spid="24579">
+                                            <p:txEl>
+                                              <p:pRg st="3" end="3"/>
+                                            </p:txEl>
+                                          </p:spTgt>
+                                        </p:tgtEl>
+                                      </p:cBhvr>
+                                    </p:animEffect>
+                                  </p:childTnLst>
+                                </p:cTn>
+                              </p:par>
+                            </p:childTnLst>
+                          </p:cTn>
+                        </p:par>
+                      </p:childTnLst>
+                    </p:cTn>
+                  </p:par>
                   <p:par>
                     <p:cTn id="8" fill="hold">
                       <p:stCondLst>
@@ -20766,7 +22602,7 @@
                                         <p:tgtEl>
                                           <p:spTgt spid="24579">
                                             <p:txEl>
-                                              <p:pRg st="3" end="3"/>
+                                              <p:pRg st="4" end="4"/>
                                             </p:txEl>
                                           </p:spTgt>
                                         </p:tgtEl>
@@ -20784,7 +22620,7 @@
                                         <p:tgtEl>
                                           <p:spTgt spid="24579">
                                             <p:txEl>
-                                              <p:pRg st="3" end="3"/>
+                                              <p:pRg st="4" end="4"/>
                                             </p:txEl>
                                           </p:spTgt>
                                         </p:tgtEl>
@@ -20827,7 +22663,7 @@
                                         <p:tgtEl>
                                           <p:spTgt spid="24579">
                                             <p:txEl>
-                                              <p:pRg st="4" end="4"/>
+                                              <p:pRg st="5" end="5"/>
                                             </p:txEl>
                                           </p:spTgt>
                                         </p:tgtEl>
@@ -20842,67 +22678,6 @@
                                     <p:animEffect transition="in" filter="fade">
                                       <p:cBhvr>
                                         <p:cTn id="17" dur="500"/>
-                                        <p:tgtEl>
-                                          <p:spTgt spid="24579">
-                                            <p:txEl>
-                                              <p:pRg st="4" end="4"/>
-                                            </p:txEl>
-                                          </p:spTgt>
-                                        </p:tgtEl>
-                                      </p:cBhvr>
-                                    </p:animEffect>
-                                  </p:childTnLst>
-                                </p:cTn>
-                              </p:par>
-                            </p:childTnLst>
-                          </p:cTn>
-                        </p:par>
-                      </p:childTnLst>
-                    </p:cTn>
-                  </p:par>
-                  <p:par>
-                    <p:cTn id="18" fill="hold">
-                      <p:stCondLst>
-                        <p:cond delay="indefinite"/>
-                      </p:stCondLst>
-                      <p:childTnLst>
-                        <p:par>
-                          <p:cTn id="19" fill="hold">
-                            <p:stCondLst>
-                              <p:cond delay="0"/>
-                            </p:stCondLst>
-                            <p:childTnLst>
-                              <p:par>
-                                <p:cTn id="20" presetID="10" presetClass="entr" presetSubtype="0" fill="hold" nodeType="clickEffect">
-                                  <p:stCondLst>
-                                    <p:cond delay="0"/>
-                                  </p:stCondLst>
-                                  <p:childTnLst>
-                                    <p:set>
-                                      <p:cBhvr>
-                                        <p:cTn id="21" dur="1" fill="hold">
-                                          <p:stCondLst>
-                                            <p:cond delay="0"/>
-                                          </p:stCondLst>
-                                        </p:cTn>
-                                        <p:tgtEl>
-                                          <p:spTgt spid="24579">
-                                            <p:txEl>
-                                              <p:pRg st="5" end="5"/>
-                                            </p:txEl>
-                                          </p:spTgt>
-                                        </p:tgtEl>
-                                        <p:attrNameLst>
-                                          <p:attrName>style.visibility</p:attrName>
-                                        </p:attrNameLst>
-                                      </p:cBhvr>
-                                      <p:to>
-                                        <p:strVal val="visible"/>
-                                      </p:to>
-                                    </p:set>
-                                    <p:animEffect transition="in" filter="fade">
-                                      <p:cBhvr>
-                                        <p:cTn id="22" dur="500"/>
                                         <p:tgtEl>
                                           <p:spTgt spid="24579">
                                             <p:txEl>
@@ -20946,363 +22721,6 @@
 </p:sld>
 </file>
 
-<file path=ppt/slides/slide2.xml><?xml version="1.0" encoding="utf-8"?>
-<p:sld xmlns:a="http://schemas.openxmlformats.org/drawingml/2006/main" xmlns:r="http://schemas.openxmlformats.org/officeDocument/2006/relationships" xmlns:p="http://schemas.openxmlformats.org/presentationml/2006/main">
-  <p:cSld>
-    <p:spTree>
-      <p:nvGrpSpPr>
-        <p:cNvPr id="1" name=""/>
-        <p:cNvGrpSpPr/>
-        <p:nvPr/>
-      </p:nvGrpSpPr>
-      <p:grpSpPr>
-        <a:xfrm>
-          <a:off x="0" y="0"/>
-          <a:ext cx="0" cy="0"/>
-          <a:chOff x="0" y="0"/>
-          <a:chExt cx="0" cy="0"/>
-        </a:xfrm>
-      </p:grpSpPr>
-      <p:sp>
-        <p:nvSpPr>
-          <p:cNvPr id="4098" name="Rectangle 2"/>
-          <p:cNvSpPr>
-            <a:spLocks noGrp="1" noChangeArrowheads="1"/>
-          </p:cNvSpPr>
-          <p:nvPr>
-            <p:ph type="title"/>
-          </p:nvPr>
-        </p:nvSpPr>
-        <p:spPr/>
-        <p:txBody>
-          <a:bodyPr/>
-          <a:lstStyle/>
-          <a:p>
-            <a:pPr eaLnBrk="1" hangingPunct="1"/>
-            <a:r>
-              <a:rPr lang="en-US" sz="4400" smtClean="0">
-                <a:latin typeface="Comic Sans MS" pitchFamily="-128" charset="0"/>
-              </a:rPr>
-              <a:t>Counting in Probability</a:t>
-            </a:r>
-          </a:p>
-        </p:txBody>
-      </p:sp>
-      <p:sp>
-        <p:nvSpPr>
-          <p:cNvPr id="4099" name="Rectangle 3"/>
-          <p:cNvSpPr>
-            <a:spLocks noGrp="1" noChangeArrowheads="1"/>
-          </p:cNvSpPr>
-          <p:nvPr>
-            <p:ph type="body" idx="4294967295"/>
-          </p:nvPr>
-        </p:nvSpPr>
-        <p:spPr bwMode="auto">
-          <a:xfrm>
-            <a:off x="76200" y="1676400"/>
-            <a:ext cx="6248400" cy="3352800"/>
-          </a:xfrm>
-          <a:prstGeom prst="rect">
-            <a:avLst/>
-          </a:prstGeom>
-          <a:noFill/>
-          <a:ln>
-            <a:miter lim="800000"/>
-            <a:headEnd/>
-            <a:tailEnd/>
-          </a:ln>
-        </p:spPr>
-        <p:txBody>
-          <a:bodyPr wrap="square">
-            <a:spAutoFit/>
-          </a:bodyPr>
-          <a:lstStyle/>
-          <a:p>
-            <a:pPr marL="0" indent="0" eaLnBrk="1" hangingPunct="1">
-              <a:buFontTx/>
-              <a:buNone/>
-            </a:pPr>
-            <a:r>
-              <a:rPr lang="en-US" sz="4400" dirty="0" smtClean="0">
-                <a:latin typeface="Comic Sans MS" pitchFamily="-128" charset="0"/>
-              </a:rPr>
-              <a:t>What is</a:t>
-            </a:r>
-            <a:r>
-              <a:rPr lang="en-US" sz="4400" dirty="0" smtClean="0">
-                <a:solidFill>
-                  <a:srgbClr val="0033CC"/>
-                </a:solidFill>
-                <a:latin typeface="Comic Sans MS" pitchFamily="-128" charset="0"/>
-              </a:rPr>
-              <a:t> </a:t>
-            </a:r>
-            <a:r>
-              <a:rPr lang="en-US" sz="4400" dirty="0" smtClean="0">
-                <a:latin typeface="Comic Sans MS" pitchFamily="-128" charset="0"/>
-              </a:rPr>
-              <a:t>the</a:t>
-            </a:r>
-            <a:r>
-              <a:rPr lang="en-US" sz="4400" dirty="0" smtClean="0">
-                <a:solidFill>
-                  <a:srgbClr val="0033CC"/>
-                </a:solidFill>
-                <a:latin typeface="Comic Sans MS" pitchFamily="-128" charset="0"/>
-              </a:rPr>
-              <a:t> </a:t>
-            </a:r>
-            <a:r>
-              <a:rPr lang="en-US" sz="4400" i="1" dirty="0" smtClean="0">
-                <a:latin typeface="Comic Sans MS" pitchFamily="-128" charset="0"/>
-              </a:rPr>
-              <a:t>probability</a:t>
-            </a:r>
-            <a:r>
-              <a:rPr lang="en-US" sz="4400" dirty="0" smtClean="0">
-                <a:latin typeface="Comic Sans MS" pitchFamily="-128" charset="0"/>
-              </a:rPr>
-              <a:t> of getting</a:t>
-            </a:r>
-          </a:p>
-          <a:p>
-            <a:pPr marL="0" indent="0" algn="ctr" eaLnBrk="1" hangingPunct="1">
-              <a:buFontTx/>
-              <a:buNone/>
-            </a:pPr>
-            <a:r>
-              <a:rPr lang="en-US" sz="5400" dirty="0" smtClean="0">
-                <a:solidFill>
-                  <a:srgbClr val="7030A0"/>
-                </a:solidFill>
-                <a:latin typeface="Comic Sans MS" pitchFamily="-128" charset="0"/>
-              </a:rPr>
-              <a:t>exactly two</a:t>
-            </a:r>
-            <a:r>
-              <a:rPr lang="en-US" sz="4400" dirty="0" smtClean="0">
-                <a:solidFill>
-                  <a:srgbClr val="7030A0"/>
-                </a:solidFill>
-                <a:latin typeface="Comic Sans MS" pitchFamily="-128" charset="0"/>
-              </a:rPr>
-              <a:t> </a:t>
-            </a:r>
-            <a:r>
-              <a:rPr lang="en-US" sz="5400" dirty="0" smtClean="0">
-                <a:solidFill>
-                  <a:srgbClr val="7030A0"/>
-                </a:solidFill>
-                <a:latin typeface="Comic Sans MS" pitchFamily="-128" charset="0"/>
-              </a:rPr>
-              <a:t>jacks</a:t>
-            </a:r>
-          </a:p>
-          <a:p>
-            <a:pPr marL="0" indent="0" eaLnBrk="1" hangingPunct="1">
-              <a:buFontTx/>
-              <a:buNone/>
-            </a:pPr>
-            <a:r>
-              <a:rPr lang="en-US" sz="4400" dirty="0" smtClean="0">
-                <a:latin typeface="Comic Sans MS" pitchFamily="-128" charset="0"/>
-              </a:rPr>
-              <a:t>in a poker hand?</a:t>
-            </a:r>
-          </a:p>
-        </p:txBody>
-      </p:sp>
-      <p:pic>
-        <p:nvPicPr>
-          <p:cNvPr id="4100" name="Picture 4" descr="sl12212"/>
-          <p:cNvPicPr>
-            <a:picLocks noChangeAspect="1" noChangeArrowheads="1"/>
-          </p:cNvPicPr>
-          <p:nvPr/>
-        </p:nvPicPr>
-        <p:blipFill>
-          <a:blip r:embed="rId3"/>
-          <a:srcRect/>
-          <a:stretch>
-            <a:fillRect/>
-          </a:stretch>
-        </p:blipFill>
-        <p:spPr bwMode="auto">
-          <a:xfrm>
-            <a:off x="6683375" y="1905000"/>
-            <a:ext cx="2003425" cy="2540000"/>
-          </a:xfrm>
-          <a:prstGeom prst="rect">
-            <a:avLst/>
-          </a:prstGeom>
-          <a:noFill/>
-          <a:ln w="9525">
-            <a:noFill/>
-            <a:miter lim="800000"/>
-            <a:headEnd/>
-            <a:tailEnd/>
-          </a:ln>
-        </p:spPr>
-      </p:pic>
-      <p:sp>
-        <p:nvSpPr>
-          <p:cNvPr id="5" name="Rectangle 11"/>
-          <p:cNvSpPr txBox="1">
-            <a:spLocks noChangeArrowheads="1"/>
-          </p:cNvSpPr>
-          <p:nvPr/>
-        </p:nvSpPr>
-        <p:spPr bwMode="auto">
-          <a:xfrm>
-            <a:off x="6400800" y="6613525"/>
-            <a:ext cx="2667000" cy="244475"/>
-          </a:xfrm>
-          <a:prstGeom prst="rect">
-            <a:avLst/>
-          </a:prstGeom>
-          <a:noFill/>
-          <a:ln w="9525">
-            <a:noFill/>
-            <a:miter lim="800000"/>
-            <a:headEnd/>
-            <a:tailEnd/>
-          </a:ln>
-          <a:effectLst/>
-        </p:spPr>
-        <p:txBody>
-          <a:bodyPr vert="horz" wrap="square" lIns="91440" tIns="45720" rIns="91440" bIns="45720" numCol="1" anchor="t" anchorCtr="0" compatLnSpc="1">
-            <a:prstTxWarp prst="textNoShape">
-              <a:avLst/>
-            </a:prstTxWarp>
-            <a:spAutoFit/>
-          </a:bodyPr>
-          <a:lstStyle>
-            <a:lvl1pPr algn="r">
-              <a:defRPr sz="1000"/>
-            </a:lvl1pPr>
-          </a:lstStyle>
-          <a:p>
-            <a:pPr marL="0" marR="0" lvl="0" indent="0" algn="r" defTabSz="914400" rtl="0" eaLnBrk="1" fontAlgn="base" latinLnBrk="0" hangingPunct="1">
-              <a:lnSpc>
-                <a:spcPct val="100000"/>
-              </a:lnSpc>
-              <a:spcBef>
-                <a:spcPct val="0"/>
-              </a:spcBef>
-              <a:spcAft>
-                <a:spcPct val="0"/>
-              </a:spcAft>
-              <a:buClrTx/>
-              <a:buSzTx/>
-              <a:buFontTx/>
-              <a:buNone/>
-              <a:tabLst/>
-              <a:defRPr/>
-            </a:pPr>
-            <a:r>
-              <a:rPr kumimoji="0" lang="en-US" sz="1000" b="0" i="0" u="none" strike="noStrike" kern="1200" cap="none" spc="0" normalizeH="0" baseline="0" noProof="0" dirty="0" err="1" smtClean="0">
-                <a:ln>
-                  <a:noFill/>
-                </a:ln>
-                <a:solidFill>
-                  <a:schemeClr val="tx1"/>
-                </a:solidFill>
-                <a:effectLst/>
-                <a:uLnTx/>
-                <a:uFillTx/>
-                <a:latin typeface="Comic Sans MS" pitchFamily="66" charset="0"/>
-                <a:ea typeface="+mn-ea"/>
-                <a:cs typeface="+mn-cs"/>
-              </a:rPr>
-              <a:t>lec</a:t>
-            </a:r>
-            <a:r>
-              <a:rPr kumimoji="0" lang="en-US" sz="1000" b="0" i="0" u="none" strike="noStrike" kern="1200" cap="none" spc="0" normalizeH="0" baseline="0" noProof="0" dirty="0" smtClean="0">
-                <a:ln>
-                  <a:noFill/>
-                </a:ln>
-                <a:solidFill>
-                  <a:schemeClr val="tx1"/>
-                </a:solidFill>
-                <a:effectLst/>
-                <a:uLnTx/>
-                <a:uFillTx/>
-                <a:latin typeface="Comic Sans MS" pitchFamily="66" charset="0"/>
-                <a:ea typeface="+mn-ea"/>
-                <a:cs typeface="+mn-cs"/>
-              </a:rPr>
-              <a:t> 13W.</a:t>
-            </a:r>
-            <a:fld id="{17233D2A-0857-4415-88C1-423492E69A26}" type="slidenum">
-              <a:rPr kumimoji="0" lang="en-US" sz="1000" b="0" i="0" u="none" strike="noStrike" kern="1200" cap="none" spc="0" normalizeH="0" baseline="0" noProof="0" smtClean="0">
-                <a:ln>
-                  <a:noFill/>
-                </a:ln>
-                <a:solidFill>
-                  <a:schemeClr val="tx1"/>
-                </a:solidFill>
-                <a:effectLst/>
-                <a:uLnTx/>
-                <a:uFillTx/>
-                <a:latin typeface="Comic Sans MS" pitchFamily="66" charset="0"/>
-                <a:ea typeface="+mn-ea"/>
-                <a:cs typeface="+mn-cs"/>
-              </a:rPr>
-              <a:pPr marL="0" marR="0" lvl="0" indent="0" algn="r" defTabSz="914400" rtl="0" eaLnBrk="1" fontAlgn="base" latinLnBrk="0" hangingPunct="1">
-                <a:lnSpc>
-                  <a:spcPct val="100000"/>
-                </a:lnSpc>
-                <a:spcBef>
-                  <a:spcPct val="0"/>
-                </a:spcBef>
-                <a:spcAft>
-                  <a:spcPct val="0"/>
-                </a:spcAft>
-                <a:buClrTx/>
-                <a:buSzTx/>
-                <a:buFontTx/>
-                <a:buNone/>
-                <a:tabLst/>
-                <a:defRPr/>
-              </a:pPr>
-              <a:t>2</a:t>
-            </a:fld>
-            <a:endParaRPr kumimoji="0" lang="en-US" sz="1000" b="0" i="0" u="none" strike="noStrike" kern="1200" cap="none" spc="0" normalizeH="0" baseline="0" noProof="0" dirty="0">
-              <a:ln>
-                <a:noFill/>
-              </a:ln>
-              <a:solidFill>
-                <a:schemeClr val="tx1"/>
-              </a:solidFill>
-              <a:effectLst/>
-              <a:uLnTx/>
-              <a:uFillTx/>
-              <a:latin typeface="Comic Sans MS" pitchFamily="66" charset="0"/>
-              <a:ea typeface="+mn-ea"/>
-              <a:cs typeface="+mn-cs"/>
-            </a:endParaRPr>
-          </a:p>
-        </p:txBody>
-      </p:sp>
-    </p:spTree>
-  </p:cSld>
-  <p:clrMapOvr>
-    <a:masterClrMapping/>
-  </p:clrMapOvr>
-  <p:transition xmlns:p14="http://schemas.microsoft.com/office/powerpoint/2010/main" spd="slow">
-    <p:fade thruBlk="1"/>
-  </p:transition>
-  <p:timing>
-    <p:tnLst>
-      <p:par>
-        <p:cTn xmlns:p14="http://schemas.microsoft.com/office/powerpoint/2010/main" id="1" dur="indefinite" restart="never" nodeType="tmRoot"/>
-      </p:par>
-    </p:tnLst>
-  </p:timing>
-</p:sld>
-</file>
-
 <file path=ppt/slides/slide3.xml><?xml version="1.0" encoding="utf-8"?>
 <p:sld xmlns:a="http://schemas.openxmlformats.org/drawingml/2006/main" xmlns:r="http://schemas.openxmlformats.org/officeDocument/2006/relationships" xmlns:p="http://schemas.openxmlformats.org/presentationml/2006/main">
   <p:cSld>
@@ -21631,7 +23049,7 @@
                 <a:ea typeface="+mn-ea"/>
                 <a:cs typeface="+mn-cs"/>
               </a:rPr>
-              <a:t>lec</a:t>
+              <a:t>probintro</a:t>
             </a:r>
             <a:r>
               <a:rPr kumimoji="0" lang="en-US" sz="1000" b="0" i="0" u="none" strike="noStrike" kern="1200" cap="none" spc="0" normalizeH="0" baseline="0" noProof="0" dirty="0" smtClean="0">
@@ -21648,7 +23066,7 @@
                 <a:ea typeface="+mn-ea"/>
                 <a:cs typeface="+mn-cs"/>
               </a:rPr>
-              <a:t> 13W.</a:t>
+              <a:t>.</a:t>
             </a:r>
             <a:fld id="{17233D2A-0857-4415-88C1-423492E69A26}" type="slidenum">
               <a:rPr kumimoji="0" lang="en-US" sz="1000" b="0" i="0" u="none" strike="noStrike" kern="1200" cap="none" spc="0" normalizeH="0" baseline="0" noProof="0" smtClean="0">
@@ -21723,7 +23141,7 @@
           <a:graphicData uri="http://schemas.openxmlformats.org/presentationml/2006/ole">
             <mc:AlternateContent xmlns:mc="http://schemas.openxmlformats.org/markup-compatibility/2006">
               <mc:Choice xmlns:v="urn:schemas-microsoft-com:vml" Requires="v">
-                <p:oleObj spid="_x0000_s34887" name="Equation" r:id="rId5" imgW="317500" imgH="533400" progId="Equation.DSMT4">
+                <p:oleObj spid="_x0000_s34897" name="Equation" r:id="rId5" imgW="317500" imgH="533400" progId="Equation.DSMT4">
                   <p:embed/>
                 </p:oleObj>
               </mc:Choice>
@@ -21793,7 +23211,7 @@
           <a:graphicData uri="http://schemas.openxmlformats.org/presentationml/2006/ole">
             <mc:AlternateContent xmlns:mc="http://schemas.openxmlformats.org/markup-compatibility/2006">
               <mc:Choice xmlns:v="urn:schemas-microsoft-com:vml" Requires="v">
-                <p:oleObj spid="_x0000_s34888" name="Equation" r:id="rId7" imgW="787400" imgH="533400" progId="Equation.DSMT4">
+                <p:oleObj spid="_x0000_s34898" name="Equation" r:id="rId7" imgW="787400" imgH="533400" progId="Equation.DSMT4">
                   <p:embed/>
                 </p:oleObj>
               </mc:Choice>
@@ -21855,7 +23273,7 @@
           <a:graphicData uri="http://schemas.openxmlformats.org/presentationml/2006/ole">
             <mc:AlternateContent xmlns:mc="http://schemas.openxmlformats.org/markup-compatibility/2006">
               <mc:Choice xmlns:v="urn:schemas-microsoft-com:vml" Requires="v">
-                <p:oleObj spid="_x0000_s34889" name="Equation" r:id="rId9" imgW="812800" imgH="1168400" progId="Equation.DSMT4">
+                <p:oleObj spid="_x0000_s34899" name="Equation" r:id="rId9" imgW="812800" imgH="1168400" progId="Equation.DSMT4">
                   <p:embed/>
                 </p:oleObj>
               </mc:Choice>
@@ -21900,7 +23318,7 @@
   <p:clrMapOvr>
     <a:masterClrMapping/>
   </p:clrMapOvr>
-  <p:transition xmlns:p14="http://schemas.microsoft.com/office/powerpoint/2010/main" spd="med">
+  <p:transition xmlns:p14="http://schemas.microsoft.com/office/powerpoint/2010/main" spd="med" advClick="0">
     <p:fade/>
   </p:transition>
   <p:timing>
@@ -22438,7 +23856,7 @@
           <a:graphicData uri="http://schemas.openxmlformats.org/presentationml/2006/ole">
             <mc:AlternateContent xmlns:mc="http://schemas.openxmlformats.org/markup-compatibility/2006">
               <mc:Choice xmlns:v="urn:schemas-microsoft-com:vml" Requires="v">
-                <p:oleObj spid="_x0000_s245793" name="Equation" r:id="rId4" imgW="2412720" imgH="469800" progId="Equation.DSMT4">
+                <p:oleObj spid="_x0000_s245797" name="Equation" r:id="rId4" imgW="2412720" imgH="469800" progId="Equation.DSMT4">
                   <p:embed/>
                 </p:oleObj>
               </mc:Choice>
@@ -22562,7 +23980,7 @@
                 <a:ea typeface="+mn-ea"/>
                 <a:cs typeface="+mn-cs"/>
               </a:rPr>
-              <a:t>lec</a:t>
+              <a:t>probintro</a:t>
             </a:r>
             <a:r>
               <a:rPr kumimoji="0" lang="en-US" sz="1000" b="0" i="0" u="none" strike="noStrike" kern="1200" cap="none" spc="0" normalizeH="0" baseline="0" noProof="0" dirty="0" smtClean="0">
@@ -22579,7 +23997,7 @@
                 <a:ea typeface="+mn-ea"/>
                 <a:cs typeface="+mn-cs"/>
               </a:rPr>
-              <a:t> 13W.</a:t>
+              <a:t>.</a:t>
             </a:r>
             <a:fld id="{17233D2A-0857-4415-88C1-423492E69A26}" type="slidenum">
               <a:rPr kumimoji="0" lang="en-US" sz="1000" b="0" i="0" u="none" strike="noStrike" kern="1200" cap="none" spc="0" normalizeH="0" baseline="0" noProof="0" smtClean="0">
@@ -22637,7 +24055,7 @@
   <p:clrMapOvr>
     <a:masterClrMapping/>
   </p:clrMapOvr>
-  <p:transition xmlns:p14="http://schemas.microsoft.com/office/powerpoint/2010/main" spd="med">
+  <p:transition xmlns:p14="http://schemas.microsoft.com/office/powerpoint/2010/main" spd="med" advClick="0">
     <p:fade thruBlk="1"/>
   </p:transition>
   <p:timing>
@@ -22661,7 +24079,7 @@
                             </p:stCondLst>
                             <p:childTnLst>
                               <p:par>
-                                <p:cTn id="5" presetID="1" presetClass="entr" presetSubtype="0" fill="hold" nodeType="clickEffect">
+                                <p:cTn id="5" presetID="10" presetClass="entr" presetSubtype="0" fill="hold" nodeType="clickEffect">
                                   <p:stCondLst>
                                     <p:cond delay="0"/>
                                   </p:stCondLst>
@@ -22688,18 +24106,30 @@
                                         <p:strVal val="visible"/>
                                       </p:to>
                                     </p:set>
+                                    <p:animEffect transition="in" filter="fade">
+                                      <p:cBhvr>
+                                        <p:cTn id="7" dur="500"/>
+                                        <p:tgtEl>
+                                          <p:spTgt spid="5122">
+                                            <p:txEl>
+                                              <p:pRg st="2" end="2"/>
+                                            </p:txEl>
+                                          </p:spTgt>
+                                        </p:tgtEl>
+                                      </p:cBhvr>
+                                    </p:animEffect>
                                   </p:childTnLst>
                                 </p:cTn>
                               </p:par>
                               <p:par>
-                                <p:cTn id="7" presetID="1" presetClass="entr" presetSubtype="0" fill="hold" nodeType="withEffect">
+                                <p:cTn id="8" presetID="10" presetClass="entr" presetSubtype="0" fill="hold" nodeType="withEffect">
                                   <p:stCondLst>
                                     <p:cond delay="0"/>
                                   </p:stCondLst>
                                   <p:childTnLst>
                                     <p:set>
                                       <p:cBhvr>
-                                        <p:cTn id="8" dur="1" fill="hold">
+                                        <p:cTn id="9" dur="1" fill="hold">
                                           <p:stCondLst>
                                             <p:cond delay="0"/>
                                           </p:stCondLst>
@@ -22719,6 +24149,18 @@
                                         <p:strVal val="visible"/>
                                       </p:to>
                                     </p:set>
+                                    <p:animEffect transition="in" filter="fade">
+                                      <p:cBhvr>
+                                        <p:cTn id="10" dur="500"/>
+                                        <p:tgtEl>
+                                          <p:spTgt spid="5122">
+                                            <p:txEl>
+                                              <p:pRg st="3" end="3"/>
+                                            </p:txEl>
+                                          </p:spTgt>
+                                        </p:tgtEl>
+                                      </p:cBhvr>
+                                    </p:animEffect>
                                   </p:childTnLst>
                                 </p:cTn>
                               </p:par>
@@ -22729,26 +24171,26 @@
                     </p:cTn>
                   </p:par>
                   <p:par>
-                    <p:cTn id="9" fill="hold">
+                    <p:cTn id="11" fill="hold">
                       <p:stCondLst>
                         <p:cond delay="indefinite"/>
                       </p:stCondLst>
                       <p:childTnLst>
                         <p:par>
-                          <p:cTn id="10" fill="hold">
+                          <p:cTn id="12" fill="hold">
                             <p:stCondLst>
                               <p:cond delay="0"/>
                             </p:stCondLst>
                             <p:childTnLst>
                               <p:par>
-                                <p:cTn id="11" presetID="1" presetClass="entr" presetSubtype="0" fill="hold" nodeType="clickEffect">
+                                <p:cTn id="13" presetID="10" presetClass="entr" presetSubtype="0" fill="hold" nodeType="clickEffect">
                                   <p:stCondLst>
                                     <p:cond delay="0"/>
                                   </p:stCondLst>
                                   <p:childTnLst>
                                     <p:set>
                                       <p:cBhvr>
-                                        <p:cTn id="12" dur="1" fill="hold">
+                                        <p:cTn id="14" dur="1" fill="hold">
                                           <p:stCondLst>
                                             <p:cond delay="0"/>
                                           </p:stCondLst>
@@ -22768,6 +24210,18 @@
                                         <p:strVal val="visible"/>
                                       </p:to>
                                     </p:set>
+                                    <p:animEffect transition="in" filter="fade">
+                                      <p:cBhvr>
+                                        <p:cTn id="15" dur="500"/>
+                                        <p:tgtEl>
+                                          <p:spTgt spid="5122">
+                                            <p:txEl>
+                                              <p:pRg st="4" end="4"/>
+                                            </p:txEl>
+                                          </p:spTgt>
+                                        </p:tgtEl>
+                                      </p:cBhvr>
+                                    </p:animEffect>
                                   </p:childTnLst>
                                 </p:cTn>
                               </p:par>
@@ -22778,26 +24232,26 @@
                     </p:cTn>
                   </p:par>
                   <p:par>
-                    <p:cTn id="13" fill="hold">
+                    <p:cTn id="16" fill="hold">
                       <p:stCondLst>
                         <p:cond delay="indefinite"/>
                       </p:stCondLst>
                       <p:childTnLst>
                         <p:par>
-                          <p:cTn id="14" fill="hold">
+                          <p:cTn id="17" fill="hold">
                             <p:stCondLst>
                               <p:cond delay="0"/>
                             </p:stCondLst>
                             <p:childTnLst>
                               <p:par>
-                                <p:cTn id="15" presetID="22" presetClass="entr" presetSubtype="8" fill="hold" nodeType="clickEffect">
+                                <p:cTn id="18" presetID="10" presetClass="entr" presetSubtype="0" fill="hold" nodeType="clickEffect">
                                   <p:stCondLst>
                                     <p:cond delay="0"/>
                                   </p:stCondLst>
                                   <p:childTnLst>
                                     <p:set>
                                       <p:cBhvr>
-                                        <p:cTn id="16" dur="1" fill="hold">
+                                        <p:cTn id="19" dur="1" fill="hold">
                                           <p:stCondLst>
                                             <p:cond delay="0"/>
                                           </p:stCondLst>
@@ -22813,9 +24267,9 @@
                                         <p:strVal val="visible"/>
                                       </p:to>
                                     </p:set>
-                                    <p:animEffect transition="in" filter="wipe(left)">
+                                    <p:animEffect transition="in" filter="fade">
                                       <p:cBhvr>
-                                        <p:cTn id="17" dur="500"/>
+                                        <p:cTn id="20" dur="500"/>
                                         <p:tgtEl>
                                           <p:spTgt spid="5"/>
                                         </p:tgtEl>
@@ -23036,7 +24490,7 @@
                 <a:ea typeface="+mn-ea"/>
                 <a:cs typeface="+mn-cs"/>
               </a:rPr>
-              <a:t>lec</a:t>
+              <a:t>probintro</a:t>
             </a:r>
             <a:r>
               <a:rPr kumimoji="0" lang="en-US" sz="1000" b="0" i="0" u="none" strike="noStrike" kern="1200" cap="none" spc="0" normalizeH="0" baseline="0" noProof="0" dirty="0" smtClean="0">
@@ -23053,7 +24507,7 @@
                 <a:ea typeface="+mn-ea"/>
                 <a:cs typeface="+mn-cs"/>
               </a:rPr>
-              <a:t> 13W.</a:t>
+              <a:t>.</a:t>
             </a:r>
             <a:fld id="{17233D2A-0857-4415-88C1-423492E69A26}" type="slidenum">
               <a:rPr kumimoji="0" lang="en-US" sz="1000" b="0" i="0" u="none" strike="noStrike" kern="1200" cap="none" spc="0" normalizeH="0" baseline="0" noProof="0" smtClean="0">
@@ -23111,7 +24565,7 @@
   <p:clrMapOvr>
     <a:masterClrMapping/>
   </p:clrMapOvr>
-  <p:transition xmlns:p14="http://schemas.microsoft.com/office/powerpoint/2010/main" spd="slow">
+  <p:transition xmlns:p14="http://schemas.microsoft.com/office/powerpoint/2010/main" spd="slow" advClick="0">
     <p:fade thruBlk="1"/>
   </p:transition>
   <p:timing>
@@ -23315,7 +24769,7 @@
                 <a:ea typeface="+mn-ea"/>
                 <a:cs typeface="+mn-cs"/>
               </a:rPr>
-              <a:t>lec</a:t>
+              <a:t>probintro</a:t>
             </a:r>
             <a:r>
               <a:rPr kumimoji="0" lang="en-US" sz="1000" b="0" i="0" u="none" strike="noStrike" kern="1200" cap="none" spc="0" normalizeH="0" baseline="0" noProof="0" dirty="0" smtClean="0">
@@ -23332,7 +24786,7 @@
                 <a:ea typeface="+mn-ea"/>
                 <a:cs typeface="+mn-cs"/>
               </a:rPr>
-              <a:t> 13W.</a:t>
+              <a:t>.</a:t>
             </a:r>
             <a:fld id="{17233D2A-0857-4415-88C1-423492E69A26}" type="slidenum">
               <a:rPr kumimoji="0" lang="en-US" sz="1000" b="0" i="0" u="none" strike="noStrike" kern="1200" cap="none" spc="0" normalizeH="0" baseline="0" noProof="0" smtClean="0">
@@ -23683,7 +25137,7 @@
                 <a:ea typeface="+mn-ea"/>
                 <a:cs typeface="+mn-cs"/>
               </a:rPr>
-              <a:t>lec</a:t>
+              <a:t>probintro</a:t>
             </a:r>
             <a:r>
               <a:rPr kumimoji="0" lang="en-US" sz="1000" b="0" i="0" u="none" strike="noStrike" kern="1200" cap="none" spc="0" normalizeH="0" baseline="0" noProof="0" dirty="0" smtClean="0">
@@ -23700,7 +25154,7 @@
                 <a:ea typeface="+mn-ea"/>
                 <a:cs typeface="+mn-cs"/>
               </a:rPr>
-              <a:t> 13W.</a:t>
+              <a:t>.</a:t>
             </a:r>
             <a:fld id="{17233D2A-0857-4415-88C1-423492E69A26}" type="slidenum">
               <a:rPr kumimoji="0" lang="en-US" sz="1000" b="0" i="0" u="none" strike="noStrike" kern="1200" cap="none" spc="0" normalizeH="0" baseline="0" noProof="0" smtClean="0">
@@ -23758,7 +25212,18 @@
   <p:clrMapOvr>
     <a:masterClrMapping/>
   </p:clrMapOvr>
-  <p:transition xmlns:p14="http://schemas.microsoft.com/office/powerpoint/2010/main"/>
+  <mc:AlternateContent xmlns:mc="http://schemas.openxmlformats.org/markup-compatibility/2006">
+    <mc:Choice xmlns:p14="http://schemas.microsoft.com/office/powerpoint/2010/main" Requires="p14">
+      <p:transition spd="med" p14:dur="700">
+        <p:fade/>
+      </p:transition>
+    </mc:Choice>
+    <mc:Fallback>
+      <p:transition xmlns:p14="http://schemas.microsoft.com/office/powerpoint/2010/main" spd="med">
+        <p:fade/>
+      </p:transition>
+    </mc:Fallback>
+  </mc:AlternateContent>
   <p:timing>
     <p:tnLst>
       <p:par>
@@ -24046,7 +25511,7 @@
                 <a:ea typeface="+mn-ea"/>
                 <a:cs typeface="+mn-cs"/>
               </a:rPr>
-              <a:t>lec</a:t>
+              <a:t>probintro</a:t>
             </a:r>
             <a:r>
               <a:rPr kumimoji="0" lang="en-US" sz="1000" b="0" i="0" u="none" strike="noStrike" kern="1200" cap="none" spc="0" normalizeH="0" baseline="0" noProof="0" dirty="0" smtClean="0">
@@ -24063,7 +25528,7 @@
                 <a:ea typeface="+mn-ea"/>
                 <a:cs typeface="+mn-cs"/>
               </a:rPr>
-              <a:t> 13W.</a:t>
+              <a:t>.</a:t>
             </a:r>
             <a:fld id="{17233D2A-0857-4415-88C1-423492E69A26}" type="slidenum">
               <a:rPr kumimoji="0" lang="en-US" sz="1000" b="0" i="0" u="none" strike="noStrike" kern="1200" cap="none" spc="0" normalizeH="0" baseline="0" noProof="0" smtClean="0">
@@ -24121,7 +25586,7 @@
   <p:clrMapOvr>
     <a:masterClrMapping/>
   </p:clrMapOvr>
-  <p:transition xmlns:p14="http://schemas.microsoft.com/office/powerpoint/2010/main">
+  <p:transition xmlns:p14="http://schemas.microsoft.com/office/powerpoint/2010/main" advClick="0">
     <p:fade/>
   </p:transition>
   <p:timing>
@@ -24145,7 +25610,7 @@
                             </p:stCondLst>
                             <p:childTnLst>
                               <p:par>
-                                <p:cTn id="5" presetID="1" presetClass="entr" presetSubtype="0" fill="hold" nodeType="clickEffect">
+                                <p:cTn id="5" presetID="10" presetClass="entr" presetSubtype="0" fill="hold" grpId="0" nodeType="clickEffect">
                                   <p:stCondLst>
                                     <p:cond delay="0"/>
                                   </p:stCondLst>
@@ -24160,7 +25625,7 @@
                                         <p:tgtEl>
                                           <p:spTgt spid="3">
                                             <p:txEl>
-                                              <p:pRg st="2" end="2"/>
+                                              <p:pRg st="0" end="0"/>
                                             </p:txEl>
                                           </p:spTgt>
                                         </p:tgtEl>
@@ -24172,6 +25637,18 @@
                                         <p:strVal val="visible"/>
                                       </p:to>
                                     </p:set>
+                                    <p:animEffect transition="in" filter="fade">
+                                      <p:cBhvr>
+                                        <p:cTn id="7" dur="500"/>
+                                        <p:tgtEl>
+                                          <p:spTgt spid="3">
+                                            <p:txEl>
+                                              <p:pRg st="0" end="0"/>
+                                            </p:txEl>
+                                          </p:spTgt>
+                                        </p:tgtEl>
+                                      </p:cBhvr>
+                                    </p:animEffect>
                                   </p:childTnLst>
                                 </p:cTn>
                               </p:par>
@@ -24182,26 +25659,26 @@
                     </p:cTn>
                   </p:par>
                   <p:par>
-                    <p:cTn id="7" fill="hold">
+                    <p:cTn id="8" fill="hold">
                       <p:stCondLst>
                         <p:cond delay="indefinite"/>
                       </p:stCondLst>
                       <p:childTnLst>
                         <p:par>
-                          <p:cTn id="8" fill="hold">
+                          <p:cTn id="9" fill="hold">
                             <p:stCondLst>
                               <p:cond delay="0"/>
                             </p:stCondLst>
                             <p:childTnLst>
                               <p:par>
-                                <p:cTn id="9" presetID="1" presetClass="entr" presetSubtype="0" fill="hold" nodeType="clickEffect">
+                                <p:cTn id="10" presetID="10" presetClass="entr" presetSubtype="0" fill="hold" grpId="0" nodeType="clickEffect">
                                   <p:stCondLst>
                                     <p:cond delay="0"/>
                                   </p:stCondLst>
                                   <p:childTnLst>
                                     <p:set>
                                       <p:cBhvr>
-                                        <p:cTn id="10" dur="1" fill="hold">
+                                        <p:cTn id="11" dur="1" fill="hold">
                                           <p:stCondLst>
                                             <p:cond delay="0"/>
                                           </p:stCondLst>
@@ -24209,7 +25686,7 @@
                                         <p:tgtEl>
                                           <p:spTgt spid="3">
                                             <p:txEl>
-                                              <p:pRg st="3" end="3"/>
+                                              <p:pRg st="1" end="1"/>
                                             </p:txEl>
                                           </p:spTgt>
                                         </p:tgtEl>
@@ -24221,37 +25698,18 @@
                                         <p:strVal val="visible"/>
                                       </p:to>
                                     </p:set>
-                                  </p:childTnLst>
-                                </p:cTn>
-                              </p:par>
-                              <p:par>
-                                <p:cTn id="11" presetID="1" presetClass="entr" presetSubtype="0" fill="hold" nodeType="withEffect">
-                                  <p:stCondLst>
-                                    <p:cond delay="0"/>
-                                  </p:stCondLst>
-                                  <p:childTnLst>
-                                    <p:set>
+                                    <p:animEffect transition="in" filter="fade">
                                       <p:cBhvr>
-                                        <p:cTn id="12" dur="1" fill="hold">
-                                          <p:stCondLst>
-                                            <p:cond delay="0"/>
-                                          </p:stCondLst>
-                                        </p:cTn>
+                                        <p:cTn id="12" dur="500"/>
                                         <p:tgtEl>
                                           <p:spTgt spid="3">
                                             <p:txEl>
-                                              <p:pRg st="4" end="4"/>
+                                              <p:pRg st="1" end="1"/>
                                             </p:txEl>
                                           </p:spTgt>
                                         </p:tgtEl>
-                                        <p:attrNameLst>
-                                          <p:attrName>style.visibility</p:attrName>
-                                        </p:attrNameLst>
                                       </p:cBhvr>
-                                      <p:to>
-                                        <p:strVal val="visible"/>
-                                      </p:to>
-                                    </p:set>
+                                    </p:animEffect>
                                   </p:childTnLst>
                                 </p:cTn>
                               </p:par>
@@ -24274,7 +25732,7 @@
                             </p:stCondLst>
                             <p:childTnLst>
                               <p:par>
-                                <p:cTn id="15" presetID="1" presetClass="entr" presetSubtype="0" fill="hold" nodeType="clickEffect">
+                                <p:cTn id="15" presetID="10" presetClass="entr" presetSubtype="0" fill="hold" grpId="0" nodeType="clickEffect">
                                   <p:stCondLst>
                                     <p:cond delay="0"/>
                                   </p:stCondLst>
@@ -24282,6 +25740,171 @@
                                     <p:set>
                                       <p:cBhvr>
                                         <p:cTn id="16" dur="1" fill="hold">
+                                          <p:stCondLst>
+                                            <p:cond delay="0"/>
+                                          </p:stCondLst>
+                                        </p:cTn>
+                                        <p:tgtEl>
+                                          <p:spTgt spid="3">
+                                            <p:txEl>
+                                              <p:pRg st="2" end="2"/>
+                                            </p:txEl>
+                                          </p:spTgt>
+                                        </p:tgtEl>
+                                        <p:attrNameLst>
+                                          <p:attrName>style.visibility</p:attrName>
+                                        </p:attrNameLst>
+                                      </p:cBhvr>
+                                      <p:to>
+                                        <p:strVal val="visible"/>
+                                      </p:to>
+                                    </p:set>
+                                    <p:animEffect transition="in" filter="fade">
+                                      <p:cBhvr>
+                                        <p:cTn id="17" dur="500"/>
+                                        <p:tgtEl>
+                                          <p:spTgt spid="3">
+                                            <p:txEl>
+                                              <p:pRg st="2" end="2"/>
+                                            </p:txEl>
+                                          </p:spTgt>
+                                        </p:tgtEl>
+                                      </p:cBhvr>
+                                    </p:animEffect>
+                                  </p:childTnLst>
+                                </p:cTn>
+                              </p:par>
+                            </p:childTnLst>
+                          </p:cTn>
+                        </p:par>
+                      </p:childTnLst>
+                    </p:cTn>
+                  </p:par>
+                  <p:par>
+                    <p:cTn id="18" fill="hold">
+                      <p:stCondLst>
+                        <p:cond delay="indefinite"/>
+                      </p:stCondLst>
+                      <p:childTnLst>
+                        <p:par>
+                          <p:cTn id="19" fill="hold">
+                            <p:stCondLst>
+                              <p:cond delay="0"/>
+                            </p:stCondLst>
+                            <p:childTnLst>
+                              <p:par>
+                                <p:cTn id="20" presetID="10" presetClass="entr" presetSubtype="0" fill="hold" grpId="0" nodeType="clickEffect">
+                                  <p:stCondLst>
+                                    <p:cond delay="0"/>
+                                  </p:stCondLst>
+                                  <p:childTnLst>
+                                    <p:set>
+                                      <p:cBhvr>
+                                        <p:cTn id="21" dur="1" fill="hold">
+                                          <p:stCondLst>
+                                            <p:cond delay="0"/>
+                                          </p:stCondLst>
+                                        </p:cTn>
+                                        <p:tgtEl>
+                                          <p:spTgt spid="3">
+                                            <p:txEl>
+                                              <p:pRg st="3" end="3"/>
+                                            </p:txEl>
+                                          </p:spTgt>
+                                        </p:tgtEl>
+                                        <p:attrNameLst>
+                                          <p:attrName>style.visibility</p:attrName>
+                                        </p:attrNameLst>
+                                      </p:cBhvr>
+                                      <p:to>
+                                        <p:strVal val="visible"/>
+                                      </p:to>
+                                    </p:set>
+                                    <p:animEffect transition="in" filter="fade">
+                                      <p:cBhvr>
+                                        <p:cTn id="22" dur="500"/>
+                                        <p:tgtEl>
+                                          <p:spTgt spid="3">
+                                            <p:txEl>
+                                              <p:pRg st="3" end="3"/>
+                                            </p:txEl>
+                                          </p:spTgt>
+                                        </p:tgtEl>
+                                      </p:cBhvr>
+                                    </p:animEffect>
+                                  </p:childTnLst>
+                                </p:cTn>
+                              </p:par>
+                              <p:par>
+                                <p:cTn id="23" presetID="10" presetClass="entr" presetSubtype="0" fill="hold" grpId="0" nodeType="withEffect">
+                                  <p:stCondLst>
+                                    <p:cond delay="0"/>
+                                  </p:stCondLst>
+                                  <p:childTnLst>
+                                    <p:set>
+                                      <p:cBhvr>
+                                        <p:cTn id="24" dur="1" fill="hold">
+                                          <p:stCondLst>
+                                            <p:cond delay="0"/>
+                                          </p:stCondLst>
+                                        </p:cTn>
+                                        <p:tgtEl>
+                                          <p:spTgt spid="3">
+                                            <p:txEl>
+                                              <p:pRg st="4" end="4"/>
+                                            </p:txEl>
+                                          </p:spTgt>
+                                        </p:tgtEl>
+                                        <p:attrNameLst>
+                                          <p:attrName>style.visibility</p:attrName>
+                                        </p:attrNameLst>
+                                      </p:cBhvr>
+                                      <p:to>
+                                        <p:strVal val="visible"/>
+                                      </p:to>
+                                    </p:set>
+                                    <p:animEffect transition="in" filter="fade">
+                                      <p:cBhvr>
+                                        <p:cTn id="25" dur="500"/>
+                                        <p:tgtEl>
+                                          <p:spTgt spid="3">
+                                            <p:txEl>
+                                              <p:pRg st="4" end="4"/>
+                                            </p:txEl>
+                                          </p:spTgt>
+                                        </p:tgtEl>
+                                      </p:cBhvr>
+                                    </p:animEffect>
+                                  </p:childTnLst>
+                                </p:cTn>
+                              </p:par>
+                            </p:childTnLst>
+                          </p:cTn>
+                        </p:par>
+                      </p:childTnLst>
+                    </p:cTn>
+                  </p:par>
+                  <p:par>
+                    <p:cTn id="26" fill="hold">
+                      <p:stCondLst>
+                        <p:cond delay="indefinite"/>
+                      </p:stCondLst>
+                      <p:childTnLst>
+                        <p:par>
+                          <p:cTn id="27" fill="hold">
+                            <p:stCondLst>
+                              <p:cond delay="0"/>
+                            </p:stCondLst>
+                            <p:childTnLst>
+                              <p:par>
+                                <p:cTn id="28" presetID="10" presetClass="entr" presetSubtype="0" fill="hold" grpId="0" nodeType="clickEffect">
+                                  <p:stCondLst>
+                                    <p:cond delay="0"/>
+                                  </p:stCondLst>
+                                  <p:childTnLst>
+                                    <p:set>
+                                      <p:cBhvr>
+                                        <p:cTn id="29" dur="1" fill="hold">
                                           <p:stCondLst>
                                             <p:cond delay="0"/>
                                           </p:stCondLst>
@@ -24301,18 +25924,30 @@
                                         <p:strVal val="visible"/>
                                       </p:to>
                                     </p:set>
+                                    <p:animEffect transition="in" filter="fade">
+                                      <p:cBhvr>
+                                        <p:cTn id="30" dur="500"/>
+                                        <p:tgtEl>
+                                          <p:spTgt spid="3">
+                                            <p:txEl>
+                                              <p:pRg st="5" end="5"/>
+                                            </p:txEl>
+                                          </p:spTgt>
+                                        </p:tgtEl>
+                                      </p:cBhvr>
+                                    </p:animEffect>
                                   </p:childTnLst>
                                 </p:cTn>
                               </p:par>
                               <p:par>
-                                <p:cTn id="17" presetID="1" presetClass="entr" presetSubtype="0" fill="hold" nodeType="withEffect">
+                                <p:cTn id="31" presetID="10" presetClass="entr" presetSubtype="0" fill="hold" grpId="0" nodeType="withEffect">
                                   <p:stCondLst>
                                     <p:cond delay="0"/>
                                   </p:stCondLst>
                                   <p:childTnLst>
                                     <p:set>
                                       <p:cBhvr>
-                                        <p:cTn id="18" dur="1" fill="hold">
+                                        <p:cTn id="32" dur="1" fill="hold">
                                           <p:stCondLst>
                                             <p:cond delay="0"/>
                                           </p:stCondLst>
@@ -24332,6 +25967,18 @@
                                         <p:strVal val="visible"/>
                                       </p:to>
                                     </p:set>
+                                    <p:animEffect transition="in" filter="fade">
+                                      <p:cBhvr>
+                                        <p:cTn id="33" dur="500"/>
+                                        <p:tgtEl>
+                                          <p:spTgt spid="3">
+                                            <p:txEl>
+                                              <p:pRg st="6" end="6"/>
+                                            </p:txEl>
+                                          </p:spTgt>
+                                        </p:tgtEl>
+                                      </p:cBhvr>
+                                    </p:animEffect>
                                   </p:childTnLst>
                                 </p:cTn>
                               </p:par>
@@ -24362,6 +26009,9 @@
         </p:cTn>
       </p:par>
     </p:tnLst>
+    <p:bldLst>
+      <p:bldP spid="3" grpId="0" build="p"/>
+    </p:bldLst>
   </p:timing>
 </p:sld>
 </file>
@@ -24560,7 +26210,7 @@
                 <a:ea typeface="+mn-ea"/>
                 <a:cs typeface="+mn-cs"/>
               </a:rPr>
-              <a:t>lec</a:t>
+              <a:t>probintro</a:t>
             </a:r>
             <a:r>
               <a:rPr kumimoji="0" lang="en-US" sz="1000" b="0" i="0" u="none" strike="noStrike" kern="1200" cap="none" spc="0" normalizeH="0" baseline="0" noProof="0" dirty="0" smtClean="0">
@@ -24577,7 +26227,7 @@
                 <a:ea typeface="+mn-ea"/>
                 <a:cs typeface="+mn-cs"/>
               </a:rPr>
-              <a:t> 13W.</a:t>
+              <a:t>.</a:t>
             </a:r>
             <a:fld id="{17233D2A-0857-4415-88C1-423492E69A26}" type="slidenum">
               <a:rPr kumimoji="0" lang="en-US" sz="1000" b="0" i="0" u="none" strike="noStrike" kern="1200" cap="none" spc="0" normalizeH="0" baseline="0" noProof="0" smtClean="0">
@@ -24635,7 +26285,7 @@
   <p:clrMapOvr>
     <a:masterClrMapping/>
   </p:clrMapOvr>
-  <p:transition xmlns:p14="http://schemas.microsoft.com/office/powerpoint/2010/main"/>
+  <p:transition xmlns:p14="http://schemas.microsoft.com/office/powerpoint/2010/main" advClick="0"/>
   <p:timing>
     <p:tnLst>
       <p:par>

--- a/spring13/slides13/prob-intro-tree-model.pptx
+++ b/spring13/slides13/prob-intro-tree-model.pptx
@@ -5,13 +5,13 @@
     <p:sldMasterId id="2147483650" r:id="rId1"/>
   </p:sldMasterIdLst>
   <p:notesMasterIdLst>
-    <p:notesMasterId r:id="rId23"/>
+    <p:notesMasterId r:id="rId26"/>
   </p:notesMasterIdLst>
   <p:handoutMasterIdLst>
-    <p:handoutMasterId r:id="rId24"/>
+    <p:handoutMasterId r:id="rId27"/>
   </p:handoutMasterIdLst>
   <p:sldIdLst>
-    <p:sldId id="256" r:id="rId2"/>
+    <p:sldId id="283" r:id="rId2"/>
     <p:sldId id="257" r:id="rId3"/>
     <p:sldId id="258" r:id="rId4"/>
     <p:sldId id="259" r:id="rId5"/>
@@ -25,18 +25,21 @@
     <p:sldId id="267" r:id="rId13"/>
     <p:sldId id="268" r:id="rId14"/>
     <p:sldId id="269" r:id="rId15"/>
-    <p:sldId id="276" r:id="rId16"/>
-    <p:sldId id="277" r:id="rId17"/>
-    <p:sldId id="271" r:id="rId18"/>
-    <p:sldId id="272" r:id="rId19"/>
-    <p:sldId id="273" r:id="rId20"/>
-    <p:sldId id="279" r:id="rId21"/>
-    <p:sldId id="278" r:id="rId22"/>
+    <p:sldId id="280" r:id="rId16"/>
+    <p:sldId id="276" r:id="rId17"/>
+    <p:sldId id="277" r:id="rId18"/>
+    <p:sldId id="281" r:id="rId19"/>
+    <p:sldId id="271" r:id="rId20"/>
+    <p:sldId id="272" r:id="rId21"/>
+    <p:sldId id="282" r:id="rId22"/>
+    <p:sldId id="273" r:id="rId23"/>
+    <p:sldId id="279" r:id="rId24"/>
+    <p:sldId id="278" r:id="rId25"/>
   </p:sldIdLst>
   <p:sldSz cx="9144000" cy="6858000" type="screen4x3"/>
   <p:notesSz cx="9601200" cy="7315200"/>
   <p:custDataLst>
-    <p:tags r:id="rId26"/>
+    <p:tags r:id="rId29"/>
   </p:custDataLst>
   <p:defaultTextStyle>
     <a:defPPr>
@@ -1579,7 +1582,7 @@
       </p:grpSpPr>
       <p:sp>
         <p:nvSpPr>
-          <p:cNvPr id="47106" name="Slide Image Placeholder 1"/>
+          <p:cNvPr id="46082" name="Slide Image Placeholder 1"/>
           <p:cNvSpPr>
             <a:spLocks noGrp="1" noRot="1" noChangeAspect="1" noTextEdit="1"/>
           </p:cNvSpPr>
@@ -1593,7 +1596,7 @@
       </p:sp>
       <p:sp>
         <p:nvSpPr>
-          <p:cNvPr id="47107" name="Notes Placeholder 2"/>
+          <p:cNvPr id="46083" name="Notes Placeholder 2"/>
           <p:cNvSpPr>
             <a:spLocks noGrp="1"/>
           </p:cNvSpPr>
@@ -1618,7 +1621,7 @@
       </p:sp>
       <p:sp>
         <p:nvSpPr>
-          <p:cNvPr id="47108" name="Slide Number Placeholder 3"/>
+          <p:cNvPr id="46084" name="Slide Number Placeholder 3"/>
           <p:cNvSpPr>
             <a:spLocks noGrp="1"/>
           </p:cNvSpPr>
@@ -1633,7 +1636,7 @@
           <a:bodyPr/>
           <a:lstStyle/>
           <a:p>
-            <a:fld id="{E6F56E70-FF74-4212-861A-3EE8ECF594CA}" type="slidenum">
+            <a:fld id="{E9E9DC76-CD7D-440B-955C-A2A1E7218C17}" type="slidenum">
               <a:rPr lang="en-US" smtClean="0">
                 <a:latin typeface="Times New Roman" pitchFamily="-128" charset="0"/>
               </a:rPr>
@@ -1648,7 +1651,7 @@
       </p:sp>
       <p:sp>
         <p:nvSpPr>
-          <p:cNvPr id="47109" name="Footer Placeholder 4"/>
+          <p:cNvPr id="46085" name="Footer Placeholder 4"/>
           <p:cNvSpPr>
             <a:spLocks noGrp="1"/>
           </p:cNvSpPr>
@@ -1813,7 +1816,7 @@
       </p:grpSpPr>
       <p:sp>
         <p:nvSpPr>
-          <p:cNvPr id="48130" name="Slide Image Placeholder 1"/>
+          <p:cNvPr id="47106" name="Slide Image Placeholder 1"/>
           <p:cNvSpPr>
             <a:spLocks noGrp="1" noRot="1" noChangeAspect="1" noTextEdit="1"/>
           </p:cNvSpPr>
@@ -1827,7 +1830,7 @@
       </p:sp>
       <p:sp>
         <p:nvSpPr>
-          <p:cNvPr id="48131" name="Notes Placeholder 2"/>
+          <p:cNvPr id="47107" name="Notes Placeholder 2"/>
           <p:cNvSpPr>
             <a:spLocks noGrp="1"/>
           </p:cNvSpPr>
@@ -1852,7 +1855,7 @@
       </p:sp>
       <p:sp>
         <p:nvSpPr>
-          <p:cNvPr id="48132" name="Slide Number Placeholder 3"/>
+          <p:cNvPr id="47108" name="Slide Number Placeholder 3"/>
           <p:cNvSpPr>
             <a:spLocks noGrp="1"/>
           </p:cNvSpPr>
@@ -1867,7 +1870,7 @@
           <a:bodyPr/>
           <a:lstStyle/>
           <a:p>
-            <a:fld id="{244D63C9-4720-4BDF-B30C-B01EE7E00D53}" type="slidenum">
+            <a:fld id="{E6F56E70-FF74-4212-861A-3EE8ECF594CA}" type="slidenum">
               <a:rPr lang="en-US" smtClean="0">
                 <a:latin typeface="Times New Roman" pitchFamily="-128" charset="0"/>
               </a:rPr>
@@ -1882,7 +1885,7 @@
       </p:sp>
       <p:sp>
         <p:nvSpPr>
-          <p:cNvPr id="48133" name="Footer Placeholder 4"/>
+          <p:cNvPr id="47109" name="Footer Placeholder 4"/>
           <p:cNvSpPr>
             <a:spLocks noGrp="1"/>
           </p:cNvSpPr>
@@ -1930,7 +1933,7 @@
       </p:grpSpPr>
       <p:sp>
         <p:nvSpPr>
-          <p:cNvPr id="49154" name="Slide Image Placeholder 1"/>
+          <p:cNvPr id="47106" name="Slide Image Placeholder 1"/>
           <p:cNvSpPr>
             <a:spLocks noGrp="1" noRot="1" noChangeAspect="1" noTextEdit="1"/>
           </p:cNvSpPr>
@@ -1944,7 +1947,7 @@
       </p:sp>
       <p:sp>
         <p:nvSpPr>
-          <p:cNvPr id="49155" name="Notes Placeholder 2"/>
+          <p:cNvPr id="47107" name="Notes Placeholder 2"/>
           <p:cNvSpPr>
             <a:spLocks noGrp="1"/>
           </p:cNvSpPr>
@@ -1969,7 +1972,7 @@
       </p:sp>
       <p:sp>
         <p:nvSpPr>
-          <p:cNvPr id="49156" name="Slide Number Placeholder 3"/>
+          <p:cNvPr id="47108" name="Slide Number Placeholder 3"/>
           <p:cNvSpPr>
             <a:spLocks noGrp="1"/>
           </p:cNvSpPr>
@@ -1984,7 +1987,7 @@
           <a:bodyPr/>
           <a:lstStyle/>
           <a:p>
-            <a:fld id="{1571B3F8-CCC8-4BBD-A386-7D4E66337ADF}" type="slidenum">
+            <a:fld id="{E6F56E70-FF74-4212-861A-3EE8ECF594CA}" type="slidenum">
               <a:rPr lang="en-US" smtClean="0">
                 <a:latin typeface="Times New Roman" pitchFamily="-128" charset="0"/>
               </a:rPr>
@@ -1999,7 +2002,7 @@
       </p:sp>
       <p:sp>
         <p:nvSpPr>
-          <p:cNvPr id="49157" name="Footer Placeholder 4"/>
+          <p:cNvPr id="47109" name="Footer Placeholder 4"/>
           <p:cNvSpPr>
             <a:spLocks noGrp="1"/>
           </p:cNvSpPr>
@@ -2047,7 +2050,7 @@
       </p:grpSpPr>
       <p:sp>
         <p:nvSpPr>
-          <p:cNvPr id="50178" name="Slide Image Placeholder 1"/>
+          <p:cNvPr id="48130" name="Slide Image Placeholder 1"/>
           <p:cNvSpPr>
             <a:spLocks noGrp="1" noRot="1" noChangeAspect="1" noTextEdit="1"/>
           </p:cNvSpPr>
@@ -2061,7 +2064,7 @@
       </p:sp>
       <p:sp>
         <p:nvSpPr>
-          <p:cNvPr id="50179" name="Notes Placeholder 2"/>
+          <p:cNvPr id="48131" name="Notes Placeholder 2"/>
           <p:cNvSpPr>
             <a:spLocks noGrp="1"/>
           </p:cNvSpPr>
@@ -2086,7 +2089,7 @@
       </p:sp>
       <p:sp>
         <p:nvSpPr>
-          <p:cNvPr id="50180" name="Slide Number Placeholder 3"/>
+          <p:cNvPr id="48132" name="Slide Number Placeholder 3"/>
           <p:cNvSpPr>
             <a:spLocks noGrp="1"/>
           </p:cNvSpPr>
@@ -2101,7 +2104,7 @@
           <a:bodyPr/>
           <a:lstStyle/>
           <a:p>
-            <a:fld id="{6540FCE9-397A-4D02-8BF6-DBE4FAF0BD6F}" type="slidenum">
+            <a:fld id="{244D63C9-4720-4BDF-B30C-B01EE7E00D53}" type="slidenum">
               <a:rPr lang="en-US" smtClean="0">
                 <a:latin typeface="Times New Roman" pitchFamily="-128" charset="0"/>
               </a:rPr>
@@ -2116,7 +2119,7 @@
       </p:sp>
       <p:sp>
         <p:nvSpPr>
-          <p:cNvPr id="50181" name="Footer Placeholder 4"/>
+          <p:cNvPr id="48133" name="Footer Placeholder 4"/>
           <p:cNvSpPr>
             <a:spLocks noGrp="1"/>
           </p:cNvSpPr>
@@ -2281,7 +2284,7 @@
       </p:grpSpPr>
       <p:sp>
         <p:nvSpPr>
-          <p:cNvPr id="53250" name="Slide Image Placeholder 1"/>
+          <p:cNvPr id="49154" name="Slide Image Placeholder 1"/>
           <p:cNvSpPr>
             <a:spLocks noGrp="1" noRot="1" noChangeAspect="1" noTextEdit="1"/>
           </p:cNvSpPr>
@@ -2295,7 +2298,7 @@
       </p:sp>
       <p:sp>
         <p:nvSpPr>
-          <p:cNvPr id="53251" name="Notes Placeholder 2"/>
+          <p:cNvPr id="49155" name="Notes Placeholder 2"/>
           <p:cNvSpPr>
             <a:spLocks noGrp="1"/>
           </p:cNvSpPr>
@@ -2320,7 +2323,7 @@
       </p:sp>
       <p:sp>
         <p:nvSpPr>
-          <p:cNvPr id="53252" name="Slide Number Placeholder 3"/>
+          <p:cNvPr id="49156" name="Slide Number Placeholder 3"/>
           <p:cNvSpPr>
             <a:spLocks noGrp="1"/>
           </p:cNvSpPr>
@@ -2335,7 +2338,7 @@
           <a:bodyPr/>
           <a:lstStyle/>
           <a:p>
-            <a:fld id="{E08AAF35-D2C8-4850-8ECA-A621D78DABE9}" type="slidenum">
+            <a:fld id="{1571B3F8-CCC8-4BBD-A386-7D4E66337ADF}" type="slidenum">
               <a:rPr lang="en-US" smtClean="0">
                 <a:latin typeface="Times New Roman" pitchFamily="-128" charset="0"/>
               </a:rPr>
@@ -2350,7 +2353,7 @@
       </p:sp>
       <p:sp>
         <p:nvSpPr>
-          <p:cNvPr id="53253" name="Footer Placeholder 4"/>
+          <p:cNvPr id="49157" name="Footer Placeholder 4"/>
           <p:cNvSpPr>
             <a:spLocks noGrp="1"/>
           </p:cNvSpPr>
@@ -2398,21 +2401,111 @@
       </p:grpSpPr>
       <p:sp>
         <p:nvSpPr>
-          <p:cNvPr id="53250" name="Slide Image Placeholder 1"/>
+          <p:cNvPr id="2" name="Slide Image Placeholder 1"/>
           <p:cNvSpPr>
-            <a:spLocks noGrp="1" noRot="1" noChangeAspect="1" noTextEdit="1"/>
+            <a:spLocks noGrp="1" noRot="1" noChangeAspect="1"/>
           </p:cNvSpPr>
           <p:nvPr>
             <p:ph type="sldImg"/>
           </p:nvPr>
         </p:nvSpPr>
+        <p:spPr/>
+      </p:sp>
+      <p:sp>
+        <p:nvSpPr>
+          <p:cNvPr id="3" name="Notes Placeholder 2"/>
+          <p:cNvSpPr>
+            <a:spLocks noGrp="1"/>
+          </p:cNvSpPr>
+          <p:nvPr>
+            <p:ph type="body" idx="1"/>
+          </p:nvPr>
+        </p:nvSpPr>
+        <p:spPr/>
+        <p:txBody>
+          <a:bodyPr/>
+          <a:lstStyle/>
+          <a:p>
+            <a:endParaRPr lang="en-US"/>
+          </a:p>
+        </p:txBody>
+      </p:sp>
+      <p:sp>
+        <p:nvSpPr>
+          <p:cNvPr id="4" name="Slide Number Placeholder 3"/>
+          <p:cNvSpPr>
+            <a:spLocks noGrp="1"/>
+          </p:cNvSpPr>
+          <p:nvPr>
+            <p:ph type="sldNum" sz="quarter" idx="10"/>
+          </p:nvPr>
+        </p:nvSpPr>
+        <p:spPr/>
+        <p:txBody>
+          <a:bodyPr/>
+          <a:lstStyle/>
+          <a:p>
+            <a:pPr>
+              <a:defRPr/>
+            </a:pPr>
+            <a:fld id="{E7625D05-B33F-4064-AC10-CB80748B6ABD}" type="slidenum">
+              <a:rPr lang="en-US" smtClean="0"/>
+              <a:pPr>
+                <a:defRPr/>
+              </a:pPr>
+              <a:t>21</a:t>
+            </a:fld>
+            <a:endParaRPr lang="en-US"/>
+          </a:p>
+        </p:txBody>
+      </p:sp>
+    </p:spTree>
+    <p:extLst>
+      <p:ext uri="{BB962C8B-B14F-4D97-AF65-F5344CB8AC3E}">
+        <p14:creationId xmlns:p14="http://schemas.microsoft.com/office/powerpoint/2010/main" val="2383433591"/>
+      </p:ext>
+    </p:extLst>
+  </p:cSld>
+  <p:clrMapOvr>
+    <a:masterClrMapping/>
+  </p:clrMapOvr>
+</p:notes>
+</file>
+
+<file path=ppt/notesSlides/notesSlide22.xml><?xml version="1.0" encoding="utf-8"?>
+<p:notes xmlns:a="http://schemas.openxmlformats.org/drawingml/2006/main" xmlns:r="http://schemas.openxmlformats.org/officeDocument/2006/relationships" xmlns:p="http://schemas.openxmlformats.org/presentationml/2006/main">
+  <p:cSld>
+    <p:spTree>
+      <p:nvGrpSpPr>
+        <p:cNvPr id="1" name=""/>
+        <p:cNvGrpSpPr/>
+        <p:nvPr/>
+      </p:nvGrpSpPr>
+      <p:grpSpPr>
+        <a:xfrm>
+          <a:off x="0" y="0"/>
+          <a:ext cx="0" cy="0"/>
+          <a:chOff x="0" y="0"/>
+          <a:chExt cx="0" cy="0"/>
+        </a:xfrm>
+      </p:grpSpPr>
+      <p:sp>
+        <p:nvSpPr>
+          <p:cNvPr id="50178" name="Slide Image Placeholder 1"/>
+          <p:cNvSpPr>
+            <a:spLocks noGrp="1" noRot="1" noChangeAspect="1" noTextEdit="1"/>
+          </p:cNvSpPr>
+          <p:nvPr>
+            <p:ph type="sldImg"/>
+          </p:nvPr>
+        </p:nvSpPr>
         <p:spPr>
           <a:ln/>
         </p:spPr>
       </p:sp>
       <p:sp>
         <p:nvSpPr>
-          <p:cNvPr id="53251" name="Notes Placeholder 2"/>
+          <p:cNvPr id="50179" name="Notes Placeholder 2"/>
           <p:cNvSpPr>
             <a:spLocks noGrp="1"/>
           </p:cNvSpPr>
@@ -2437,6 +2530,123 @@
       </p:sp>
       <p:sp>
         <p:nvSpPr>
+          <p:cNvPr id="50180" name="Slide Number Placeholder 3"/>
+          <p:cNvSpPr>
+            <a:spLocks noGrp="1"/>
+          </p:cNvSpPr>
+          <p:nvPr>
+            <p:ph type="sldNum" sz="quarter" idx="5"/>
+          </p:nvPr>
+        </p:nvSpPr>
+        <p:spPr>
+          <a:noFill/>
+        </p:spPr>
+        <p:txBody>
+          <a:bodyPr/>
+          <a:lstStyle/>
+          <a:p>
+            <a:fld id="{6540FCE9-397A-4D02-8BF6-DBE4FAF0BD6F}" type="slidenum">
+              <a:rPr lang="en-US" smtClean="0">
+                <a:latin typeface="Times New Roman" pitchFamily="-128" charset="0"/>
+              </a:rPr>
+              <a:pPr/>
+              <a:t>22</a:t>
+            </a:fld>
+            <a:endParaRPr lang="en-US" smtClean="0">
+              <a:latin typeface="Times New Roman" pitchFamily="-128" charset="0"/>
+            </a:endParaRPr>
+          </a:p>
+        </p:txBody>
+      </p:sp>
+      <p:sp>
+        <p:nvSpPr>
+          <p:cNvPr id="50181" name="Footer Placeholder 4"/>
+          <p:cNvSpPr>
+            <a:spLocks noGrp="1"/>
+          </p:cNvSpPr>
+          <p:nvPr>
+            <p:ph type="ftr" sz="quarter" idx="4"/>
+          </p:nvPr>
+        </p:nvSpPr>
+        <p:spPr>
+          <a:noFill/>
+        </p:spPr>
+        <p:txBody>
+          <a:bodyPr/>
+          <a:lstStyle/>
+          <a:p>
+            <a:endParaRPr lang="en-US" smtClean="0">
+              <a:latin typeface="Times New Roman" pitchFamily="-128" charset="0"/>
+            </a:endParaRPr>
+          </a:p>
+        </p:txBody>
+      </p:sp>
+    </p:spTree>
+  </p:cSld>
+  <p:clrMapOvr>
+    <a:masterClrMapping/>
+  </p:clrMapOvr>
+</p:notes>
+</file>
+
+<file path=ppt/notesSlides/notesSlide23.xml><?xml version="1.0" encoding="utf-8"?>
+<p:notes xmlns:a="http://schemas.openxmlformats.org/drawingml/2006/main" xmlns:r="http://schemas.openxmlformats.org/officeDocument/2006/relationships" xmlns:p="http://schemas.openxmlformats.org/presentationml/2006/main">
+  <p:cSld>
+    <p:spTree>
+      <p:nvGrpSpPr>
+        <p:cNvPr id="1" name=""/>
+        <p:cNvGrpSpPr/>
+        <p:nvPr/>
+      </p:nvGrpSpPr>
+      <p:grpSpPr>
+        <a:xfrm>
+          <a:off x="0" y="0"/>
+          <a:ext cx="0" cy="0"/>
+          <a:chOff x="0" y="0"/>
+          <a:chExt cx="0" cy="0"/>
+        </a:xfrm>
+      </p:grpSpPr>
+      <p:sp>
+        <p:nvSpPr>
+          <p:cNvPr id="53250" name="Slide Image Placeholder 1"/>
+          <p:cNvSpPr>
+            <a:spLocks noGrp="1" noRot="1" noChangeAspect="1" noTextEdit="1"/>
+          </p:cNvSpPr>
+          <p:nvPr>
+            <p:ph type="sldImg"/>
+          </p:nvPr>
+        </p:nvSpPr>
+        <p:spPr>
+          <a:ln/>
+        </p:spPr>
+      </p:sp>
+      <p:sp>
+        <p:nvSpPr>
+          <p:cNvPr id="53251" name="Notes Placeholder 2"/>
+          <p:cNvSpPr>
+            <a:spLocks noGrp="1"/>
+          </p:cNvSpPr>
+          <p:nvPr>
+            <p:ph type="body" idx="1"/>
+          </p:nvPr>
+        </p:nvSpPr>
+        <p:spPr>
+          <a:noFill/>
+          <a:ln/>
+        </p:spPr>
+        <p:txBody>
+          <a:bodyPr/>
+          <a:lstStyle/>
+          <a:p>
+            <a:pPr eaLnBrk="1" hangingPunct="1"/>
+            <a:endParaRPr lang="en-US" smtClean="0">
+              <a:latin typeface="Times New Roman" pitchFamily="-128" charset="0"/>
+            </a:endParaRPr>
+          </a:p>
+        </p:txBody>
+      </p:sp>
+      <p:sp>
+        <p:nvSpPr>
           <p:cNvPr id="53252" name="Slide Number Placeholder 3"/>
           <p:cNvSpPr>
             <a:spLocks noGrp="1"/>
@@ -2457,7 +2667,124 @@
                 <a:latin typeface="Times New Roman" pitchFamily="-128" charset="0"/>
               </a:rPr>
               <a:pPr/>
-              <a:t>21</a:t>
+              <a:t>23</a:t>
+            </a:fld>
+            <a:endParaRPr lang="en-US" smtClean="0">
+              <a:latin typeface="Times New Roman" pitchFamily="-128" charset="0"/>
+            </a:endParaRPr>
+          </a:p>
+        </p:txBody>
+      </p:sp>
+      <p:sp>
+        <p:nvSpPr>
+          <p:cNvPr id="53253" name="Footer Placeholder 4"/>
+          <p:cNvSpPr>
+            <a:spLocks noGrp="1"/>
+          </p:cNvSpPr>
+          <p:nvPr>
+            <p:ph type="ftr" sz="quarter" idx="4"/>
+          </p:nvPr>
+        </p:nvSpPr>
+        <p:spPr>
+          <a:noFill/>
+        </p:spPr>
+        <p:txBody>
+          <a:bodyPr/>
+          <a:lstStyle/>
+          <a:p>
+            <a:endParaRPr lang="en-US" smtClean="0">
+              <a:latin typeface="Times New Roman" pitchFamily="-128" charset="0"/>
+            </a:endParaRPr>
+          </a:p>
+        </p:txBody>
+      </p:sp>
+    </p:spTree>
+  </p:cSld>
+  <p:clrMapOvr>
+    <a:masterClrMapping/>
+  </p:clrMapOvr>
+</p:notes>
+</file>
+
+<file path=ppt/notesSlides/notesSlide24.xml><?xml version="1.0" encoding="utf-8"?>
+<p:notes xmlns:a="http://schemas.openxmlformats.org/drawingml/2006/main" xmlns:r="http://schemas.openxmlformats.org/officeDocument/2006/relationships" xmlns:p="http://schemas.openxmlformats.org/presentationml/2006/main">
+  <p:cSld>
+    <p:spTree>
+      <p:nvGrpSpPr>
+        <p:cNvPr id="1" name=""/>
+        <p:cNvGrpSpPr/>
+        <p:nvPr/>
+      </p:nvGrpSpPr>
+      <p:grpSpPr>
+        <a:xfrm>
+          <a:off x="0" y="0"/>
+          <a:ext cx="0" cy="0"/>
+          <a:chOff x="0" y="0"/>
+          <a:chExt cx="0" cy="0"/>
+        </a:xfrm>
+      </p:grpSpPr>
+      <p:sp>
+        <p:nvSpPr>
+          <p:cNvPr id="53250" name="Slide Image Placeholder 1"/>
+          <p:cNvSpPr>
+            <a:spLocks noGrp="1" noRot="1" noChangeAspect="1" noTextEdit="1"/>
+          </p:cNvSpPr>
+          <p:nvPr>
+            <p:ph type="sldImg"/>
+          </p:nvPr>
+        </p:nvSpPr>
+        <p:spPr>
+          <a:ln/>
+        </p:spPr>
+      </p:sp>
+      <p:sp>
+        <p:nvSpPr>
+          <p:cNvPr id="53251" name="Notes Placeholder 2"/>
+          <p:cNvSpPr>
+            <a:spLocks noGrp="1"/>
+          </p:cNvSpPr>
+          <p:nvPr>
+            <p:ph type="body" idx="1"/>
+          </p:nvPr>
+        </p:nvSpPr>
+        <p:spPr>
+          <a:noFill/>
+          <a:ln/>
+        </p:spPr>
+        <p:txBody>
+          <a:bodyPr/>
+          <a:lstStyle/>
+          <a:p>
+            <a:pPr eaLnBrk="1" hangingPunct="1"/>
+            <a:endParaRPr lang="en-US" smtClean="0">
+              <a:latin typeface="Times New Roman" pitchFamily="-128" charset="0"/>
+            </a:endParaRPr>
+          </a:p>
+        </p:txBody>
+      </p:sp>
+      <p:sp>
+        <p:nvSpPr>
+          <p:cNvPr id="53252" name="Slide Number Placeholder 3"/>
+          <p:cNvSpPr>
+            <a:spLocks noGrp="1"/>
+          </p:cNvSpPr>
+          <p:nvPr>
+            <p:ph type="sldNum" sz="quarter" idx="5"/>
+          </p:nvPr>
+        </p:nvSpPr>
+        <p:spPr>
+          <a:noFill/>
+        </p:spPr>
+        <p:txBody>
+          <a:bodyPr/>
+          <a:lstStyle/>
+          <a:p>
+            <a:fld id="{E08AAF35-D2C8-4850-8ECA-A621D78DABE9}" type="slidenum">
+              <a:rPr lang="en-US" smtClean="0">
+                <a:latin typeface="Times New Roman" pitchFamily="-128" charset="0"/>
+              </a:rPr>
+              <a:pPr/>
+              <a:t>24</a:t>
             </a:fld>
             <a:endParaRPr lang="en-US" smtClean="0">
               <a:latin typeface="Times New Roman" pitchFamily="-128" charset="0"/>
@@ -5665,22 +5992,7 @@
                 <a:uFillTx/>
                 <a:latin typeface="Comic Sans MS" pitchFamily="66" charset="0"/>
               </a:rPr>
-              <a:t>Albert R Meyer,                 </a:t>
-            </a:r>
-            <a:r>
-              <a:rPr kumimoji="0" lang="en-US" sz="1200" b="0" i="0" u="none" strike="noStrike" kern="1200" cap="none" spc="0" normalizeH="0" baseline="0" noProof="0" dirty="0" smtClean="0">
-                <a:ln>
-                  <a:noFill/>
-                </a:ln>
-                <a:solidFill>
-                  <a:schemeClr val="tx1"/>
-                </a:solidFill>
-                <a:effectLst/>
-                <a:uLnTx/>
-                <a:uFillTx/>
-                <a:latin typeface="Comic Sans MS" pitchFamily="66" charset="0"/>
-              </a:rPr>
-              <a:t>May 1, 2013</a:t>
+              <a:t>Albert R Meyer,                 May 1, 2013</a:t>
             </a:r>
             <a:endParaRPr kumimoji="0" lang="en-US" sz="1200" b="0" i="0" u="none" strike="noStrike" kern="1200" cap="none" spc="0" normalizeH="0" baseline="0" noProof="0" dirty="0">
               <a:ln>
@@ -6185,7 +6497,7 @@
               <a:rPr lang="en-US" sz="6600" dirty="0" smtClean="0">
                 <a:latin typeface="Comic Sans MS" pitchFamily="-128" charset="0"/>
               </a:rPr>
-              <a:t>Probability Theory:</a:t>
+              <a:t>Probability Theory</a:t>
             </a:r>
           </a:p>
           <a:p>
@@ -6420,22 +6732,111 @@
         </p:txBody>
       </p:sp>
     </p:spTree>
+    <p:extLst>
+      <p:ext uri="{BB962C8B-B14F-4D97-AF65-F5344CB8AC3E}">
+        <p14:creationId xmlns:p14="http://schemas.microsoft.com/office/powerpoint/2010/main" val="1872511287"/>
+      </p:ext>
+    </p:extLst>
   </p:cSld>
   <p:clrMapOvr>
     <a:masterClrMapping/>
   </p:clrMapOvr>
-  <mc:AlternateContent xmlns:mc="http://schemas.openxmlformats.org/markup-compatibility/2006">
-    <mc:Choice xmlns:p14="http://schemas.microsoft.com/office/powerpoint/2010/main" Requires="p14">
+  <mc:AlternateContent xmlns:mc="http://schemas.openxmlformats.org/markup-compatibility/2006" xmlns:p14="http://schemas.microsoft.com/office/powerpoint/2010/main">
+    <mc:Choice Requires="p14">
       <p:transition spd="slow" p14:dur="2000" advClick="0"/>
     </mc:Choice>
-    <mc:Fallback>
+    <mc:Fallback xmlns="">
       <p:transition xmlns:p14="http://schemas.microsoft.com/office/powerpoint/2010/main" spd="slow" advClick="0"/>
     </mc:Fallback>
   </mc:AlternateContent>
   <p:timing>
     <p:tnLst>
       <p:par>
-        <p:cTn xmlns:p14="http://schemas.microsoft.com/office/powerpoint/2010/main" id="1" dur="indefinite" restart="never" nodeType="tmRoot"/>
+        <p:cTn xmlns:p14="http://schemas.microsoft.com/office/powerpoint/2010/main" id="1" dur="indefinite" restart="never" nodeType="tmRoot">
+          <p:childTnLst>
+            <p:seq concurrent="1" nextAc="seek">
+              <p:cTn id="2" dur="indefinite" nodeType="mainSeq">
+                <p:childTnLst>
+                  <p:par>
+                    <p:cTn id="3" fill="hold">
+                      <p:stCondLst>
+                        <p:cond delay="indefinite"/>
+                      </p:stCondLst>
+                      <p:childTnLst>
+                        <p:par>
+                          <p:cTn id="4" fill="hold">
+                            <p:stCondLst>
+                              <p:cond delay="0"/>
+                            </p:stCondLst>
+                            <p:childTnLst>
+                              <p:par>
+                                <p:cTn id="5" presetID="10" presetClass="entr" presetSubtype="0" fill="hold" nodeType="clickEffect">
+                                  <p:stCondLst>
+                                    <p:cond delay="0"/>
+                                  </p:stCondLst>
+                                  <p:childTnLst>
+                                    <p:set>
+                                      <p:cBhvr>
+                                        <p:cTn id="6" dur="1" fill="hold">
+                                          <p:stCondLst>
+                                            <p:cond delay="0"/>
+                                          </p:stCondLst>
+                                        </p:cTn>
+                                        <p:tgtEl>
+                                          <p:spTgt spid="3074">
+                                            <p:txEl>
+                                              <p:pRg st="2" end="2"/>
+                                            </p:txEl>
+                                          </p:spTgt>
+                                        </p:tgtEl>
+                                        <p:attrNameLst>
+                                          <p:attrName>style.visibility</p:attrName>
+                                        </p:attrNameLst>
+                                      </p:cBhvr>
+                                      <p:to>
+                                        <p:strVal val="visible"/>
+                                      </p:to>
+                                    </p:set>
+                                    <p:animEffect transition="in" filter="fade">
+                                      <p:cBhvr>
+                                        <p:cTn id="7" dur="500"/>
+                                        <p:tgtEl>
+                                          <p:spTgt spid="3074">
+                                            <p:txEl>
+                                              <p:pRg st="2" end="2"/>
+                                            </p:txEl>
+                                          </p:spTgt>
+                                        </p:tgtEl>
+                                      </p:cBhvr>
+                                    </p:animEffect>
+                                  </p:childTnLst>
+                                </p:cTn>
+                              </p:par>
+                            </p:childTnLst>
+                          </p:cTn>
+                        </p:par>
+                      </p:childTnLst>
+                    </p:cTn>
+                  </p:par>
+                </p:childTnLst>
+              </p:cTn>
+              <p:prevCondLst>
+                <p:cond evt="onPrev" delay="0">
+                  <p:tgtEl>
+                    <p:sldTgt/>
+                  </p:tgtEl>
+                </p:cond>
+              </p:prevCondLst>
+              <p:nextCondLst>
+                <p:cond evt="onNext" delay="0">
+                  <p:tgtEl>
+                    <p:sldTgt/>
+                  </p:tgtEl>
+                </p:cond>
+              </p:nextCondLst>
+            </p:seq>
+          </p:childTnLst>
+        </p:cTn>
       </p:par>
     </p:tnLst>
   </p:timing>
@@ -12015,7 +12416,7 @@
               <a:t> by </a:t>
             </a:r>
             <a:r>
-              <a:rPr lang="en-US" sz="4800" dirty="0">
+              <a:rPr lang="en-US" sz="4800" dirty="0" smtClean="0">
                 <a:solidFill>
                   <a:srgbClr val="7030A0"/>
                 </a:solidFill>
@@ -12023,12 +12424,9 @@
               </a:rPr>
               <a:t>switching</a:t>
             </a:r>
-            <a:r>
-              <a:rPr lang="en-US" sz="4800" dirty="0">
-                <a:latin typeface="Comic Sans MS" pitchFamily="-128" charset="0"/>
-              </a:rPr>
-              <a:t>.</a:t>
-            </a:r>
+            <a:endParaRPr lang="en-US" sz="4800" dirty="0">
+              <a:latin typeface="Comic Sans MS" pitchFamily="-128" charset="0"/>
+            </a:endParaRPr>
           </a:p>
         </p:txBody>
       </p:sp>
@@ -12968,7 +13366,7 @@
       </p:grpSpPr>
       <p:sp>
         <p:nvSpPr>
-          <p:cNvPr id="37891" name="Rectangle 3"/>
+          <p:cNvPr id="14338" name="Rectangle 3"/>
           <p:cNvSpPr>
             <a:spLocks noGrp="1" noChangeArrowheads="1"/>
           </p:cNvSpPr>
@@ -12978,14 +13376,14 @@
         </p:nvSpPr>
         <p:spPr bwMode="auto">
           <a:xfrm>
-            <a:off x="609600" y="1219200"/>
-            <a:ext cx="7924800" cy="4648200"/>
+            <a:off x="533400" y="1600200"/>
+            <a:ext cx="8077200" cy="3657600"/>
           </a:xfrm>
           <a:prstGeom prst="rect">
             <a:avLst/>
           </a:prstGeom>
           <a:noFill/>
-          <a:ln>
+          <a:ln w="0">
             <a:miter lim="800000"/>
             <a:headEnd/>
             <a:tailEnd/>
@@ -12999,28 +13397,18 @@
               <a:lnSpc>
                 <a:spcPct val="80000"/>
               </a:lnSpc>
-              <a:spcBef>
-                <a:spcPts val="0"/>
-              </a:spcBef>
-              <a:spcAft>
-                <a:spcPts val="600"/>
-              </a:spcAft>
-              <a:buFontTx/>
               <a:buNone/>
             </a:pPr>
             <a:r>
-              <a:rPr lang="en-US" sz="4500" dirty="0" smtClean="0">
+              <a:rPr lang="en-US" sz="4400" dirty="0" smtClean="0">
                 <a:solidFill>
-                  <a:srgbClr val="C00000"/>
+                  <a:srgbClr val="CC0000"/>
                 </a:solidFill>
                 <a:latin typeface="Comic Sans MS" pitchFamily="-128" charset="0"/>
               </a:rPr>
-              <a:t>Another false argument:</a:t>
-            </a:r>
-            <a:endParaRPr lang="en-US" sz="4500" dirty="0" smtClean="0">
-              <a:solidFill>
-                <a:srgbClr val="FF0000"/>
-              </a:solidFill>
+              <a:t>A false conclusion:</a:t>
+            </a:r>
+            <a:endParaRPr lang="en-US" sz="4400" dirty="0" smtClean="0">
               <a:latin typeface="Comic Sans MS" pitchFamily="-128" charset="0"/>
             </a:endParaRPr>
           </a:p>
@@ -13029,26 +13417,38 @@
               <a:lnSpc>
                 <a:spcPct val="80000"/>
               </a:lnSpc>
-              <a:spcBef>
-                <a:spcPts val="0"/>
-              </a:spcBef>
-              <a:spcAft>
-                <a:spcPts val="600"/>
-              </a:spcAft>
               <a:buFontTx/>
               <a:buNone/>
             </a:pPr>
             <a:r>
-              <a:rPr lang="en-US" sz="4500" dirty="0" smtClean="0">
-                <a:latin typeface="Comic Sans MS" pitchFamily="-128" charset="0"/>
-              </a:rPr>
-              <a:t>after </a:t>
-            </a:r>
-            <a:r>
-              <a:rPr lang="en-US" sz="4500" dirty="0" smtClean="0">
-                <a:latin typeface="Comic Sans MS" pitchFamily="-128" charset="0"/>
-              </a:rPr>
-              <a:t>door opening, 1 goat</a:t>
+              <a:rPr lang="en-US" sz="4400" dirty="0" smtClean="0">
+                <a:solidFill>
+                  <a:srgbClr val="FF3C3C"/>
+                </a:solidFill>
+                <a:latin typeface="Comic Sans MS" pitchFamily="-128" charset="0"/>
+              </a:rPr>
+              <a:t>sticking</a:t>
+            </a:r>
+            <a:r>
+              <a:rPr lang="en-US" sz="4400" dirty="0" smtClean="0">
+                <a:latin typeface="Comic Sans MS" pitchFamily="-128" charset="0"/>
+              </a:rPr>
+              <a:t> and </a:t>
+            </a:r>
+            <a:r>
+              <a:rPr lang="en-US" sz="4400" dirty="0" smtClean="0">
+                <a:solidFill>
+                  <a:srgbClr val="7030A0"/>
+                </a:solidFill>
+                <a:latin typeface="Comic Sans MS" pitchFamily="-128" charset="0"/>
+              </a:rPr>
+              <a:t>switching</a:t>
+            </a:r>
+            <a:r>
+              <a:rPr lang="en-US" sz="4400" dirty="0" smtClean="0">
+                <a:latin typeface="Comic Sans MS" pitchFamily="-128" charset="0"/>
+              </a:rPr>
+              <a:t> have </a:t>
             </a:r>
           </a:p>
           <a:p>
@@ -13056,34 +13456,64 @@
               <a:lnSpc>
                 <a:spcPct val="80000"/>
               </a:lnSpc>
-              <a:spcBef>
-                <a:spcPts val="0"/>
-              </a:spcBef>
-              <a:spcAft>
-                <a:spcPts val="600"/>
-              </a:spcAft>
               <a:buFontTx/>
               <a:buNone/>
             </a:pPr>
             <a:r>
-              <a:rPr lang="en-US" sz="4500" dirty="0" smtClean="0">
-                <a:latin typeface="Comic Sans MS" pitchFamily="-128" charset="0"/>
-              </a:rPr>
-              <a:t>and </a:t>
-            </a:r>
-            <a:r>
-              <a:rPr lang="en-US" sz="4500" dirty="0" smtClean="0">
-                <a:latin typeface="Comic Sans MS" pitchFamily="-128" charset="0"/>
-              </a:rPr>
-              <a:t>1 prize are left</a:t>
-            </a:r>
-            <a:r>
-              <a:rPr lang="en-US" sz="4500" dirty="0" smtClean="0">
+              <a:rPr lang="en-US" sz="4400" dirty="0" smtClean="0">
+                <a:latin typeface="Comic Sans MS" pitchFamily="-128" charset="0"/>
+              </a:rPr>
+              <a:t>same # winning outcomes, so</a:t>
+            </a:r>
+          </a:p>
+          <a:p>
+            <a:pPr eaLnBrk="1" hangingPunct="1">
+              <a:lnSpc>
+                <a:spcPct val="80000"/>
+              </a:lnSpc>
+              <a:buFontTx/>
+              <a:buNone/>
+            </a:pPr>
+            <a:r>
+              <a:rPr lang="en-US" sz="4800" dirty="0" smtClean="0">
+                <a:latin typeface="Comic Sans MS" pitchFamily="-128" charset="0"/>
+              </a:rPr>
+              <a:t>probability of winning </a:t>
+            </a:r>
+          </a:p>
+          <a:p>
+            <a:pPr eaLnBrk="1" hangingPunct="1">
+              <a:lnSpc>
+                <a:spcPct val="80000"/>
+              </a:lnSpc>
+              <a:buFontTx/>
+              <a:buNone/>
+            </a:pPr>
+            <a:r>
+              <a:rPr lang="en-US" sz="4800" dirty="0" smtClean="0">
+                <a:latin typeface="Comic Sans MS" pitchFamily="-128" charset="0"/>
+              </a:rPr>
+              <a:t>is the same for both: </a:t>
+            </a:r>
+            <a:r>
+              <a:rPr lang="en-US" sz="4800" dirty="0" smtClean="0">
+                <a:solidFill>
+                  <a:srgbClr val="CC0000"/>
+                </a:solidFill>
+                <a:latin typeface="Comic Sans MS" pitchFamily="-128" charset="0"/>
+              </a:rPr>
+              <a:t>1/2</a:t>
+            </a:r>
+            <a:r>
+              <a:rPr lang="en-US" sz="4800" dirty="0" smtClean="0">
                 <a:latin typeface="Comic Sans MS" pitchFamily="-128" charset="0"/>
               </a:rPr>
               <a:t>.</a:t>
             </a:r>
-            <a:endParaRPr lang="en-US" sz="4500" dirty="0" smtClean="0">
+            <a:endParaRPr lang="en-US" sz="4800" dirty="0" smtClean="0">
+              <a:solidFill>
+                <a:srgbClr val="CC0000"/>
+              </a:solidFill>
               <a:latin typeface="Comic Sans MS" pitchFamily="-128" charset="0"/>
             </a:endParaRPr>
           </a:p>
@@ -13091,7 +13521,7 @@
       </p:sp>
       <p:sp>
         <p:nvSpPr>
-          <p:cNvPr id="15363" name="Rectangle 9"/>
+          <p:cNvPr id="14339" name="Rectangle 13"/>
           <p:cNvSpPr>
             <a:spLocks noGrp="1" noChangeArrowheads="1"/>
           </p:cNvSpPr>
@@ -13112,7 +13542,7 @@
           <a:p>
             <a:pPr eaLnBrk="1" hangingPunct="1"/>
             <a:r>
-              <a:rPr lang="en-US" sz="4400" dirty="0" smtClean="0">
+              <a:rPr lang="en-US" sz="4400" smtClean="0">
                 <a:solidFill>
                   <a:schemeClr val="tx1"/>
                 </a:solidFill>
@@ -13121,13 +13551,13 @@
               <a:t>Analyzing</a:t>
             </a:r>
             <a:r>
-              <a:rPr lang="en-US" sz="4400" dirty="0" smtClean="0">
+              <a:rPr lang="en-US" sz="4400" smtClean="0">
                 <a:latin typeface="Comic Sans MS" pitchFamily="-128" charset="0"/>
               </a:rPr>
               <a:t> Monty H</a:t>
             </a:r>
             <a:r>
-              <a:rPr lang="en-US" sz="3600" dirty="0" smtClean="0">
+              <a:rPr lang="en-US" sz="3600" smtClean="0">
                 <a:latin typeface="Comic Sans MS" pitchFamily="-128" charset="0"/>
               </a:rPr>
               <a:t>all</a:t>
@@ -13275,6 +13705,372 @@
           </a:p>
         </p:txBody>
       </p:sp>
+      <p:sp>
+        <p:nvSpPr>
+          <p:cNvPr id="2" name="TextBox 1"/>
+          <p:cNvSpPr txBox="1"/>
+          <p:nvPr/>
+        </p:nvSpPr>
+        <p:spPr>
+          <a:xfrm>
+            <a:off x="2819400" y="1828800"/>
+            <a:ext cx="3580540" cy="2646878"/>
+          </a:xfrm>
+          <a:prstGeom prst="rect">
+            <a:avLst/>
+          </a:prstGeom>
+          <a:noFill/>
+        </p:spPr>
+        <p:txBody>
+          <a:bodyPr wrap="none" rtlCol="0">
+            <a:spAutoFit/>
+          </a:bodyPr>
+          <a:lstStyle/>
+          <a:p>
+            <a:r>
+              <a:rPr lang="en-US" sz="16600" dirty="0" smtClean="0">
+                <a:solidFill>
+                  <a:srgbClr val="FF0000"/>
+                </a:solidFill>
+              </a:rPr>
+              <a:t>NO</a:t>
+            </a:r>
+            <a:endParaRPr lang="en-US" sz="16600" dirty="0">
+              <a:solidFill>
+                <a:srgbClr val="FF0000"/>
+              </a:solidFill>
+            </a:endParaRPr>
+          </a:p>
+        </p:txBody>
+      </p:sp>
+    </p:spTree>
+    <p:extLst>
+      <p:ext uri="{BB962C8B-B14F-4D97-AF65-F5344CB8AC3E}">
+        <p14:creationId xmlns:p14="http://schemas.microsoft.com/office/powerpoint/2010/main" val="116378243"/>
+      </p:ext>
+    </p:extLst>
+  </p:cSld>
+  <p:clrMapOvr>
+    <a:masterClrMapping/>
+  </p:clrMapOvr>
+  <p:transition xmlns:p14="http://schemas.microsoft.com/office/powerpoint/2010/main" advClick="0">
+    <p:fade/>
+  </p:transition>
+  <p:timing>
+    <p:tnLst>
+      <p:par>
+        <p:cTn xmlns:p14="http://schemas.microsoft.com/office/powerpoint/2010/main" id="1" dur="indefinite" restart="never" nodeType="tmRoot"/>
+      </p:par>
+    </p:tnLst>
+  </p:timing>
+</p:sld>
+</file>
+
+<file path=ppt/slides/slide16.xml><?xml version="1.0" encoding="utf-8"?>
+<p:sld xmlns:a="http://schemas.openxmlformats.org/drawingml/2006/main" xmlns:r="http://schemas.openxmlformats.org/officeDocument/2006/relationships" xmlns:p="http://schemas.openxmlformats.org/presentationml/2006/main">
+  <p:cSld>
+    <p:spTree>
+      <p:nvGrpSpPr>
+        <p:cNvPr id="1" name=""/>
+        <p:cNvGrpSpPr/>
+        <p:nvPr/>
+      </p:nvGrpSpPr>
+      <p:grpSpPr>
+        <a:xfrm>
+          <a:off x="0" y="0"/>
+          <a:ext cx="0" cy="0"/>
+          <a:chOff x="0" y="0"/>
+          <a:chExt cx="0" cy="0"/>
+        </a:xfrm>
+      </p:grpSpPr>
+      <p:sp>
+        <p:nvSpPr>
+          <p:cNvPr id="37891" name="Rectangle 3"/>
+          <p:cNvSpPr>
+            <a:spLocks noGrp="1" noChangeArrowheads="1"/>
+          </p:cNvSpPr>
+          <p:nvPr>
+            <p:ph type="body" sz="half" idx="4294967295"/>
+          </p:nvPr>
+        </p:nvSpPr>
+        <p:spPr bwMode="auto">
+          <a:xfrm>
+            <a:off x="609600" y="1219200"/>
+            <a:ext cx="7924800" cy="4648200"/>
+          </a:xfrm>
+          <a:prstGeom prst="rect">
+            <a:avLst/>
+          </a:prstGeom>
+          <a:noFill/>
+          <a:ln>
+            <a:miter lim="800000"/>
+            <a:headEnd/>
+            <a:tailEnd/>
+          </a:ln>
+        </p:spPr>
+        <p:txBody>
+          <a:bodyPr/>
+          <a:lstStyle/>
+          <a:p>
+            <a:pPr eaLnBrk="1" hangingPunct="1">
+              <a:lnSpc>
+                <a:spcPct val="80000"/>
+              </a:lnSpc>
+              <a:spcBef>
+                <a:spcPts val="0"/>
+              </a:spcBef>
+              <a:spcAft>
+                <a:spcPts val="600"/>
+              </a:spcAft>
+              <a:buFontTx/>
+              <a:buNone/>
+            </a:pPr>
+            <a:r>
+              <a:rPr lang="en-US" sz="4500" dirty="0" smtClean="0">
+                <a:solidFill>
+                  <a:srgbClr val="C00000"/>
+                </a:solidFill>
+                <a:latin typeface="Comic Sans MS" pitchFamily="-128" charset="0"/>
+              </a:rPr>
+              <a:t>Another false argument:</a:t>
+            </a:r>
+            <a:endParaRPr lang="en-US" sz="4500" dirty="0" smtClean="0">
+              <a:solidFill>
+                <a:srgbClr val="FF0000"/>
+              </a:solidFill>
+              <a:latin typeface="Comic Sans MS" pitchFamily="-128" charset="0"/>
+            </a:endParaRPr>
+          </a:p>
+          <a:p>
+            <a:pPr eaLnBrk="1" hangingPunct="1">
+              <a:lnSpc>
+                <a:spcPct val="80000"/>
+              </a:lnSpc>
+              <a:spcBef>
+                <a:spcPts val="0"/>
+              </a:spcBef>
+              <a:spcAft>
+                <a:spcPts val="600"/>
+              </a:spcAft>
+              <a:buFontTx/>
+              <a:buNone/>
+            </a:pPr>
+            <a:r>
+              <a:rPr lang="en-US" sz="4500" dirty="0" smtClean="0">
+                <a:latin typeface="Comic Sans MS" pitchFamily="-128" charset="0"/>
+              </a:rPr>
+              <a:t>after door opening, 1 goat</a:t>
+            </a:r>
+          </a:p>
+          <a:p>
+            <a:pPr eaLnBrk="1" hangingPunct="1">
+              <a:lnSpc>
+                <a:spcPct val="80000"/>
+              </a:lnSpc>
+              <a:spcBef>
+                <a:spcPts val="0"/>
+              </a:spcBef>
+              <a:spcAft>
+                <a:spcPts val="600"/>
+              </a:spcAft>
+              <a:buFontTx/>
+              <a:buNone/>
+            </a:pPr>
+            <a:r>
+              <a:rPr lang="en-US" sz="4500" dirty="0" smtClean="0">
+                <a:latin typeface="Comic Sans MS" pitchFamily="-128" charset="0"/>
+              </a:rPr>
+              <a:t>and 1 prize are left.</a:t>
+            </a:r>
+          </a:p>
+        </p:txBody>
+      </p:sp>
+      <p:sp>
+        <p:nvSpPr>
+          <p:cNvPr id="15363" name="Rectangle 9"/>
+          <p:cNvSpPr>
+            <a:spLocks noGrp="1" noChangeArrowheads="1"/>
+          </p:cNvSpPr>
+          <p:nvPr>
+            <p:ph type="title"/>
+          </p:nvPr>
+        </p:nvSpPr>
+        <p:spPr>
+          <a:xfrm>
+            <a:off x="1295400" y="304800"/>
+            <a:ext cx="6553200" cy="838200"/>
+          </a:xfrm>
+          <a:noFill/>
+        </p:spPr>
+        <p:txBody>
+          <a:bodyPr/>
+          <a:lstStyle/>
+          <a:p>
+            <a:pPr eaLnBrk="1" hangingPunct="1"/>
+            <a:r>
+              <a:rPr lang="en-US" sz="4400" dirty="0" smtClean="0">
+                <a:solidFill>
+                  <a:schemeClr val="tx1"/>
+                </a:solidFill>
+                <a:latin typeface="Comic Sans MS" pitchFamily="-128" charset="0"/>
+              </a:rPr>
+              <a:t>Analyzing</a:t>
+            </a:r>
+            <a:r>
+              <a:rPr lang="en-US" sz="4400" dirty="0" smtClean="0">
+                <a:latin typeface="Comic Sans MS" pitchFamily="-128" charset="0"/>
+              </a:rPr>
+              <a:t> Monty H</a:t>
+            </a:r>
+            <a:r>
+              <a:rPr lang="en-US" sz="3600" dirty="0" smtClean="0">
+                <a:latin typeface="Comic Sans MS" pitchFamily="-128" charset="0"/>
+              </a:rPr>
+              <a:t>all</a:t>
+            </a:r>
+          </a:p>
+        </p:txBody>
+      </p:sp>
+      <p:sp>
+        <p:nvSpPr>
+          <p:cNvPr id="4" name="Rectangle 11"/>
+          <p:cNvSpPr txBox="1">
+            <a:spLocks noChangeArrowheads="1"/>
+          </p:cNvSpPr>
+          <p:nvPr/>
+        </p:nvSpPr>
+        <p:spPr bwMode="auto">
+          <a:xfrm>
+            <a:off x="6400800" y="6613525"/>
+            <a:ext cx="2667000" cy="244475"/>
+          </a:xfrm>
+          <a:prstGeom prst="rect">
+            <a:avLst/>
+          </a:prstGeom>
+          <a:noFill/>
+          <a:ln w="9525">
+            <a:noFill/>
+            <a:miter lim="800000"/>
+            <a:headEnd/>
+            <a:tailEnd/>
+          </a:ln>
+          <a:effectLst/>
+        </p:spPr>
+        <p:txBody>
+          <a:bodyPr vert="horz" wrap="square" lIns="91440" tIns="45720" rIns="91440" bIns="45720" numCol="1" anchor="t" anchorCtr="0" compatLnSpc="1">
+            <a:prstTxWarp prst="textNoShape">
+              <a:avLst/>
+            </a:prstTxWarp>
+            <a:spAutoFit/>
+          </a:bodyPr>
+          <a:lstStyle>
+            <a:lvl1pPr algn="r">
+              <a:defRPr sz="1000"/>
+            </a:lvl1pPr>
+          </a:lstStyle>
+          <a:p>
+            <a:pPr marL="0" marR="0" lvl="0" indent="0" algn="r" defTabSz="914400" rtl="0" eaLnBrk="1" fontAlgn="base" latinLnBrk="0" hangingPunct="1">
+              <a:lnSpc>
+                <a:spcPct val="100000"/>
+              </a:lnSpc>
+              <a:spcBef>
+                <a:spcPct val="0"/>
+              </a:spcBef>
+              <a:spcAft>
+                <a:spcPct val="0"/>
+              </a:spcAft>
+              <a:buClrTx/>
+              <a:buSzTx/>
+              <a:buFontTx/>
+              <a:buNone/>
+              <a:tabLst/>
+              <a:defRPr/>
+            </a:pPr>
+            <a:r>
+              <a:rPr kumimoji="0" lang="en-US" sz="1000" b="0" i="0" u="none" strike="noStrike" kern="1200" cap="none" spc="0" normalizeH="0" baseline="0" noProof="0" dirty="0" err="1" smtClean="0">
+                <a:ln>
+                  <a:noFill/>
+                </a:ln>
+                <a:solidFill>
+                  <a:schemeClr val="tx1"/>
+                </a:solidFill>
+                <a:effectLst/>
+                <a:uLnTx/>
+                <a:uFillTx/>
+                <a:latin typeface="Comic Sans MS" pitchFamily="66" charset="0"/>
+                <a:ea typeface="+mn-ea"/>
+                <a:cs typeface="+mn-cs"/>
+              </a:rPr>
+              <a:t>probintro</a:t>
+            </a:r>
+            <a:r>
+              <a:rPr kumimoji="0" lang="en-US" sz="1000" b="0" i="0" u="none" strike="noStrike" kern="1200" cap="none" spc="0" normalizeH="0" baseline="0" noProof="0" dirty="0" smtClean="0">
+                <a:ln>
+                  <a:noFill/>
+                </a:ln>
+                <a:solidFill>
+                  <a:schemeClr val="tx1"/>
+                </a:solidFill>
+                <a:effectLst/>
+                <a:uLnTx/>
+                <a:uFillTx/>
+                <a:latin typeface="Comic Sans MS" pitchFamily="66" charset="0"/>
+                <a:ea typeface="+mn-ea"/>
+                <a:cs typeface="+mn-cs"/>
+              </a:rPr>
+              <a:t>.</a:t>
+            </a:r>
+            <a:fld id="{17233D2A-0857-4415-88C1-423492E69A26}" type="slidenum">
+              <a:rPr kumimoji="0" lang="en-US" sz="1000" b="0" i="0" u="none" strike="noStrike" kern="1200" cap="none" spc="0" normalizeH="0" baseline="0" noProof="0" smtClean="0">
+                <a:ln>
+                  <a:noFill/>
+                </a:ln>
+                <a:solidFill>
+                  <a:schemeClr val="tx1"/>
+                </a:solidFill>
+                <a:effectLst/>
+                <a:uLnTx/>
+                <a:uFillTx/>
+                <a:latin typeface="Comic Sans MS" pitchFamily="66" charset="0"/>
+                <a:ea typeface="+mn-ea"/>
+                <a:cs typeface="+mn-cs"/>
+              </a:rPr>
+              <a:pPr marL="0" marR="0" lvl="0" indent="0" algn="r" defTabSz="914400" rtl="0" eaLnBrk="1" fontAlgn="base" latinLnBrk="0" hangingPunct="1">
+                <a:lnSpc>
+                  <a:spcPct val="100000"/>
+                </a:lnSpc>
+                <a:spcBef>
+                  <a:spcPct val="0"/>
+                </a:spcBef>
+                <a:spcAft>
+                  <a:spcPct val="0"/>
+                </a:spcAft>
+                <a:buClrTx/>
+                <a:buSzTx/>
+                <a:buFontTx/>
+                <a:buNone/>
+                <a:tabLst/>
+                <a:defRPr/>
+              </a:pPr>
+              <a:t>16</a:t>
+            </a:fld>
+            <a:endParaRPr kumimoji="0" lang="en-US" sz="1000" b="0" i="0" u="none" strike="noStrike" kern="1200" cap="none" spc="0" normalizeH="0" baseline="0" noProof="0" dirty="0">
+              <a:ln>
+                <a:noFill/>
+              </a:ln>
+              <a:solidFill>
+                <a:schemeClr val="tx1"/>
+              </a:solidFill>
+              <a:effectLst/>
+              <a:uLnTx/>
+              <a:uFillTx/>
+              <a:latin typeface="Comic Sans MS" pitchFamily="66" charset="0"/>
+              <a:ea typeface="+mn-ea"/>
+              <a:cs typeface="+mn-cs"/>
+            </a:endParaRPr>
+          </a:p>
+        </p:txBody>
+      </p:sp>
     </p:spTree>
     <p:extLst>
       <p:ext uri="{BB962C8B-B14F-4D97-AF65-F5344CB8AC3E}">
@@ -13285,13 +14081,13 @@
   <p:clrMapOvr>
     <a:masterClrMapping/>
   </p:clrMapOvr>
-  <mc:AlternateContent xmlns:mc="http://schemas.openxmlformats.org/markup-compatibility/2006">
-    <mc:Choice xmlns:p14="http://schemas.microsoft.com/office/powerpoint/2010/main" Requires="p14">
+  <mc:AlternateContent xmlns:mc="http://schemas.openxmlformats.org/markup-compatibility/2006" xmlns:p14="http://schemas.microsoft.com/office/powerpoint/2010/main">
+    <mc:Choice Requires="p14">
       <p:transition spd="med" p14:dur="600" advClick="0">
         <p:fade/>
       </p:transition>
     </mc:Choice>
-    <mc:Fallback>
+    <mc:Fallback xmlns="">
       <p:transition xmlns:p14="http://schemas.microsoft.com/office/powerpoint/2010/main" spd="med" advClick="0">
         <p:fade/>
       </p:transition>
@@ -13434,7 +14230,7 @@
 </p:sld>
 </file>
 
-<file path=ppt/slides/slide16.xml><?xml version="1.0" encoding="utf-8"?>
+<file path=ppt/slides/slide17.xml><?xml version="1.0" encoding="utf-8"?>
 <p:sld xmlns:a="http://schemas.openxmlformats.org/drawingml/2006/main" xmlns:r="http://schemas.openxmlformats.org/officeDocument/2006/relationships" xmlns:p="http://schemas.openxmlformats.org/presentationml/2006/main">
   <p:cSld>
     <p:spTree>
@@ -13527,13 +14323,7 @@
               <a:rPr lang="en-US" sz="4500" dirty="0" smtClean="0">
                 <a:latin typeface="Comic Sans MS" pitchFamily="-128" charset="0"/>
               </a:rPr>
-              <a:t>after </a:t>
-            </a:r>
-            <a:r>
-              <a:rPr lang="en-US" sz="4500" dirty="0" smtClean="0">
-                <a:latin typeface="Comic Sans MS" pitchFamily="-128" charset="0"/>
-              </a:rPr>
-              <a:t>door opening, 1 goat</a:t>
+              <a:t>after door opening, 1 goat</a:t>
             </a:r>
           </a:p>
           <a:p>
@@ -13554,13 +14344,7 @@
               <a:rPr lang="en-US" sz="4500" dirty="0" smtClean="0">
                 <a:latin typeface="Comic Sans MS" pitchFamily="-128" charset="0"/>
               </a:rPr>
-              <a:t>and </a:t>
-            </a:r>
-            <a:r>
-              <a:rPr lang="en-US" sz="4500" dirty="0" smtClean="0">
-                <a:latin typeface="Comic Sans MS" pitchFamily="-128" charset="0"/>
-              </a:rPr>
-              <a:t>1 prize are left.  Each</a:t>
+              <a:t>and 1 prize are left.  Each</a:t>
             </a:r>
           </a:p>
           <a:p>
@@ -13581,13 +14365,7 @@
               <a:rPr lang="en-US" sz="4500" dirty="0" smtClean="0">
                 <a:latin typeface="Comic Sans MS" pitchFamily="-128" charset="0"/>
               </a:rPr>
-              <a:t>door </a:t>
-            </a:r>
-            <a:r>
-              <a:rPr lang="en-US" sz="4500" dirty="0" smtClean="0">
-                <a:latin typeface="Comic Sans MS" pitchFamily="-128" charset="0"/>
-              </a:rPr>
-              <a:t>is</a:t>
+              <a:t>door is</a:t>
             </a:r>
             <a:r>
               <a:rPr lang="en-US" sz="4500" dirty="0" smtClean="0">
@@ -13632,13 +14410,7 @@
               <a:rPr lang="en-US" sz="4500" dirty="0" smtClean="0">
                 <a:latin typeface="Comic Sans MS" pitchFamily="-128" charset="0"/>
               </a:rPr>
-              <a:t>the </a:t>
-            </a:r>
-            <a:r>
-              <a:rPr lang="en-US" sz="4500" dirty="0" smtClean="0">
-                <a:latin typeface="Comic Sans MS" pitchFamily="-128" charset="0"/>
-              </a:rPr>
-              <a:t>prize (by symmetry), so</a:t>
+              <a:t>the prize (by symmetry), so</a:t>
             </a:r>
           </a:p>
           <a:p>
@@ -13867,7 +14639,7 @@
                 <a:tabLst/>
                 <a:defRPr/>
               </a:pPr>
-              <a:t>16</a:t>
+              <a:t>17</a:t>
             </a:fld>
             <a:endParaRPr kumimoji="0" lang="en-US" sz="1000" b="0" i="0" u="none" strike="noStrike" kern="1200" cap="none" spc="0" normalizeH="0" baseline="0" noProof="0" dirty="0">
               <a:ln>
@@ -13896,13 +14668,13 @@
   <p:clrMapOvr>
     <a:masterClrMapping/>
   </p:clrMapOvr>
-  <mc:AlternateContent xmlns:mc="http://schemas.openxmlformats.org/markup-compatibility/2006">
-    <mc:Choice xmlns:p14="http://schemas.microsoft.com/office/powerpoint/2010/main" Requires="p14">
+  <mc:AlternateContent xmlns:mc="http://schemas.openxmlformats.org/markup-compatibility/2006" xmlns:p14="http://schemas.microsoft.com/office/powerpoint/2010/main">
+    <mc:Choice Requires="p14">
       <p:transition spd="med" p14:dur="600" advClick="0">
         <p:fade/>
       </p:transition>
     </mc:Choice>
-    <mc:Fallback>
+    <mc:Fallback xmlns="">
       <p:transition xmlns:p14="http://schemas.microsoft.com/office/powerpoint/2010/main" spd="med" advClick="0">
         <p:fade/>
       </p:transition>
@@ -14048,7 +14820,7 @@
 </p:sld>
 </file>
 
-<file path=ppt/slides/slide17.xml><?xml version="1.0" encoding="utf-8"?>
+<file path=ppt/slides/slide18.xml><?xml version="1.0" encoding="utf-8"?>
 <p:sld xmlns:a="http://schemas.openxmlformats.org/drawingml/2006/main" xmlns:r="http://schemas.openxmlformats.org/officeDocument/2006/relationships" xmlns:p="http://schemas.openxmlformats.org/presentationml/2006/main">
   <p:cSld>
     <p:spTree>
@@ -14067,7 +14839,7 @@
       </p:grpSpPr>
       <p:sp>
         <p:nvSpPr>
-          <p:cNvPr id="16386" name="Rectangle 4"/>
+          <p:cNvPr id="37891" name="Rectangle 3"/>
           <p:cNvSpPr>
             <a:spLocks noGrp="1" noChangeArrowheads="1"/>
           </p:cNvSpPr>
@@ -14077,8 +14849,8 @@
         </p:nvSpPr>
         <p:spPr bwMode="auto">
           <a:xfrm>
-            <a:off x="304800" y="2133600"/>
-            <a:ext cx="8382000" cy="2590800"/>
+            <a:off x="609600" y="1219200"/>
+            <a:ext cx="7924800" cy="4648200"/>
           </a:xfrm>
           <a:prstGeom prst="rect">
             <a:avLst/>
@@ -14098,29 +14870,50 @@
               <a:lnSpc>
                 <a:spcPct val="80000"/>
               </a:lnSpc>
+              <a:spcBef>
+                <a:spcPts val="0"/>
+              </a:spcBef>
+              <a:spcAft>
+                <a:spcPts val="600"/>
+              </a:spcAft>
               <a:buFontTx/>
               <a:buNone/>
             </a:pPr>
             <a:r>
-              <a:rPr lang="en-US" sz="5400" smtClean="0">
-                <a:latin typeface="Comic Sans MS" pitchFamily="-128" charset="0"/>
-              </a:rPr>
-              <a:t>What’s wrong?</a:t>
-            </a:r>
+              <a:rPr lang="en-US" sz="4500" dirty="0" smtClean="0">
+                <a:solidFill>
+                  <a:srgbClr val="C00000"/>
+                </a:solidFill>
+                <a:latin typeface="Comic Sans MS" pitchFamily="-128" charset="0"/>
+              </a:rPr>
+              <a:t>Another false argument:</a:t>
+            </a:r>
+            <a:endParaRPr lang="en-US" sz="4500" dirty="0" smtClean="0">
+              <a:solidFill>
+                <a:srgbClr val="FF0000"/>
+              </a:solidFill>
+              <a:latin typeface="Comic Sans MS" pitchFamily="-128" charset="0"/>
+            </a:endParaRPr>
           </a:p>
           <a:p>
             <a:pPr eaLnBrk="1" hangingPunct="1">
               <a:lnSpc>
                 <a:spcPct val="80000"/>
               </a:lnSpc>
+              <a:spcBef>
+                <a:spcPts val="0"/>
+              </a:spcBef>
+              <a:spcAft>
+                <a:spcPts val="600"/>
+              </a:spcAft>
               <a:buFontTx/>
               <a:buNone/>
             </a:pPr>
             <a:r>
-              <a:rPr lang="en-US" sz="5400" smtClean="0">
-                <a:latin typeface="Comic Sans MS" pitchFamily="-128" charset="0"/>
-              </a:rPr>
-              <a:t>Let’s look at the outcome </a:t>
+              <a:rPr lang="en-US" sz="4500" dirty="0" smtClean="0">
+                <a:latin typeface="Comic Sans MS" pitchFamily="-128" charset="0"/>
+              </a:rPr>
+              <a:t>after door opening, 1 goat</a:t>
             </a:r>
           </a:p>
           <a:p>
@@ -14128,21 +14921,150 @@
               <a:lnSpc>
                 <a:spcPct val="80000"/>
               </a:lnSpc>
+              <a:spcBef>
+                <a:spcPts val="0"/>
+              </a:spcBef>
+              <a:spcAft>
+                <a:spcPts val="600"/>
+              </a:spcAft>
               <a:buFontTx/>
               <a:buNone/>
             </a:pPr>
             <a:r>
-              <a:rPr lang="en-US" sz="5400" smtClean="0">
-                <a:latin typeface="Comic Sans MS" pitchFamily="-128" charset="0"/>
-              </a:rPr>
-              <a:t>tree more carefully.</a:t>
+              <a:rPr lang="en-US" sz="4500" dirty="0" smtClean="0">
+                <a:latin typeface="Comic Sans MS" pitchFamily="-128" charset="0"/>
+              </a:rPr>
+              <a:t>and 1 prize are left.  Each</a:t>
+            </a:r>
+          </a:p>
+          <a:p>
+            <a:pPr eaLnBrk="1" hangingPunct="1">
+              <a:lnSpc>
+                <a:spcPct val="80000"/>
+              </a:lnSpc>
+              <a:spcBef>
+                <a:spcPts val="0"/>
+              </a:spcBef>
+              <a:spcAft>
+                <a:spcPts val="600"/>
+              </a:spcAft>
+              <a:buFontTx/>
+              <a:buNone/>
+            </a:pPr>
+            <a:r>
+              <a:rPr lang="en-US" sz="4500" dirty="0" smtClean="0">
+                <a:latin typeface="Comic Sans MS" pitchFamily="-128" charset="0"/>
+              </a:rPr>
+              <a:t>door is</a:t>
+            </a:r>
+            <a:r>
+              <a:rPr lang="en-US" sz="4500" dirty="0" smtClean="0">
+                <a:solidFill>
+                  <a:srgbClr val="CC0000"/>
+                </a:solidFill>
+                <a:latin typeface="Comic Sans MS" pitchFamily="-128" charset="0"/>
+              </a:rPr>
+              <a:t> </a:t>
+            </a:r>
+            <a:r>
+              <a:rPr lang="en-US" sz="4500" dirty="0" smtClean="0">
+                <a:solidFill>
+                  <a:srgbClr val="FF0000"/>
+                </a:solidFill>
+                <a:latin typeface="Comic Sans MS" pitchFamily="-128" charset="0"/>
+              </a:rPr>
+              <a:t>equally likely</a:t>
+            </a:r>
+            <a:r>
+              <a:rPr lang="en-US" sz="4500" dirty="0" smtClean="0">
+                <a:latin typeface="Comic Sans MS" pitchFamily="-128" charset="0"/>
+              </a:rPr>
+              <a:t> to have</a:t>
+            </a:r>
+          </a:p>
+          <a:p>
+            <a:pPr eaLnBrk="1" hangingPunct="1">
+              <a:lnSpc>
+                <a:spcPct val="80000"/>
+              </a:lnSpc>
+              <a:spcBef>
+                <a:spcPts val="0"/>
+              </a:spcBef>
+              <a:spcAft>
+                <a:spcPts val="600"/>
+              </a:spcAft>
+              <a:buFontTx/>
+              <a:buNone/>
+            </a:pPr>
+            <a:r>
+              <a:rPr lang="en-US" sz="4500" dirty="0" smtClean="0">
+                <a:latin typeface="Comic Sans MS" pitchFamily="-128" charset="0"/>
+              </a:rPr>
+              <a:t>the prize (by symmetry), so</a:t>
+            </a:r>
+          </a:p>
+          <a:p>
+            <a:pPr eaLnBrk="1" hangingPunct="1">
+              <a:lnSpc>
+                <a:spcPct val="80000"/>
+              </a:lnSpc>
+              <a:spcBef>
+                <a:spcPts val="0"/>
+              </a:spcBef>
+              <a:spcAft>
+                <a:spcPts val="600"/>
+              </a:spcAft>
+              <a:buFontTx/>
+              <a:buNone/>
+            </a:pPr>
+            <a:r>
+              <a:rPr lang="en-US" sz="4500" dirty="0" smtClean="0">
+                <a:latin typeface="Comic Sans MS" pitchFamily="-128" charset="0"/>
+              </a:rPr>
+              <a:t>both strategies win with</a:t>
+            </a:r>
+          </a:p>
+          <a:p>
+            <a:pPr eaLnBrk="1" hangingPunct="1">
+              <a:lnSpc>
+                <a:spcPct val="80000"/>
+              </a:lnSpc>
+              <a:spcBef>
+                <a:spcPts val="0"/>
+              </a:spcBef>
+              <a:spcAft>
+                <a:spcPts val="600"/>
+              </a:spcAft>
+              <a:buFontTx/>
+              <a:buNone/>
+            </a:pPr>
+            <a:r>
+              <a:rPr lang="en-US" sz="4500" dirty="0" smtClean="0">
+                <a:latin typeface="Comic Sans MS" pitchFamily="-128" charset="0"/>
+              </a:rPr>
+              <a:t>probability: </a:t>
+            </a:r>
+            <a:r>
+              <a:rPr lang="en-US" sz="4500" dirty="0" smtClean="0">
+                <a:solidFill>
+                  <a:srgbClr val="CC0000"/>
+                </a:solidFill>
+                <a:latin typeface="Comic Sans MS" pitchFamily="-128" charset="0"/>
+              </a:rPr>
+              <a:t>1/2</a:t>
+            </a:r>
+            <a:r>
+              <a:rPr lang="en-US" sz="4500" dirty="0" smtClean="0">
+                <a:latin typeface="Comic Sans MS" pitchFamily="-128" charset="0"/>
+              </a:rPr>
+              <a:t>.</a:t>
             </a:r>
           </a:p>
         </p:txBody>
       </p:sp>
       <p:sp>
         <p:nvSpPr>
-          <p:cNvPr id="16387" name="Rectangle 9"/>
+          <p:cNvPr id="15363" name="Rectangle 9"/>
           <p:cNvSpPr>
             <a:spLocks noGrp="1" noChangeArrowheads="1"/>
           </p:cNvSpPr>
@@ -14163,7 +15085,7 @@
           <a:p>
             <a:pPr eaLnBrk="1" hangingPunct="1"/>
             <a:r>
-              <a:rPr lang="en-US" sz="4400" smtClean="0">
+              <a:rPr lang="en-US" sz="4400" dirty="0" smtClean="0">
                 <a:solidFill>
                   <a:schemeClr val="tx1"/>
                 </a:solidFill>
@@ -14172,13 +15094,13 @@
               <a:t>Analyzing</a:t>
             </a:r>
             <a:r>
-              <a:rPr lang="en-US" sz="4400" smtClean="0">
+              <a:rPr lang="en-US" sz="4400" dirty="0" smtClean="0">
                 <a:latin typeface="Comic Sans MS" pitchFamily="-128" charset="0"/>
               </a:rPr>
               <a:t> Monty H</a:t>
             </a:r>
             <a:r>
-              <a:rPr lang="en-US" sz="3600" smtClean="0">
+              <a:rPr lang="en-US" sz="3600" dirty="0" smtClean="0">
                 <a:latin typeface="Comic Sans MS" pitchFamily="-128" charset="0"/>
               </a:rPr>
               <a:t>all</a:t>
@@ -14307,7 +15229,7 @@
                 <a:tabLst/>
                 <a:defRPr/>
               </a:pPr>
-              <a:t>17</a:t>
+              <a:t>18</a:t>
             </a:fld>
             <a:endParaRPr kumimoji="0" lang="en-US" sz="1000" b="0" i="0" u="none" strike="noStrike" kern="1200" cap="none" spc="0" normalizeH="0" baseline="0" noProof="0" dirty="0">
               <a:ln>
@@ -14326,13 +15248,854 @@
           </a:p>
         </p:txBody>
       </p:sp>
+      <p:sp>
+        <p:nvSpPr>
+          <p:cNvPr id="5" name="TextBox 4"/>
+          <p:cNvSpPr txBox="1"/>
+          <p:nvPr/>
+        </p:nvSpPr>
+        <p:spPr>
+          <a:xfrm>
+            <a:off x="2819400" y="1828800"/>
+            <a:ext cx="3580540" cy="2646878"/>
+          </a:xfrm>
+          <a:prstGeom prst="rect">
+            <a:avLst/>
+          </a:prstGeom>
+          <a:noFill/>
+        </p:spPr>
+        <p:txBody>
+          <a:bodyPr wrap="none" rtlCol="0">
+            <a:spAutoFit/>
+          </a:bodyPr>
+          <a:lstStyle/>
+          <a:p>
+            <a:r>
+              <a:rPr lang="en-US" sz="16600" dirty="0" smtClean="0">
+                <a:solidFill>
+                  <a:srgbClr val="FF0000"/>
+                </a:solidFill>
+              </a:rPr>
+              <a:t>NO</a:t>
+            </a:r>
+            <a:endParaRPr lang="en-US" sz="16600" dirty="0">
+              <a:solidFill>
+                <a:srgbClr val="FF0000"/>
+              </a:solidFill>
+            </a:endParaRPr>
+          </a:p>
+        </p:txBody>
+      </p:sp>
+    </p:spTree>
+    <p:extLst>
+      <p:ext uri="{BB962C8B-B14F-4D97-AF65-F5344CB8AC3E}">
+        <p14:creationId xmlns:p14="http://schemas.microsoft.com/office/powerpoint/2010/main" val="1089149640"/>
+      </p:ext>
+    </p:extLst>
+  </p:cSld>
+  <p:clrMapOvr>
+    <a:masterClrMapping/>
+  </p:clrMapOvr>
+  <mc:AlternateContent xmlns:mc="http://schemas.openxmlformats.org/markup-compatibility/2006" xmlns:p14="http://schemas.microsoft.com/office/powerpoint/2010/main">
+    <mc:Choice Requires="p14">
+      <p:transition spd="med" p14:dur="600" advClick="0">
+        <p:fade/>
+      </p:transition>
+    </mc:Choice>
+    <mc:Fallback xmlns="">
+      <p:transition xmlns:p14="http://schemas.microsoft.com/office/powerpoint/2010/main" spd="med" advClick="0">
+        <p:fade/>
+      </p:transition>
+    </mc:Fallback>
+  </mc:AlternateContent>
+  <p:timing>
+    <p:tnLst>
+      <p:par>
+        <p:cTn xmlns:p14="http://schemas.microsoft.com/office/powerpoint/2010/main" id="1" dur="indefinite" restart="never" nodeType="tmRoot"/>
+      </p:par>
+    </p:tnLst>
+  </p:timing>
+</p:sld>
+</file>
+
+<file path=ppt/slides/slide19.xml><?xml version="1.0" encoding="utf-8"?>
+<p:sld xmlns:a="http://schemas.openxmlformats.org/drawingml/2006/main" xmlns:r="http://schemas.openxmlformats.org/officeDocument/2006/relationships" xmlns:p="http://schemas.openxmlformats.org/presentationml/2006/main">
+  <p:cSld>
+    <p:spTree>
+      <p:nvGrpSpPr>
+        <p:cNvPr id="1" name=""/>
+        <p:cNvGrpSpPr/>
+        <p:nvPr/>
+      </p:nvGrpSpPr>
+      <p:grpSpPr>
+        <a:xfrm>
+          <a:off x="0" y="0"/>
+          <a:ext cx="0" cy="0"/>
+          <a:chOff x="0" y="0"/>
+          <a:chExt cx="0" cy="0"/>
+        </a:xfrm>
+      </p:grpSpPr>
+      <p:sp>
+        <p:nvSpPr>
+          <p:cNvPr id="16386" name="Rectangle 4"/>
+          <p:cNvSpPr>
+            <a:spLocks noGrp="1" noChangeArrowheads="1"/>
+          </p:cNvSpPr>
+          <p:nvPr>
+            <p:ph type="body" sz="half" idx="4294967295"/>
+          </p:nvPr>
+        </p:nvSpPr>
+        <p:spPr bwMode="auto">
+          <a:xfrm>
+            <a:off x="304800" y="2133600"/>
+            <a:ext cx="8382000" cy="2590800"/>
+          </a:xfrm>
+          <a:prstGeom prst="rect">
+            <a:avLst/>
+          </a:prstGeom>
+          <a:noFill/>
+          <a:ln>
+            <a:miter lim="800000"/>
+            <a:headEnd/>
+            <a:tailEnd/>
+          </a:ln>
+        </p:spPr>
+        <p:txBody>
+          <a:bodyPr/>
+          <a:lstStyle/>
+          <a:p>
+            <a:pPr eaLnBrk="1" hangingPunct="1">
+              <a:lnSpc>
+                <a:spcPct val="80000"/>
+              </a:lnSpc>
+              <a:buFontTx/>
+              <a:buNone/>
+            </a:pPr>
+            <a:r>
+              <a:rPr lang="en-US" sz="5400" dirty="0" smtClean="0">
+                <a:latin typeface="Comic Sans MS" pitchFamily="-128" charset="0"/>
+              </a:rPr>
+              <a:t>What’s wrong?</a:t>
+            </a:r>
+          </a:p>
+          <a:p>
+            <a:pPr eaLnBrk="1" hangingPunct="1">
+              <a:lnSpc>
+                <a:spcPct val="80000"/>
+              </a:lnSpc>
+              <a:buFontTx/>
+              <a:buNone/>
+            </a:pPr>
+            <a:r>
+              <a:rPr lang="en-US" sz="5400" dirty="0" smtClean="0">
+                <a:latin typeface="Comic Sans MS" pitchFamily="-128" charset="0"/>
+              </a:rPr>
+              <a:t>Let’s look at the outcome </a:t>
+            </a:r>
+          </a:p>
+          <a:p>
+            <a:pPr eaLnBrk="1" hangingPunct="1">
+              <a:lnSpc>
+                <a:spcPct val="80000"/>
+              </a:lnSpc>
+              <a:buFontTx/>
+              <a:buNone/>
+            </a:pPr>
+            <a:r>
+              <a:rPr lang="en-US" sz="5400" dirty="0" smtClean="0">
+                <a:latin typeface="Comic Sans MS" pitchFamily="-128" charset="0"/>
+              </a:rPr>
+              <a:t>tree more carefully.</a:t>
+            </a:r>
+          </a:p>
+        </p:txBody>
+      </p:sp>
+      <p:sp>
+        <p:nvSpPr>
+          <p:cNvPr id="16387" name="Rectangle 9"/>
+          <p:cNvSpPr>
+            <a:spLocks noGrp="1" noChangeArrowheads="1"/>
+          </p:cNvSpPr>
+          <p:nvPr>
+            <p:ph type="title"/>
+          </p:nvPr>
+        </p:nvSpPr>
+        <p:spPr>
+          <a:xfrm>
+            <a:off x="1295400" y="304800"/>
+            <a:ext cx="6553200" cy="838200"/>
+          </a:xfrm>
+          <a:noFill/>
+        </p:spPr>
+        <p:txBody>
+          <a:bodyPr/>
+          <a:lstStyle/>
+          <a:p>
+            <a:pPr eaLnBrk="1" hangingPunct="1"/>
+            <a:r>
+              <a:rPr lang="en-US" sz="4400" smtClean="0">
+                <a:solidFill>
+                  <a:schemeClr val="tx1"/>
+                </a:solidFill>
+                <a:latin typeface="Comic Sans MS" pitchFamily="-128" charset="0"/>
+              </a:rPr>
+              <a:t>Analyzing</a:t>
+            </a:r>
+            <a:r>
+              <a:rPr lang="en-US" sz="4400" smtClean="0">
+                <a:latin typeface="Comic Sans MS" pitchFamily="-128" charset="0"/>
+              </a:rPr>
+              <a:t> Monty H</a:t>
+            </a:r>
+            <a:r>
+              <a:rPr lang="en-US" sz="3600" smtClean="0">
+                <a:latin typeface="Comic Sans MS" pitchFamily="-128" charset="0"/>
+              </a:rPr>
+              <a:t>all</a:t>
+            </a:r>
+          </a:p>
+        </p:txBody>
+      </p:sp>
+      <p:sp>
+        <p:nvSpPr>
+          <p:cNvPr id="4" name="Rectangle 11"/>
+          <p:cNvSpPr txBox="1">
+            <a:spLocks noChangeArrowheads="1"/>
+          </p:cNvSpPr>
+          <p:nvPr/>
+        </p:nvSpPr>
+        <p:spPr bwMode="auto">
+          <a:xfrm>
+            <a:off x="6400800" y="6613525"/>
+            <a:ext cx="2667000" cy="244475"/>
+          </a:xfrm>
+          <a:prstGeom prst="rect">
+            <a:avLst/>
+          </a:prstGeom>
+          <a:noFill/>
+          <a:ln w="9525">
+            <a:noFill/>
+            <a:miter lim="800000"/>
+            <a:headEnd/>
+            <a:tailEnd/>
+          </a:ln>
+          <a:effectLst/>
+        </p:spPr>
+        <p:txBody>
+          <a:bodyPr vert="horz" wrap="square" lIns="91440" tIns="45720" rIns="91440" bIns="45720" numCol="1" anchor="t" anchorCtr="0" compatLnSpc="1">
+            <a:prstTxWarp prst="textNoShape">
+              <a:avLst/>
+            </a:prstTxWarp>
+            <a:spAutoFit/>
+          </a:bodyPr>
+          <a:lstStyle>
+            <a:lvl1pPr algn="r">
+              <a:defRPr sz="1000"/>
+            </a:lvl1pPr>
+          </a:lstStyle>
+          <a:p>
+            <a:pPr marL="0" marR="0" lvl="0" indent="0" algn="r" defTabSz="914400" rtl="0" eaLnBrk="1" fontAlgn="base" latinLnBrk="0" hangingPunct="1">
+              <a:lnSpc>
+                <a:spcPct val="100000"/>
+              </a:lnSpc>
+              <a:spcBef>
+                <a:spcPct val="0"/>
+              </a:spcBef>
+              <a:spcAft>
+                <a:spcPct val="0"/>
+              </a:spcAft>
+              <a:buClrTx/>
+              <a:buSzTx/>
+              <a:buFontTx/>
+              <a:buNone/>
+              <a:tabLst/>
+              <a:defRPr/>
+            </a:pPr>
+            <a:r>
+              <a:rPr kumimoji="0" lang="en-US" sz="1000" b="0" i="0" u="none" strike="noStrike" kern="1200" cap="none" spc="0" normalizeH="0" baseline="0" noProof="0" dirty="0" err="1" smtClean="0">
+                <a:ln>
+                  <a:noFill/>
+                </a:ln>
+                <a:solidFill>
+                  <a:schemeClr val="tx1"/>
+                </a:solidFill>
+                <a:effectLst/>
+                <a:uLnTx/>
+                <a:uFillTx/>
+                <a:latin typeface="Comic Sans MS" pitchFamily="66" charset="0"/>
+                <a:ea typeface="+mn-ea"/>
+                <a:cs typeface="+mn-cs"/>
+              </a:rPr>
+              <a:t>probintro</a:t>
+            </a:r>
+            <a:r>
+              <a:rPr kumimoji="0" lang="en-US" sz="1000" b="0" i="0" u="none" strike="noStrike" kern="1200" cap="none" spc="0" normalizeH="0" baseline="0" noProof="0" dirty="0" smtClean="0">
+                <a:ln>
+                  <a:noFill/>
+                </a:ln>
+                <a:solidFill>
+                  <a:schemeClr val="tx1"/>
+                </a:solidFill>
+                <a:effectLst/>
+                <a:uLnTx/>
+                <a:uFillTx/>
+                <a:latin typeface="Comic Sans MS" pitchFamily="66" charset="0"/>
+                <a:ea typeface="+mn-ea"/>
+                <a:cs typeface="+mn-cs"/>
+              </a:rPr>
+              <a:t>.</a:t>
+            </a:r>
+            <a:fld id="{17233D2A-0857-4415-88C1-423492E69A26}" type="slidenum">
+              <a:rPr kumimoji="0" lang="en-US" sz="1000" b="0" i="0" u="none" strike="noStrike" kern="1200" cap="none" spc="0" normalizeH="0" baseline="0" noProof="0" smtClean="0">
+                <a:ln>
+                  <a:noFill/>
+                </a:ln>
+                <a:solidFill>
+                  <a:schemeClr val="tx1"/>
+                </a:solidFill>
+                <a:effectLst/>
+                <a:uLnTx/>
+                <a:uFillTx/>
+                <a:latin typeface="Comic Sans MS" pitchFamily="66" charset="0"/>
+                <a:ea typeface="+mn-ea"/>
+                <a:cs typeface="+mn-cs"/>
+              </a:rPr>
+              <a:pPr marL="0" marR="0" lvl="0" indent="0" algn="r" defTabSz="914400" rtl="0" eaLnBrk="1" fontAlgn="base" latinLnBrk="0" hangingPunct="1">
+                <a:lnSpc>
+                  <a:spcPct val="100000"/>
+                </a:lnSpc>
+                <a:spcBef>
+                  <a:spcPct val="0"/>
+                </a:spcBef>
+                <a:spcAft>
+                  <a:spcPct val="0"/>
+                </a:spcAft>
+                <a:buClrTx/>
+                <a:buSzTx/>
+                <a:buFontTx/>
+                <a:buNone/>
+                <a:tabLst/>
+                <a:defRPr/>
+              </a:pPr>
+              <a:t>19</a:t>
+            </a:fld>
+            <a:endParaRPr kumimoji="0" lang="en-US" sz="1000" b="0" i="0" u="none" strike="noStrike" kern="1200" cap="none" spc="0" normalizeH="0" baseline="0" noProof="0" dirty="0">
+              <a:ln>
+                <a:noFill/>
+              </a:ln>
+              <a:solidFill>
+                <a:schemeClr val="tx1"/>
+              </a:solidFill>
+              <a:effectLst/>
+              <a:uLnTx/>
+              <a:uFillTx/>
+              <a:latin typeface="Comic Sans MS" pitchFamily="66" charset="0"/>
+              <a:ea typeface="+mn-ea"/>
+              <a:cs typeface="+mn-cs"/>
+            </a:endParaRPr>
+          </a:p>
+        </p:txBody>
+      </p:sp>
+    </p:spTree>
+  </p:cSld>
+  <p:clrMapOvr>
+    <a:masterClrMapping/>
+  </p:clrMapOvr>
+  <mc:AlternateContent xmlns:mc="http://schemas.openxmlformats.org/markup-compatibility/2006" xmlns:p14="http://schemas.microsoft.com/office/powerpoint/2010/main">
+    <mc:Choice Requires="p14">
+      <p:transition spd="slow" p14:dur="800" advClick="0">
+        <p:fade thruBlk="1"/>
+      </p:transition>
+    </mc:Choice>
+    <mc:Fallback xmlns="">
+      <p:transition xmlns:p14="http://schemas.microsoft.com/office/powerpoint/2010/main" spd="slow" advClick="0">
+        <p:fade thruBlk="1"/>
+      </p:transition>
+    </mc:Fallback>
+  </mc:AlternateContent>
+  <p:timing>
+    <p:tnLst>
+      <p:par>
+        <p:cTn xmlns:p14="http://schemas.microsoft.com/office/powerpoint/2010/main" id="1" dur="indefinite" restart="never" nodeType="tmRoot">
+          <p:childTnLst>
+            <p:seq concurrent="1" nextAc="seek">
+              <p:cTn id="2" dur="indefinite" nodeType="mainSeq">
+                <p:childTnLst>
+                  <p:par>
+                    <p:cTn id="3" fill="hold">
+                      <p:stCondLst>
+                        <p:cond delay="indefinite"/>
+                      </p:stCondLst>
+                      <p:childTnLst>
+                        <p:par>
+                          <p:cTn id="4" fill="hold">
+                            <p:stCondLst>
+                              <p:cond delay="0"/>
+                            </p:stCondLst>
+                            <p:childTnLst>
+                              <p:par>
+                                <p:cTn id="5" presetID="10" presetClass="entr" presetSubtype="0" fill="hold" nodeType="clickEffect">
+                                  <p:stCondLst>
+                                    <p:cond delay="0"/>
+                                  </p:stCondLst>
+                                  <p:childTnLst>
+                                    <p:set>
+                                      <p:cBhvr>
+                                        <p:cTn id="6" dur="1" fill="hold">
+                                          <p:stCondLst>
+                                            <p:cond delay="0"/>
+                                          </p:stCondLst>
+                                        </p:cTn>
+                                        <p:tgtEl>
+                                          <p:spTgt spid="16386">
+                                            <p:txEl>
+                                              <p:pRg st="1" end="1"/>
+                                            </p:txEl>
+                                          </p:spTgt>
+                                        </p:tgtEl>
+                                        <p:attrNameLst>
+                                          <p:attrName>style.visibility</p:attrName>
+                                        </p:attrNameLst>
+                                      </p:cBhvr>
+                                      <p:to>
+                                        <p:strVal val="visible"/>
+                                      </p:to>
+                                    </p:set>
+                                    <p:animEffect transition="in" filter="fade">
+                                      <p:cBhvr>
+                                        <p:cTn id="7" dur="500"/>
+                                        <p:tgtEl>
+                                          <p:spTgt spid="16386">
+                                            <p:txEl>
+                                              <p:pRg st="1" end="1"/>
+                                            </p:txEl>
+                                          </p:spTgt>
+                                        </p:tgtEl>
+                                      </p:cBhvr>
+                                    </p:animEffect>
+                                  </p:childTnLst>
+                                </p:cTn>
+                              </p:par>
+                              <p:par>
+                                <p:cTn id="8" presetID="10" presetClass="entr" presetSubtype="0" fill="hold" nodeType="withEffect">
+                                  <p:stCondLst>
+                                    <p:cond delay="0"/>
+                                  </p:stCondLst>
+                                  <p:childTnLst>
+                                    <p:set>
+                                      <p:cBhvr>
+                                        <p:cTn id="9" dur="1" fill="hold">
+                                          <p:stCondLst>
+                                            <p:cond delay="0"/>
+                                          </p:stCondLst>
+                                        </p:cTn>
+                                        <p:tgtEl>
+                                          <p:spTgt spid="16386">
+                                            <p:txEl>
+                                              <p:pRg st="2" end="2"/>
+                                            </p:txEl>
+                                          </p:spTgt>
+                                        </p:tgtEl>
+                                        <p:attrNameLst>
+                                          <p:attrName>style.visibility</p:attrName>
+                                        </p:attrNameLst>
+                                      </p:cBhvr>
+                                      <p:to>
+                                        <p:strVal val="visible"/>
+                                      </p:to>
+                                    </p:set>
+                                    <p:animEffect transition="in" filter="fade">
+                                      <p:cBhvr>
+                                        <p:cTn id="10" dur="500"/>
+                                        <p:tgtEl>
+                                          <p:spTgt spid="16386">
+                                            <p:txEl>
+                                              <p:pRg st="2" end="2"/>
+                                            </p:txEl>
+                                          </p:spTgt>
+                                        </p:tgtEl>
+                                      </p:cBhvr>
+                                    </p:animEffect>
+                                  </p:childTnLst>
+                                </p:cTn>
+                              </p:par>
+                            </p:childTnLst>
+                          </p:cTn>
+                        </p:par>
+                      </p:childTnLst>
+                    </p:cTn>
+                  </p:par>
+                </p:childTnLst>
+              </p:cTn>
+              <p:prevCondLst>
+                <p:cond evt="onPrev" delay="0">
+                  <p:tgtEl>
+                    <p:sldTgt/>
+                  </p:tgtEl>
+                </p:cond>
+              </p:prevCondLst>
+              <p:nextCondLst>
+                <p:cond evt="onNext" delay="0">
+                  <p:tgtEl>
+                    <p:sldTgt/>
+                  </p:tgtEl>
+                </p:cond>
+              </p:nextCondLst>
+            </p:seq>
+          </p:childTnLst>
+        </p:cTn>
+      </p:par>
+    </p:tnLst>
+  </p:timing>
+</p:sld>
+</file>
+
+<file path=ppt/slides/slide2.xml><?xml version="1.0" encoding="utf-8"?>
+<p:sld xmlns:a="http://schemas.openxmlformats.org/drawingml/2006/main" xmlns:r="http://schemas.openxmlformats.org/officeDocument/2006/relationships" xmlns:p="http://schemas.openxmlformats.org/presentationml/2006/main">
+  <p:cSld>
+    <p:spTree>
+      <p:nvGrpSpPr>
+        <p:cNvPr id="1" name=""/>
+        <p:cNvGrpSpPr/>
+        <p:nvPr/>
+      </p:nvGrpSpPr>
+      <p:grpSpPr>
+        <a:xfrm>
+          <a:off x="0" y="0"/>
+          <a:ext cx="0" cy="0"/>
+          <a:chOff x="0" y="0"/>
+          <a:chExt cx="0" cy="0"/>
+        </a:xfrm>
+      </p:grpSpPr>
+      <p:sp>
+        <p:nvSpPr>
+          <p:cNvPr id="4098" name="Rectangle 2"/>
+          <p:cNvSpPr>
+            <a:spLocks noGrp="1" noChangeArrowheads="1"/>
+          </p:cNvSpPr>
+          <p:nvPr>
+            <p:ph type="title"/>
+          </p:nvPr>
+        </p:nvSpPr>
+        <p:spPr/>
+        <p:txBody>
+          <a:bodyPr/>
+          <a:lstStyle/>
+          <a:p>
+            <a:pPr eaLnBrk="1" hangingPunct="1"/>
+            <a:r>
+              <a:rPr lang="en-US" sz="4400" smtClean="0">
+                <a:latin typeface="Comic Sans MS" pitchFamily="-128" charset="0"/>
+              </a:rPr>
+              <a:t>Counting in Probability</a:t>
+            </a:r>
+          </a:p>
+        </p:txBody>
+      </p:sp>
+      <p:sp>
+        <p:nvSpPr>
+          <p:cNvPr id="4099" name="Rectangle 3"/>
+          <p:cNvSpPr>
+            <a:spLocks noGrp="1" noChangeArrowheads="1"/>
+          </p:cNvSpPr>
+          <p:nvPr>
+            <p:ph type="body" idx="4294967295"/>
+          </p:nvPr>
+        </p:nvSpPr>
+        <p:spPr bwMode="auto">
+          <a:xfrm>
+            <a:off x="76200" y="1676400"/>
+            <a:ext cx="6248400" cy="3352800"/>
+          </a:xfrm>
+          <a:prstGeom prst="rect">
+            <a:avLst/>
+          </a:prstGeom>
+          <a:noFill/>
+          <a:ln>
+            <a:miter lim="800000"/>
+            <a:headEnd/>
+            <a:tailEnd/>
+          </a:ln>
+        </p:spPr>
+        <p:txBody>
+          <a:bodyPr wrap="square">
+            <a:spAutoFit/>
+          </a:bodyPr>
+          <a:lstStyle/>
+          <a:p>
+            <a:pPr marL="0" indent="0" eaLnBrk="1" hangingPunct="1">
+              <a:buFontTx/>
+              <a:buNone/>
+            </a:pPr>
+            <a:r>
+              <a:rPr lang="en-US" sz="4400" dirty="0" smtClean="0">
+                <a:latin typeface="Comic Sans MS" pitchFamily="-128" charset="0"/>
+              </a:rPr>
+              <a:t>What is</a:t>
+            </a:r>
+            <a:r>
+              <a:rPr lang="en-US" sz="4400" dirty="0" smtClean="0">
+                <a:solidFill>
+                  <a:srgbClr val="0033CC"/>
+                </a:solidFill>
+                <a:latin typeface="Comic Sans MS" pitchFamily="-128" charset="0"/>
+              </a:rPr>
+              <a:t> </a:t>
+            </a:r>
+            <a:r>
+              <a:rPr lang="en-US" sz="4400" dirty="0" smtClean="0">
+                <a:latin typeface="Comic Sans MS" pitchFamily="-128" charset="0"/>
+              </a:rPr>
+              <a:t>the</a:t>
+            </a:r>
+            <a:r>
+              <a:rPr lang="en-US" sz="4400" dirty="0" smtClean="0">
+                <a:solidFill>
+                  <a:srgbClr val="0033CC"/>
+                </a:solidFill>
+                <a:latin typeface="Comic Sans MS" pitchFamily="-128" charset="0"/>
+              </a:rPr>
+              <a:t> </a:t>
+            </a:r>
+            <a:r>
+              <a:rPr lang="en-US" sz="4400" i="1" dirty="0" smtClean="0">
+                <a:latin typeface="Comic Sans MS" pitchFamily="-128" charset="0"/>
+              </a:rPr>
+              <a:t>probability</a:t>
+            </a:r>
+            <a:r>
+              <a:rPr lang="en-US" sz="4400" dirty="0" smtClean="0">
+                <a:latin typeface="Comic Sans MS" pitchFamily="-128" charset="0"/>
+              </a:rPr>
+              <a:t> of getting</a:t>
+            </a:r>
+          </a:p>
+          <a:p>
+            <a:pPr marL="0" indent="0" algn="ctr" eaLnBrk="1" hangingPunct="1">
+              <a:buFontTx/>
+              <a:buNone/>
+            </a:pPr>
+            <a:r>
+              <a:rPr lang="en-US" sz="5400" dirty="0" smtClean="0">
+                <a:solidFill>
+                  <a:srgbClr val="7030A0"/>
+                </a:solidFill>
+                <a:latin typeface="Comic Sans MS" pitchFamily="-128" charset="0"/>
+              </a:rPr>
+              <a:t>exactly two</a:t>
+            </a:r>
+            <a:r>
+              <a:rPr lang="en-US" sz="4400" dirty="0" smtClean="0">
+                <a:solidFill>
+                  <a:srgbClr val="7030A0"/>
+                </a:solidFill>
+                <a:latin typeface="Comic Sans MS" pitchFamily="-128" charset="0"/>
+              </a:rPr>
+              <a:t> </a:t>
+            </a:r>
+            <a:r>
+              <a:rPr lang="en-US" sz="5400" dirty="0" smtClean="0">
+                <a:solidFill>
+                  <a:srgbClr val="7030A0"/>
+                </a:solidFill>
+                <a:latin typeface="Comic Sans MS" pitchFamily="-128" charset="0"/>
+              </a:rPr>
+              <a:t>jacks</a:t>
+            </a:r>
+          </a:p>
+          <a:p>
+            <a:pPr marL="0" indent="0" eaLnBrk="1" hangingPunct="1">
+              <a:buFontTx/>
+              <a:buNone/>
+            </a:pPr>
+            <a:r>
+              <a:rPr lang="en-US" sz="4400" dirty="0" smtClean="0">
+                <a:latin typeface="Comic Sans MS" pitchFamily="-128" charset="0"/>
+              </a:rPr>
+              <a:t>in a poker hand?</a:t>
+            </a:r>
+          </a:p>
+        </p:txBody>
+      </p:sp>
+      <p:pic>
+        <p:nvPicPr>
+          <p:cNvPr id="4100" name="Picture 4" descr="sl12212"/>
+          <p:cNvPicPr>
+            <a:picLocks noChangeAspect="1" noChangeArrowheads="1"/>
+          </p:cNvPicPr>
+          <p:nvPr/>
+        </p:nvPicPr>
+        <p:blipFill>
+          <a:blip r:embed="rId3"/>
+          <a:srcRect/>
+          <a:stretch>
+            <a:fillRect/>
+          </a:stretch>
+        </p:blipFill>
+        <p:spPr bwMode="auto">
+          <a:xfrm>
+            <a:off x="6683375" y="1905000"/>
+            <a:ext cx="2003425" cy="2540000"/>
+          </a:xfrm>
+          <a:prstGeom prst="rect">
+            <a:avLst/>
+          </a:prstGeom>
+          <a:noFill/>
+          <a:ln w="9525">
+            <a:noFill/>
+            <a:miter lim="800000"/>
+            <a:headEnd/>
+            <a:tailEnd/>
+          </a:ln>
+        </p:spPr>
+      </p:pic>
+      <p:sp>
+        <p:nvSpPr>
+          <p:cNvPr id="5" name="Rectangle 11"/>
+          <p:cNvSpPr txBox="1">
+            <a:spLocks noChangeArrowheads="1"/>
+          </p:cNvSpPr>
+          <p:nvPr/>
+        </p:nvSpPr>
+        <p:spPr bwMode="auto">
+          <a:xfrm>
+            <a:off x="6400800" y="6613525"/>
+            <a:ext cx="2667000" cy="244475"/>
+          </a:xfrm>
+          <a:prstGeom prst="rect">
+            <a:avLst/>
+          </a:prstGeom>
+          <a:noFill/>
+          <a:ln w="9525">
+            <a:noFill/>
+            <a:miter lim="800000"/>
+            <a:headEnd/>
+            <a:tailEnd/>
+          </a:ln>
+          <a:effectLst/>
+        </p:spPr>
+        <p:txBody>
+          <a:bodyPr vert="horz" wrap="square" lIns="91440" tIns="45720" rIns="91440" bIns="45720" numCol="1" anchor="t" anchorCtr="0" compatLnSpc="1">
+            <a:prstTxWarp prst="textNoShape">
+              <a:avLst/>
+            </a:prstTxWarp>
+            <a:spAutoFit/>
+          </a:bodyPr>
+          <a:lstStyle>
+            <a:lvl1pPr algn="r">
+              <a:defRPr sz="1000"/>
+            </a:lvl1pPr>
+          </a:lstStyle>
+          <a:p>
+            <a:pPr marL="0" marR="0" lvl="0" indent="0" algn="r" defTabSz="914400" rtl="0" eaLnBrk="1" fontAlgn="base" latinLnBrk="0" hangingPunct="1">
+              <a:lnSpc>
+                <a:spcPct val="100000"/>
+              </a:lnSpc>
+              <a:spcBef>
+                <a:spcPct val="0"/>
+              </a:spcBef>
+              <a:spcAft>
+                <a:spcPct val="0"/>
+              </a:spcAft>
+              <a:buClrTx/>
+              <a:buSzTx/>
+              <a:buFontTx/>
+              <a:buNone/>
+              <a:tabLst/>
+              <a:defRPr/>
+            </a:pPr>
+            <a:r>
+              <a:rPr kumimoji="0" lang="en-US" sz="1000" b="0" i="0" u="none" strike="noStrike" kern="1200" cap="none" spc="0" normalizeH="0" baseline="0" noProof="0" dirty="0" err="1" smtClean="0">
+                <a:ln>
+                  <a:noFill/>
+                </a:ln>
+                <a:solidFill>
+                  <a:schemeClr val="tx1"/>
+                </a:solidFill>
+                <a:effectLst/>
+                <a:uLnTx/>
+                <a:uFillTx/>
+                <a:latin typeface="Comic Sans MS" pitchFamily="66" charset="0"/>
+                <a:ea typeface="+mn-ea"/>
+                <a:cs typeface="+mn-cs"/>
+              </a:rPr>
+              <a:t>probintro</a:t>
+            </a:r>
+            <a:r>
+              <a:rPr kumimoji="0" lang="en-US" sz="1000" b="0" i="0" u="none" strike="noStrike" kern="1200" cap="none" spc="0" normalizeH="0" baseline="0" noProof="0" dirty="0" smtClean="0">
+                <a:ln>
+                  <a:noFill/>
+                </a:ln>
+                <a:solidFill>
+                  <a:schemeClr val="tx1"/>
+                </a:solidFill>
+                <a:effectLst/>
+                <a:uLnTx/>
+                <a:uFillTx/>
+                <a:latin typeface="Comic Sans MS" pitchFamily="66" charset="0"/>
+                <a:ea typeface="+mn-ea"/>
+                <a:cs typeface="+mn-cs"/>
+              </a:rPr>
+              <a:t>.</a:t>
+            </a:r>
+            <a:fld id="{17233D2A-0857-4415-88C1-423492E69A26}" type="slidenum">
+              <a:rPr kumimoji="0" lang="en-US" sz="1000" b="0" i="0" u="none" strike="noStrike" kern="1200" cap="none" spc="0" normalizeH="0" baseline="0" noProof="0" smtClean="0">
+                <a:ln>
+                  <a:noFill/>
+                </a:ln>
+                <a:solidFill>
+                  <a:schemeClr val="tx1"/>
+                </a:solidFill>
+                <a:effectLst/>
+                <a:uLnTx/>
+                <a:uFillTx/>
+                <a:latin typeface="Comic Sans MS" pitchFamily="66" charset="0"/>
+                <a:ea typeface="+mn-ea"/>
+                <a:cs typeface="+mn-cs"/>
+              </a:rPr>
+              <a:pPr marL="0" marR="0" lvl="0" indent="0" algn="r" defTabSz="914400" rtl="0" eaLnBrk="1" fontAlgn="base" latinLnBrk="0" hangingPunct="1">
+                <a:lnSpc>
+                  <a:spcPct val="100000"/>
+                </a:lnSpc>
+                <a:spcBef>
+                  <a:spcPct val="0"/>
+                </a:spcBef>
+                <a:spcAft>
+                  <a:spcPct val="0"/>
+                </a:spcAft>
+                <a:buClrTx/>
+                <a:buSzTx/>
+                <a:buFontTx/>
+                <a:buNone/>
+                <a:tabLst/>
+                <a:defRPr/>
+              </a:pPr>
+              <a:t>2</a:t>
+            </a:fld>
+            <a:endParaRPr kumimoji="0" lang="en-US" sz="1000" b="0" i="0" u="none" strike="noStrike" kern="1200" cap="none" spc="0" normalizeH="0" baseline="0" noProof="0" dirty="0">
+              <a:ln>
+                <a:noFill/>
+              </a:ln>
+              <a:solidFill>
+                <a:schemeClr val="tx1"/>
+              </a:solidFill>
+              <a:effectLst/>
+              <a:uLnTx/>
+              <a:uFillTx/>
+              <a:latin typeface="Comic Sans MS" pitchFamily="66" charset="0"/>
+              <a:ea typeface="+mn-ea"/>
+              <a:cs typeface="+mn-cs"/>
+            </a:endParaRPr>
+          </a:p>
+        </p:txBody>
+      </p:sp>
     </p:spTree>
   </p:cSld>
   <p:clrMapOvr>
     <a:masterClrMapping/>
   </p:clrMapOvr>
   <p:transition xmlns:p14="http://schemas.microsoft.com/office/powerpoint/2010/main" spd="slow" advClick="0">
-    <p:fade/>
+    <p:fade thruBlk="1"/>
   </p:transition>
   <p:timing>
     <p:tnLst>
@@ -14344,7 +16107,7 @@
 </p:sld>
 </file>
 
-<file path=ppt/slides/slide18.xml><?xml version="1.0" encoding="utf-8"?>
+<file path=ppt/slides/slide20.xml><?xml version="1.0" encoding="utf-8"?>
 <p:sld xmlns:a="http://schemas.openxmlformats.org/drawingml/2006/main" xmlns:r="http://schemas.openxmlformats.org/officeDocument/2006/relationships" xmlns:p="http://schemas.openxmlformats.org/presentationml/2006/main">
   <p:cSld>
     <p:spTree>
@@ -18480,9 +20243,7 @@
           </a:prstGeom>
           <a:noFill/>
           <a:ln w="38100">
-            <a:solidFill>
-              <a:srgbClr val="0000FF"/>
-            </a:solidFill>
+            <a:noFill/>
             <a:prstDash val="sysDash"/>
             <a:miter lim="800000"/>
             <a:headEnd/>
@@ -18496,7 +20257,7 @@
           <a:lstStyle/>
           <a:p>
             <a:r>
-              <a:rPr lang="en-US" sz="2800">
+              <a:rPr lang="en-US" sz="2800" dirty="0">
                 <a:solidFill>
                   <a:srgbClr val="008000"/>
                 </a:solidFill>
@@ -18505,13 +20266,13 @@
               <a:t>W</a:t>
             </a:r>
             <a:r>
-              <a:rPr lang="en-US" sz="2800">
+              <a:rPr lang="en-US" sz="2800" dirty="0">
                 <a:latin typeface="Comic Sans MS" pitchFamily="-128" charset="0"/>
               </a:rPr>
               <a:t>: 6/9  = </a:t>
             </a:r>
             <a:r>
-              <a:rPr lang="en-US" sz="2800" b="1">
+              <a:rPr lang="en-US" sz="2800" b="1" dirty="0">
                 <a:solidFill>
                   <a:srgbClr val="008000"/>
                 </a:solidFill>
@@ -18521,13 +20282,13 @@
             </a:r>
           </a:p>
           <a:p>
-            <a:endParaRPr lang="en-US" sz="2800">
+            <a:endParaRPr lang="en-US" sz="2800" dirty="0">
               <a:latin typeface="Comic Sans MS" pitchFamily="-128" charset="0"/>
             </a:endParaRPr>
           </a:p>
           <a:p>
             <a:r>
-              <a:rPr lang="en-US" sz="2800">
+              <a:rPr lang="en-US" sz="2800" dirty="0">
                 <a:solidFill>
                   <a:srgbClr val="33CC33"/>
                 </a:solidFill>
@@ -18536,7 +20297,7 @@
               <a:t> </a:t>
             </a:r>
             <a:r>
-              <a:rPr lang="en-US" sz="2800">
+              <a:rPr lang="en-US" sz="2800" dirty="0">
                 <a:solidFill>
                   <a:srgbClr val="CC0000"/>
                 </a:solidFill>
@@ -18545,13 +20306,13 @@
               <a:t>L</a:t>
             </a:r>
             <a:r>
-              <a:rPr lang="en-US" sz="2800">
+              <a:rPr lang="en-US" sz="2800" dirty="0">
                 <a:latin typeface="Comic Sans MS" pitchFamily="-128" charset="0"/>
               </a:rPr>
               <a:t>: 6/18 = </a:t>
             </a:r>
             <a:r>
-              <a:rPr lang="en-US" sz="2800" b="1">
+              <a:rPr lang="en-US" sz="2800" b="1" dirty="0">
                 <a:solidFill>
                   <a:srgbClr val="CC0000"/>
                 </a:solidFill>
@@ -19435,9 +21196,76 @@
               <a:pPr>
                 <a:defRPr/>
               </a:pPr>
-              <a:t>18</a:t>
+              <a:t>20</a:t>
             </a:fld>
             <a:endParaRPr lang="en-US" dirty="0"/>
+          </a:p>
+        </p:txBody>
+      </p:sp>
+      <p:sp>
+        <p:nvSpPr>
+          <p:cNvPr id="3" name="Rectangle 2"/>
+          <p:cNvSpPr/>
+          <p:nvPr/>
+        </p:nvSpPr>
+        <p:spPr bwMode="auto">
+          <a:xfrm>
+            <a:off x="6477000" y="2209800"/>
+            <a:ext cx="2514600" cy="1676400"/>
+          </a:xfrm>
+          <a:prstGeom prst="rect">
+            <a:avLst/>
+          </a:prstGeom>
+          <a:solidFill>
+            <a:schemeClr val="accent1">
+              <a:alpha val="0"/>
+            </a:schemeClr>
+          </a:solidFill>
+          <a:ln w="44450" cap="flat" cmpd="sng" algn="ctr">
+            <a:solidFill>
+              <a:srgbClr val="FF00FF"/>
+            </a:solidFill>
+            <a:prstDash val="sysDash"/>
+            <a:round/>
+            <a:headEnd type="none" w="med" len="med"/>
+            <a:tailEnd type="none" w="med" len="med"/>
+          </a:ln>
+          <a:effectLst/>
+        </p:spPr>
+        <p:txBody>
+          <a:bodyPr vert="horz" wrap="square" lIns="91440" tIns="45720" rIns="91440" bIns="45720" numCol="1" rtlCol="0" anchor="t" anchorCtr="0" compatLnSpc="1">
+            <a:prstTxWarp prst="textNoShape">
+              <a:avLst/>
+            </a:prstTxWarp>
+          </a:bodyPr>
+          <a:lstStyle/>
+          <a:p>
+            <a:pPr marL="0" marR="0" indent="0" algn="l" defTabSz="914400" rtl="0" eaLnBrk="1" fontAlgn="base" latinLnBrk="0" hangingPunct="1">
+              <a:lnSpc>
+                <a:spcPct val="100000"/>
+              </a:lnSpc>
+              <a:spcBef>
+                <a:spcPct val="0"/>
+              </a:spcBef>
+              <a:spcAft>
+                <a:spcPct val="0"/>
+              </a:spcAft>
+              <a:buClrTx/>
+              <a:buSzTx/>
+              <a:buFontTx/>
+              <a:buNone/>
+              <a:tabLst/>
+            </a:pPr>
+            <a:endParaRPr kumimoji="0" lang="en-US" sz="4400" b="0" i="0" u="none" strike="noStrike" cap="none" normalizeH="0" baseline="0" smtClean="0">
+              <a:ln>
+                <a:noFill/>
+              </a:ln>
+              <a:solidFill>
+                <a:schemeClr val="tx1"/>
+              </a:solidFill>
+              <a:effectLst/>
+              <a:latin typeface="Comic Sans MS" pitchFamily="66" charset="0"/>
+            </a:endParaRPr>
           </a:p>
         </p:txBody>
       </p:sp>
@@ -19446,13 +21274,13 @@
   <p:clrMapOvr>
     <a:masterClrMapping/>
   </p:clrMapOvr>
-  <mc:AlternateContent xmlns:mc="http://schemas.openxmlformats.org/markup-compatibility/2006">
-    <mc:Choice xmlns:p14="http://schemas.microsoft.com/office/powerpoint/2010/main" Requires="p14">
+  <mc:AlternateContent xmlns:mc="http://schemas.openxmlformats.org/markup-compatibility/2006" xmlns:p14="http://schemas.microsoft.com/office/powerpoint/2010/main">
+    <mc:Choice Requires="p14">
       <p:transition spd="med" p14:dur="700" advClick="0">
         <p:fade thruBlk="1"/>
       </p:transition>
     </mc:Choice>
-    <mc:Fallback>
+    <mc:Fallback xmlns="">
       <p:transition xmlns:p14="http://schemas.microsoft.com/office/powerpoint/2010/main" spd="med" advClick="0">
         <p:fade thruBlk="1"/>
       </p:transition>
@@ -20857,7 +22685,7 @@
                             </p:stCondLst>
                             <p:childTnLst>
                               <p:par>
-                                <p:cTn id="126" presetID="10" presetClass="entr" presetSubtype="0" fill="hold" grpId="0" nodeType="clickEffect">
+                                <p:cTn id="126" presetID="10" presetClass="entr" presetSubtype="0" fill="hold" nodeType="clickEffect">
                                   <p:stCondLst>
                                     <p:cond delay="0"/>
                                   </p:stCondLst>
@@ -20870,7 +22698,11 @@
                                           </p:stCondLst>
                                         </p:cTn>
                                         <p:tgtEl>
-                                          <p:spTgt spid="31854"/>
+                                          <p:spTgt spid="31854">
+                                            <p:txEl>
+                                              <p:pRg st="0" end="0"/>
+                                            </p:txEl>
+                                          </p:spTgt>
                                         </p:tgtEl>
                                         <p:attrNameLst>
                                           <p:attrName>style.visibility</p:attrName>
@@ -20884,7 +22716,125 @@
                                       <p:cBhvr>
                                         <p:cTn id="128" dur="500"/>
                                         <p:tgtEl>
-                                          <p:spTgt spid="31854"/>
+                                          <p:spTgt spid="31854">
+                                            <p:txEl>
+                                              <p:pRg st="0" end="0"/>
+                                            </p:txEl>
+                                          </p:spTgt>
+                                        </p:tgtEl>
+                                      </p:cBhvr>
+                                    </p:animEffect>
+                                  </p:childTnLst>
+                                </p:cTn>
+                              </p:par>
+                            </p:childTnLst>
+                          </p:cTn>
+                        </p:par>
+                      </p:childTnLst>
+                    </p:cTn>
+                  </p:par>
+                  <p:par>
+                    <p:cTn id="129" fill="hold">
+                      <p:stCondLst>
+                        <p:cond delay="indefinite"/>
+                      </p:stCondLst>
+                      <p:childTnLst>
+                        <p:par>
+                          <p:cTn id="130" fill="hold">
+                            <p:stCondLst>
+                              <p:cond delay="0"/>
+                            </p:stCondLst>
+                            <p:childTnLst>
+                              <p:par>
+                                <p:cTn id="131" presetID="10" presetClass="entr" presetSubtype="0" fill="hold" nodeType="clickEffect">
+                                  <p:stCondLst>
+                                    <p:cond delay="0"/>
+                                  </p:stCondLst>
+                                  <p:childTnLst>
+                                    <p:set>
+                                      <p:cBhvr>
+                                        <p:cTn id="132" dur="1" fill="hold">
+                                          <p:stCondLst>
+                                            <p:cond delay="0"/>
+                                          </p:stCondLst>
+                                        </p:cTn>
+                                        <p:tgtEl>
+                                          <p:spTgt spid="31854">
+                                            <p:txEl>
+                                              <p:pRg st="2" end="2"/>
+                                            </p:txEl>
+                                          </p:spTgt>
+                                        </p:tgtEl>
+                                        <p:attrNameLst>
+                                          <p:attrName>style.visibility</p:attrName>
+                                        </p:attrNameLst>
+                                      </p:cBhvr>
+                                      <p:to>
+                                        <p:strVal val="visible"/>
+                                      </p:to>
+                                    </p:set>
+                                    <p:animEffect transition="in" filter="fade">
+                                      <p:cBhvr>
+                                        <p:cTn id="133" dur="500"/>
+                                        <p:tgtEl>
+                                          <p:spTgt spid="31854">
+                                            <p:txEl>
+                                              <p:pRg st="2" end="2"/>
+                                            </p:txEl>
+                                          </p:spTgt>
+                                        </p:tgtEl>
+                                      </p:cBhvr>
+                                    </p:animEffect>
+                                  </p:childTnLst>
+                                </p:cTn>
+                              </p:par>
+                            </p:childTnLst>
+                          </p:cTn>
+                        </p:par>
+                      </p:childTnLst>
+                    </p:cTn>
+                  </p:par>
+                  <p:par>
+                    <p:cTn id="134" fill="hold">
+                      <p:stCondLst>
+                        <p:cond delay="indefinite"/>
+                      </p:stCondLst>
+                      <p:childTnLst>
+                        <p:par>
+                          <p:cTn id="135" fill="hold">
+                            <p:stCondLst>
+                              <p:cond delay="0"/>
+                            </p:stCondLst>
+                            <p:childTnLst>
+                              <p:par>
+                                <p:cTn id="136" presetID="10" presetClass="entr" presetSubtype="0" fill="hold" grpId="0" nodeType="clickEffect">
+                                  <p:stCondLst>
+                                    <p:cond delay="0"/>
+                                  </p:stCondLst>
+                                  <p:childTnLst>
+                                    <p:set>
+                                      <p:cBhvr>
+                                        <p:cTn id="137" dur="1" fill="hold">
+                                          <p:stCondLst>
+                                            <p:cond delay="0"/>
+                                          </p:stCondLst>
+                                        </p:cTn>
+                                        <p:tgtEl>
+                                          <p:spTgt spid="3"/>
+                                        </p:tgtEl>
+                                        <p:attrNameLst>
+                                          <p:attrName>style.visibility</p:attrName>
+                                        </p:attrNameLst>
+                                      </p:cBhvr>
+                                      <p:to>
+                                        <p:strVal val="visible"/>
+                                      </p:to>
+                                    </p:set>
+                                    <p:animEffect transition="in" filter="fade">
+                                      <p:cBhvr>
+                                        <p:cTn id="138" dur="500"/>
+                                        <p:tgtEl>
+                                          <p:spTgt spid="3"/>
                                         </p:tgtEl>
                                       </p:cBhvr>
                                     </p:animEffect>
@@ -20950,18 +22900,325 @@
       <p:bldP spid="31851" grpId="0"/>
       <p:bldP spid="31852" grpId="0"/>
       <p:bldP spid="31853" grpId="0"/>
-      <p:bldP spid="31854" grpId="0" animBg="1"/>
       <p:bldP spid="31856" grpId="0"/>
       <p:bldP spid="31857" grpId="0"/>
       <p:bldP spid="31858" grpId="0"/>
       <p:bldP spid="31859" grpId="0"/>
       <p:bldP spid="31860" grpId="0"/>
+      <p:bldP spid="3" grpId="0" animBg="1"/>
     </p:bldLst>
   </p:timing>
 </p:sld>
 </file>
 
-<file path=ppt/slides/slide19.xml><?xml version="1.0" encoding="utf-8"?>
+<file path=ppt/slides/slide21.xml><?xml version="1.0" encoding="utf-8"?>
+<p:sld xmlns:a="http://schemas.openxmlformats.org/drawingml/2006/main" xmlns:r="http://schemas.openxmlformats.org/officeDocument/2006/relationships" xmlns:p="http://schemas.openxmlformats.org/presentationml/2006/main">
+  <p:cSld>
+    <p:spTree>
+      <p:nvGrpSpPr>
+        <p:cNvPr id="1" name=""/>
+        <p:cNvGrpSpPr/>
+        <p:nvPr/>
+      </p:nvGrpSpPr>
+      <p:grpSpPr>
+        <a:xfrm>
+          <a:off x="0" y="0"/>
+          <a:ext cx="0" cy="0"/>
+          <a:chOff x="0" y="0"/>
+          <a:chExt cx="0" cy="0"/>
+        </a:xfrm>
+      </p:grpSpPr>
+      <p:sp>
+        <p:nvSpPr>
+          <p:cNvPr id="2" name="Slide Number Placeholder 1"/>
+          <p:cNvSpPr>
+            <a:spLocks noGrp="1"/>
+          </p:cNvSpPr>
+          <p:nvPr>
+            <p:ph type="sldNum" sz="quarter" idx="4"/>
+          </p:nvPr>
+        </p:nvSpPr>
+        <p:spPr/>
+        <p:txBody>
+          <a:bodyPr/>
+          <a:lstStyle/>
+          <a:p>
+            <a:pPr>
+              <a:defRPr/>
+            </a:pPr>
+            <a:r>
+              <a:rPr lang="en-US" smtClean="0"/>
+              <a:t>probintro.</a:t>
+            </a:r>
+            <a:fld id="{17233D2A-0857-4415-88C1-423492E69A26}" type="slidenum">
+              <a:rPr lang="en-US" smtClean="0"/>
+              <a:pPr>
+                <a:defRPr/>
+              </a:pPr>
+              <a:t>21</a:t>
+            </a:fld>
+            <a:endParaRPr lang="en-US" dirty="0"/>
+          </a:p>
+        </p:txBody>
+      </p:sp>
+      <p:sp>
+        <p:nvSpPr>
+          <p:cNvPr id="4" name="TextBox 3"/>
+          <p:cNvSpPr txBox="1"/>
+          <p:nvPr/>
+        </p:nvSpPr>
+        <p:spPr>
+          <a:xfrm>
+            <a:off x="1524000" y="1600200"/>
+            <a:ext cx="6126722" cy="1107996"/>
+          </a:xfrm>
+          <a:prstGeom prst="rect">
+            <a:avLst/>
+          </a:prstGeom>
+          <a:noFill/>
+        </p:spPr>
+        <p:txBody>
+          <a:bodyPr wrap="none" rtlCol="0">
+            <a:spAutoFit/>
+          </a:bodyPr>
+          <a:lstStyle/>
+          <a:p>
+            <a:r>
+              <a:rPr lang="en-US" sz="6600" dirty="0" smtClean="0">
+                <a:solidFill>
+                  <a:srgbClr val="0000FF"/>
+                </a:solidFill>
+                <a:latin typeface="Comic Sans MS" pitchFamily="-128" charset="0"/>
+              </a:rPr>
+              <a:t>Pr{</a:t>
+            </a:r>
+            <a:r>
+              <a:rPr lang="en-US" sz="6600" dirty="0" smtClean="0">
+                <a:solidFill>
+                  <a:srgbClr val="7030A0"/>
+                </a:solidFill>
+                <a:latin typeface="Comic Sans MS" pitchFamily="-128" charset="0"/>
+              </a:rPr>
+              <a:t>switch</a:t>
+            </a:r>
+            <a:r>
+              <a:rPr lang="en-US" sz="6600" dirty="0" smtClean="0">
+                <a:solidFill>
+                  <a:schemeClr val="accent2"/>
+                </a:solidFill>
+                <a:latin typeface="Comic Sans MS" pitchFamily="-128" charset="0"/>
+              </a:rPr>
+              <a:t> </a:t>
+            </a:r>
+            <a:r>
+              <a:rPr lang="en-US" sz="6600" dirty="0" smtClean="0">
+                <a:solidFill>
+                  <a:srgbClr val="008000"/>
+                </a:solidFill>
+                <a:latin typeface="Comic Sans MS" pitchFamily="-128" charset="0"/>
+              </a:rPr>
+              <a:t>wins</a:t>
+            </a:r>
+            <a:r>
+              <a:rPr lang="en-US" sz="6600" dirty="0" smtClean="0">
+                <a:solidFill>
+                  <a:srgbClr val="0000FF"/>
+                </a:solidFill>
+                <a:latin typeface="Comic Sans MS" pitchFamily="-128" charset="0"/>
+              </a:rPr>
+              <a:t>}</a:t>
+            </a:r>
+            <a:r>
+              <a:rPr lang="en-US" sz="4800" dirty="0" smtClean="0">
+                <a:solidFill>
+                  <a:srgbClr val="008000"/>
+                </a:solidFill>
+                <a:latin typeface="Comic Sans MS" pitchFamily="-128" charset="0"/>
+              </a:rPr>
+              <a:t> </a:t>
+            </a:r>
+            <a:endParaRPr lang="en-US" sz="4800" dirty="0">
+              <a:latin typeface="Comic Sans MS" pitchFamily="-128" charset="0"/>
+            </a:endParaRPr>
+          </a:p>
+        </p:txBody>
+      </p:sp>
+      <p:graphicFrame>
+        <p:nvGraphicFramePr>
+          <p:cNvPr id="5" name="Object 4"/>
+          <p:cNvGraphicFramePr>
+            <a:graphicFrameLocks noChangeAspect="1"/>
+          </p:cNvGraphicFramePr>
+          <p:nvPr>
+            <p:extLst>
+              <p:ext uri="{D42A27DB-BD31-4B8C-83A1-F6EECF244321}">
+                <p14:modId xmlns:p14="http://schemas.microsoft.com/office/powerpoint/2010/main" val="1131772491"/>
+              </p:ext>
+            </p:extLst>
+          </p:nvPr>
+        </p:nvGraphicFramePr>
+        <p:xfrm>
+          <a:off x="3820886" y="2794000"/>
+          <a:ext cx="1589314" cy="1854200"/>
+        </p:xfrm>
+        <a:graphic>
+          <a:graphicData uri="http://schemas.openxmlformats.org/presentationml/2006/ole">
+            <mc:AlternateContent xmlns:mc="http://schemas.openxmlformats.org/markup-compatibility/2006">
+              <mc:Choice xmlns:v="urn:schemas-microsoft-com:vml" Requires="v">
+                <p:oleObj spid="_x0000_s1030" name="Equation" r:id="rId4" imgW="609480" imgH="939600" progId="Equation.DSMT4">
+                  <p:embed/>
+                </p:oleObj>
+              </mc:Choice>
+              <mc:Fallback>
+                <p:oleObj name="Equation" r:id="rId4" imgW="609480" imgH="939600" progId="Equation.DSMT4">
+                  <p:embed/>
+                  <p:pic>
+                    <p:nvPicPr>
+                      <p:cNvPr id="0" name=""/>
+                      <p:cNvPicPr>
+                        <a:picLocks noChangeAspect="1" noChangeArrowheads="1"/>
+                      </p:cNvPicPr>
+                      <p:nvPr/>
+                    </p:nvPicPr>
+                    <p:blipFill>
+                      <a:blip r:embed="rId5">
+                        <a:extLst>
+                          <a:ext uri="{28A0092B-C50C-407E-A947-70E740481C1C}">
+                            <a14:useLocalDpi xmlns:a14="http://schemas.microsoft.com/office/drawing/2010/main" val="0"/>
+                          </a:ext>
+                        </a:extLst>
+                      </a:blip>
+                      <a:srcRect/>
+                      <a:stretch>
+                        <a:fillRect/>
+                      </a:stretch>
+                    </p:blipFill>
+                    <p:spPr bwMode="auto">
+                      <a:xfrm>
+                        <a:off x="3820886" y="2794000"/>
+                        <a:ext cx="1589314" cy="1854200"/>
+                      </a:xfrm>
+                      <a:prstGeom prst="rect">
+                        <a:avLst/>
+                      </a:prstGeom>
+                      <a:noFill/>
+                      <a:extLst/>
+                    </p:spPr>
+                  </p:pic>
+                </p:oleObj>
+              </mc:Fallback>
+            </mc:AlternateContent>
+          </a:graphicData>
+        </a:graphic>
+      </p:graphicFrame>
+      <p:sp>
+        <p:nvSpPr>
+          <p:cNvPr id="6" name="Text Box 111"/>
+          <p:cNvSpPr txBox="1">
+            <a:spLocks noChangeArrowheads="1"/>
+          </p:cNvSpPr>
+          <p:nvPr/>
+        </p:nvSpPr>
+        <p:spPr bwMode="auto">
+          <a:xfrm>
+            <a:off x="1828800" y="166688"/>
+            <a:ext cx="5448300" cy="519112"/>
+          </a:xfrm>
+          <a:prstGeom prst="rect">
+            <a:avLst/>
+          </a:prstGeom>
+          <a:noFill/>
+          <a:ln w="9525">
+            <a:noFill/>
+            <a:miter lim="800000"/>
+            <a:headEnd/>
+            <a:tailEnd/>
+          </a:ln>
+        </p:spPr>
+        <p:txBody>
+          <a:bodyPr wrap="none">
+            <a:spAutoFit/>
+          </a:bodyPr>
+          <a:lstStyle/>
+          <a:p>
+            <a:r>
+              <a:rPr lang="en-US" sz="2800" b="1" dirty="0">
+                <a:latin typeface="Comic Sans MS" pitchFamily="-128" charset="0"/>
+              </a:rPr>
+              <a:t>Monty Hall</a:t>
+            </a:r>
+            <a:r>
+              <a:rPr lang="en-US" sz="2800" b="1" dirty="0">
+                <a:solidFill>
+                  <a:schemeClr val="accent2"/>
+                </a:solidFill>
+                <a:latin typeface="Comic Sans MS" pitchFamily="-128" charset="0"/>
+              </a:rPr>
+              <a:t> </a:t>
+            </a:r>
+            <a:r>
+              <a:rPr lang="en-US" sz="2800" b="1" dirty="0">
+                <a:solidFill>
+                  <a:srgbClr val="7030A0"/>
+                </a:solidFill>
+                <a:latin typeface="Comic Sans MS" pitchFamily="-128" charset="0"/>
+              </a:rPr>
+              <a:t>SWITCH</a:t>
+            </a:r>
+            <a:r>
+              <a:rPr lang="en-US" sz="2800" b="1" dirty="0">
+                <a:solidFill>
+                  <a:schemeClr val="accent2"/>
+                </a:solidFill>
+                <a:latin typeface="Comic Sans MS" pitchFamily="-128" charset="0"/>
+              </a:rPr>
+              <a:t> </a:t>
+            </a:r>
+            <a:r>
+              <a:rPr lang="en-US" sz="2800" b="1" dirty="0" smtClean="0">
+                <a:latin typeface="Comic Sans MS" pitchFamily="-128" charset="0"/>
+              </a:rPr>
+              <a:t>strategy</a:t>
+            </a:r>
+            <a:endParaRPr lang="en-US" sz="2800" b="1" dirty="0">
+              <a:latin typeface="Comic Sans MS" pitchFamily="-128" charset="0"/>
+            </a:endParaRPr>
+          </a:p>
+        </p:txBody>
+      </p:sp>
+    </p:spTree>
+    <p:extLst>
+      <p:ext uri="{BB962C8B-B14F-4D97-AF65-F5344CB8AC3E}">
+        <p14:creationId xmlns:p14="http://schemas.microsoft.com/office/powerpoint/2010/main" val="1724663932"/>
+      </p:ext>
+    </p:extLst>
+  </p:cSld>
+  <p:clrMapOvr>
+    <a:masterClrMapping/>
+  </p:clrMapOvr>
+  <mc:AlternateContent xmlns:mc="http://schemas.openxmlformats.org/markup-compatibility/2006" xmlns:p14="http://schemas.microsoft.com/office/powerpoint/2010/main">
+    <mc:Choice Requires="p14">
+      <p:transition spd="med" p14:dur="600" advClick="0">
+        <p:fade/>
+      </p:transition>
+    </mc:Choice>
+    <mc:Fallback xmlns="">
+      <p:transition xmlns:p14="http://schemas.microsoft.com/office/powerpoint/2010/main" spd="med" advClick="0">
+        <p:fade/>
+      </p:transition>
+    </mc:Fallback>
+  </mc:AlternateContent>
+  <p:timing>
+    <p:tnLst>
+      <p:par>
+        <p:cTn xmlns:p14="http://schemas.microsoft.com/office/powerpoint/2010/main" id="1" dur="indefinite" restart="never" nodeType="tmRoot"/>
+      </p:par>
+    </p:tnLst>
+  </p:timing>
+</p:sld>
+</file>
+
+<file path=ppt/slides/slide22.xml><?xml version="1.0" encoding="utf-8"?>
 <p:sld xmlns:a="http://schemas.openxmlformats.org/drawingml/2006/main" xmlns:r="http://schemas.openxmlformats.org/officeDocument/2006/relationships" xmlns:p="http://schemas.openxmlformats.org/presentationml/2006/main">
   <p:cSld>
     <p:spTree>
@@ -21233,7 +23490,7 @@
                 <a:tabLst/>
                 <a:defRPr/>
               </a:pPr>
-              <a:t>19</a:t>
+              <a:t>22</a:t>
             </a:fld>
             <a:endParaRPr kumimoji="0" lang="en-US" sz="1000" b="0" i="0" u="none" strike="noStrike" kern="1200" cap="none" spc="0" normalizeH="0" baseline="0" noProof="0" dirty="0">
               <a:ln>
@@ -21354,7 +23611,7 @@
 </p:sld>
 </file>
 
-<file path=ppt/slides/slide2.xml><?xml version="1.0" encoding="utf-8"?>
+<file path=ppt/slides/slide23.xml><?xml version="1.0" encoding="utf-8"?>
 <p:sld xmlns:a="http://schemas.openxmlformats.org/drawingml/2006/main" xmlns:r="http://schemas.openxmlformats.org/officeDocument/2006/relationships" xmlns:p="http://schemas.openxmlformats.org/presentationml/2006/main">
   <p:cSld>
     <p:spTree>
@@ -21373,7 +23630,7 @@
       </p:grpSpPr>
       <p:sp>
         <p:nvSpPr>
-          <p:cNvPr id="4098" name="Rectangle 2"/>
+          <p:cNvPr id="21506" name="Rectangle 2"/>
           <p:cNvSpPr>
             <a:spLocks noGrp="1" noChangeArrowheads="1"/>
           </p:cNvSpPr>
@@ -21381,24 +23638,29 @@
             <p:ph type="title"/>
           </p:nvPr>
         </p:nvSpPr>
-        <p:spPr/>
+        <p:spPr>
+          <a:xfrm>
+            <a:off x="1295400" y="228600"/>
+            <a:ext cx="6553200" cy="838200"/>
+          </a:xfrm>
+        </p:spPr>
         <p:txBody>
           <a:bodyPr/>
           <a:lstStyle/>
           <a:p>
             <a:pPr eaLnBrk="1" hangingPunct="1"/>
             <a:r>
-              <a:rPr lang="en-US" sz="4400" smtClean="0">
-                <a:latin typeface="Comic Sans MS" pitchFamily="-128" charset="0"/>
-              </a:rPr>
-              <a:t>Counting in Probability</a:t>
+              <a:rPr lang="en-US" sz="3600" dirty="0" smtClean="0">
+                <a:latin typeface="Comic Sans MS" pitchFamily="-128" charset="0"/>
+              </a:rPr>
+              <a:t>Finding Probability</a:t>
             </a:r>
           </a:p>
         </p:txBody>
       </p:sp>
       <p:sp>
         <p:nvSpPr>
-          <p:cNvPr id="4099" name="Rectangle 3"/>
+          <p:cNvPr id="24579" name="Rectangle 3"/>
           <p:cNvSpPr>
             <a:spLocks noGrp="1" noChangeArrowheads="1"/>
           </p:cNvSpPr>
@@ -21408,8 +23670,8 @@
         </p:nvSpPr>
         <p:spPr bwMode="auto">
           <a:xfrm>
-            <a:off x="76200" y="1676400"/>
-            <a:ext cx="6248400" cy="3352800"/>
+            <a:off x="228600" y="1371600"/>
+            <a:ext cx="8458200" cy="5105400"/>
           </a:xfrm>
           <a:prstGeom prst="rect">
             <a:avLst/>
@@ -21422,140 +23684,82 @@
           </a:ln>
         </p:spPr>
         <p:txBody>
-          <a:bodyPr wrap="square">
-            <a:spAutoFit/>
-          </a:bodyPr>
+          <a:bodyPr/>
           <a:lstStyle/>
           <a:p>
-            <a:pPr marL="0" indent="0" eaLnBrk="1" hangingPunct="1">
+            <a:pPr marL="609600" indent="-609600" eaLnBrk="1" hangingPunct="1">
+              <a:lnSpc>
+                <a:spcPct val="90000"/>
+              </a:lnSpc>
               <a:buFontTx/>
               <a:buNone/>
             </a:pPr>
             <a:r>
-              <a:rPr lang="en-US" sz="4400" dirty="0" smtClean="0">
-                <a:latin typeface="Comic Sans MS" pitchFamily="-128" charset="0"/>
-              </a:rPr>
-              <a:t>What is</a:t>
-            </a:r>
-            <a:r>
-              <a:rPr lang="en-US" sz="4400" dirty="0" smtClean="0">
-                <a:solidFill>
-                  <a:srgbClr val="0033CC"/>
-                </a:solidFill>
-                <a:latin typeface="Comic Sans MS" pitchFamily="-128" charset="0"/>
-              </a:rPr>
-              <a:t> </a:t>
-            </a:r>
-            <a:r>
-              <a:rPr lang="en-US" sz="4400" dirty="0" smtClean="0">
-                <a:latin typeface="Comic Sans MS" pitchFamily="-128" charset="0"/>
-              </a:rPr>
-              <a:t>the</a:t>
-            </a:r>
-            <a:r>
-              <a:rPr lang="en-US" sz="4400" dirty="0" smtClean="0">
-                <a:solidFill>
-                  <a:srgbClr val="0033CC"/>
-                </a:solidFill>
-                <a:latin typeface="Comic Sans MS" pitchFamily="-128" charset="0"/>
-              </a:rPr>
-              <a:t> </a:t>
-            </a:r>
-            <a:r>
-              <a:rPr lang="en-US" sz="4400" i="1" dirty="0" smtClean="0">
-                <a:latin typeface="Comic Sans MS" pitchFamily="-128" charset="0"/>
-              </a:rPr>
-              <a:t>probability</a:t>
-            </a:r>
-            <a:r>
-              <a:rPr lang="en-US" sz="4400" dirty="0" smtClean="0">
-                <a:latin typeface="Comic Sans MS" pitchFamily="-128" charset="0"/>
-              </a:rPr>
-              <a:t> of getting</a:t>
-            </a:r>
-          </a:p>
-          <a:p>
-            <a:pPr marL="0" indent="0" algn="ctr" eaLnBrk="1" hangingPunct="1">
+              <a:rPr lang="en-US" sz="3600" dirty="0" smtClean="0">
+                <a:latin typeface="Comic Sans MS" pitchFamily="-128" charset="0"/>
+              </a:rPr>
+              <a:t>Intuition is important but dangerous.</a:t>
+            </a:r>
+          </a:p>
+          <a:p>
+            <a:pPr marL="609600" indent="-609600" eaLnBrk="1" hangingPunct="1">
+              <a:lnSpc>
+                <a:spcPct val="90000"/>
+              </a:lnSpc>
               <a:buFontTx/>
               <a:buNone/>
             </a:pPr>
             <a:r>
-              <a:rPr lang="en-US" sz="5400" dirty="0" smtClean="0">
+              <a:rPr lang="en-US" sz="3600" dirty="0" smtClean="0">
+                <a:latin typeface="Comic Sans MS" pitchFamily="-128" charset="0"/>
+              </a:rPr>
+              <a:t>Stick with </a:t>
+            </a:r>
+            <a:r>
+              <a:rPr lang="en-US" sz="3600" dirty="0" smtClean="0">
                 <a:solidFill>
-                  <a:srgbClr val="7030A0"/>
+                  <a:srgbClr val="008000"/>
                 </a:solidFill>
                 <a:latin typeface="Comic Sans MS" pitchFamily="-128" charset="0"/>
               </a:rPr>
-              <a:t>exactly two</a:t>
-            </a:r>
+              <a:t>4-part </a:t>
+            </a:r>
+            <a:r>
+              <a:rPr lang="en-US" sz="4000" dirty="0" smtClean="0">
+                <a:solidFill>
+                  <a:srgbClr val="008000"/>
+                </a:solidFill>
+                <a:latin typeface="Comic Sans MS" pitchFamily="-128" charset="0"/>
+              </a:rPr>
+              <a:t>method</a:t>
+            </a:r>
+            <a:r>
+              <a:rPr lang="en-US" sz="4000" dirty="0" smtClean="0">
+                <a:latin typeface="Comic Sans MS" pitchFamily="-128" charset="0"/>
+              </a:rPr>
+              <a:t>:</a:t>
+            </a:r>
+          </a:p>
+          <a:p>
+            <a:pPr marL="609600" indent="-609600" eaLnBrk="1" hangingPunct="1">
+              <a:lnSpc>
+                <a:spcPct val="90000"/>
+              </a:lnSpc>
+              <a:buFontTx/>
+              <a:buAutoNum type="arabicPeriod"/>
+            </a:pPr>
             <a:r>
               <a:rPr lang="en-US" sz="4400" dirty="0" smtClean="0">
-                <a:solidFill>
-                  <a:srgbClr val="7030A0"/>
-                </a:solidFill>
-                <a:latin typeface="Comic Sans MS" pitchFamily="-128" charset="0"/>
-              </a:rPr>
-              <a:t> </a:t>
-            </a:r>
-            <a:r>
-              <a:rPr lang="en-US" sz="5400" dirty="0" smtClean="0">
-                <a:solidFill>
-                  <a:srgbClr val="7030A0"/>
-                </a:solidFill>
-                <a:latin typeface="Comic Sans MS" pitchFamily="-128" charset="0"/>
-              </a:rPr>
-              <a:t>jacks</a:t>
-            </a:r>
-          </a:p>
-          <a:p>
-            <a:pPr marL="0" indent="0" eaLnBrk="1" hangingPunct="1">
-              <a:buFontTx/>
-              <a:buNone/>
-            </a:pPr>
-            <a:r>
-              <a:rPr lang="en-US" sz="4400" dirty="0" smtClean="0">
-                <a:latin typeface="Comic Sans MS" pitchFamily="-128" charset="0"/>
-              </a:rPr>
-              <a:t>in a poker hand?</a:t>
+                <a:latin typeface="Comic Sans MS" pitchFamily="-128" charset="0"/>
+              </a:rPr>
+              <a:t>Identify outcomes</a:t>
             </a:r>
           </a:p>
         </p:txBody>
       </p:sp>
-      <p:pic>
-        <p:nvPicPr>
-          <p:cNvPr id="4100" name="Picture 4" descr="sl12212"/>
-          <p:cNvPicPr>
-            <a:picLocks noChangeAspect="1" noChangeArrowheads="1"/>
-          </p:cNvPicPr>
-          <p:nvPr/>
-        </p:nvPicPr>
-        <p:blipFill>
-          <a:blip r:embed="rId3"/>
-          <a:srcRect/>
-          <a:stretch>
-            <a:fillRect/>
-          </a:stretch>
-        </p:blipFill>
-        <p:spPr bwMode="auto">
-          <a:xfrm>
-            <a:off x="6683375" y="1905000"/>
-            <a:ext cx="2003425" cy="2540000"/>
-          </a:xfrm>
-          <a:prstGeom prst="rect">
-            <a:avLst/>
-          </a:prstGeom>
-          <a:noFill/>
-          <a:ln w="9525">
-            <a:noFill/>
-            <a:miter lim="800000"/>
-            <a:headEnd/>
-            <a:tailEnd/>
-          </a:ln>
-        </p:spPr>
-      </p:pic>
-      <p:sp>
-        <p:nvSpPr>
-          <p:cNvPr id="5" name="Rectangle 11"/>
+      <p:sp>
+        <p:nvSpPr>
+          <p:cNvPr id="4" name="Rectangle 11"/>
           <p:cNvSpPr txBox="1">
             <a:spLocks noChangeArrowheads="1"/>
           </p:cNvSpPr>
@@ -21674,320 +23878,7 @@
                 <a:tabLst/>
                 <a:defRPr/>
               </a:pPr>
-              <a:t>2</a:t>
-            </a:fld>
-            <a:endParaRPr kumimoji="0" lang="en-US" sz="1000" b="0" i="0" u="none" strike="noStrike" kern="1200" cap="none" spc="0" normalizeH="0" baseline="0" noProof="0" dirty="0">
-              <a:ln>
-                <a:noFill/>
-              </a:ln>
-              <a:solidFill>
-                <a:schemeClr val="tx1"/>
-              </a:solidFill>
-              <a:effectLst/>
-              <a:uLnTx/>
-              <a:uFillTx/>
-              <a:latin typeface="Comic Sans MS" pitchFamily="66" charset="0"/>
-              <a:ea typeface="+mn-ea"/>
-              <a:cs typeface="+mn-cs"/>
-            </a:endParaRPr>
-          </a:p>
-        </p:txBody>
-      </p:sp>
-    </p:spTree>
-  </p:cSld>
-  <p:clrMapOvr>
-    <a:masterClrMapping/>
-  </p:clrMapOvr>
-  <p:transition xmlns:p14="http://schemas.microsoft.com/office/powerpoint/2010/main" spd="slow" advClick="0">
-    <p:fade thruBlk="1"/>
-  </p:transition>
-  <p:timing>
-    <p:tnLst>
-      <p:par>
-        <p:cTn xmlns:p14="http://schemas.microsoft.com/office/powerpoint/2010/main" id="1" dur="indefinite" restart="never" nodeType="tmRoot"/>
-      </p:par>
-    </p:tnLst>
-  </p:timing>
-</p:sld>
-</file>
-
-<file path=ppt/slides/slide20.xml><?xml version="1.0" encoding="utf-8"?>
-<p:sld xmlns:a="http://schemas.openxmlformats.org/drawingml/2006/main" xmlns:r="http://schemas.openxmlformats.org/officeDocument/2006/relationships" xmlns:p="http://schemas.openxmlformats.org/presentationml/2006/main">
-  <p:cSld>
-    <p:spTree>
-      <p:nvGrpSpPr>
-        <p:cNvPr id="1" name=""/>
-        <p:cNvGrpSpPr/>
-        <p:nvPr/>
-      </p:nvGrpSpPr>
-      <p:grpSpPr>
-        <a:xfrm>
-          <a:off x="0" y="0"/>
-          <a:ext cx="0" cy="0"/>
-          <a:chOff x="0" y="0"/>
-          <a:chExt cx="0" cy="0"/>
-        </a:xfrm>
-      </p:grpSpPr>
-      <p:sp>
-        <p:nvSpPr>
-          <p:cNvPr id="21506" name="Rectangle 2"/>
-          <p:cNvSpPr>
-            <a:spLocks noGrp="1" noChangeArrowheads="1"/>
-          </p:cNvSpPr>
-          <p:nvPr>
-            <p:ph type="title"/>
-          </p:nvPr>
-        </p:nvSpPr>
-        <p:spPr>
-          <a:xfrm>
-            <a:off x="1295400" y="228600"/>
-            <a:ext cx="6553200" cy="838200"/>
-          </a:xfrm>
-        </p:spPr>
-        <p:txBody>
-          <a:bodyPr/>
-          <a:lstStyle/>
-          <a:p>
-            <a:pPr eaLnBrk="1" hangingPunct="1"/>
-            <a:r>
-              <a:rPr lang="en-US" sz="3600" dirty="0" smtClean="0">
-                <a:latin typeface="Comic Sans MS" pitchFamily="-128" charset="0"/>
-              </a:rPr>
-              <a:t>Finding Probability</a:t>
-            </a:r>
-          </a:p>
-        </p:txBody>
-      </p:sp>
-      <p:sp>
-        <p:nvSpPr>
-          <p:cNvPr id="24579" name="Rectangle 3"/>
-          <p:cNvSpPr>
-            <a:spLocks noGrp="1" noChangeArrowheads="1"/>
-          </p:cNvSpPr>
-          <p:nvPr>
-            <p:ph type="body" idx="4294967295"/>
-          </p:nvPr>
-        </p:nvSpPr>
-        <p:spPr bwMode="auto">
-          <a:xfrm>
-            <a:off x="228600" y="1371600"/>
-            <a:ext cx="8458200" cy="5105400"/>
-          </a:xfrm>
-          <a:prstGeom prst="rect">
-            <a:avLst/>
-          </a:prstGeom>
-          <a:noFill/>
-          <a:ln>
-            <a:miter lim="800000"/>
-            <a:headEnd/>
-            <a:tailEnd/>
-          </a:ln>
-        </p:spPr>
-        <p:txBody>
-          <a:bodyPr/>
-          <a:lstStyle/>
-          <a:p>
-            <a:pPr marL="609600" indent="-609600" eaLnBrk="1" hangingPunct="1">
-              <a:lnSpc>
-                <a:spcPct val="90000"/>
-              </a:lnSpc>
-              <a:buFontTx/>
-              <a:buNone/>
-            </a:pPr>
-            <a:r>
-              <a:rPr lang="en-US" sz="3600" dirty="0" smtClean="0">
-                <a:latin typeface="Comic Sans MS" pitchFamily="-128" charset="0"/>
-              </a:rPr>
-              <a:t>Intuition is important but dangerous.</a:t>
-            </a:r>
-          </a:p>
-          <a:p>
-            <a:pPr marL="609600" indent="-609600" eaLnBrk="1" hangingPunct="1">
-              <a:lnSpc>
-                <a:spcPct val="90000"/>
-              </a:lnSpc>
-              <a:buFontTx/>
-              <a:buNone/>
-            </a:pPr>
-            <a:r>
-              <a:rPr lang="en-US" sz="3600" dirty="0" smtClean="0">
-                <a:latin typeface="Comic Sans MS" pitchFamily="-128" charset="0"/>
-              </a:rPr>
-              <a:t>Stick with </a:t>
-            </a:r>
-            <a:r>
-              <a:rPr lang="en-US" sz="3600" dirty="0" smtClean="0">
-                <a:solidFill>
-                  <a:srgbClr val="008000"/>
-                </a:solidFill>
-                <a:latin typeface="Comic Sans MS" pitchFamily="-128" charset="0"/>
-              </a:rPr>
-              <a:t>4-part </a:t>
-            </a:r>
-            <a:r>
-              <a:rPr lang="en-US" sz="4000" dirty="0" smtClean="0">
-                <a:solidFill>
-                  <a:srgbClr val="008000"/>
-                </a:solidFill>
-                <a:latin typeface="Comic Sans MS" pitchFamily="-128" charset="0"/>
-              </a:rPr>
-              <a:t>method</a:t>
-            </a:r>
-            <a:r>
-              <a:rPr lang="en-US" sz="4000" dirty="0" smtClean="0">
-                <a:latin typeface="Comic Sans MS" pitchFamily="-128" charset="0"/>
-              </a:rPr>
-              <a:t>:</a:t>
-            </a:r>
-          </a:p>
-          <a:p>
-            <a:pPr marL="609600" indent="-609600" eaLnBrk="1" hangingPunct="1">
-              <a:lnSpc>
-                <a:spcPct val="90000"/>
-              </a:lnSpc>
-              <a:buFontTx/>
-              <a:buAutoNum type="arabicPeriod"/>
-            </a:pPr>
-            <a:r>
-              <a:rPr lang="en-US" sz="4400" dirty="0" smtClean="0">
-                <a:latin typeface="Comic Sans MS" pitchFamily="-128" charset="0"/>
-              </a:rPr>
-              <a:t>Identify </a:t>
-            </a:r>
-            <a:r>
-              <a:rPr lang="en-US" sz="4400" dirty="0" smtClean="0">
-                <a:latin typeface="Comic Sans MS" pitchFamily="-128" charset="0"/>
-              </a:rPr>
-              <a:t>outcomes</a:t>
-            </a:r>
-            <a:endParaRPr lang="en-US" sz="4400" dirty="0" smtClean="0">
-              <a:latin typeface="Comic Sans MS" pitchFamily="-128" charset="0"/>
-            </a:endParaRPr>
-          </a:p>
-        </p:txBody>
-      </p:sp>
-      <p:sp>
-        <p:nvSpPr>
-          <p:cNvPr id="4" name="Rectangle 11"/>
-          <p:cNvSpPr txBox="1">
-            <a:spLocks noChangeArrowheads="1"/>
-          </p:cNvSpPr>
-          <p:nvPr/>
-        </p:nvSpPr>
-        <p:spPr bwMode="auto">
-          <a:xfrm>
-            <a:off x="6400800" y="6613525"/>
-            <a:ext cx="2667000" cy="244475"/>
-          </a:xfrm>
-          <a:prstGeom prst="rect">
-            <a:avLst/>
-          </a:prstGeom>
-          <a:noFill/>
-          <a:ln w="9525">
-            <a:noFill/>
-            <a:miter lim="800000"/>
-            <a:headEnd/>
-            <a:tailEnd/>
-          </a:ln>
-          <a:effectLst/>
-        </p:spPr>
-        <p:txBody>
-          <a:bodyPr vert="horz" wrap="square" lIns="91440" tIns="45720" rIns="91440" bIns="45720" numCol="1" anchor="t" anchorCtr="0" compatLnSpc="1">
-            <a:prstTxWarp prst="textNoShape">
-              <a:avLst/>
-            </a:prstTxWarp>
-            <a:spAutoFit/>
-          </a:bodyPr>
-          <a:lstStyle>
-            <a:lvl1pPr algn="r">
-              <a:defRPr sz="1000"/>
-            </a:lvl1pPr>
-          </a:lstStyle>
-          <a:p>
-            <a:pPr marL="0" marR="0" lvl="0" indent="0" algn="r" defTabSz="914400" rtl="0" eaLnBrk="1" fontAlgn="base" latinLnBrk="0" hangingPunct="1">
-              <a:lnSpc>
-                <a:spcPct val="100000"/>
-              </a:lnSpc>
-              <a:spcBef>
-                <a:spcPct val="0"/>
-              </a:spcBef>
-              <a:spcAft>
-                <a:spcPct val="0"/>
-              </a:spcAft>
-              <a:buClrTx/>
-              <a:buSzTx/>
-              <a:buFontTx/>
-              <a:buNone/>
-              <a:tabLst/>
-              <a:defRPr/>
-            </a:pPr>
-            <a:r>
-              <a:rPr kumimoji="0" lang="en-US" sz="1000" b="0" i="0" u="none" strike="noStrike" kern="1200" cap="none" spc="0" normalizeH="0" baseline="0" noProof="0" dirty="0" err="1" smtClean="0">
-                <a:ln>
-                  <a:noFill/>
-                </a:ln>
-                <a:solidFill>
-                  <a:schemeClr val="tx1"/>
-                </a:solidFill>
-                <a:effectLst/>
-                <a:uLnTx/>
-                <a:uFillTx/>
-                <a:latin typeface="Comic Sans MS" pitchFamily="66" charset="0"/>
-                <a:ea typeface="+mn-ea"/>
-                <a:cs typeface="+mn-cs"/>
-              </a:rPr>
-              <a:t>probintro</a:t>
-            </a:r>
-            <a:r>
-              <a:rPr kumimoji="0" lang="en-US" sz="1000" b="0" i="0" u="none" strike="noStrike" kern="1200" cap="none" spc="0" normalizeH="0" baseline="0" noProof="0" dirty="0" smtClean="0">
-                <a:ln>
-                  <a:noFill/>
-                </a:ln>
-                <a:solidFill>
-                  <a:schemeClr val="tx1"/>
-                </a:solidFill>
-                <a:effectLst/>
-                <a:uLnTx/>
-                <a:uFillTx/>
-                <a:latin typeface="Comic Sans MS" pitchFamily="66" charset="0"/>
-                <a:ea typeface="+mn-ea"/>
-                <a:cs typeface="+mn-cs"/>
-              </a:rPr>
-              <a:t>.</a:t>
-            </a:r>
-            <a:fld id="{17233D2A-0857-4415-88C1-423492E69A26}" type="slidenum">
-              <a:rPr kumimoji="0" lang="en-US" sz="1000" b="0" i="0" u="none" strike="noStrike" kern="1200" cap="none" spc="0" normalizeH="0" baseline="0" noProof="0" smtClean="0">
-                <a:ln>
-                  <a:noFill/>
-                </a:ln>
-                <a:solidFill>
-                  <a:schemeClr val="tx1"/>
-                </a:solidFill>
-                <a:effectLst/>
-                <a:uLnTx/>
-                <a:uFillTx/>
-                <a:latin typeface="Comic Sans MS" pitchFamily="66" charset="0"/>
-                <a:ea typeface="+mn-ea"/>
-                <a:cs typeface="+mn-cs"/>
-              </a:rPr>
-              <a:pPr marL="0" marR="0" lvl="0" indent="0" algn="r" defTabSz="914400" rtl="0" eaLnBrk="1" fontAlgn="base" latinLnBrk="0" hangingPunct="1">
-                <a:lnSpc>
-                  <a:spcPct val="100000"/>
-                </a:lnSpc>
-                <a:spcBef>
-                  <a:spcPct val="0"/>
-                </a:spcBef>
-                <a:spcAft>
-                  <a:spcPct val="0"/>
-                </a:spcAft>
-                <a:buClrTx/>
-                <a:buSzTx/>
-                <a:buFontTx/>
-                <a:buNone/>
-                <a:tabLst/>
-                <a:defRPr/>
-              </a:pPr>
-              <a:t>20</a:t>
+              <a:t>23</a:t>
             </a:fld>
             <a:endParaRPr kumimoji="0" lang="en-US" sz="1000" b="0" i="0" u="none" strike="noStrike" kern="1200" cap="none" spc="0" normalizeH="0" baseline="0" noProof="0" dirty="0">
               <a:ln>
@@ -22113,7 +24004,7 @@
 </p:sld>
 </file>
 
-<file path=ppt/slides/slide21.xml><?xml version="1.0" encoding="utf-8"?>
+<file path=ppt/slides/slide24.xml><?xml version="1.0" encoding="utf-8"?>
 <p:sld xmlns:a="http://schemas.openxmlformats.org/drawingml/2006/main" xmlns:r="http://schemas.openxmlformats.org/officeDocument/2006/relationships" xmlns:p="http://schemas.openxmlformats.org/presentationml/2006/main">
   <p:cSld>
     <p:spTree>
@@ -22464,7 +24355,7 @@
                 <a:tabLst/>
                 <a:defRPr/>
               </a:pPr>
-              <a:t>21</a:t>
+              <a:t>24</a:t>
             </a:fld>
             <a:endParaRPr kumimoji="0" lang="en-US" sz="1000" b="0" i="0" u="none" strike="noStrike" kern="1200" cap="none" spc="0" normalizeH="0" baseline="0" noProof="0" dirty="0">
               <a:ln>
@@ -22493,13 +24384,13 @@
   <p:clrMapOvr>
     <a:masterClrMapping/>
   </p:clrMapOvr>
-  <mc:AlternateContent xmlns:mc="http://schemas.openxmlformats.org/markup-compatibility/2006">
-    <mc:Choice xmlns:p14="http://schemas.microsoft.com/office/powerpoint/2010/main" Requires="p14">
+  <mc:AlternateContent xmlns:mc="http://schemas.openxmlformats.org/markup-compatibility/2006" xmlns:p14="http://schemas.microsoft.com/office/powerpoint/2010/main">
+    <mc:Choice Requires="p14">
       <p:transition spd="med" p14:dur="600" advClick="0">
         <p:fade/>
       </p:transition>
     </mc:Choice>
-    <mc:Fallback>
+    <mc:Fallback xmlns="">
       <p:transition xmlns:p14="http://schemas.microsoft.com/office/powerpoint/2010/main" spd="med" advClick="0">
         <p:fade/>
       </p:transition>
@@ -23141,7 +25032,7 @@
           <a:graphicData uri="http://schemas.openxmlformats.org/presentationml/2006/ole">
             <mc:AlternateContent xmlns:mc="http://schemas.openxmlformats.org/markup-compatibility/2006">
               <mc:Choice xmlns:v="urn:schemas-microsoft-com:vml" Requires="v">
-                <p:oleObj spid="_x0000_s34897" name="Equation" r:id="rId5" imgW="317500" imgH="533400" progId="Equation.DSMT4">
+                <p:oleObj spid="_x0000_s34911" name="Equation" r:id="rId5" imgW="317500" imgH="533400" progId="Equation.DSMT4">
                   <p:embed/>
                 </p:oleObj>
               </mc:Choice>
@@ -23211,7 +25102,7 @@
           <a:graphicData uri="http://schemas.openxmlformats.org/presentationml/2006/ole">
             <mc:AlternateContent xmlns:mc="http://schemas.openxmlformats.org/markup-compatibility/2006">
               <mc:Choice xmlns:v="urn:schemas-microsoft-com:vml" Requires="v">
-                <p:oleObj spid="_x0000_s34898" name="Equation" r:id="rId7" imgW="787400" imgH="533400" progId="Equation.DSMT4">
+                <p:oleObj spid="_x0000_s34912" name="Equation" r:id="rId7" imgW="787400" imgH="533400" progId="Equation.DSMT4">
                   <p:embed/>
                 </p:oleObj>
               </mc:Choice>
@@ -23273,7 +25164,7 @@
           <a:graphicData uri="http://schemas.openxmlformats.org/presentationml/2006/ole">
             <mc:AlternateContent xmlns:mc="http://schemas.openxmlformats.org/markup-compatibility/2006">
               <mc:Choice xmlns:v="urn:schemas-microsoft-com:vml" Requires="v">
-                <p:oleObj spid="_x0000_s34899" name="Equation" r:id="rId9" imgW="812800" imgH="1168400" progId="Equation.DSMT4">
+                <p:oleObj spid="_x0000_s34913" name="Equation" r:id="rId9" imgW="812800" imgH="1168400" progId="Equation.DSMT4">
                   <p:embed/>
                 </p:oleObj>
               </mc:Choice>
@@ -23856,7 +25747,7 @@
           <a:graphicData uri="http://schemas.openxmlformats.org/presentationml/2006/ole">
             <mc:AlternateContent xmlns:mc="http://schemas.openxmlformats.org/markup-compatibility/2006">
               <mc:Choice xmlns:v="urn:schemas-microsoft-com:vml" Requires="v">
-                <p:oleObj spid="_x0000_s245797" name="Equation" r:id="rId4" imgW="2412720" imgH="469800" progId="Equation.DSMT4">
+                <p:oleObj spid="_x0000_s245803" name="Equation" r:id="rId4" imgW="2412720" imgH="469800" progId="Equation.DSMT4">
                   <p:embed/>
                 </p:oleObj>
               </mc:Choice>
@@ -25212,13 +27103,13 @@
   <p:clrMapOvr>
     <a:masterClrMapping/>
   </p:clrMapOvr>
-  <mc:AlternateContent xmlns:mc="http://schemas.openxmlformats.org/markup-compatibility/2006">
-    <mc:Choice xmlns:p14="http://schemas.microsoft.com/office/powerpoint/2010/main" Requires="p14">
+  <mc:AlternateContent xmlns:mc="http://schemas.openxmlformats.org/markup-compatibility/2006" xmlns:p14="http://schemas.microsoft.com/office/powerpoint/2010/main">
+    <mc:Choice Requires="p14">
       <p:transition spd="med" p14:dur="700">
         <p:fade/>
       </p:transition>
     </mc:Choice>
-    <mc:Fallback>
+    <mc:Fallback xmlns="">
       <p:transition xmlns:p14="http://schemas.microsoft.com/office/powerpoint/2010/main" spd="med">
         <p:fade/>
       </p:transition>
@@ -26531,35 +28422,23 @@
   <a:objectDefaults>
     <a:spDef>
       <a:spPr bwMode="auto">
-        <a:xfrm>
-          <a:off x="0" y="0"/>
-          <a:ext cx="1" cy="1"/>
-        </a:xfrm>
-        <a:custGeom>
-          <a:avLst/>
-          <a:gdLst/>
-          <a:ahLst/>
-          <a:cxnLst/>
-          <a:rect l="0" t="0" r="0" b="0"/>
-          <a:pathLst/>
-        </a:custGeom>
         <a:solidFill>
           <a:schemeClr val="accent1">
             <a:alpha val="0"/>
           </a:schemeClr>
         </a:solidFill>
-        <a:ln w="28575" cap="flat" cmpd="sng" algn="ctr">
+        <a:ln w="44450" cap="flat" cmpd="sng" algn="ctr">
           <a:solidFill>
             <a:srgbClr val="FF00FF"/>
           </a:solidFill>
-          <a:prstDash val="sysDot"/>
+          <a:prstDash val="sysDash"/>
           <a:round/>
           <a:headEnd type="none" w="med" len="med"/>
           <a:tailEnd type="none" w="med" len="med"/>
         </a:ln>
         <a:effectLst/>
       </a:spPr>
-      <a:bodyPr vert="horz" wrap="square" lIns="91440" tIns="45720" rIns="91440" bIns="45720" numCol="1" anchor="t" anchorCtr="0" compatLnSpc="1">
+      <a:bodyPr vert="horz" wrap="square" lIns="91440" tIns="45720" rIns="91440" bIns="45720" numCol="1" rtlCol="0" anchor="t" anchorCtr="0" compatLnSpc="1">
         <a:prstTxWarp prst="textNoShape">
           <a:avLst/>
         </a:prstTxWarp>
@@ -26580,7 +28459,7 @@
           <a:buFontTx/>
           <a:buNone/>
           <a:tabLst/>
-          <a:defRPr kumimoji="0" lang="en-US" sz="4400" b="0" i="0" u="none" strike="noStrike" cap="none" normalizeH="0" baseline="0" smtClean="0">
+          <a:defRPr kumimoji="0" sz="4400" b="0" i="0" u="none" strike="noStrike" cap="none" normalizeH="0" baseline="0" smtClean="0">
             <a:ln>
               <a:noFill/>
             </a:ln>

--- a/spring13/slides13/prob-intro-tree-model.pptx
+++ b/spring13/slides13/prob-intro-tree-model.pptx
@@ -22970,7 +22970,7 @@
         <p:spPr>
           <a:xfrm>
             <a:off x="1524000" y="1600200"/>
-            <a:ext cx="6126722" cy="1107996"/>
+            <a:ext cx="6144080" cy="1107996"/>
           </a:xfrm>
           <a:prstGeom prst="rect">
             <a:avLst/>
@@ -22984,13 +22984,22 @@
           <a:lstStyle/>
           <a:p>
             <a:r>
+              <a:rPr lang="en-US" sz="6600" dirty="0" err="1" smtClean="0">
+                <a:solidFill>
+                  <a:srgbClr val="0000FF"/>
+                </a:solidFill>
+                <a:latin typeface="Comic Sans MS" pitchFamily="-128" charset="0"/>
+              </a:rPr>
+              <a:t>Pr</a:t>
+            </a:r>
+            <a:r>
               <a:rPr lang="en-US" sz="6600" dirty="0" smtClean="0">
                 <a:solidFill>
                   <a:srgbClr val="0000FF"/>
                 </a:solidFill>
                 <a:latin typeface="Comic Sans MS" pitchFamily="-128" charset="0"/>
               </a:rPr>
-              <a:t>Pr{</a:t>
+              <a:t>[</a:t>
             </a:r>
             <a:r>
               <a:rPr lang="en-US" sz="6600" dirty="0" smtClean="0">
@@ -23020,13 +23029,13 @@
               <a:t>wins</a:t>
             </a:r>
             <a:r>
-              <a:rPr lang="en-US" sz="6600" dirty="0" smtClean="0">
+              <a:rPr lang="en-US" sz="6600" dirty="0">
                 <a:solidFill>
                   <a:srgbClr val="0000FF"/>
                 </a:solidFill>
                 <a:latin typeface="Comic Sans MS" pitchFamily="-128" charset="0"/>
               </a:rPr>
-              <a:t>}</a:t>
+              <a:t>]</a:t>
             </a:r>
             <a:r>
               <a:rPr lang="en-US" sz="4800" dirty="0" smtClean="0">
@@ -23065,7 +23074,7 @@
           <a:graphicData uri="http://schemas.openxmlformats.org/presentationml/2006/ole">
             <mc:AlternateContent xmlns:mc="http://schemas.openxmlformats.org/markup-compatibility/2006">
               <mc:Choice xmlns:v="urn:schemas-microsoft-com:vml" Requires="v">
-                <p:oleObj spid="_x0000_s1030" name="Equation" r:id="rId4" imgW="609480" imgH="939600" progId="Equation.DSMT4">
+                <p:oleObj spid="_x0000_s1032" name="Equation" r:id="rId4" imgW="609480" imgH="939600" progId="Equation.DSMT4">
                   <p:embed/>
                 </p:oleObj>
               </mc:Choice>
@@ -24714,13 +24723,23 @@
               <a:t>    </a:t>
             </a:r>
             <a:r>
-              <a:rPr lang="en-US" dirty="0">
+              <a:rPr lang="en-US" dirty="0" err="1" smtClean="0">
                 <a:latin typeface="Comic Sans MS" pitchFamily="66" charset="0"/>
               </a:rPr>
-              <a:t>Pr{2 Jacks}</a:t>
+              <a:t>Pr</a:t>
             </a:r>
             <a:r>
               <a:rPr lang="en-US" dirty="0"/>
+              <a:t>[</a:t>
+            </a:r>
+            <a:r>
+              <a:rPr lang="en-US" dirty="0" smtClean="0">
+                <a:latin typeface="Comic Sans MS" pitchFamily="66" charset="0"/>
+              </a:rPr>
+              <a:t>2 Jacks]</a:t>
+            </a:r>
+            <a:r>
+              <a:rPr lang="en-US" dirty="0" smtClean="0"/>
               <a:t> </a:t>
             </a:r>
             <a:r>
@@ -25032,7 +25051,7 @@
           <a:graphicData uri="http://schemas.openxmlformats.org/presentationml/2006/ole">
             <mc:AlternateContent xmlns:mc="http://schemas.openxmlformats.org/markup-compatibility/2006">
               <mc:Choice xmlns:v="urn:schemas-microsoft-com:vml" Requires="v">
-                <p:oleObj spid="_x0000_s34911" name="Equation" r:id="rId5" imgW="317500" imgH="533400" progId="Equation.DSMT4">
+                <p:oleObj spid="_x0000_s34915" name="Equation" r:id="rId5" imgW="317500" imgH="533400" progId="Equation.DSMT4">
                   <p:embed/>
                 </p:oleObj>
               </mc:Choice>
@@ -25102,7 +25121,7 @@
           <a:graphicData uri="http://schemas.openxmlformats.org/presentationml/2006/ole">
             <mc:AlternateContent xmlns:mc="http://schemas.openxmlformats.org/markup-compatibility/2006">
               <mc:Choice xmlns:v="urn:schemas-microsoft-com:vml" Requires="v">
-                <p:oleObj spid="_x0000_s34912" name="Equation" r:id="rId7" imgW="787400" imgH="533400" progId="Equation.DSMT4">
+                <p:oleObj spid="_x0000_s34916" name="Equation" r:id="rId7" imgW="787400" imgH="533400" progId="Equation.DSMT4">
                   <p:embed/>
                 </p:oleObj>
               </mc:Choice>
@@ -25164,7 +25183,7 @@
           <a:graphicData uri="http://schemas.openxmlformats.org/presentationml/2006/ole">
             <mc:AlternateContent xmlns:mc="http://schemas.openxmlformats.org/markup-compatibility/2006">
               <mc:Choice xmlns:v="urn:schemas-microsoft-com:vml" Requires="v">
-                <p:oleObj spid="_x0000_s34913" name="Equation" r:id="rId9" imgW="812800" imgH="1168400" progId="Equation.DSMT4">
+                <p:oleObj spid="_x0000_s34917" name="Equation" r:id="rId9" imgW="812800" imgH="1168400" progId="Equation.DSMT4">
                   <p:embed/>
                 </p:oleObj>
               </mc:Choice>
@@ -25737,22 +25756,28 @@
           <p:cNvGraphicFramePr>
             <a:graphicFrameLocks noChangeAspect="1"/>
           </p:cNvGraphicFramePr>
-          <p:nvPr/>
+          <p:nvPr>
+            <p:extLst>
+              <p:ext uri="{D42A27DB-BD31-4B8C-83A1-F6EECF244321}">
+                <p14:modId xmlns:p14="http://schemas.microsoft.com/office/powerpoint/2010/main" val="2400386688"/>
+              </p:ext>
+            </p:extLst>
+          </p:nvPr>
         </p:nvGraphicFramePr>
         <p:xfrm>
-          <a:off x="554038" y="4703763"/>
-          <a:ext cx="8045450" cy="1565275"/>
+          <a:off x="617538" y="4640263"/>
+          <a:ext cx="7918450" cy="1692275"/>
         </p:xfrm>
         <a:graphic>
           <a:graphicData uri="http://schemas.openxmlformats.org/presentationml/2006/ole">
             <mc:AlternateContent xmlns:mc="http://schemas.openxmlformats.org/markup-compatibility/2006">
               <mc:Choice xmlns:v="urn:schemas-microsoft-com:vml" Requires="v">
-                <p:oleObj spid="_x0000_s245803" name="Equation" r:id="rId4" imgW="2412720" imgH="469800" progId="Equation.DSMT4">
+                <p:oleObj spid="_x0000_s245805" name="Equation" r:id="rId4" imgW="2374900" imgH="508000" progId="Equation.DSMT4">
                   <p:embed/>
                 </p:oleObj>
               </mc:Choice>
               <mc:Fallback>
-                <p:oleObj name="Equation" r:id="rId4" imgW="2412720" imgH="469800" progId="Equation.DSMT4">
+                <p:oleObj name="Equation" r:id="rId4" imgW="2374900" imgH="508000" progId="Equation.DSMT4">
                   <p:embed/>
                   <p:pic>
                     <p:nvPicPr>
@@ -25763,13 +25788,7 @@
                       <p:nvPr/>
                     </p:nvPicPr>
                     <p:blipFill>
-                      <a:blip r:embed="rId5">
-                        <a:extLst>
-                          <a:ext uri="{28A0092B-C50C-407E-A947-70E740481C1C}">
-                            <a14:useLocalDpi xmlns:a14="http://schemas.microsoft.com/office/drawing/2010/main" val="0"/>
-                          </a:ext>
-                        </a:extLst>
-                      </a:blip>
+                      <a:blip r:embed="rId5"/>
                       <a:srcRect/>
                       <a:stretch>
                         <a:fillRect/>
@@ -25777,8 +25796,8 @@
                     </p:blipFill>
                     <p:spPr bwMode="auto">
                       <a:xfrm>
-                        <a:off x="554038" y="4703763"/>
-                        <a:ext cx="8045450" cy="1565275"/>
+                        <a:off x="617538" y="4640263"/>
+                        <a:ext cx="7918450" cy="1692275"/>
                       </a:xfrm>
                       <a:prstGeom prst="rect">
                         <a:avLst/>
